--- a/論文圖片.pptx
+++ b/論文圖片.pptx
@@ -5,10 +5,45 @@
     <p:sldMasterId id="2147483648" r:id="rId4"/>
   </p:sldMasterIdLst>
   <p:notesMasterIdLst>
-    <p:notesMasterId r:id="rId6"/>
+    <p:notesMasterId r:id="rId41"/>
   </p:notesMasterIdLst>
   <p:sldIdLst>
     <p:sldId id="417" r:id="rId5"/>
+    <p:sldId id="448" r:id="rId6"/>
+    <p:sldId id="449" r:id="rId7"/>
+    <p:sldId id="450" r:id="rId8"/>
+    <p:sldId id="451" r:id="rId9"/>
+    <p:sldId id="452" r:id="rId10"/>
+    <p:sldId id="453" r:id="rId11"/>
+    <p:sldId id="454" r:id="rId12"/>
+    <p:sldId id="418" r:id="rId13"/>
+    <p:sldId id="420" r:id="rId14"/>
+    <p:sldId id="421" r:id="rId15"/>
+    <p:sldId id="423" r:id="rId16"/>
+    <p:sldId id="424" r:id="rId17"/>
+    <p:sldId id="425" r:id="rId18"/>
+    <p:sldId id="426" r:id="rId19"/>
+    <p:sldId id="427" r:id="rId20"/>
+    <p:sldId id="428" r:id="rId21"/>
+    <p:sldId id="429" r:id="rId22"/>
+    <p:sldId id="430" r:id="rId23"/>
+    <p:sldId id="431" r:id="rId24"/>
+    <p:sldId id="432" r:id="rId25"/>
+    <p:sldId id="433" r:id="rId26"/>
+    <p:sldId id="434" r:id="rId27"/>
+    <p:sldId id="435" r:id="rId28"/>
+    <p:sldId id="436" r:id="rId29"/>
+    <p:sldId id="437" r:id="rId30"/>
+    <p:sldId id="438" r:id="rId31"/>
+    <p:sldId id="439" r:id="rId32"/>
+    <p:sldId id="440" r:id="rId33"/>
+    <p:sldId id="441" r:id="rId34"/>
+    <p:sldId id="442" r:id="rId35"/>
+    <p:sldId id="443" r:id="rId36"/>
+    <p:sldId id="444" r:id="rId37"/>
+    <p:sldId id="445" r:id="rId38"/>
+    <p:sldId id="446" r:id="rId39"/>
+    <p:sldId id="447" r:id="rId40"/>
   </p:sldIdLst>
   <p:sldSz cx="12192000" cy="6858000"/>
   <p:notesSz cx="6858000" cy="9144000"/>
@@ -108,6 +143,70 @@
     </a:lvl9pPr>
   </p:defaultTextStyle>
   <p:extLst>
+    <p:ext uri="{521415D9-36F7-43E2-AB2F-B90AF26B5E84}">
+      <p14:sectionLst xmlns:p14="http://schemas.microsoft.com/office/powerpoint/2010/main">
+        <p14:section name="預設章節" id="{3337685A-C498-4066-B42B-76FC9B0BAA05}">
+          <p14:sldIdLst>
+            <p14:sldId id="417"/>
+          </p14:sldIdLst>
+        </p14:section>
+        <p14:section name="HighSeismic 4Floor 6M_V13" id="{65DE4D1A-1105-4B5D-9997-6606463AE06A}">
+          <p14:sldIdLst>
+            <p14:sldId id="448"/>
+            <p14:sldId id="449"/>
+            <p14:sldId id="450"/>
+            <p14:sldId id="451"/>
+            <p14:sldId id="452"/>
+            <p14:sldId id="453"/>
+            <p14:sldId id="454"/>
+          </p14:sldIdLst>
+        </p14:section>
+        <p14:section name="MidSeismic 4Floor 9M_V13" id="{FCA4841D-008A-44E1-96B4-836ABB9788C9}">
+          <p14:sldIdLst>
+            <p14:sldId id="418"/>
+            <p14:sldId id="420"/>
+            <p14:sldId id="421"/>
+            <p14:sldId id="423"/>
+            <p14:sldId id="424"/>
+            <p14:sldId id="425"/>
+            <p14:sldId id="426"/>
+          </p14:sldIdLst>
+        </p14:section>
+        <p14:section name="LowSeismic 4Floor 12M_V13" id="{C4FF27FC-2775-4108-88A1-18E00D4CD947}">
+          <p14:sldIdLst>
+            <p14:sldId id="427"/>
+            <p14:sldId id="428"/>
+            <p14:sldId id="429"/>
+            <p14:sldId id="430"/>
+            <p14:sldId id="431"/>
+            <p14:sldId id="432"/>
+            <p14:sldId id="433"/>
+          </p14:sldIdLst>
+        </p14:section>
+        <p14:section name="MidSeismic 12Floor 9M_V13" id="{73A6737E-B3A1-4FD4-BFD6-20DA852A8DC8}">
+          <p14:sldIdLst>
+            <p14:sldId id="434"/>
+            <p14:sldId id="435"/>
+            <p14:sldId id="436"/>
+            <p14:sldId id="437"/>
+            <p14:sldId id="438"/>
+            <p14:sldId id="439"/>
+            <p14:sldId id="440"/>
+          </p14:sldIdLst>
+        </p14:section>
+        <p14:section name="MidSeismic 20Floor 9M_V13" id="{6BDEC638-DA49-495E-9E7D-8002FCF57FEA}">
+          <p14:sldIdLst>
+            <p14:sldId id="441"/>
+            <p14:sldId id="442"/>
+            <p14:sldId id="443"/>
+            <p14:sldId id="444"/>
+            <p14:sldId id="445"/>
+            <p14:sldId id="446"/>
+            <p14:sldId id="447"/>
+          </p14:sldIdLst>
+        </p14:section>
+      </p14:sectionLst>
+    </p:ext>
     <p:ext uri="{EFAFB233-063F-42B5-8137-9DF3F51BA10A}">
       <p15:sldGuideLst xmlns:p15="http://schemas.microsoft.com/office/powerpoint/2012/main">
         <p15:guide id="1" orient="horz" pos="2160" userDrawn="1">
@@ -230,7 +329,7 @@
           <a:p>
             <a:fld id="{E17FB05D-A85A-41E9-95F8-557FC4A8E4EF}" type="datetimeFigureOut">
               <a:rPr lang="zh-TW" altLang="en-US" smtClean="0"/>
-              <a:t>2019/5/27</a:t>
+              <a:t>2019/5/29</a:t>
             </a:fld>
             <a:endParaRPr lang="zh-TW" altLang="en-US"/>
           </a:p>
@@ -497,6 +596,3436 @@
 </p:notesMaster>
 </file>
 
+<file path=ppt/notesSlides/notesSlide1.xml><?xml version="1.0" encoding="utf-8"?>
+<p:notes xmlns:a="http://schemas.openxmlformats.org/drawingml/2006/main" xmlns:r="http://schemas.openxmlformats.org/officeDocument/2006/relationships" xmlns:p="http://schemas.openxmlformats.org/presentationml/2006/main">
+  <p:cSld>
+    <p:spTree>
+      <p:nvGrpSpPr>
+        <p:cNvPr id="1" name=""/>
+        <p:cNvGrpSpPr/>
+        <p:nvPr/>
+      </p:nvGrpSpPr>
+      <p:grpSpPr>
+        <a:xfrm>
+          <a:off x="0" y="0"/>
+          <a:ext cx="0" cy="0"/>
+          <a:chOff x="0" y="0"/>
+          <a:chExt cx="0" cy="0"/>
+        </a:xfrm>
+      </p:grpSpPr>
+      <p:sp>
+        <p:nvSpPr>
+          <p:cNvPr id="2" name="投影片圖像版面配置區 1"/>
+          <p:cNvSpPr>
+            <a:spLocks noGrp="1" noRot="1" noChangeAspect="1"/>
+          </p:cNvSpPr>
+          <p:nvPr>
+            <p:ph type="sldImg"/>
+          </p:nvPr>
+        </p:nvSpPr>
+        <p:spPr/>
+      </p:sp>
+      <p:sp>
+        <p:nvSpPr>
+          <p:cNvPr id="3" name="備忘稿版面配置區 2"/>
+          <p:cNvSpPr>
+            <a:spLocks noGrp="1"/>
+          </p:cNvSpPr>
+          <p:nvPr>
+            <p:ph type="body" idx="1"/>
+          </p:nvPr>
+        </p:nvSpPr>
+        <p:spPr/>
+        <p:txBody>
+          <a:bodyPr/>
+          <a:lstStyle/>
+          <a:p>
+            <a:r>
+              <a:rPr lang="en-US" altLang="zh-TW" dirty="0" smtClean="0"/>
+              <a:t>Tradition MMC </a:t>
+            </a:r>
+            <a:r>
+              <a:rPr lang="en-US" altLang="zh-TW" dirty="0" smtClean="0"/>
+              <a:t>Pushover</a:t>
+            </a:r>
+            <a:endParaRPr lang="zh-TW" altLang="en-US" dirty="0"/>
+          </a:p>
+        </p:txBody>
+      </p:sp>
+      <p:sp>
+        <p:nvSpPr>
+          <p:cNvPr id="4" name="投影片編號版面配置區 3"/>
+          <p:cNvSpPr>
+            <a:spLocks noGrp="1"/>
+          </p:cNvSpPr>
+          <p:nvPr>
+            <p:ph type="sldNum" sz="quarter" idx="10"/>
+          </p:nvPr>
+        </p:nvSpPr>
+        <p:spPr/>
+        <p:txBody>
+          <a:bodyPr/>
+          <a:lstStyle/>
+          <a:p>
+            <a:fld id="{4B9FA8AB-93ED-4030-B179-2AF13832ABA7}" type="slidenum">
+              <a:rPr lang="zh-TW" altLang="en-US" smtClean="0"/>
+              <a:t>2</a:t>
+            </a:fld>
+            <a:endParaRPr lang="zh-TW" altLang="en-US"/>
+          </a:p>
+        </p:txBody>
+      </p:sp>
+    </p:spTree>
+    <p:extLst>
+      <p:ext uri="{BB962C8B-B14F-4D97-AF65-F5344CB8AC3E}">
+        <p14:creationId xmlns:p14="http://schemas.microsoft.com/office/powerpoint/2010/main" val="2048525186"/>
+      </p:ext>
+    </p:extLst>
+  </p:cSld>
+  <p:clrMapOvr>
+    <a:masterClrMapping/>
+  </p:clrMapOvr>
+</p:notes>
+</file>
+
+<file path=ppt/notesSlides/notesSlide10.xml><?xml version="1.0" encoding="utf-8"?>
+<p:notes xmlns:a="http://schemas.openxmlformats.org/drawingml/2006/main" xmlns:r="http://schemas.openxmlformats.org/officeDocument/2006/relationships" xmlns:p="http://schemas.openxmlformats.org/presentationml/2006/main">
+  <p:cSld>
+    <p:spTree>
+      <p:nvGrpSpPr>
+        <p:cNvPr id="1" name=""/>
+        <p:cNvGrpSpPr/>
+        <p:nvPr/>
+      </p:nvGrpSpPr>
+      <p:grpSpPr>
+        <a:xfrm>
+          <a:off x="0" y="0"/>
+          <a:ext cx="0" cy="0"/>
+          <a:chOff x="0" y="0"/>
+          <a:chExt cx="0" cy="0"/>
+        </a:xfrm>
+      </p:grpSpPr>
+      <p:sp>
+        <p:nvSpPr>
+          <p:cNvPr id="2" name="投影片圖像版面配置區 1"/>
+          <p:cNvSpPr>
+            <a:spLocks noGrp="1" noRot="1" noChangeAspect="1"/>
+          </p:cNvSpPr>
+          <p:nvPr>
+            <p:ph type="sldImg"/>
+          </p:nvPr>
+        </p:nvSpPr>
+        <p:spPr/>
+      </p:sp>
+      <p:sp>
+        <p:nvSpPr>
+          <p:cNvPr id="3" name="備忘稿版面配置區 2"/>
+          <p:cNvSpPr>
+            <a:spLocks noGrp="1"/>
+          </p:cNvSpPr>
+          <p:nvPr>
+            <p:ph type="body" idx="1"/>
+          </p:nvPr>
+        </p:nvSpPr>
+        <p:spPr/>
+        <p:txBody>
+          <a:bodyPr/>
+          <a:lstStyle/>
+          <a:p>
+            <a:r>
+              <a:rPr lang="en-US" altLang="zh-TW" dirty="0" smtClean="0"/>
+              <a:t>Multi MMC </a:t>
+            </a:r>
+            <a:r>
+              <a:rPr lang="en-US" altLang="zh-TW" dirty="0" smtClean="0"/>
+              <a:t>Pushover</a:t>
+            </a:r>
+            <a:endParaRPr lang="zh-TW" altLang="en-US" dirty="0"/>
+          </a:p>
+        </p:txBody>
+      </p:sp>
+      <p:sp>
+        <p:nvSpPr>
+          <p:cNvPr id="4" name="投影片編號版面配置區 3"/>
+          <p:cNvSpPr>
+            <a:spLocks noGrp="1"/>
+          </p:cNvSpPr>
+          <p:nvPr>
+            <p:ph type="sldNum" sz="quarter" idx="10"/>
+          </p:nvPr>
+        </p:nvSpPr>
+        <p:spPr/>
+        <p:txBody>
+          <a:bodyPr/>
+          <a:lstStyle/>
+          <a:p>
+            <a:fld id="{4B9FA8AB-93ED-4030-B179-2AF13832ABA7}" type="slidenum">
+              <a:rPr lang="zh-TW" altLang="en-US" smtClean="0"/>
+              <a:t>11</a:t>
+            </a:fld>
+            <a:endParaRPr lang="zh-TW" altLang="en-US"/>
+          </a:p>
+        </p:txBody>
+      </p:sp>
+    </p:spTree>
+    <p:extLst>
+      <p:ext uri="{BB962C8B-B14F-4D97-AF65-F5344CB8AC3E}">
+        <p14:creationId xmlns:p14="http://schemas.microsoft.com/office/powerpoint/2010/main" val="223377851"/>
+      </p:ext>
+    </p:extLst>
+  </p:cSld>
+  <p:clrMapOvr>
+    <a:masterClrMapping/>
+  </p:clrMapOvr>
+</p:notes>
+</file>
+
+<file path=ppt/notesSlides/notesSlide11.xml><?xml version="1.0" encoding="utf-8"?>
+<p:notes xmlns:a="http://schemas.openxmlformats.org/drawingml/2006/main" xmlns:r="http://schemas.openxmlformats.org/officeDocument/2006/relationships" xmlns:p="http://schemas.openxmlformats.org/presentationml/2006/main">
+  <p:cSld>
+    <p:spTree>
+      <p:nvGrpSpPr>
+        <p:cNvPr id="1" name=""/>
+        <p:cNvGrpSpPr/>
+        <p:nvPr/>
+      </p:nvGrpSpPr>
+      <p:grpSpPr>
+        <a:xfrm>
+          <a:off x="0" y="0"/>
+          <a:ext cx="0" cy="0"/>
+          <a:chOff x="0" y="0"/>
+          <a:chExt cx="0" cy="0"/>
+        </a:xfrm>
+      </p:grpSpPr>
+      <p:sp>
+        <p:nvSpPr>
+          <p:cNvPr id="2" name="投影片圖像版面配置區 1"/>
+          <p:cNvSpPr>
+            <a:spLocks noGrp="1" noRot="1" noChangeAspect="1"/>
+          </p:cNvSpPr>
+          <p:nvPr>
+            <p:ph type="sldImg"/>
+          </p:nvPr>
+        </p:nvSpPr>
+        <p:spPr/>
+      </p:sp>
+      <p:sp>
+        <p:nvSpPr>
+          <p:cNvPr id="3" name="備忘稿版面配置區 2"/>
+          <p:cNvSpPr>
+            <a:spLocks noGrp="1"/>
+          </p:cNvSpPr>
+          <p:nvPr>
+            <p:ph type="body" idx="1"/>
+          </p:nvPr>
+        </p:nvSpPr>
+        <p:spPr/>
+        <p:txBody>
+          <a:bodyPr/>
+          <a:lstStyle/>
+          <a:p>
+            <a:pPr marL="0" marR="0" indent="0" algn="l" defTabSz="914400" rtl="0" eaLnBrk="1" fontAlgn="auto" latinLnBrk="0" hangingPunct="1">
+              <a:lnSpc>
+                <a:spcPct val="100000"/>
+              </a:lnSpc>
+              <a:spcBef>
+                <a:spcPts val="0"/>
+              </a:spcBef>
+              <a:spcAft>
+                <a:spcPts val="0"/>
+              </a:spcAft>
+              <a:buClrTx/>
+              <a:buSzTx/>
+              <a:buFontTx/>
+              <a:buNone/>
+              <a:tabLst/>
+              <a:defRPr/>
+            </a:pPr>
+            <a:r>
+              <a:rPr lang="en-US" altLang="zh-TW" dirty="0" smtClean="0"/>
+              <a:t>Multi Mode1</a:t>
+            </a:r>
+            <a:r>
+              <a:rPr lang="en-US" altLang="zh-TW" baseline="0" dirty="0" smtClean="0"/>
+              <a:t> Mode2</a:t>
+            </a:r>
+            <a:endParaRPr lang="zh-TW" altLang="en-US" dirty="0" smtClean="0"/>
+          </a:p>
+        </p:txBody>
+      </p:sp>
+      <p:sp>
+        <p:nvSpPr>
+          <p:cNvPr id="4" name="投影片編號版面配置區 3"/>
+          <p:cNvSpPr>
+            <a:spLocks noGrp="1"/>
+          </p:cNvSpPr>
+          <p:nvPr>
+            <p:ph type="sldNum" sz="quarter" idx="10"/>
+          </p:nvPr>
+        </p:nvSpPr>
+        <p:spPr/>
+        <p:txBody>
+          <a:bodyPr/>
+          <a:lstStyle/>
+          <a:p>
+            <a:fld id="{4B9FA8AB-93ED-4030-B179-2AF13832ABA7}" type="slidenum">
+              <a:rPr lang="zh-TW" altLang="en-US" smtClean="0"/>
+              <a:t>12</a:t>
+            </a:fld>
+            <a:endParaRPr lang="zh-TW" altLang="en-US"/>
+          </a:p>
+        </p:txBody>
+      </p:sp>
+    </p:spTree>
+    <p:extLst>
+      <p:ext uri="{BB962C8B-B14F-4D97-AF65-F5344CB8AC3E}">
+        <p14:creationId xmlns:p14="http://schemas.microsoft.com/office/powerpoint/2010/main" val="785389641"/>
+      </p:ext>
+    </p:extLst>
+  </p:cSld>
+  <p:clrMapOvr>
+    <a:masterClrMapping/>
+  </p:clrMapOvr>
+</p:notes>
+</file>
+
+<file path=ppt/notesSlides/notesSlide12.xml><?xml version="1.0" encoding="utf-8"?>
+<p:notes xmlns:a="http://schemas.openxmlformats.org/drawingml/2006/main" xmlns:r="http://schemas.openxmlformats.org/officeDocument/2006/relationships" xmlns:p="http://schemas.openxmlformats.org/presentationml/2006/main">
+  <p:cSld>
+    <p:spTree>
+      <p:nvGrpSpPr>
+        <p:cNvPr id="1" name=""/>
+        <p:cNvGrpSpPr/>
+        <p:nvPr/>
+      </p:nvGrpSpPr>
+      <p:grpSpPr>
+        <a:xfrm>
+          <a:off x="0" y="0"/>
+          <a:ext cx="0" cy="0"/>
+          <a:chOff x="0" y="0"/>
+          <a:chExt cx="0" cy="0"/>
+        </a:xfrm>
+      </p:grpSpPr>
+      <p:sp>
+        <p:nvSpPr>
+          <p:cNvPr id="2" name="投影片圖像版面配置區 1"/>
+          <p:cNvSpPr>
+            <a:spLocks noGrp="1" noRot="1" noChangeAspect="1"/>
+          </p:cNvSpPr>
+          <p:nvPr>
+            <p:ph type="sldImg"/>
+          </p:nvPr>
+        </p:nvSpPr>
+        <p:spPr/>
+      </p:sp>
+      <p:sp>
+        <p:nvSpPr>
+          <p:cNvPr id="3" name="備忘稿版面配置區 2"/>
+          <p:cNvSpPr>
+            <a:spLocks noGrp="1"/>
+          </p:cNvSpPr>
+          <p:nvPr>
+            <p:ph type="body" idx="1"/>
+          </p:nvPr>
+        </p:nvSpPr>
+        <p:spPr/>
+        <p:txBody>
+          <a:bodyPr/>
+          <a:lstStyle/>
+          <a:p>
+            <a:r>
+              <a:rPr lang="en-US" altLang="zh-TW" dirty="0" smtClean="0"/>
+              <a:t>Tradition DBE MCE</a:t>
+            </a:r>
+            <a:endParaRPr lang="zh-TW" altLang="en-US" dirty="0"/>
+          </a:p>
+        </p:txBody>
+      </p:sp>
+      <p:sp>
+        <p:nvSpPr>
+          <p:cNvPr id="4" name="投影片編號版面配置區 3"/>
+          <p:cNvSpPr>
+            <a:spLocks noGrp="1"/>
+          </p:cNvSpPr>
+          <p:nvPr>
+            <p:ph type="sldNum" sz="quarter" idx="10"/>
+          </p:nvPr>
+        </p:nvSpPr>
+        <p:spPr/>
+        <p:txBody>
+          <a:bodyPr/>
+          <a:lstStyle/>
+          <a:p>
+            <a:fld id="{4B9FA8AB-93ED-4030-B179-2AF13832ABA7}" type="slidenum">
+              <a:rPr lang="zh-TW" altLang="en-US" smtClean="0"/>
+              <a:t>13</a:t>
+            </a:fld>
+            <a:endParaRPr lang="zh-TW" altLang="en-US"/>
+          </a:p>
+        </p:txBody>
+      </p:sp>
+    </p:spTree>
+    <p:extLst>
+      <p:ext uri="{BB962C8B-B14F-4D97-AF65-F5344CB8AC3E}">
+        <p14:creationId xmlns:p14="http://schemas.microsoft.com/office/powerpoint/2010/main" val="373001066"/>
+      </p:ext>
+    </p:extLst>
+  </p:cSld>
+  <p:clrMapOvr>
+    <a:masterClrMapping/>
+  </p:clrMapOvr>
+</p:notes>
+</file>
+
+<file path=ppt/notesSlides/notesSlide13.xml><?xml version="1.0" encoding="utf-8"?>
+<p:notes xmlns:a="http://schemas.openxmlformats.org/drawingml/2006/main" xmlns:r="http://schemas.openxmlformats.org/officeDocument/2006/relationships" xmlns:p="http://schemas.openxmlformats.org/presentationml/2006/main">
+  <p:cSld>
+    <p:spTree>
+      <p:nvGrpSpPr>
+        <p:cNvPr id="1" name=""/>
+        <p:cNvGrpSpPr/>
+        <p:nvPr/>
+      </p:nvGrpSpPr>
+      <p:grpSpPr>
+        <a:xfrm>
+          <a:off x="0" y="0"/>
+          <a:ext cx="0" cy="0"/>
+          <a:chOff x="0" y="0"/>
+          <a:chExt cx="0" cy="0"/>
+        </a:xfrm>
+      </p:grpSpPr>
+      <p:sp>
+        <p:nvSpPr>
+          <p:cNvPr id="2" name="投影片圖像版面配置區 1"/>
+          <p:cNvSpPr>
+            <a:spLocks noGrp="1" noRot="1" noChangeAspect="1"/>
+          </p:cNvSpPr>
+          <p:nvPr>
+            <p:ph type="sldImg"/>
+          </p:nvPr>
+        </p:nvSpPr>
+        <p:spPr/>
+      </p:sp>
+      <p:sp>
+        <p:nvSpPr>
+          <p:cNvPr id="3" name="備忘稿版面配置區 2"/>
+          <p:cNvSpPr>
+            <a:spLocks noGrp="1"/>
+          </p:cNvSpPr>
+          <p:nvPr>
+            <p:ph type="body" idx="1"/>
+          </p:nvPr>
+        </p:nvSpPr>
+        <p:spPr/>
+        <p:txBody>
+          <a:bodyPr/>
+          <a:lstStyle/>
+          <a:p>
+            <a:r>
+              <a:rPr lang="en-US" altLang="zh-TW" dirty="0" smtClean="0"/>
+              <a:t>Multi DBE MCE</a:t>
+            </a:r>
+            <a:endParaRPr lang="zh-TW" altLang="en-US" dirty="0"/>
+          </a:p>
+        </p:txBody>
+      </p:sp>
+      <p:sp>
+        <p:nvSpPr>
+          <p:cNvPr id="4" name="投影片編號版面配置區 3"/>
+          <p:cNvSpPr>
+            <a:spLocks noGrp="1"/>
+          </p:cNvSpPr>
+          <p:nvPr>
+            <p:ph type="sldNum" sz="quarter" idx="10"/>
+          </p:nvPr>
+        </p:nvSpPr>
+        <p:spPr/>
+        <p:txBody>
+          <a:bodyPr/>
+          <a:lstStyle/>
+          <a:p>
+            <a:fld id="{4B9FA8AB-93ED-4030-B179-2AF13832ABA7}" type="slidenum">
+              <a:rPr lang="zh-TW" altLang="en-US" smtClean="0"/>
+              <a:t>14</a:t>
+            </a:fld>
+            <a:endParaRPr lang="zh-TW" altLang="en-US"/>
+          </a:p>
+        </p:txBody>
+      </p:sp>
+    </p:spTree>
+    <p:extLst>
+      <p:ext uri="{BB962C8B-B14F-4D97-AF65-F5344CB8AC3E}">
+        <p14:creationId xmlns:p14="http://schemas.microsoft.com/office/powerpoint/2010/main" val="3332711709"/>
+      </p:ext>
+    </p:extLst>
+  </p:cSld>
+  <p:clrMapOvr>
+    <a:masterClrMapping/>
+  </p:clrMapOvr>
+</p:notes>
+</file>
+
+<file path=ppt/notesSlides/notesSlide14.xml><?xml version="1.0" encoding="utf-8"?>
+<p:notes xmlns:a="http://schemas.openxmlformats.org/drawingml/2006/main" xmlns:r="http://schemas.openxmlformats.org/officeDocument/2006/relationships" xmlns:p="http://schemas.openxmlformats.org/presentationml/2006/main">
+  <p:cSld>
+    <p:spTree>
+      <p:nvGrpSpPr>
+        <p:cNvPr id="1" name=""/>
+        <p:cNvGrpSpPr/>
+        <p:nvPr/>
+      </p:nvGrpSpPr>
+      <p:grpSpPr>
+        <a:xfrm>
+          <a:off x="0" y="0"/>
+          <a:ext cx="0" cy="0"/>
+          <a:chOff x="0" y="0"/>
+          <a:chExt cx="0" cy="0"/>
+        </a:xfrm>
+      </p:grpSpPr>
+      <p:sp>
+        <p:nvSpPr>
+          <p:cNvPr id="2" name="投影片圖像版面配置區 1"/>
+          <p:cNvSpPr>
+            <a:spLocks noGrp="1" noRot="1" noChangeAspect="1"/>
+          </p:cNvSpPr>
+          <p:nvPr>
+            <p:ph type="sldImg"/>
+          </p:nvPr>
+        </p:nvSpPr>
+        <p:spPr/>
+      </p:sp>
+      <p:sp>
+        <p:nvSpPr>
+          <p:cNvPr id="3" name="備忘稿版面配置區 2"/>
+          <p:cNvSpPr>
+            <a:spLocks noGrp="1"/>
+          </p:cNvSpPr>
+          <p:nvPr>
+            <p:ph type="body" idx="1"/>
+          </p:nvPr>
+        </p:nvSpPr>
+        <p:spPr/>
+        <p:txBody>
+          <a:bodyPr/>
+          <a:lstStyle/>
+          <a:p>
+            <a:pPr marL="0" marR="0" indent="0" algn="l" defTabSz="914400" rtl="0" eaLnBrk="1" fontAlgn="auto" latinLnBrk="0" hangingPunct="1">
+              <a:lnSpc>
+                <a:spcPct val="100000"/>
+              </a:lnSpc>
+              <a:spcBef>
+                <a:spcPts val="0"/>
+              </a:spcBef>
+              <a:spcAft>
+                <a:spcPts val="0"/>
+              </a:spcAft>
+              <a:buClrTx/>
+              <a:buSzTx/>
+              <a:buFontTx/>
+              <a:buNone/>
+              <a:tabLst/>
+              <a:defRPr/>
+            </a:pPr>
+            <a:r>
+              <a:rPr lang="en-US" altLang="zh-TW" dirty="0" smtClean="0"/>
+              <a:t>IDA LOG</a:t>
+            </a:r>
+            <a:endParaRPr lang="zh-TW" altLang="en-US" dirty="0" smtClean="0"/>
+          </a:p>
+          <a:p>
+            <a:endParaRPr lang="zh-TW" altLang="en-US" dirty="0"/>
+          </a:p>
+        </p:txBody>
+      </p:sp>
+      <p:sp>
+        <p:nvSpPr>
+          <p:cNvPr id="4" name="投影片編號版面配置區 3"/>
+          <p:cNvSpPr>
+            <a:spLocks noGrp="1"/>
+          </p:cNvSpPr>
+          <p:nvPr>
+            <p:ph type="sldNum" sz="quarter" idx="10"/>
+          </p:nvPr>
+        </p:nvSpPr>
+        <p:spPr/>
+        <p:txBody>
+          <a:bodyPr/>
+          <a:lstStyle/>
+          <a:p>
+            <a:fld id="{4B9FA8AB-93ED-4030-B179-2AF13832ABA7}" type="slidenum">
+              <a:rPr lang="zh-TW" altLang="en-US" smtClean="0"/>
+              <a:t>15</a:t>
+            </a:fld>
+            <a:endParaRPr lang="zh-TW" altLang="en-US"/>
+          </a:p>
+        </p:txBody>
+      </p:sp>
+    </p:spTree>
+    <p:extLst>
+      <p:ext uri="{BB962C8B-B14F-4D97-AF65-F5344CB8AC3E}">
+        <p14:creationId xmlns:p14="http://schemas.microsoft.com/office/powerpoint/2010/main" val="3252805193"/>
+      </p:ext>
+    </p:extLst>
+  </p:cSld>
+  <p:clrMapOvr>
+    <a:masterClrMapping/>
+  </p:clrMapOvr>
+</p:notes>
+</file>
+
+<file path=ppt/notesSlides/notesSlide15.xml><?xml version="1.0" encoding="utf-8"?>
+<p:notes xmlns:a="http://schemas.openxmlformats.org/drawingml/2006/main" xmlns:r="http://schemas.openxmlformats.org/officeDocument/2006/relationships" xmlns:p="http://schemas.openxmlformats.org/presentationml/2006/main">
+  <p:cSld>
+    <p:spTree>
+      <p:nvGrpSpPr>
+        <p:cNvPr id="1" name=""/>
+        <p:cNvGrpSpPr/>
+        <p:nvPr/>
+      </p:nvGrpSpPr>
+      <p:grpSpPr>
+        <a:xfrm>
+          <a:off x="0" y="0"/>
+          <a:ext cx="0" cy="0"/>
+          <a:chOff x="0" y="0"/>
+          <a:chExt cx="0" cy="0"/>
+        </a:xfrm>
+      </p:grpSpPr>
+      <p:sp>
+        <p:nvSpPr>
+          <p:cNvPr id="2" name="投影片圖像版面配置區 1"/>
+          <p:cNvSpPr>
+            <a:spLocks noGrp="1" noRot="1" noChangeAspect="1"/>
+          </p:cNvSpPr>
+          <p:nvPr>
+            <p:ph type="sldImg"/>
+          </p:nvPr>
+        </p:nvSpPr>
+        <p:spPr/>
+      </p:sp>
+      <p:sp>
+        <p:nvSpPr>
+          <p:cNvPr id="3" name="備忘稿版面配置區 2"/>
+          <p:cNvSpPr>
+            <a:spLocks noGrp="1"/>
+          </p:cNvSpPr>
+          <p:nvPr>
+            <p:ph type="body" idx="1"/>
+          </p:nvPr>
+        </p:nvSpPr>
+        <p:spPr/>
+        <p:txBody>
+          <a:bodyPr/>
+          <a:lstStyle/>
+          <a:p>
+            <a:r>
+              <a:rPr lang="en-US" altLang="zh-TW" dirty="0" smtClean="0"/>
+              <a:t>Tradition MMC </a:t>
+            </a:r>
+            <a:r>
+              <a:rPr lang="en-US" altLang="zh-TW" dirty="0" smtClean="0"/>
+              <a:t>Pushover</a:t>
+            </a:r>
+            <a:endParaRPr lang="zh-TW" altLang="en-US" dirty="0"/>
+          </a:p>
+        </p:txBody>
+      </p:sp>
+      <p:sp>
+        <p:nvSpPr>
+          <p:cNvPr id="4" name="投影片編號版面配置區 3"/>
+          <p:cNvSpPr>
+            <a:spLocks noGrp="1"/>
+          </p:cNvSpPr>
+          <p:nvPr>
+            <p:ph type="sldNum" sz="quarter" idx="10"/>
+          </p:nvPr>
+        </p:nvSpPr>
+        <p:spPr/>
+        <p:txBody>
+          <a:bodyPr/>
+          <a:lstStyle/>
+          <a:p>
+            <a:fld id="{4B9FA8AB-93ED-4030-B179-2AF13832ABA7}" type="slidenum">
+              <a:rPr lang="zh-TW" altLang="en-US" smtClean="0"/>
+              <a:t>16</a:t>
+            </a:fld>
+            <a:endParaRPr lang="zh-TW" altLang="en-US"/>
+          </a:p>
+        </p:txBody>
+      </p:sp>
+    </p:spTree>
+    <p:extLst>
+      <p:ext uri="{BB962C8B-B14F-4D97-AF65-F5344CB8AC3E}">
+        <p14:creationId xmlns:p14="http://schemas.microsoft.com/office/powerpoint/2010/main" val="3666961723"/>
+      </p:ext>
+    </p:extLst>
+  </p:cSld>
+  <p:clrMapOvr>
+    <a:masterClrMapping/>
+  </p:clrMapOvr>
+</p:notes>
+</file>
+
+<file path=ppt/notesSlides/notesSlide16.xml><?xml version="1.0" encoding="utf-8"?>
+<p:notes xmlns:a="http://schemas.openxmlformats.org/drawingml/2006/main" xmlns:r="http://schemas.openxmlformats.org/officeDocument/2006/relationships" xmlns:p="http://schemas.openxmlformats.org/presentationml/2006/main">
+  <p:cSld>
+    <p:spTree>
+      <p:nvGrpSpPr>
+        <p:cNvPr id="1" name=""/>
+        <p:cNvGrpSpPr/>
+        <p:nvPr/>
+      </p:nvGrpSpPr>
+      <p:grpSpPr>
+        <a:xfrm>
+          <a:off x="0" y="0"/>
+          <a:ext cx="0" cy="0"/>
+          <a:chOff x="0" y="0"/>
+          <a:chExt cx="0" cy="0"/>
+        </a:xfrm>
+      </p:grpSpPr>
+      <p:sp>
+        <p:nvSpPr>
+          <p:cNvPr id="2" name="投影片圖像版面配置區 1"/>
+          <p:cNvSpPr>
+            <a:spLocks noGrp="1" noRot="1" noChangeAspect="1"/>
+          </p:cNvSpPr>
+          <p:nvPr>
+            <p:ph type="sldImg"/>
+          </p:nvPr>
+        </p:nvSpPr>
+        <p:spPr/>
+      </p:sp>
+      <p:sp>
+        <p:nvSpPr>
+          <p:cNvPr id="3" name="備忘稿版面配置區 2"/>
+          <p:cNvSpPr>
+            <a:spLocks noGrp="1"/>
+          </p:cNvSpPr>
+          <p:nvPr>
+            <p:ph type="body" idx="1"/>
+          </p:nvPr>
+        </p:nvSpPr>
+        <p:spPr/>
+        <p:txBody>
+          <a:bodyPr/>
+          <a:lstStyle/>
+          <a:p>
+            <a:pPr marL="0" marR="0" indent="0" algn="l" defTabSz="914400" rtl="0" eaLnBrk="1" fontAlgn="auto" latinLnBrk="0" hangingPunct="1">
+              <a:lnSpc>
+                <a:spcPct val="100000"/>
+              </a:lnSpc>
+              <a:spcBef>
+                <a:spcPts val="0"/>
+              </a:spcBef>
+              <a:spcAft>
+                <a:spcPts val="0"/>
+              </a:spcAft>
+              <a:buClrTx/>
+              <a:buSzTx/>
+              <a:buFontTx/>
+              <a:buNone/>
+              <a:tabLst/>
+              <a:defRPr/>
+            </a:pPr>
+            <a:r>
+              <a:rPr lang="en-US" altLang="zh-TW" dirty="0" smtClean="0"/>
+              <a:t>Tradition Mode1</a:t>
+            </a:r>
+            <a:r>
+              <a:rPr lang="en-US" altLang="zh-TW" baseline="0" dirty="0" smtClean="0"/>
+              <a:t> Mode2</a:t>
+            </a:r>
+            <a:endParaRPr lang="zh-TW" altLang="en-US" dirty="0" smtClean="0"/>
+          </a:p>
+        </p:txBody>
+      </p:sp>
+      <p:sp>
+        <p:nvSpPr>
+          <p:cNvPr id="4" name="投影片編號版面配置區 3"/>
+          <p:cNvSpPr>
+            <a:spLocks noGrp="1"/>
+          </p:cNvSpPr>
+          <p:nvPr>
+            <p:ph type="sldNum" sz="quarter" idx="10"/>
+          </p:nvPr>
+        </p:nvSpPr>
+        <p:spPr/>
+        <p:txBody>
+          <a:bodyPr/>
+          <a:lstStyle/>
+          <a:p>
+            <a:fld id="{4B9FA8AB-93ED-4030-B179-2AF13832ABA7}" type="slidenum">
+              <a:rPr lang="zh-TW" altLang="en-US" smtClean="0"/>
+              <a:t>17</a:t>
+            </a:fld>
+            <a:endParaRPr lang="zh-TW" altLang="en-US"/>
+          </a:p>
+        </p:txBody>
+      </p:sp>
+    </p:spTree>
+    <p:extLst>
+      <p:ext uri="{BB962C8B-B14F-4D97-AF65-F5344CB8AC3E}">
+        <p14:creationId xmlns:p14="http://schemas.microsoft.com/office/powerpoint/2010/main" val="2126767885"/>
+      </p:ext>
+    </p:extLst>
+  </p:cSld>
+  <p:clrMapOvr>
+    <a:masterClrMapping/>
+  </p:clrMapOvr>
+</p:notes>
+</file>
+
+<file path=ppt/notesSlides/notesSlide17.xml><?xml version="1.0" encoding="utf-8"?>
+<p:notes xmlns:a="http://schemas.openxmlformats.org/drawingml/2006/main" xmlns:r="http://schemas.openxmlformats.org/officeDocument/2006/relationships" xmlns:p="http://schemas.openxmlformats.org/presentationml/2006/main">
+  <p:cSld>
+    <p:spTree>
+      <p:nvGrpSpPr>
+        <p:cNvPr id="1" name=""/>
+        <p:cNvGrpSpPr/>
+        <p:nvPr/>
+      </p:nvGrpSpPr>
+      <p:grpSpPr>
+        <a:xfrm>
+          <a:off x="0" y="0"/>
+          <a:ext cx="0" cy="0"/>
+          <a:chOff x="0" y="0"/>
+          <a:chExt cx="0" cy="0"/>
+        </a:xfrm>
+      </p:grpSpPr>
+      <p:sp>
+        <p:nvSpPr>
+          <p:cNvPr id="2" name="投影片圖像版面配置區 1"/>
+          <p:cNvSpPr>
+            <a:spLocks noGrp="1" noRot="1" noChangeAspect="1"/>
+          </p:cNvSpPr>
+          <p:nvPr>
+            <p:ph type="sldImg"/>
+          </p:nvPr>
+        </p:nvSpPr>
+        <p:spPr/>
+      </p:sp>
+      <p:sp>
+        <p:nvSpPr>
+          <p:cNvPr id="3" name="備忘稿版面配置區 2"/>
+          <p:cNvSpPr>
+            <a:spLocks noGrp="1"/>
+          </p:cNvSpPr>
+          <p:nvPr>
+            <p:ph type="body" idx="1"/>
+          </p:nvPr>
+        </p:nvSpPr>
+        <p:spPr/>
+        <p:txBody>
+          <a:bodyPr/>
+          <a:lstStyle/>
+          <a:p>
+            <a:r>
+              <a:rPr lang="en-US" altLang="zh-TW" dirty="0" smtClean="0"/>
+              <a:t>Multi MMC </a:t>
+            </a:r>
+            <a:r>
+              <a:rPr lang="en-US" altLang="zh-TW" dirty="0" smtClean="0"/>
+              <a:t>Pushover</a:t>
+            </a:r>
+            <a:endParaRPr lang="zh-TW" altLang="en-US" dirty="0"/>
+          </a:p>
+        </p:txBody>
+      </p:sp>
+      <p:sp>
+        <p:nvSpPr>
+          <p:cNvPr id="4" name="投影片編號版面配置區 3"/>
+          <p:cNvSpPr>
+            <a:spLocks noGrp="1"/>
+          </p:cNvSpPr>
+          <p:nvPr>
+            <p:ph type="sldNum" sz="quarter" idx="10"/>
+          </p:nvPr>
+        </p:nvSpPr>
+        <p:spPr/>
+        <p:txBody>
+          <a:bodyPr/>
+          <a:lstStyle/>
+          <a:p>
+            <a:fld id="{4B9FA8AB-93ED-4030-B179-2AF13832ABA7}" type="slidenum">
+              <a:rPr lang="zh-TW" altLang="en-US" smtClean="0"/>
+              <a:t>18</a:t>
+            </a:fld>
+            <a:endParaRPr lang="zh-TW" altLang="en-US"/>
+          </a:p>
+        </p:txBody>
+      </p:sp>
+    </p:spTree>
+    <p:extLst>
+      <p:ext uri="{BB962C8B-B14F-4D97-AF65-F5344CB8AC3E}">
+        <p14:creationId xmlns:p14="http://schemas.microsoft.com/office/powerpoint/2010/main" val="2838962464"/>
+      </p:ext>
+    </p:extLst>
+  </p:cSld>
+  <p:clrMapOvr>
+    <a:masterClrMapping/>
+  </p:clrMapOvr>
+</p:notes>
+</file>
+
+<file path=ppt/notesSlides/notesSlide18.xml><?xml version="1.0" encoding="utf-8"?>
+<p:notes xmlns:a="http://schemas.openxmlformats.org/drawingml/2006/main" xmlns:r="http://schemas.openxmlformats.org/officeDocument/2006/relationships" xmlns:p="http://schemas.openxmlformats.org/presentationml/2006/main">
+  <p:cSld>
+    <p:spTree>
+      <p:nvGrpSpPr>
+        <p:cNvPr id="1" name=""/>
+        <p:cNvGrpSpPr/>
+        <p:nvPr/>
+      </p:nvGrpSpPr>
+      <p:grpSpPr>
+        <a:xfrm>
+          <a:off x="0" y="0"/>
+          <a:ext cx="0" cy="0"/>
+          <a:chOff x="0" y="0"/>
+          <a:chExt cx="0" cy="0"/>
+        </a:xfrm>
+      </p:grpSpPr>
+      <p:sp>
+        <p:nvSpPr>
+          <p:cNvPr id="2" name="投影片圖像版面配置區 1"/>
+          <p:cNvSpPr>
+            <a:spLocks noGrp="1" noRot="1" noChangeAspect="1"/>
+          </p:cNvSpPr>
+          <p:nvPr>
+            <p:ph type="sldImg"/>
+          </p:nvPr>
+        </p:nvSpPr>
+        <p:spPr/>
+      </p:sp>
+      <p:sp>
+        <p:nvSpPr>
+          <p:cNvPr id="3" name="備忘稿版面配置區 2"/>
+          <p:cNvSpPr>
+            <a:spLocks noGrp="1"/>
+          </p:cNvSpPr>
+          <p:nvPr>
+            <p:ph type="body" idx="1"/>
+          </p:nvPr>
+        </p:nvSpPr>
+        <p:spPr/>
+        <p:txBody>
+          <a:bodyPr/>
+          <a:lstStyle/>
+          <a:p>
+            <a:pPr marL="0" marR="0" indent="0" algn="l" defTabSz="914400" rtl="0" eaLnBrk="1" fontAlgn="auto" latinLnBrk="0" hangingPunct="1">
+              <a:lnSpc>
+                <a:spcPct val="100000"/>
+              </a:lnSpc>
+              <a:spcBef>
+                <a:spcPts val="0"/>
+              </a:spcBef>
+              <a:spcAft>
+                <a:spcPts val="0"/>
+              </a:spcAft>
+              <a:buClrTx/>
+              <a:buSzTx/>
+              <a:buFontTx/>
+              <a:buNone/>
+              <a:tabLst/>
+              <a:defRPr/>
+            </a:pPr>
+            <a:r>
+              <a:rPr lang="en-US" altLang="zh-TW" dirty="0" smtClean="0"/>
+              <a:t>Multi Mode1</a:t>
+            </a:r>
+            <a:r>
+              <a:rPr lang="en-US" altLang="zh-TW" baseline="0" dirty="0" smtClean="0"/>
+              <a:t> Mode2</a:t>
+            </a:r>
+            <a:endParaRPr lang="zh-TW" altLang="en-US" dirty="0" smtClean="0"/>
+          </a:p>
+        </p:txBody>
+      </p:sp>
+      <p:sp>
+        <p:nvSpPr>
+          <p:cNvPr id="4" name="投影片編號版面配置區 3"/>
+          <p:cNvSpPr>
+            <a:spLocks noGrp="1"/>
+          </p:cNvSpPr>
+          <p:nvPr>
+            <p:ph type="sldNum" sz="quarter" idx="10"/>
+          </p:nvPr>
+        </p:nvSpPr>
+        <p:spPr/>
+        <p:txBody>
+          <a:bodyPr/>
+          <a:lstStyle/>
+          <a:p>
+            <a:fld id="{4B9FA8AB-93ED-4030-B179-2AF13832ABA7}" type="slidenum">
+              <a:rPr lang="zh-TW" altLang="en-US" smtClean="0"/>
+              <a:t>19</a:t>
+            </a:fld>
+            <a:endParaRPr lang="zh-TW" altLang="en-US"/>
+          </a:p>
+        </p:txBody>
+      </p:sp>
+    </p:spTree>
+    <p:extLst>
+      <p:ext uri="{BB962C8B-B14F-4D97-AF65-F5344CB8AC3E}">
+        <p14:creationId xmlns:p14="http://schemas.microsoft.com/office/powerpoint/2010/main" val="3844554095"/>
+      </p:ext>
+    </p:extLst>
+  </p:cSld>
+  <p:clrMapOvr>
+    <a:masterClrMapping/>
+  </p:clrMapOvr>
+</p:notes>
+</file>
+
+<file path=ppt/notesSlides/notesSlide19.xml><?xml version="1.0" encoding="utf-8"?>
+<p:notes xmlns:a="http://schemas.openxmlformats.org/drawingml/2006/main" xmlns:r="http://schemas.openxmlformats.org/officeDocument/2006/relationships" xmlns:p="http://schemas.openxmlformats.org/presentationml/2006/main">
+  <p:cSld>
+    <p:spTree>
+      <p:nvGrpSpPr>
+        <p:cNvPr id="1" name=""/>
+        <p:cNvGrpSpPr/>
+        <p:nvPr/>
+      </p:nvGrpSpPr>
+      <p:grpSpPr>
+        <a:xfrm>
+          <a:off x="0" y="0"/>
+          <a:ext cx="0" cy="0"/>
+          <a:chOff x="0" y="0"/>
+          <a:chExt cx="0" cy="0"/>
+        </a:xfrm>
+      </p:grpSpPr>
+      <p:sp>
+        <p:nvSpPr>
+          <p:cNvPr id="2" name="投影片圖像版面配置區 1"/>
+          <p:cNvSpPr>
+            <a:spLocks noGrp="1" noRot="1" noChangeAspect="1"/>
+          </p:cNvSpPr>
+          <p:nvPr>
+            <p:ph type="sldImg"/>
+          </p:nvPr>
+        </p:nvSpPr>
+        <p:spPr/>
+      </p:sp>
+      <p:sp>
+        <p:nvSpPr>
+          <p:cNvPr id="3" name="備忘稿版面配置區 2"/>
+          <p:cNvSpPr>
+            <a:spLocks noGrp="1"/>
+          </p:cNvSpPr>
+          <p:nvPr>
+            <p:ph type="body" idx="1"/>
+          </p:nvPr>
+        </p:nvSpPr>
+        <p:spPr/>
+        <p:txBody>
+          <a:bodyPr/>
+          <a:lstStyle/>
+          <a:p>
+            <a:r>
+              <a:rPr lang="en-US" altLang="zh-TW" dirty="0" smtClean="0"/>
+              <a:t>Tradition DBE MCE</a:t>
+            </a:r>
+            <a:endParaRPr lang="zh-TW" altLang="en-US" dirty="0"/>
+          </a:p>
+        </p:txBody>
+      </p:sp>
+      <p:sp>
+        <p:nvSpPr>
+          <p:cNvPr id="4" name="投影片編號版面配置區 3"/>
+          <p:cNvSpPr>
+            <a:spLocks noGrp="1"/>
+          </p:cNvSpPr>
+          <p:nvPr>
+            <p:ph type="sldNum" sz="quarter" idx="10"/>
+          </p:nvPr>
+        </p:nvSpPr>
+        <p:spPr/>
+        <p:txBody>
+          <a:bodyPr/>
+          <a:lstStyle/>
+          <a:p>
+            <a:fld id="{4B9FA8AB-93ED-4030-B179-2AF13832ABA7}" type="slidenum">
+              <a:rPr lang="zh-TW" altLang="en-US" smtClean="0"/>
+              <a:t>20</a:t>
+            </a:fld>
+            <a:endParaRPr lang="zh-TW" altLang="en-US"/>
+          </a:p>
+        </p:txBody>
+      </p:sp>
+    </p:spTree>
+    <p:extLst>
+      <p:ext uri="{BB962C8B-B14F-4D97-AF65-F5344CB8AC3E}">
+        <p14:creationId xmlns:p14="http://schemas.microsoft.com/office/powerpoint/2010/main" val="819962196"/>
+      </p:ext>
+    </p:extLst>
+  </p:cSld>
+  <p:clrMapOvr>
+    <a:masterClrMapping/>
+  </p:clrMapOvr>
+</p:notes>
+</file>
+
+<file path=ppt/notesSlides/notesSlide2.xml><?xml version="1.0" encoding="utf-8"?>
+<p:notes xmlns:a="http://schemas.openxmlformats.org/drawingml/2006/main" xmlns:r="http://schemas.openxmlformats.org/officeDocument/2006/relationships" xmlns:p="http://schemas.openxmlformats.org/presentationml/2006/main">
+  <p:cSld>
+    <p:spTree>
+      <p:nvGrpSpPr>
+        <p:cNvPr id="1" name=""/>
+        <p:cNvGrpSpPr/>
+        <p:nvPr/>
+      </p:nvGrpSpPr>
+      <p:grpSpPr>
+        <a:xfrm>
+          <a:off x="0" y="0"/>
+          <a:ext cx="0" cy="0"/>
+          <a:chOff x="0" y="0"/>
+          <a:chExt cx="0" cy="0"/>
+        </a:xfrm>
+      </p:grpSpPr>
+      <p:sp>
+        <p:nvSpPr>
+          <p:cNvPr id="2" name="投影片圖像版面配置區 1"/>
+          <p:cNvSpPr>
+            <a:spLocks noGrp="1" noRot="1" noChangeAspect="1"/>
+          </p:cNvSpPr>
+          <p:nvPr>
+            <p:ph type="sldImg"/>
+          </p:nvPr>
+        </p:nvSpPr>
+        <p:spPr/>
+      </p:sp>
+      <p:sp>
+        <p:nvSpPr>
+          <p:cNvPr id="3" name="備忘稿版面配置區 2"/>
+          <p:cNvSpPr>
+            <a:spLocks noGrp="1"/>
+          </p:cNvSpPr>
+          <p:nvPr>
+            <p:ph type="body" idx="1"/>
+          </p:nvPr>
+        </p:nvSpPr>
+        <p:spPr/>
+        <p:txBody>
+          <a:bodyPr/>
+          <a:lstStyle/>
+          <a:p>
+            <a:pPr marL="0" marR="0" indent="0" algn="l" defTabSz="914400" rtl="0" eaLnBrk="1" fontAlgn="auto" latinLnBrk="0" hangingPunct="1">
+              <a:lnSpc>
+                <a:spcPct val="100000"/>
+              </a:lnSpc>
+              <a:spcBef>
+                <a:spcPts val="0"/>
+              </a:spcBef>
+              <a:spcAft>
+                <a:spcPts val="0"/>
+              </a:spcAft>
+              <a:buClrTx/>
+              <a:buSzTx/>
+              <a:buFontTx/>
+              <a:buNone/>
+              <a:tabLst/>
+              <a:defRPr/>
+            </a:pPr>
+            <a:r>
+              <a:rPr lang="en-US" altLang="zh-TW" dirty="0" smtClean="0"/>
+              <a:t>Tradition Mode1</a:t>
+            </a:r>
+            <a:r>
+              <a:rPr lang="en-US" altLang="zh-TW" baseline="0" dirty="0" smtClean="0"/>
+              <a:t> Mode2</a:t>
+            </a:r>
+            <a:endParaRPr lang="zh-TW" altLang="en-US" dirty="0" smtClean="0"/>
+          </a:p>
+        </p:txBody>
+      </p:sp>
+      <p:sp>
+        <p:nvSpPr>
+          <p:cNvPr id="4" name="投影片編號版面配置區 3"/>
+          <p:cNvSpPr>
+            <a:spLocks noGrp="1"/>
+          </p:cNvSpPr>
+          <p:nvPr>
+            <p:ph type="sldNum" sz="quarter" idx="10"/>
+          </p:nvPr>
+        </p:nvSpPr>
+        <p:spPr/>
+        <p:txBody>
+          <a:bodyPr/>
+          <a:lstStyle/>
+          <a:p>
+            <a:fld id="{4B9FA8AB-93ED-4030-B179-2AF13832ABA7}" type="slidenum">
+              <a:rPr lang="zh-TW" altLang="en-US" smtClean="0"/>
+              <a:t>3</a:t>
+            </a:fld>
+            <a:endParaRPr lang="zh-TW" altLang="en-US"/>
+          </a:p>
+        </p:txBody>
+      </p:sp>
+    </p:spTree>
+    <p:extLst>
+      <p:ext uri="{BB962C8B-B14F-4D97-AF65-F5344CB8AC3E}">
+        <p14:creationId xmlns:p14="http://schemas.microsoft.com/office/powerpoint/2010/main" val="4025226250"/>
+      </p:ext>
+    </p:extLst>
+  </p:cSld>
+  <p:clrMapOvr>
+    <a:masterClrMapping/>
+  </p:clrMapOvr>
+</p:notes>
+</file>
+
+<file path=ppt/notesSlides/notesSlide20.xml><?xml version="1.0" encoding="utf-8"?>
+<p:notes xmlns:a="http://schemas.openxmlformats.org/drawingml/2006/main" xmlns:r="http://schemas.openxmlformats.org/officeDocument/2006/relationships" xmlns:p="http://schemas.openxmlformats.org/presentationml/2006/main">
+  <p:cSld>
+    <p:spTree>
+      <p:nvGrpSpPr>
+        <p:cNvPr id="1" name=""/>
+        <p:cNvGrpSpPr/>
+        <p:nvPr/>
+      </p:nvGrpSpPr>
+      <p:grpSpPr>
+        <a:xfrm>
+          <a:off x="0" y="0"/>
+          <a:ext cx="0" cy="0"/>
+          <a:chOff x="0" y="0"/>
+          <a:chExt cx="0" cy="0"/>
+        </a:xfrm>
+      </p:grpSpPr>
+      <p:sp>
+        <p:nvSpPr>
+          <p:cNvPr id="2" name="投影片圖像版面配置區 1"/>
+          <p:cNvSpPr>
+            <a:spLocks noGrp="1" noRot="1" noChangeAspect="1"/>
+          </p:cNvSpPr>
+          <p:nvPr>
+            <p:ph type="sldImg"/>
+          </p:nvPr>
+        </p:nvSpPr>
+        <p:spPr/>
+      </p:sp>
+      <p:sp>
+        <p:nvSpPr>
+          <p:cNvPr id="3" name="備忘稿版面配置區 2"/>
+          <p:cNvSpPr>
+            <a:spLocks noGrp="1"/>
+          </p:cNvSpPr>
+          <p:nvPr>
+            <p:ph type="body" idx="1"/>
+          </p:nvPr>
+        </p:nvSpPr>
+        <p:spPr/>
+        <p:txBody>
+          <a:bodyPr/>
+          <a:lstStyle/>
+          <a:p>
+            <a:r>
+              <a:rPr lang="en-US" altLang="zh-TW" dirty="0" smtClean="0"/>
+              <a:t>Multi DBE MCE</a:t>
+            </a:r>
+            <a:endParaRPr lang="zh-TW" altLang="en-US" dirty="0"/>
+          </a:p>
+        </p:txBody>
+      </p:sp>
+      <p:sp>
+        <p:nvSpPr>
+          <p:cNvPr id="4" name="投影片編號版面配置區 3"/>
+          <p:cNvSpPr>
+            <a:spLocks noGrp="1"/>
+          </p:cNvSpPr>
+          <p:nvPr>
+            <p:ph type="sldNum" sz="quarter" idx="10"/>
+          </p:nvPr>
+        </p:nvSpPr>
+        <p:spPr/>
+        <p:txBody>
+          <a:bodyPr/>
+          <a:lstStyle/>
+          <a:p>
+            <a:fld id="{4B9FA8AB-93ED-4030-B179-2AF13832ABA7}" type="slidenum">
+              <a:rPr lang="zh-TW" altLang="en-US" smtClean="0"/>
+              <a:t>21</a:t>
+            </a:fld>
+            <a:endParaRPr lang="zh-TW" altLang="en-US"/>
+          </a:p>
+        </p:txBody>
+      </p:sp>
+    </p:spTree>
+    <p:extLst>
+      <p:ext uri="{BB962C8B-B14F-4D97-AF65-F5344CB8AC3E}">
+        <p14:creationId xmlns:p14="http://schemas.microsoft.com/office/powerpoint/2010/main" val="3973666923"/>
+      </p:ext>
+    </p:extLst>
+  </p:cSld>
+  <p:clrMapOvr>
+    <a:masterClrMapping/>
+  </p:clrMapOvr>
+</p:notes>
+</file>
+
+<file path=ppt/notesSlides/notesSlide21.xml><?xml version="1.0" encoding="utf-8"?>
+<p:notes xmlns:a="http://schemas.openxmlformats.org/drawingml/2006/main" xmlns:r="http://schemas.openxmlformats.org/officeDocument/2006/relationships" xmlns:p="http://schemas.openxmlformats.org/presentationml/2006/main">
+  <p:cSld>
+    <p:spTree>
+      <p:nvGrpSpPr>
+        <p:cNvPr id="1" name=""/>
+        <p:cNvGrpSpPr/>
+        <p:nvPr/>
+      </p:nvGrpSpPr>
+      <p:grpSpPr>
+        <a:xfrm>
+          <a:off x="0" y="0"/>
+          <a:ext cx="0" cy="0"/>
+          <a:chOff x="0" y="0"/>
+          <a:chExt cx="0" cy="0"/>
+        </a:xfrm>
+      </p:grpSpPr>
+      <p:sp>
+        <p:nvSpPr>
+          <p:cNvPr id="2" name="投影片圖像版面配置區 1"/>
+          <p:cNvSpPr>
+            <a:spLocks noGrp="1" noRot="1" noChangeAspect="1"/>
+          </p:cNvSpPr>
+          <p:nvPr>
+            <p:ph type="sldImg"/>
+          </p:nvPr>
+        </p:nvSpPr>
+        <p:spPr/>
+      </p:sp>
+      <p:sp>
+        <p:nvSpPr>
+          <p:cNvPr id="3" name="備忘稿版面配置區 2"/>
+          <p:cNvSpPr>
+            <a:spLocks noGrp="1"/>
+          </p:cNvSpPr>
+          <p:nvPr>
+            <p:ph type="body" idx="1"/>
+          </p:nvPr>
+        </p:nvSpPr>
+        <p:spPr/>
+        <p:txBody>
+          <a:bodyPr/>
+          <a:lstStyle/>
+          <a:p>
+            <a:pPr marL="0" marR="0" indent="0" algn="l" defTabSz="914400" rtl="0" eaLnBrk="1" fontAlgn="auto" latinLnBrk="0" hangingPunct="1">
+              <a:lnSpc>
+                <a:spcPct val="100000"/>
+              </a:lnSpc>
+              <a:spcBef>
+                <a:spcPts val="0"/>
+              </a:spcBef>
+              <a:spcAft>
+                <a:spcPts val="0"/>
+              </a:spcAft>
+              <a:buClrTx/>
+              <a:buSzTx/>
+              <a:buFontTx/>
+              <a:buNone/>
+              <a:tabLst/>
+              <a:defRPr/>
+            </a:pPr>
+            <a:r>
+              <a:rPr lang="en-US" altLang="zh-TW" dirty="0" smtClean="0"/>
+              <a:t>IDA LOG</a:t>
+            </a:r>
+            <a:endParaRPr lang="zh-TW" altLang="en-US" dirty="0" smtClean="0"/>
+          </a:p>
+          <a:p>
+            <a:endParaRPr lang="zh-TW" altLang="en-US" dirty="0"/>
+          </a:p>
+        </p:txBody>
+      </p:sp>
+      <p:sp>
+        <p:nvSpPr>
+          <p:cNvPr id="4" name="投影片編號版面配置區 3"/>
+          <p:cNvSpPr>
+            <a:spLocks noGrp="1"/>
+          </p:cNvSpPr>
+          <p:nvPr>
+            <p:ph type="sldNum" sz="quarter" idx="10"/>
+          </p:nvPr>
+        </p:nvSpPr>
+        <p:spPr/>
+        <p:txBody>
+          <a:bodyPr/>
+          <a:lstStyle/>
+          <a:p>
+            <a:fld id="{4B9FA8AB-93ED-4030-B179-2AF13832ABA7}" type="slidenum">
+              <a:rPr lang="zh-TW" altLang="en-US" smtClean="0"/>
+              <a:t>22</a:t>
+            </a:fld>
+            <a:endParaRPr lang="zh-TW" altLang="en-US"/>
+          </a:p>
+        </p:txBody>
+      </p:sp>
+    </p:spTree>
+    <p:extLst>
+      <p:ext uri="{BB962C8B-B14F-4D97-AF65-F5344CB8AC3E}">
+        <p14:creationId xmlns:p14="http://schemas.microsoft.com/office/powerpoint/2010/main" val="3200802612"/>
+      </p:ext>
+    </p:extLst>
+  </p:cSld>
+  <p:clrMapOvr>
+    <a:masterClrMapping/>
+  </p:clrMapOvr>
+</p:notes>
+</file>
+
+<file path=ppt/notesSlides/notesSlide22.xml><?xml version="1.0" encoding="utf-8"?>
+<p:notes xmlns:a="http://schemas.openxmlformats.org/drawingml/2006/main" xmlns:r="http://schemas.openxmlformats.org/officeDocument/2006/relationships" xmlns:p="http://schemas.openxmlformats.org/presentationml/2006/main">
+  <p:cSld>
+    <p:spTree>
+      <p:nvGrpSpPr>
+        <p:cNvPr id="1" name=""/>
+        <p:cNvGrpSpPr/>
+        <p:nvPr/>
+      </p:nvGrpSpPr>
+      <p:grpSpPr>
+        <a:xfrm>
+          <a:off x="0" y="0"/>
+          <a:ext cx="0" cy="0"/>
+          <a:chOff x="0" y="0"/>
+          <a:chExt cx="0" cy="0"/>
+        </a:xfrm>
+      </p:grpSpPr>
+      <p:sp>
+        <p:nvSpPr>
+          <p:cNvPr id="2" name="投影片圖像版面配置區 1"/>
+          <p:cNvSpPr>
+            <a:spLocks noGrp="1" noRot="1" noChangeAspect="1"/>
+          </p:cNvSpPr>
+          <p:nvPr>
+            <p:ph type="sldImg"/>
+          </p:nvPr>
+        </p:nvSpPr>
+        <p:spPr/>
+      </p:sp>
+      <p:sp>
+        <p:nvSpPr>
+          <p:cNvPr id="3" name="備忘稿版面配置區 2"/>
+          <p:cNvSpPr>
+            <a:spLocks noGrp="1"/>
+          </p:cNvSpPr>
+          <p:nvPr>
+            <p:ph type="body" idx="1"/>
+          </p:nvPr>
+        </p:nvSpPr>
+        <p:spPr/>
+        <p:txBody>
+          <a:bodyPr/>
+          <a:lstStyle/>
+          <a:p>
+            <a:r>
+              <a:rPr lang="en-US" altLang="zh-TW" dirty="0" smtClean="0"/>
+              <a:t>Tradition MMC </a:t>
+            </a:r>
+            <a:r>
+              <a:rPr lang="en-US" altLang="zh-TW" dirty="0" smtClean="0"/>
+              <a:t>Pushover</a:t>
+            </a:r>
+            <a:endParaRPr lang="zh-TW" altLang="en-US" dirty="0"/>
+          </a:p>
+        </p:txBody>
+      </p:sp>
+      <p:sp>
+        <p:nvSpPr>
+          <p:cNvPr id="4" name="投影片編號版面配置區 3"/>
+          <p:cNvSpPr>
+            <a:spLocks noGrp="1"/>
+          </p:cNvSpPr>
+          <p:nvPr>
+            <p:ph type="sldNum" sz="quarter" idx="10"/>
+          </p:nvPr>
+        </p:nvSpPr>
+        <p:spPr/>
+        <p:txBody>
+          <a:bodyPr/>
+          <a:lstStyle/>
+          <a:p>
+            <a:fld id="{4B9FA8AB-93ED-4030-B179-2AF13832ABA7}" type="slidenum">
+              <a:rPr lang="zh-TW" altLang="en-US" smtClean="0"/>
+              <a:t>23</a:t>
+            </a:fld>
+            <a:endParaRPr lang="zh-TW" altLang="en-US"/>
+          </a:p>
+        </p:txBody>
+      </p:sp>
+    </p:spTree>
+    <p:extLst>
+      <p:ext uri="{BB962C8B-B14F-4D97-AF65-F5344CB8AC3E}">
+        <p14:creationId xmlns:p14="http://schemas.microsoft.com/office/powerpoint/2010/main" val="4103298283"/>
+      </p:ext>
+    </p:extLst>
+  </p:cSld>
+  <p:clrMapOvr>
+    <a:masterClrMapping/>
+  </p:clrMapOvr>
+</p:notes>
+</file>
+
+<file path=ppt/notesSlides/notesSlide23.xml><?xml version="1.0" encoding="utf-8"?>
+<p:notes xmlns:a="http://schemas.openxmlformats.org/drawingml/2006/main" xmlns:r="http://schemas.openxmlformats.org/officeDocument/2006/relationships" xmlns:p="http://schemas.openxmlformats.org/presentationml/2006/main">
+  <p:cSld>
+    <p:spTree>
+      <p:nvGrpSpPr>
+        <p:cNvPr id="1" name=""/>
+        <p:cNvGrpSpPr/>
+        <p:nvPr/>
+      </p:nvGrpSpPr>
+      <p:grpSpPr>
+        <a:xfrm>
+          <a:off x="0" y="0"/>
+          <a:ext cx="0" cy="0"/>
+          <a:chOff x="0" y="0"/>
+          <a:chExt cx="0" cy="0"/>
+        </a:xfrm>
+      </p:grpSpPr>
+      <p:sp>
+        <p:nvSpPr>
+          <p:cNvPr id="2" name="投影片圖像版面配置區 1"/>
+          <p:cNvSpPr>
+            <a:spLocks noGrp="1" noRot="1" noChangeAspect="1"/>
+          </p:cNvSpPr>
+          <p:nvPr>
+            <p:ph type="sldImg"/>
+          </p:nvPr>
+        </p:nvSpPr>
+        <p:spPr/>
+      </p:sp>
+      <p:sp>
+        <p:nvSpPr>
+          <p:cNvPr id="3" name="備忘稿版面配置區 2"/>
+          <p:cNvSpPr>
+            <a:spLocks noGrp="1"/>
+          </p:cNvSpPr>
+          <p:nvPr>
+            <p:ph type="body" idx="1"/>
+          </p:nvPr>
+        </p:nvSpPr>
+        <p:spPr/>
+        <p:txBody>
+          <a:bodyPr/>
+          <a:lstStyle/>
+          <a:p>
+            <a:pPr marL="0" marR="0" indent="0" algn="l" defTabSz="914400" rtl="0" eaLnBrk="1" fontAlgn="auto" latinLnBrk="0" hangingPunct="1">
+              <a:lnSpc>
+                <a:spcPct val="100000"/>
+              </a:lnSpc>
+              <a:spcBef>
+                <a:spcPts val="0"/>
+              </a:spcBef>
+              <a:spcAft>
+                <a:spcPts val="0"/>
+              </a:spcAft>
+              <a:buClrTx/>
+              <a:buSzTx/>
+              <a:buFontTx/>
+              <a:buNone/>
+              <a:tabLst/>
+              <a:defRPr/>
+            </a:pPr>
+            <a:r>
+              <a:rPr lang="en-US" altLang="zh-TW" dirty="0" smtClean="0"/>
+              <a:t>Tradition Mode1</a:t>
+            </a:r>
+            <a:r>
+              <a:rPr lang="en-US" altLang="zh-TW" baseline="0" dirty="0" smtClean="0"/>
+              <a:t> Mode2</a:t>
+            </a:r>
+            <a:endParaRPr lang="zh-TW" altLang="en-US" dirty="0" smtClean="0"/>
+          </a:p>
+        </p:txBody>
+      </p:sp>
+      <p:sp>
+        <p:nvSpPr>
+          <p:cNvPr id="4" name="投影片編號版面配置區 3"/>
+          <p:cNvSpPr>
+            <a:spLocks noGrp="1"/>
+          </p:cNvSpPr>
+          <p:nvPr>
+            <p:ph type="sldNum" sz="quarter" idx="10"/>
+          </p:nvPr>
+        </p:nvSpPr>
+        <p:spPr/>
+        <p:txBody>
+          <a:bodyPr/>
+          <a:lstStyle/>
+          <a:p>
+            <a:fld id="{4B9FA8AB-93ED-4030-B179-2AF13832ABA7}" type="slidenum">
+              <a:rPr lang="zh-TW" altLang="en-US" smtClean="0"/>
+              <a:t>24</a:t>
+            </a:fld>
+            <a:endParaRPr lang="zh-TW" altLang="en-US"/>
+          </a:p>
+        </p:txBody>
+      </p:sp>
+    </p:spTree>
+    <p:extLst>
+      <p:ext uri="{BB962C8B-B14F-4D97-AF65-F5344CB8AC3E}">
+        <p14:creationId xmlns:p14="http://schemas.microsoft.com/office/powerpoint/2010/main" val="4043771399"/>
+      </p:ext>
+    </p:extLst>
+  </p:cSld>
+  <p:clrMapOvr>
+    <a:masterClrMapping/>
+  </p:clrMapOvr>
+</p:notes>
+</file>
+
+<file path=ppt/notesSlides/notesSlide24.xml><?xml version="1.0" encoding="utf-8"?>
+<p:notes xmlns:a="http://schemas.openxmlformats.org/drawingml/2006/main" xmlns:r="http://schemas.openxmlformats.org/officeDocument/2006/relationships" xmlns:p="http://schemas.openxmlformats.org/presentationml/2006/main">
+  <p:cSld>
+    <p:spTree>
+      <p:nvGrpSpPr>
+        <p:cNvPr id="1" name=""/>
+        <p:cNvGrpSpPr/>
+        <p:nvPr/>
+      </p:nvGrpSpPr>
+      <p:grpSpPr>
+        <a:xfrm>
+          <a:off x="0" y="0"/>
+          <a:ext cx="0" cy="0"/>
+          <a:chOff x="0" y="0"/>
+          <a:chExt cx="0" cy="0"/>
+        </a:xfrm>
+      </p:grpSpPr>
+      <p:sp>
+        <p:nvSpPr>
+          <p:cNvPr id="2" name="投影片圖像版面配置區 1"/>
+          <p:cNvSpPr>
+            <a:spLocks noGrp="1" noRot="1" noChangeAspect="1"/>
+          </p:cNvSpPr>
+          <p:nvPr>
+            <p:ph type="sldImg"/>
+          </p:nvPr>
+        </p:nvSpPr>
+        <p:spPr/>
+      </p:sp>
+      <p:sp>
+        <p:nvSpPr>
+          <p:cNvPr id="3" name="備忘稿版面配置區 2"/>
+          <p:cNvSpPr>
+            <a:spLocks noGrp="1"/>
+          </p:cNvSpPr>
+          <p:nvPr>
+            <p:ph type="body" idx="1"/>
+          </p:nvPr>
+        </p:nvSpPr>
+        <p:spPr/>
+        <p:txBody>
+          <a:bodyPr/>
+          <a:lstStyle/>
+          <a:p>
+            <a:r>
+              <a:rPr lang="en-US" altLang="zh-TW" dirty="0" smtClean="0"/>
+              <a:t>Multi MMC </a:t>
+            </a:r>
+            <a:r>
+              <a:rPr lang="en-US" altLang="zh-TW" dirty="0" smtClean="0"/>
+              <a:t>Pushover</a:t>
+            </a:r>
+            <a:endParaRPr lang="zh-TW" altLang="en-US" dirty="0"/>
+          </a:p>
+        </p:txBody>
+      </p:sp>
+      <p:sp>
+        <p:nvSpPr>
+          <p:cNvPr id="4" name="投影片編號版面配置區 3"/>
+          <p:cNvSpPr>
+            <a:spLocks noGrp="1"/>
+          </p:cNvSpPr>
+          <p:nvPr>
+            <p:ph type="sldNum" sz="quarter" idx="10"/>
+          </p:nvPr>
+        </p:nvSpPr>
+        <p:spPr/>
+        <p:txBody>
+          <a:bodyPr/>
+          <a:lstStyle/>
+          <a:p>
+            <a:fld id="{4B9FA8AB-93ED-4030-B179-2AF13832ABA7}" type="slidenum">
+              <a:rPr lang="zh-TW" altLang="en-US" smtClean="0"/>
+              <a:t>25</a:t>
+            </a:fld>
+            <a:endParaRPr lang="zh-TW" altLang="en-US"/>
+          </a:p>
+        </p:txBody>
+      </p:sp>
+    </p:spTree>
+    <p:extLst>
+      <p:ext uri="{BB962C8B-B14F-4D97-AF65-F5344CB8AC3E}">
+        <p14:creationId xmlns:p14="http://schemas.microsoft.com/office/powerpoint/2010/main" val="880913321"/>
+      </p:ext>
+    </p:extLst>
+  </p:cSld>
+  <p:clrMapOvr>
+    <a:masterClrMapping/>
+  </p:clrMapOvr>
+</p:notes>
+</file>
+
+<file path=ppt/notesSlides/notesSlide25.xml><?xml version="1.0" encoding="utf-8"?>
+<p:notes xmlns:a="http://schemas.openxmlformats.org/drawingml/2006/main" xmlns:r="http://schemas.openxmlformats.org/officeDocument/2006/relationships" xmlns:p="http://schemas.openxmlformats.org/presentationml/2006/main">
+  <p:cSld>
+    <p:spTree>
+      <p:nvGrpSpPr>
+        <p:cNvPr id="1" name=""/>
+        <p:cNvGrpSpPr/>
+        <p:nvPr/>
+      </p:nvGrpSpPr>
+      <p:grpSpPr>
+        <a:xfrm>
+          <a:off x="0" y="0"/>
+          <a:ext cx="0" cy="0"/>
+          <a:chOff x="0" y="0"/>
+          <a:chExt cx="0" cy="0"/>
+        </a:xfrm>
+      </p:grpSpPr>
+      <p:sp>
+        <p:nvSpPr>
+          <p:cNvPr id="2" name="投影片圖像版面配置區 1"/>
+          <p:cNvSpPr>
+            <a:spLocks noGrp="1" noRot="1" noChangeAspect="1"/>
+          </p:cNvSpPr>
+          <p:nvPr>
+            <p:ph type="sldImg"/>
+          </p:nvPr>
+        </p:nvSpPr>
+        <p:spPr/>
+      </p:sp>
+      <p:sp>
+        <p:nvSpPr>
+          <p:cNvPr id="3" name="備忘稿版面配置區 2"/>
+          <p:cNvSpPr>
+            <a:spLocks noGrp="1"/>
+          </p:cNvSpPr>
+          <p:nvPr>
+            <p:ph type="body" idx="1"/>
+          </p:nvPr>
+        </p:nvSpPr>
+        <p:spPr/>
+        <p:txBody>
+          <a:bodyPr/>
+          <a:lstStyle/>
+          <a:p>
+            <a:pPr marL="0" marR="0" indent="0" algn="l" defTabSz="914400" rtl="0" eaLnBrk="1" fontAlgn="auto" latinLnBrk="0" hangingPunct="1">
+              <a:lnSpc>
+                <a:spcPct val="100000"/>
+              </a:lnSpc>
+              <a:spcBef>
+                <a:spcPts val="0"/>
+              </a:spcBef>
+              <a:spcAft>
+                <a:spcPts val="0"/>
+              </a:spcAft>
+              <a:buClrTx/>
+              <a:buSzTx/>
+              <a:buFontTx/>
+              <a:buNone/>
+              <a:tabLst/>
+              <a:defRPr/>
+            </a:pPr>
+            <a:r>
+              <a:rPr lang="en-US" altLang="zh-TW" dirty="0" smtClean="0"/>
+              <a:t>Multi Mode1</a:t>
+            </a:r>
+            <a:r>
+              <a:rPr lang="en-US" altLang="zh-TW" baseline="0" dirty="0" smtClean="0"/>
+              <a:t> Mode2</a:t>
+            </a:r>
+            <a:endParaRPr lang="zh-TW" altLang="en-US" dirty="0" smtClean="0"/>
+          </a:p>
+        </p:txBody>
+      </p:sp>
+      <p:sp>
+        <p:nvSpPr>
+          <p:cNvPr id="4" name="投影片編號版面配置區 3"/>
+          <p:cNvSpPr>
+            <a:spLocks noGrp="1"/>
+          </p:cNvSpPr>
+          <p:nvPr>
+            <p:ph type="sldNum" sz="quarter" idx="10"/>
+          </p:nvPr>
+        </p:nvSpPr>
+        <p:spPr/>
+        <p:txBody>
+          <a:bodyPr/>
+          <a:lstStyle/>
+          <a:p>
+            <a:fld id="{4B9FA8AB-93ED-4030-B179-2AF13832ABA7}" type="slidenum">
+              <a:rPr lang="zh-TW" altLang="en-US" smtClean="0"/>
+              <a:t>26</a:t>
+            </a:fld>
+            <a:endParaRPr lang="zh-TW" altLang="en-US"/>
+          </a:p>
+        </p:txBody>
+      </p:sp>
+    </p:spTree>
+    <p:extLst>
+      <p:ext uri="{BB962C8B-B14F-4D97-AF65-F5344CB8AC3E}">
+        <p14:creationId xmlns:p14="http://schemas.microsoft.com/office/powerpoint/2010/main" val="97896913"/>
+      </p:ext>
+    </p:extLst>
+  </p:cSld>
+  <p:clrMapOvr>
+    <a:masterClrMapping/>
+  </p:clrMapOvr>
+</p:notes>
+</file>
+
+<file path=ppt/notesSlides/notesSlide26.xml><?xml version="1.0" encoding="utf-8"?>
+<p:notes xmlns:a="http://schemas.openxmlformats.org/drawingml/2006/main" xmlns:r="http://schemas.openxmlformats.org/officeDocument/2006/relationships" xmlns:p="http://schemas.openxmlformats.org/presentationml/2006/main">
+  <p:cSld>
+    <p:spTree>
+      <p:nvGrpSpPr>
+        <p:cNvPr id="1" name=""/>
+        <p:cNvGrpSpPr/>
+        <p:nvPr/>
+      </p:nvGrpSpPr>
+      <p:grpSpPr>
+        <a:xfrm>
+          <a:off x="0" y="0"/>
+          <a:ext cx="0" cy="0"/>
+          <a:chOff x="0" y="0"/>
+          <a:chExt cx="0" cy="0"/>
+        </a:xfrm>
+      </p:grpSpPr>
+      <p:sp>
+        <p:nvSpPr>
+          <p:cNvPr id="2" name="投影片圖像版面配置區 1"/>
+          <p:cNvSpPr>
+            <a:spLocks noGrp="1" noRot="1" noChangeAspect="1"/>
+          </p:cNvSpPr>
+          <p:nvPr>
+            <p:ph type="sldImg"/>
+          </p:nvPr>
+        </p:nvSpPr>
+        <p:spPr/>
+      </p:sp>
+      <p:sp>
+        <p:nvSpPr>
+          <p:cNvPr id="3" name="備忘稿版面配置區 2"/>
+          <p:cNvSpPr>
+            <a:spLocks noGrp="1"/>
+          </p:cNvSpPr>
+          <p:nvPr>
+            <p:ph type="body" idx="1"/>
+          </p:nvPr>
+        </p:nvSpPr>
+        <p:spPr/>
+        <p:txBody>
+          <a:bodyPr/>
+          <a:lstStyle/>
+          <a:p>
+            <a:r>
+              <a:rPr lang="en-US" altLang="zh-TW" dirty="0" smtClean="0"/>
+              <a:t>Tradition DBE MCE</a:t>
+            </a:r>
+            <a:endParaRPr lang="zh-TW" altLang="en-US" dirty="0"/>
+          </a:p>
+        </p:txBody>
+      </p:sp>
+      <p:sp>
+        <p:nvSpPr>
+          <p:cNvPr id="4" name="投影片編號版面配置區 3"/>
+          <p:cNvSpPr>
+            <a:spLocks noGrp="1"/>
+          </p:cNvSpPr>
+          <p:nvPr>
+            <p:ph type="sldNum" sz="quarter" idx="10"/>
+          </p:nvPr>
+        </p:nvSpPr>
+        <p:spPr/>
+        <p:txBody>
+          <a:bodyPr/>
+          <a:lstStyle/>
+          <a:p>
+            <a:fld id="{4B9FA8AB-93ED-4030-B179-2AF13832ABA7}" type="slidenum">
+              <a:rPr lang="zh-TW" altLang="en-US" smtClean="0"/>
+              <a:t>27</a:t>
+            </a:fld>
+            <a:endParaRPr lang="zh-TW" altLang="en-US"/>
+          </a:p>
+        </p:txBody>
+      </p:sp>
+    </p:spTree>
+    <p:extLst>
+      <p:ext uri="{BB962C8B-B14F-4D97-AF65-F5344CB8AC3E}">
+        <p14:creationId xmlns:p14="http://schemas.microsoft.com/office/powerpoint/2010/main" val="1547809228"/>
+      </p:ext>
+    </p:extLst>
+  </p:cSld>
+  <p:clrMapOvr>
+    <a:masterClrMapping/>
+  </p:clrMapOvr>
+</p:notes>
+</file>
+
+<file path=ppt/notesSlides/notesSlide27.xml><?xml version="1.0" encoding="utf-8"?>
+<p:notes xmlns:a="http://schemas.openxmlformats.org/drawingml/2006/main" xmlns:r="http://schemas.openxmlformats.org/officeDocument/2006/relationships" xmlns:p="http://schemas.openxmlformats.org/presentationml/2006/main">
+  <p:cSld>
+    <p:spTree>
+      <p:nvGrpSpPr>
+        <p:cNvPr id="1" name=""/>
+        <p:cNvGrpSpPr/>
+        <p:nvPr/>
+      </p:nvGrpSpPr>
+      <p:grpSpPr>
+        <a:xfrm>
+          <a:off x="0" y="0"/>
+          <a:ext cx="0" cy="0"/>
+          <a:chOff x="0" y="0"/>
+          <a:chExt cx="0" cy="0"/>
+        </a:xfrm>
+      </p:grpSpPr>
+      <p:sp>
+        <p:nvSpPr>
+          <p:cNvPr id="2" name="投影片圖像版面配置區 1"/>
+          <p:cNvSpPr>
+            <a:spLocks noGrp="1" noRot="1" noChangeAspect="1"/>
+          </p:cNvSpPr>
+          <p:nvPr>
+            <p:ph type="sldImg"/>
+          </p:nvPr>
+        </p:nvSpPr>
+        <p:spPr/>
+      </p:sp>
+      <p:sp>
+        <p:nvSpPr>
+          <p:cNvPr id="3" name="備忘稿版面配置區 2"/>
+          <p:cNvSpPr>
+            <a:spLocks noGrp="1"/>
+          </p:cNvSpPr>
+          <p:nvPr>
+            <p:ph type="body" idx="1"/>
+          </p:nvPr>
+        </p:nvSpPr>
+        <p:spPr/>
+        <p:txBody>
+          <a:bodyPr/>
+          <a:lstStyle/>
+          <a:p>
+            <a:r>
+              <a:rPr lang="en-US" altLang="zh-TW" dirty="0" smtClean="0"/>
+              <a:t>Multi DBE MCE</a:t>
+            </a:r>
+            <a:endParaRPr lang="zh-TW" altLang="en-US" dirty="0"/>
+          </a:p>
+        </p:txBody>
+      </p:sp>
+      <p:sp>
+        <p:nvSpPr>
+          <p:cNvPr id="4" name="投影片編號版面配置區 3"/>
+          <p:cNvSpPr>
+            <a:spLocks noGrp="1"/>
+          </p:cNvSpPr>
+          <p:nvPr>
+            <p:ph type="sldNum" sz="quarter" idx="10"/>
+          </p:nvPr>
+        </p:nvSpPr>
+        <p:spPr/>
+        <p:txBody>
+          <a:bodyPr/>
+          <a:lstStyle/>
+          <a:p>
+            <a:fld id="{4B9FA8AB-93ED-4030-B179-2AF13832ABA7}" type="slidenum">
+              <a:rPr lang="zh-TW" altLang="en-US" smtClean="0"/>
+              <a:t>28</a:t>
+            </a:fld>
+            <a:endParaRPr lang="zh-TW" altLang="en-US"/>
+          </a:p>
+        </p:txBody>
+      </p:sp>
+    </p:spTree>
+    <p:extLst>
+      <p:ext uri="{BB962C8B-B14F-4D97-AF65-F5344CB8AC3E}">
+        <p14:creationId xmlns:p14="http://schemas.microsoft.com/office/powerpoint/2010/main" val="4078148762"/>
+      </p:ext>
+    </p:extLst>
+  </p:cSld>
+  <p:clrMapOvr>
+    <a:masterClrMapping/>
+  </p:clrMapOvr>
+</p:notes>
+</file>
+
+<file path=ppt/notesSlides/notesSlide28.xml><?xml version="1.0" encoding="utf-8"?>
+<p:notes xmlns:a="http://schemas.openxmlformats.org/drawingml/2006/main" xmlns:r="http://schemas.openxmlformats.org/officeDocument/2006/relationships" xmlns:p="http://schemas.openxmlformats.org/presentationml/2006/main">
+  <p:cSld>
+    <p:spTree>
+      <p:nvGrpSpPr>
+        <p:cNvPr id="1" name=""/>
+        <p:cNvGrpSpPr/>
+        <p:nvPr/>
+      </p:nvGrpSpPr>
+      <p:grpSpPr>
+        <a:xfrm>
+          <a:off x="0" y="0"/>
+          <a:ext cx="0" cy="0"/>
+          <a:chOff x="0" y="0"/>
+          <a:chExt cx="0" cy="0"/>
+        </a:xfrm>
+      </p:grpSpPr>
+      <p:sp>
+        <p:nvSpPr>
+          <p:cNvPr id="2" name="投影片圖像版面配置區 1"/>
+          <p:cNvSpPr>
+            <a:spLocks noGrp="1" noRot="1" noChangeAspect="1"/>
+          </p:cNvSpPr>
+          <p:nvPr>
+            <p:ph type="sldImg"/>
+          </p:nvPr>
+        </p:nvSpPr>
+        <p:spPr/>
+      </p:sp>
+      <p:sp>
+        <p:nvSpPr>
+          <p:cNvPr id="3" name="備忘稿版面配置區 2"/>
+          <p:cNvSpPr>
+            <a:spLocks noGrp="1"/>
+          </p:cNvSpPr>
+          <p:nvPr>
+            <p:ph type="body" idx="1"/>
+          </p:nvPr>
+        </p:nvSpPr>
+        <p:spPr/>
+        <p:txBody>
+          <a:bodyPr/>
+          <a:lstStyle/>
+          <a:p>
+            <a:pPr marL="0" marR="0" indent="0" algn="l" defTabSz="914400" rtl="0" eaLnBrk="1" fontAlgn="auto" latinLnBrk="0" hangingPunct="1">
+              <a:lnSpc>
+                <a:spcPct val="100000"/>
+              </a:lnSpc>
+              <a:spcBef>
+                <a:spcPts val="0"/>
+              </a:spcBef>
+              <a:spcAft>
+                <a:spcPts val="0"/>
+              </a:spcAft>
+              <a:buClrTx/>
+              <a:buSzTx/>
+              <a:buFontTx/>
+              <a:buNone/>
+              <a:tabLst/>
+              <a:defRPr/>
+            </a:pPr>
+            <a:r>
+              <a:rPr lang="en-US" altLang="zh-TW" dirty="0" smtClean="0"/>
+              <a:t>IDA LOG</a:t>
+            </a:r>
+            <a:endParaRPr lang="zh-TW" altLang="en-US" dirty="0" smtClean="0"/>
+          </a:p>
+          <a:p>
+            <a:endParaRPr lang="zh-TW" altLang="en-US" dirty="0"/>
+          </a:p>
+        </p:txBody>
+      </p:sp>
+      <p:sp>
+        <p:nvSpPr>
+          <p:cNvPr id="4" name="投影片編號版面配置區 3"/>
+          <p:cNvSpPr>
+            <a:spLocks noGrp="1"/>
+          </p:cNvSpPr>
+          <p:nvPr>
+            <p:ph type="sldNum" sz="quarter" idx="10"/>
+          </p:nvPr>
+        </p:nvSpPr>
+        <p:spPr/>
+        <p:txBody>
+          <a:bodyPr/>
+          <a:lstStyle/>
+          <a:p>
+            <a:fld id="{4B9FA8AB-93ED-4030-B179-2AF13832ABA7}" type="slidenum">
+              <a:rPr lang="zh-TW" altLang="en-US" smtClean="0"/>
+              <a:t>29</a:t>
+            </a:fld>
+            <a:endParaRPr lang="zh-TW" altLang="en-US"/>
+          </a:p>
+        </p:txBody>
+      </p:sp>
+    </p:spTree>
+    <p:extLst>
+      <p:ext uri="{BB962C8B-B14F-4D97-AF65-F5344CB8AC3E}">
+        <p14:creationId xmlns:p14="http://schemas.microsoft.com/office/powerpoint/2010/main" val="3546692886"/>
+      </p:ext>
+    </p:extLst>
+  </p:cSld>
+  <p:clrMapOvr>
+    <a:masterClrMapping/>
+  </p:clrMapOvr>
+</p:notes>
+</file>
+
+<file path=ppt/notesSlides/notesSlide29.xml><?xml version="1.0" encoding="utf-8"?>
+<p:notes xmlns:a="http://schemas.openxmlformats.org/drawingml/2006/main" xmlns:r="http://schemas.openxmlformats.org/officeDocument/2006/relationships" xmlns:p="http://schemas.openxmlformats.org/presentationml/2006/main">
+  <p:cSld>
+    <p:spTree>
+      <p:nvGrpSpPr>
+        <p:cNvPr id="1" name=""/>
+        <p:cNvGrpSpPr/>
+        <p:nvPr/>
+      </p:nvGrpSpPr>
+      <p:grpSpPr>
+        <a:xfrm>
+          <a:off x="0" y="0"/>
+          <a:ext cx="0" cy="0"/>
+          <a:chOff x="0" y="0"/>
+          <a:chExt cx="0" cy="0"/>
+        </a:xfrm>
+      </p:grpSpPr>
+      <p:sp>
+        <p:nvSpPr>
+          <p:cNvPr id="2" name="投影片圖像版面配置區 1"/>
+          <p:cNvSpPr>
+            <a:spLocks noGrp="1" noRot="1" noChangeAspect="1"/>
+          </p:cNvSpPr>
+          <p:nvPr>
+            <p:ph type="sldImg"/>
+          </p:nvPr>
+        </p:nvSpPr>
+        <p:spPr/>
+      </p:sp>
+      <p:sp>
+        <p:nvSpPr>
+          <p:cNvPr id="3" name="備忘稿版面配置區 2"/>
+          <p:cNvSpPr>
+            <a:spLocks noGrp="1"/>
+          </p:cNvSpPr>
+          <p:nvPr>
+            <p:ph type="body" idx="1"/>
+          </p:nvPr>
+        </p:nvSpPr>
+        <p:spPr/>
+        <p:txBody>
+          <a:bodyPr/>
+          <a:lstStyle/>
+          <a:p>
+            <a:r>
+              <a:rPr lang="en-US" altLang="zh-TW" dirty="0" smtClean="0"/>
+              <a:t>Tradition MMC </a:t>
+            </a:r>
+            <a:r>
+              <a:rPr lang="en-US" altLang="zh-TW" dirty="0" smtClean="0"/>
+              <a:t>Pushover</a:t>
+            </a:r>
+            <a:endParaRPr lang="zh-TW" altLang="en-US" dirty="0"/>
+          </a:p>
+        </p:txBody>
+      </p:sp>
+      <p:sp>
+        <p:nvSpPr>
+          <p:cNvPr id="4" name="投影片編號版面配置區 3"/>
+          <p:cNvSpPr>
+            <a:spLocks noGrp="1"/>
+          </p:cNvSpPr>
+          <p:nvPr>
+            <p:ph type="sldNum" sz="quarter" idx="10"/>
+          </p:nvPr>
+        </p:nvSpPr>
+        <p:spPr/>
+        <p:txBody>
+          <a:bodyPr/>
+          <a:lstStyle/>
+          <a:p>
+            <a:fld id="{4B9FA8AB-93ED-4030-B179-2AF13832ABA7}" type="slidenum">
+              <a:rPr lang="zh-TW" altLang="en-US" smtClean="0"/>
+              <a:t>30</a:t>
+            </a:fld>
+            <a:endParaRPr lang="zh-TW" altLang="en-US"/>
+          </a:p>
+        </p:txBody>
+      </p:sp>
+    </p:spTree>
+    <p:extLst>
+      <p:ext uri="{BB962C8B-B14F-4D97-AF65-F5344CB8AC3E}">
+        <p14:creationId xmlns:p14="http://schemas.microsoft.com/office/powerpoint/2010/main" val="399175035"/>
+      </p:ext>
+    </p:extLst>
+  </p:cSld>
+  <p:clrMapOvr>
+    <a:masterClrMapping/>
+  </p:clrMapOvr>
+</p:notes>
+</file>
+
+<file path=ppt/notesSlides/notesSlide3.xml><?xml version="1.0" encoding="utf-8"?>
+<p:notes xmlns:a="http://schemas.openxmlformats.org/drawingml/2006/main" xmlns:r="http://schemas.openxmlformats.org/officeDocument/2006/relationships" xmlns:p="http://schemas.openxmlformats.org/presentationml/2006/main">
+  <p:cSld>
+    <p:spTree>
+      <p:nvGrpSpPr>
+        <p:cNvPr id="1" name=""/>
+        <p:cNvGrpSpPr/>
+        <p:nvPr/>
+      </p:nvGrpSpPr>
+      <p:grpSpPr>
+        <a:xfrm>
+          <a:off x="0" y="0"/>
+          <a:ext cx="0" cy="0"/>
+          <a:chOff x="0" y="0"/>
+          <a:chExt cx="0" cy="0"/>
+        </a:xfrm>
+      </p:grpSpPr>
+      <p:sp>
+        <p:nvSpPr>
+          <p:cNvPr id="2" name="投影片圖像版面配置區 1"/>
+          <p:cNvSpPr>
+            <a:spLocks noGrp="1" noRot="1" noChangeAspect="1"/>
+          </p:cNvSpPr>
+          <p:nvPr>
+            <p:ph type="sldImg"/>
+          </p:nvPr>
+        </p:nvSpPr>
+        <p:spPr/>
+      </p:sp>
+      <p:sp>
+        <p:nvSpPr>
+          <p:cNvPr id="3" name="備忘稿版面配置區 2"/>
+          <p:cNvSpPr>
+            <a:spLocks noGrp="1"/>
+          </p:cNvSpPr>
+          <p:nvPr>
+            <p:ph type="body" idx="1"/>
+          </p:nvPr>
+        </p:nvSpPr>
+        <p:spPr/>
+        <p:txBody>
+          <a:bodyPr/>
+          <a:lstStyle/>
+          <a:p>
+            <a:r>
+              <a:rPr lang="en-US" altLang="zh-TW" dirty="0" smtClean="0"/>
+              <a:t>Multi MMC </a:t>
+            </a:r>
+            <a:r>
+              <a:rPr lang="en-US" altLang="zh-TW" dirty="0" smtClean="0"/>
+              <a:t>Pushover</a:t>
+            </a:r>
+            <a:endParaRPr lang="zh-TW" altLang="en-US" dirty="0"/>
+          </a:p>
+        </p:txBody>
+      </p:sp>
+      <p:sp>
+        <p:nvSpPr>
+          <p:cNvPr id="4" name="投影片編號版面配置區 3"/>
+          <p:cNvSpPr>
+            <a:spLocks noGrp="1"/>
+          </p:cNvSpPr>
+          <p:nvPr>
+            <p:ph type="sldNum" sz="quarter" idx="10"/>
+          </p:nvPr>
+        </p:nvSpPr>
+        <p:spPr/>
+        <p:txBody>
+          <a:bodyPr/>
+          <a:lstStyle/>
+          <a:p>
+            <a:fld id="{4B9FA8AB-93ED-4030-B179-2AF13832ABA7}" type="slidenum">
+              <a:rPr lang="zh-TW" altLang="en-US" smtClean="0"/>
+              <a:t>4</a:t>
+            </a:fld>
+            <a:endParaRPr lang="zh-TW" altLang="en-US"/>
+          </a:p>
+        </p:txBody>
+      </p:sp>
+    </p:spTree>
+    <p:extLst>
+      <p:ext uri="{BB962C8B-B14F-4D97-AF65-F5344CB8AC3E}">
+        <p14:creationId xmlns:p14="http://schemas.microsoft.com/office/powerpoint/2010/main" val="2502136252"/>
+      </p:ext>
+    </p:extLst>
+  </p:cSld>
+  <p:clrMapOvr>
+    <a:masterClrMapping/>
+  </p:clrMapOvr>
+</p:notes>
+</file>
+
+<file path=ppt/notesSlides/notesSlide30.xml><?xml version="1.0" encoding="utf-8"?>
+<p:notes xmlns:a="http://schemas.openxmlformats.org/drawingml/2006/main" xmlns:r="http://schemas.openxmlformats.org/officeDocument/2006/relationships" xmlns:p="http://schemas.openxmlformats.org/presentationml/2006/main">
+  <p:cSld>
+    <p:spTree>
+      <p:nvGrpSpPr>
+        <p:cNvPr id="1" name=""/>
+        <p:cNvGrpSpPr/>
+        <p:nvPr/>
+      </p:nvGrpSpPr>
+      <p:grpSpPr>
+        <a:xfrm>
+          <a:off x="0" y="0"/>
+          <a:ext cx="0" cy="0"/>
+          <a:chOff x="0" y="0"/>
+          <a:chExt cx="0" cy="0"/>
+        </a:xfrm>
+      </p:grpSpPr>
+      <p:sp>
+        <p:nvSpPr>
+          <p:cNvPr id="2" name="投影片圖像版面配置區 1"/>
+          <p:cNvSpPr>
+            <a:spLocks noGrp="1" noRot="1" noChangeAspect="1"/>
+          </p:cNvSpPr>
+          <p:nvPr>
+            <p:ph type="sldImg"/>
+          </p:nvPr>
+        </p:nvSpPr>
+        <p:spPr/>
+      </p:sp>
+      <p:sp>
+        <p:nvSpPr>
+          <p:cNvPr id="3" name="備忘稿版面配置區 2"/>
+          <p:cNvSpPr>
+            <a:spLocks noGrp="1"/>
+          </p:cNvSpPr>
+          <p:nvPr>
+            <p:ph type="body" idx="1"/>
+          </p:nvPr>
+        </p:nvSpPr>
+        <p:spPr/>
+        <p:txBody>
+          <a:bodyPr/>
+          <a:lstStyle/>
+          <a:p>
+            <a:pPr marL="0" marR="0" indent="0" algn="l" defTabSz="914400" rtl="0" eaLnBrk="1" fontAlgn="auto" latinLnBrk="0" hangingPunct="1">
+              <a:lnSpc>
+                <a:spcPct val="100000"/>
+              </a:lnSpc>
+              <a:spcBef>
+                <a:spcPts val="0"/>
+              </a:spcBef>
+              <a:spcAft>
+                <a:spcPts val="0"/>
+              </a:spcAft>
+              <a:buClrTx/>
+              <a:buSzTx/>
+              <a:buFontTx/>
+              <a:buNone/>
+              <a:tabLst/>
+              <a:defRPr/>
+            </a:pPr>
+            <a:r>
+              <a:rPr lang="en-US" altLang="zh-TW" dirty="0" smtClean="0"/>
+              <a:t>Tradition Mode1</a:t>
+            </a:r>
+            <a:r>
+              <a:rPr lang="en-US" altLang="zh-TW" baseline="0" dirty="0" smtClean="0"/>
+              <a:t> Mode2</a:t>
+            </a:r>
+            <a:endParaRPr lang="zh-TW" altLang="en-US" dirty="0" smtClean="0"/>
+          </a:p>
+        </p:txBody>
+      </p:sp>
+      <p:sp>
+        <p:nvSpPr>
+          <p:cNvPr id="4" name="投影片編號版面配置區 3"/>
+          <p:cNvSpPr>
+            <a:spLocks noGrp="1"/>
+          </p:cNvSpPr>
+          <p:nvPr>
+            <p:ph type="sldNum" sz="quarter" idx="10"/>
+          </p:nvPr>
+        </p:nvSpPr>
+        <p:spPr/>
+        <p:txBody>
+          <a:bodyPr/>
+          <a:lstStyle/>
+          <a:p>
+            <a:fld id="{4B9FA8AB-93ED-4030-B179-2AF13832ABA7}" type="slidenum">
+              <a:rPr lang="zh-TW" altLang="en-US" smtClean="0"/>
+              <a:t>31</a:t>
+            </a:fld>
+            <a:endParaRPr lang="zh-TW" altLang="en-US"/>
+          </a:p>
+        </p:txBody>
+      </p:sp>
+    </p:spTree>
+    <p:extLst>
+      <p:ext uri="{BB962C8B-B14F-4D97-AF65-F5344CB8AC3E}">
+        <p14:creationId xmlns:p14="http://schemas.microsoft.com/office/powerpoint/2010/main" val="3559000782"/>
+      </p:ext>
+    </p:extLst>
+  </p:cSld>
+  <p:clrMapOvr>
+    <a:masterClrMapping/>
+  </p:clrMapOvr>
+</p:notes>
+</file>
+
+<file path=ppt/notesSlides/notesSlide31.xml><?xml version="1.0" encoding="utf-8"?>
+<p:notes xmlns:a="http://schemas.openxmlformats.org/drawingml/2006/main" xmlns:r="http://schemas.openxmlformats.org/officeDocument/2006/relationships" xmlns:p="http://schemas.openxmlformats.org/presentationml/2006/main">
+  <p:cSld>
+    <p:spTree>
+      <p:nvGrpSpPr>
+        <p:cNvPr id="1" name=""/>
+        <p:cNvGrpSpPr/>
+        <p:nvPr/>
+      </p:nvGrpSpPr>
+      <p:grpSpPr>
+        <a:xfrm>
+          <a:off x="0" y="0"/>
+          <a:ext cx="0" cy="0"/>
+          <a:chOff x="0" y="0"/>
+          <a:chExt cx="0" cy="0"/>
+        </a:xfrm>
+      </p:grpSpPr>
+      <p:sp>
+        <p:nvSpPr>
+          <p:cNvPr id="2" name="投影片圖像版面配置區 1"/>
+          <p:cNvSpPr>
+            <a:spLocks noGrp="1" noRot="1" noChangeAspect="1"/>
+          </p:cNvSpPr>
+          <p:nvPr>
+            <p:ph type="sldImg"/>
+          </p:nvPr>
+        </p:nvSpPr>
+        <p:spPr/>
+      </p:sp>
+      <p:sp>
+        <p:nvSpPr>
+          <p:cNvPr id="3" name="備忘稿版面配置區 2"/>
+          <p:cNvSpPr>
+            <a:spLocks noGrp="1"/>
+          </p:cNvSpPr>
+          <p:nvPr>
+            <p:ph type="body" idx="1"/>
+          </p:nvPr>
+        </p:nvSpPr>
+        <p:spPr/>
+        <p:txBody>
+          <a:bodyPr/>
+          <a:lstStyle/>
+          <a:p>
+            <a:r>
+              <a:rPr lang="en-US" altLang="zh-TW" dirty="0" smtClean="0"/>
+              <a:t>Multi MMC </a:t>
+            </a:r>
+            <a:r>
+              <a:rPr lang="en-US" altLang="zh-TW" dirty="0" smtClean="0"/>
+              <a:t>Pushover</a:t>
+            </a:r>
+            <a:endParaRPr lang="zh-TW" altLang="en-US" dirty="0"/>
+          </a:p>
+        </p:txBody>
+      </p:sp>
+      <p:sp>
+        <p:nvSpPr>
+          <p:cNvPr id="4" name="投影片編號版面配置區 3"/>
+          <p:cNvSpPr>
+            <a:spLocks noGrp="1"/>
+          </p:cNvSpPr>
+          <p:nvPr>
+            <p:ph type="sldNum" sz="quarter" idx="10"/>
+          </p:nvPr>
+        </p:nvSpPr>
+        <p:spPr/>
+        <p:txBody>
+          <a:bodyPr/>
+          <a:lstStyle/>
+          <a:p>
+            <a:fld id="{4B9FA8AB-93ED-4030-B179-2AF13832ABA7}" type="slidenum">
+              <a:rPr lang="zh-TW" altLang="en-US" smtClean="0"/>
+              <a:t>32</a:t>
+            </a:fld>
+            <a:endParaRPr lang="zh-TW" altLang="en-US"/>
+          </a:p>
+        </p:txBody>
+      </p:sp>
+    </p:spTree>
+    <p:extLst>
+      <p:ext uri="{BB962C8B-B14F-4D97-AF65-F5344CB8AC3E}">
+        <p14:creationId xmlns:p14="http://schemas.microsoft.com/office/powerpoint/2010/main" val="3426793912"/>
+      </p:ext>
+    </p:extLst>
+  </p:cSld>
+  <p:clrMapOvr>
+    <a:masterClrMapping/>
+  </p:clrMapOvr>
+</p:notes>
+</file>
+
+<file path=ppt/notesSlides/notesSlide32.xml><?xml version="1.0" encoding="utf-8"?>
+<p:notes xmlns:a="http://schemas.openxmlformats.org/drawingml/2006/main" xmlns:r="http://schemas.openxmlformats.org/officeDocument/2006/relationships" xmlns:p="http://schemas.openxmlformats.org/presentationml/2006/main">
+  <p:cSld>
+    <p:spTree>
+      <p:nvGrpSpPr>
+        <p:cNvPr id="1" name=""/>
+        <p:cNvGrpSpPr/>
+        <p:nvPr/>
+      </p:nvGrpSpPr>
+      <p:grpSpPr>
+        <a:xfrm>
+          <a:off x="0" y="0"/>
+          <a:ext cx="0" cy="0"/>
+          <a:chOff x="0" y="0"/>
+          <a:chExt cx="0" cy="0"/>
+        </a:xfrm>
+      </p:grpSpPr>
+      <p:sp>
+        <p:nvSpPr>
+          <p:cNvPr id="2" name="投影片圖像版面配置區 1"/>
+          <p:cNvSpPr>
+            <a:spLocks noGrp="1" noRot="1" noChangeAspect="1"/>
+          </p:cNvSpPr>
+          <p:nvPr>
+            <p:ph type="sldImg"/>
+          </p:nvPr>
+        </p:nvSpPr>
+        <p:spPr/>
+      </p:sp>
+      <p:sp>
+        <p:nvSpPr>
+          <p:cNvPr id="3" name="備忘稿版面配置區 2"/>
+          <p:cNvSpPr>
+            <a:spLocks noGrp="1"/>
+          </p:cNvSpPr>
+          <p:nvPr>
+            <p:ph type="body" idx="1"/>
+          </p:nvPr>
+        </p:nvSpPr>
+        <p:spPr/>
+        <p:txBody>
+          <a:bodyPr/>
+          <a:lstStyle/>
+          <a:p>
+            <a:pPr marL="0" marR="0" indent="0" algn="l" defTabSz="914400" rtl="0" eaLnBrk="1" fontAlgn="auto" latinLnBrk="0" hangingPunct="1">
+              <a:lnSpc>
+                <a:spcPct val="100000"/>
+              </a:lnSpc>
+              <a:spcBef>
+                <a:spcPts val="0"/>
+              </a:spcBef>
+              <a:spcAft>
+                <a:spcPts val="0"/>
+              </a:spcAft>
+              <a:buClrTx/>
+              <a:buSzTx/>
+              <a:buFontTx/>
+              <a:buNone/>
+              <a:tabLst/>
+              <a:defRPr/>
+            </a:pPr>
+            <a:r>
+              <a:rPr lang="en-US" altLang="zh-TW" dirty="0" smtClean="0"/>
+              <a:t>Multi Mode1</a:t>
+            </a:r>
+            <a:r>
+              <a:rPr lang="en-US" altLang="zh-TW" baseline="0" dirty="0" smtClean="0"/>
+              <a:t> Mode2</a:t>
+            </a:r>
+            <a:endParaRPr lang="zh-TW" altLang="en-US" dirty="0" smtClean="0"/>
+          </a:p>
+        </p:txBody>
+      </p:sp>
+      <p:sp>
+        <p:nvSpPr>
+          <p:cNvPr id="4" name="投影片編號版面配置區 3"/>
+          <p:cNvSpPr>
+            <a:spLocks noGrp="1"/>
+          </p:cNvSpPr>
+          <p:nvPr>
+            <p:ph type="sldNum" sz="quarter" idx="10"/>
+          </p:nvPr>
+        </p:nvSpPr>
+        <p:spPr/>
+        <p:txBody>
+          <a:bodyPr/>
+          <a:lstStyle/>
+          <a:p>
+            <a:fld id="{4B9FA8AB-93ED-4030-B179-2AF13832ABA7}" type="slidenum">
+              <a:rPr lang="zh-TW" altLang="en-US" smtClean="0"/>
+              <a:t>33</a:t>
+            </a:fld>
+            <a:endParaRPr lang="zh-TW" altLang="en-US"/>
+          </a:p>
+        </p:txBody>
+      </p:sp>
+    </p:spTree>
+    <p:extLst>
+      <p:ext uri="{BB962C8B-B14F-4D97-AF65-F5344CB8AC3E}">
+        <p14:creationId xmlns:p14="http://schemas.microsoft.com/office/powerpoint/2010/main" val="2295055934"/>
+      </p:ext>
+    </p:extLst>
+  </p:cSld>
+  <p:clrMapOvr>
+    <a:masterClrMapping/>
+  </p:clrMapOvr>
+</p:notes>
+</file>
+
+<file path=ppt/notesSlides/notesSlide33.xml><?xml version="1.0" encoding="utf-8"?>
+<p:notes xmlns:a="http://schemas.openxmlformats.org/drawingml/2006/main" xmlns:r="http://schemas.openxmlformats.org/officeDocument/2006/relationships" xmlns:p="http://schemas.openxmlformats.org/presentationml/2006/main">
+  <p:cSld>
+    <p:spTree>
+      <p:nvGrpSpPr>
+        <p:cNvPr id="1" name=""/>
+        <p:cNvGrpSpPr/>
+        <p:nvPr/>
+      </p:nvGrpSpPr>
+      <p:grpSpPr>
+        <a:xfrm>
+          <a:off x="0" y="0"/>
+          <a:ext cx="0" cy="0"/>
+          <a:chOff x="0" y="0"/>
+          <a:chExt cx="0" cy="0"/>
+        </a:xfrm>
+      </p:grpSpPr>
+      <p:sp>
+        <p:nvSpPr>
+          <p:cNvPr id="2" name="投影片圖像版面配置區 1"/>
+          <p:cNvSpPr>
+            <a:spLocks noGrp="1" noRot="1" noChangeAspect="1"/>
+          </p:cNvSpPr>
+          <p:nvPr>
+            <p:ph type="sldImg"/>
+          </p:nvPr>
+        </p:nvSpPr>
+        <p:spPr/>
+      </p:sp>
+      <p:sp>
+        <p:nvSpPr>
+          <p:cNvPr id="3" name="備忘稿版面配置區 2"/>
+          <p:cNvSpPr>
+            <a:spLocks noGrp="1"/>
+          </p:cNvSpPr>
+          <p:nvPr>
+            <p:ph type="body" idx="1"/>
+          </p:nvPr>
+        </p:nvSpPr>
+        <p:spPr/>
+        <p:txBody>
+          <a:bodyPr/>
+          <a:lstStyle/>
+          <a:p>
+            <a:r>
+              <a:rPr lang="en-US" altLang="zh-TW" dirty="0" smtClean="0"/>
+              <a:t>Tradition DBE MCE</a:t>
+            </a:r>
+            <a:endParaRPr lang="zh-TW" altLang="en-US" dirty="0"/>
+          </a:p>
+        </p:txBody>
+      </p:sp>
+      <p:sp>
+        <p:nvSpPr>
+          <p:cNvPr id="4" name="投影片編號版面配置區 3"/>
+          <p:cNvSpPr>
+            <a:spLocks noGrp="1"/>
+          </p:cNvSpPr>
+          <p:nvPr>
+            <p:ph type="sldNum" sz="quarter" idx="10"/>
+          </p:nvPr>
+        </p:nvSpPr>
+        <p:spPr/>
+        <p:txBody>
+          <a:bodyPr/>
+          <a:lstStyle/>
+          <a:p>
+            <a:fld id="{4B9FA8AB-93ED-4030-B179-2AF13832ABA7}" type="slidenum">
+              <a:rPr lang="zh-TW" altLang="en-US" smtClean="0"/>
+              <a:t>34</a:t>
+            </a:fld>
+            <a:endParaRPr lang="zh-TW" altLang="en-US"/>
+          </a:p>
+        </p:txBody>
+      </p:sp>
+    </p:spTree>
+    <p:extLst>
+      <p:ext uri="{BB962C8B-B14F-4D97-AF65-F5344CB8AC3E}">
+        <p14:creationId xmlns:p14="http://schemas.microsoft.com/office/powerpoint/2010/main" val="2711912453"/>
+      </p:ext>
+    </p:extLst>
+  </p:cSld>
+  <p:clrMapOvr>
+    <a:masterClrMapping/>
+  </p:clrMapOvr>
+</p:notes>
+</file>
+
+<file path=ppt/notesSlides/notesSlide34.xml><?xml version="1.0" encoding="utf-8"?>
+<p:notes xmlns:a="http://schemas.openxmlformats.org/drawingml/2006/main" xmlns:r="http://schemas.openxmlformats.org/officeDocument/2006/relationships" xmlns:p="http://schemas.openxmlformats.org/presentationml/2006/main">
+  <p:cSld>
+    <p:spTree>
+      <p:nvGrpSpPr>
+        <p:cNvPr id="1" name=""/>
+        <p:cNvGrpSpPr/>
+        <p:nvPr/>
+      </p:nvGrpSpPr>
+      <p:grpSpPr>
+        <a:xfrm>
+          <a:off x="0" y="0"/>
+          <a:ext cx="0" cy="0"/>
+          <a:chOff x="0" y="0"/>
+          <a:chExt cx="0" cy="0"/>
+        </a:xfrm>
+      </p:grpSpPr>
+      <p:sp>
+        <p:nvSpPr>
+          <p:cNvPr id="2" name="投影片圖像版面配置區 1"/>
+          <p:cNvSpPr>
+            <a:spLocks noGrp="1" noRot="1" noChangeAspect="1"/>
+          </p:cNvSpPr>
+          <p:nvPr>
+            <p:ph type="sldImg"/>
+          </p:nvPr>
+        </p:nvSpPr>
+        <p:spPr/>
+      </p:sp>
+      <p:sp>
+        <p:nvSpPr>
+          <p:cNvPr id="3" name="備忘稿版面配置區 2"/>
+          <p:cNvSpPr>
+            <a:spLocks noGrp="1"/>
+          </p:cNvSpPr>
+          <p:nvPr>
+            <p:ph type="body" idx="1"/>
+          </p:nvPr>
+        </p:nvSpPr>
+        <p:spPr/>
+        <p:txBody>
+          <a:bodyPr/>
+          <a:lstStyle/>
+          <a:p>
+            <a:r>
+              <a:rPr lang="en-US" altLang="zh-TW" dirty="0" smtClean="0"/>
+              <a:t>Multi DBE MCE</a:t>
+            </a:r>
+            <a:endParaRPr lang="zh-TW" altLang="en-US" dirty="0"/>
+          </a:p>
+        </p:txBody>
+      </p:sp>
+      <p:sp>
+        <p:nvSpPr>
+          <p:cNvPr id="4" name="投影片編號版面配置區 3"/>
+          <p:cNvSpPr>
+            <a:spLocks noGrp="1"/>
+          </p:cNvSpPr>
+          <p:nvPr>
+            <p:ph type="sldNum" sz="quarter" idx="10"/>
+          </p:nvPr>
+        </p:nvSpPr>
+        <p:spPr/>
+        <p:txBody>
+          <a:bodyPr/>
+          <a:lstStyle/>
+          <a:p>
+            <a:fld id="{4B9FA8AB-93ED-4030-B179-2AF13832ABA7}" type="slidenum">
+              <a:rPr lang="zh-TW" altLang="en-US" smtClean="0"/>
+              <a:t>35</a:t>
+            </a:fld>
+            <a:endParaRPr lang="zh-TW" altLang="en-US"/>
+          </a:p>
+        </p:txBody>
+      </p:sp>
+    </p:spTree>
+    <p:extLst>
+      <p:ext uri="{BB962C8B-B14F-4D97-AF65-F5344CB8AC3E}">
+        <p14:creationId xmlns:p14="http://schemas.microsoft.com/office/powerpoint/2010/main" val="1687381863"/>
+      </p:ext>
+    </p:extLst>
+  </p:cSld>
+  <p:clrMapOvr>
+    <a:masterClrMapping/>
+  </p:clrMapOvr>
+</p:notes>
+</file>
+
+<file path=ppt/notesSlides/notesSlide35.xml><?xml version="1.0" encoding="utf-8"?>
+<p:notes xmlns:a="http://schemas.openxmlformats.org/drawingml/2006/main" xmlns:r="http://schemas.openxmlformats.org/officeDocument/2006/relationships" xmlns:p="http://schemas.openxmlformats.org/presentationml/2006/main">
+  <p:cSld>
+    <p:spTree>
+      <p:nvGrpSpPr>
+        <p:cNvPr id="1" name=""/>
+        <p:cNvGrpSpPr/>
+        <p:nvPr/>
+      </p:nvGrpSpPr>
+      <p:grpSpPr>
+        <a:xfrm>
+          <a:off x="0" y="0"/>
+          <a:ext cx="0" cy="0"/>
+          <a:chOff x="0" y="0"/>
+          <a:chExt cx="0" cy="0"/>
+        </a:xfrm>
+      </p:grpSpPr>
+      <p:sp>
+        <p:nvSpPr>
+          <p:cNvPr id="2" name="投影片圖像版面配置區 1"/>
+          <p:cNvSpPr>
+            <a:spLocks noGrp="1" noRot="1" noChangeAspect="1"/>
+          </p:cNvSpPr>
+          <p:nvPr>
+            <p:ph type="sldImg"/>
+          </p:nvPr>
+        </p:nvSpPr>
+        <p:spPr/>
+      </p:sp>
+      <p:sp>
+        <p:nvSpPr>
+          <p:cNvPr id="3" name="備忘稿版面配置區 2"/>
+          <p:cNvSpPr>
+            <a:spLocks noGrp="1"/>
+          </p:cNvSpPr>
+          <p:nvPr>
+            <p:ph type="body" idx="1"/>
+          </p:nvPr>
+        </p:nvSpPr>
+        <p:spPr/>
+        <p:txBody>
+          <a:bodyPr/>
+          <a:lstStyle/>
+          <a:p>
+            <a:pPr marL="0" marR="0" indent="0" algn="l" defTabSz="914400" rtl="0" eaLnBrk="1" fontAlgn="auto" latinLnBrk="0" hangingPunct="1">
+              <a:lnSpc>
+                <a:spcPct val="100000"/>
+              </a:lnSpc>
+              <a:spcBef>
+                <a:spcPts val="0"/>
+              </a:spcBef>
+              <a:spcAft>
+                <a:spcPts val="0"/>
+              </a:spcAft>
+              <a:buClrTx/>
+              <a:buSzTx/>
+              <a:buFontTx/>
+              <a:buNone/>
+              <a:tabLst/>
+              <a:defRPr/>
+            </a:pPr>
+            <a:r>
+              <a:rPr lang="en-US" altLang="zh-TW" dirty="0" smtClean="0"/>
+              <a:t>IDA LOG</a:t>
+            </a:r>
+            <a:endParaRPr lang="zh-TW" altLang="en-US" dirty="0" smtClean="0"/>
+          </a:p>
+          <a:p>
+            <a:endParaRPr lang="zh-TW" altLang="en-US" dirty="0"/>
+          </a:p>
+        </p:txBody>
+      </p:sp>
+      <p:sp>
+        <p:nvSpPr>
+          <p:cNvPr id="4" name="投影片編號版面配置區 3"/>
+          <p:cNvSpPr>
+            <a:spLocks noGrp="1"/>
+          </p:cNvSpPr>
+          <p:nvPr>
+            <p:ph type="sldNum" sz="quarter" idx="10"/>
+          </p:nvPr>
+        </p:nvSpPr>
+        <p:spPr/>
+        <p:txBody>
+          <a:bodyPr/>
+          <a:lstStyle/>
+          <a:p>
+            <a:fld id="{4B9FA8AB-93ED-4030-B179-2AF13832ABA7}" type="slidenum">
+              <a:rPr lang="zh-TW" altLang="en-US" smtClean="0"/>
+              <a:t>36</a:t>
+            </a:fld>
+            <a:endParaRPr lang="zh-TW" altLang="en-US"/>
+          </a:p>
+        </p:txBody>
+      </p:sp>
+    </p:spTree>
+    <p:extLst>
+      <p:ext uri="{BB962C8B-B14F-4D97-AF65-F5344CB8AC3E}">
+        <p14:creationId xmlns:p14="http://schemas.microsoft.com/office/powerpoint/2010/main" val="880751965"/>
+      </p:ext>
+    </p:extLst>
+  </p:cSld>
+  <p:clrMapOvr>
+    <a:masterClrMapping/>
+  </p:clrMapOvr>
+</p:notes>
+</file>
+
+<file path=ppt/notesSlides/notesSlide4.xml><?xml version="1.0" encoding="utf-8"?>
+<p:notes xmlns:a="http://schemas.openxmlformats.org/drawingml/2006/main" xmlns:r="http://schemas.openxmlformats.org/officeDocument/2006/relationships" xmlns:p="http://schemas.openxmlformats.org/presentationml/2006/main">
+  <p:cSld>
+    <p:spTree>
+      <p:nvGrpSpPr>
+        <p:cNvPr id="1" name=""/>
+        <p:cNvGrpSpPr/>
+        <p:nvPr/>
+      </p:nvGrpSpPr>
+      <p:grpSpPr>
+        <a:xfrm>
+          <a:off x="0" y="0"/>
+          <a:ext cx="0" cy="0"/>
+          <a:chOff x="0" y="0"/>
+          <a:chExt cx="0" cy="0"/>
+        </a:xfrm>
+      </p:grpSpPr>
+      <p:sp>
+        <p:nvSpPr>
+          <p:cNvPr id="2" name="投影片圖像版面配置區 1"/>
+          <p:cNvSpPr>
+            <a:spLocks noGrp="1" noRot="1" noChangeAspect="1"/>
+          </p:cNvSpPr>
+          <p:nvPr>
+            <p:ph type="sldImg"/>
+          </p:nvPr>
+        </p:nvSpPr>
+        <p:spPr/>
+      </p:sp>
+      <p:sp>
+        <p:nvSpPr>
+          <p:cNvPr id="3" name="備忘稿版面配置區 2"/>
+          <p:cNvSpPr>
+            <a:spLocks noGrp="1"/>
+          </p:cNvSpPr>
+          <p:nvPr>
+            <p:ph type="body" idx="1"/>
+          </p:nvPr>
+        </p:nvSpPr>
+        <p:spPr/>
+        <p:txBody>
+          <a:bodyPr/>
+          <a:lstStyle/>
+          <a:p>
+            <a:pPr marL="0" marR="0" indent="0" algn="l" defTabSz="914400" rtl="0" eaLnBrk="1" fontAlgn="auto" latinLnBrk="0" hangingPunct="1">
+              <a:lnSpc>
+                <a:spcPct val="100000"/>
+              </a:lnSpc>
+              <a:spcBef>
+                <a:spcPts val="0"/>
+              </a:spcBef>
+              <a:spcAft>
+                <a:spcPts val="0"/>
+              </a:spcAft>
+              <a:buClrTx/>
+              <a:buSzTx/>
+              <a:buFontTx/>
+              <a:buNone/>
+              <a:tabLst/>
+              <a:defRPr/>
+            </a:pPr>
+            <a:r>
+              <a:rPr lang="en-US" altLang="zh-TW" dirty="0" smtClean="0"/>
+              <a:t>Multi Mode1</a:t>
+            </a:r>
+            <a:r>
+              <a:rPr lang="en-US" altLang="zh-TW" baseline="0" dirty="0" smtClean="0"/>
+              <a:t> Mode2</a:t>
+            </a:r>
+            <a:endParaRPr lang="zh-TW" altLang="en-US" dirty="0" smtClean="0"/>
+          </a:p>
+        </p:txBody>
+      </p:sp>
+      <p:sp>
+        <p:nvSpPr>
+          <p:cNvPr id="4" name="投影片編號版面配置區 3"/>
+          <p:cNvSpPr>
+            <a:spLocks noGrp="1"/>
+          </p:cNvSpPr>
+          <p:nvPr>
+            <p:ph type="sldNum" sz="quarter" idx="10"/>
+          </p:nvPr>
+        </p:nvSpPr>
+        <p:spPr/>
+        <p:txBody>
+          <a:bodyPr/>
+          <a:lstStyle/>
+          <a:p>
+            <a:fld id="{4B9FA8AB-93ED-4030-B179-2AF13832ABA7}" type="slidenum">
+              <a:rPr lang="zh-TW" altLang="en-US" smtClean="0"/>
+              <a:t>5</a:t>
+            </a:fld>
+            <a:endParaRPr lang="zh-TW" altLang="en-US"/>
+          </a:p>
+        </p:txBody>
+      </p:sp>
+    </p:spTree>
+    <p:extLst>
+      <p:ext uri="{BB962C8B-B14F-4D97-AF65-F5344CB8AC3E}">
+        <p14:creationId xmlns:p14="http://schemas.microsoft.com/office/powerpoint/2010/main" val="3733681730"/>
+      </p:ext>
+    </p:extLst>
+  </p:cSld>
+  <p:clrMapOvr>
+    <a:masterClrMapping/>
+  </p:clrMapOvr>
+</p:notes>
+</file>
+
+<file path=ppt/notesSlides/notesSlide5.xml><?xml version="1.0" encoding="utf-8"?>
+<p:notes xmlns:a="http://schemas.openxmlformats.org/drawingml/2006/main" xmlns:r="http://schemas.openxmlformats.org/officeDocument/2006/relationships" xmlns:p="http://schemas.openxmlformats.org/presentationml/2006/main">
+  <p:cSld>
+    <p:spTree>
+      <p:nvGrpSpPr>
+        <p:cNvPr id="1" name=""/>
+        <p:cNvGrpSpPr/>
+        <p:nvPr/>
+      </p:nvGrpSpPr>
+      <p:grpSpPr>
+        <a:xfrm>
+          <a:off x="0" y="0"/>
+          <a:ext cx="0" cy="0"/>
+          <a:chOff x="0" y="0"/>
+          <a:chExt cx="0" cy="0"/>
+        </a:xfrm>
+      </p:grpSpPr>
+      <p:sp>
+        <p:nvSpPr>
+          <p:cNvPr id="2" name="投影片圖像版面配置區 1"/>
+          <p:cNvSpPr>
+            <a:spLocks noGrp="1" noRot="1" noChangeAspect="1"/>
+          </p:cNvSpPr>
+          <p:nvPr>
+            <p:ph type="sldImg"/>
+          </p:nvPr>
+        </p:nvSpPr>
+        <p:spPr/>
+      </p:sp>
+      <p:sp>
+        <p:nvSpPr>
+          <p:cNvPr id="3" name="備忘稿版面配置區 2"/>
+          <p:cNvSpPr>
+            <a:spLocks noGrp="1"/>
+          </p:cNvSpPr>
+          <p:nvPr>
+            <p:ph type="body" idx="1"/>
+          </p:nvPr>
+        </p:nvSpPr>
+        <p:spPr/>
+        <p:txBody>
+          <a:bodyPr/>
+          <a:lstStyle/>
+          <a:p>
+            <a:r>
+              <a:rPr lang="en-US" altLang="zh-TW" dirty="0" smtClean="0"/>
+              <a:t>Tradition DBE MCE</a:t>
+            </a:r>
+            <a:endParaRPr lang="zh-TW" altLang="en-US" dirty="0"/>
+          </a:p>
+        </p:txBody>
+      </p:sp>
+      <p:sp>
+        <p:nvSpPr>
+          <p:cNvPr id="4" name="投影片編號版面配置區 3"/>
+          <p:cNvSpPr>
+            <a:spLocks noGrp="1"/>
+          </p:cNvSpPr>
+          <p:nvPr>
+            <p:ph type="sldNum" sz="quarter" idx="10"/>
+          </p:nvPr>
+        </p:nvSpPr>
+        <p:spPr/>
+        <p:txBody>
+          <a:bodyPr/>
+          <a:lstStyle/>
+          <a:p>
+            <a:fld id="{4B9FA8AB-93ED-4030-B179-2AF13832ABA7}" type="slidenum">
+              <a:rPr lang="zh-TW" altLang="en-US" smtClean="0"/>
+              <a:t>6</a:t>
+            </a:fld>
+            <a:endParaRPr lang="zh-TW" altLang="en-US"/>
+          </a:p>
+        </p:txBody>
+      </p:sp>
+    </p:spTree>
+    <p:extLst>
+      <p:ext uri="{BB962C8B-B14F-4D97-AF65-F5344CB8AC3E}">
+        <p14:creationId xmlns:p14="http://schemas.microsoft.com/office/powerpoint/2010/main" val="1499357514"/>
+      </p:ext>
+    </p:extLst>
+  </p:cSld>
+  <p:clrMapOvr>
+    <a:masterClrMapping/>
+  </p:clrMapOvr>
+</p:notes>
+</file>
+
+<file path=ppt/notesSlides/notesSlide6.xml><?xml version="1.0" encoding="utf-8"?>
+<p:notes xmlns:a="http://schemas.openxmlformats.org/drawingml/2006/main" xmlns:r="http://schemas.openxmlformats.org/officeDocument/2006/relationships" xmlns:p="http://schemas.openxmlformats.org/presentationml/2006/main">
+  <p:cSld>
+    <p:spTree>
+      <p:nvGrpSpPr>
+        <p:cNvPr id="1" name=""/>
+        <p:cNvGrpSpPr/>
+        <p:nvPr/>
+      </p:nvGrpSpPr>
+      <p:grpSpPr>
+        <a:xfrm>
+          <a:off x="0" y="0"/>
+          <a:ext cx="0" cy="0"/>
+          <a:chOff x="0" y="0"/>
+          <a:chExt cx="0" cy="0"/>
+        </a:xfrm>
+      </p:grpSpPr>
+      <p:sp>
+        <p:nvSpPr>
+          <p:cNvPr id="2" name="投影片圖像版面配置區 1"/>
+          <p:cNvSpPr>
+            <a:spLocks noGrp="1" noRot="1" noChangeAspect="1"/>
+          </p:cNvSpPr>
+          <p:nvPr>
+            <p:ph type="sldImg"/>
+          </p:nvPr>
+        </p:nvSpPr>
+        <p:spPr/>
+      </p:sp>
+      <p:sp>
+        <p:nvSpPr>
+          <p:cNvPr id="3" name="備忘稿版面配置區 2"/>
+          <p:cNvSpPr>
+            <a:spLocks noGrp="1"/>
+          </p:cNvSpPr>
+          <p:nvPr>
+            <p:ph type="body" idx="1"/>
+          </p:nvPr>
+        </p:nvSpPr>
+        <p:spPr/>
+        <p:txBody>
+          <a:bodyPr/>
+          <a:lstStyle/>
+          <a:p>
+            <a:r>
+              <a:rPr lang="en-US" altLang="zh-TW" dirty="0" smtClean="0"/>
+              <a:t>Multi DBE MCE</a:t>
+            </a:r>
+            <a:endParaRPr lang="zh-TW" altLang="en-US" dirty="0"/>
+          </a:p>
+        </p:txBody>
+      </p:sp>
+      <p:sp>
+        <p:nvSpPr>
+          <p:cNvPr id="4" name="投影片編號版面配置區 3"/>
+          <p:cNvSpPr>
+            <a:spLocks noGrp="1"/>
+          </p:cNvSpPr>
+          <p:nvPr>
+            <p:ph type="sldNum" sz="quarter" idx="10"/>
+          </p:nvPr>
+        </p:nvSpPr>
+        <p:spPr/>
+        <p:txBody>
+          <a:bodyPr/>
+          <a:lstStyle/>
+          <a:p>
+            <a:fld id="{4B9FA8AB-93ED-4030-B179-2AF13832ABA7}" type="slidenum">
+              <a:rPr lang="zh-TW" altLang="en-US" smtClean="0"/>
+              <a:t>7</a:t>
+            </a:fld>
+            <a:endParaRPr lang="zh-TW" altLang="en-US"/>
+          </a:p>
+        </p:txBody>
+      </p:sp>
+    </p:spTree>
+    <p:extLst>
+      <p:ext uri="{BB962C8B-B14F-4D97-AF65-F5344CB8AC3E}">
+        <p14:creationId xmlns:p14="http://schemas.microsoft.com/office/powerpoint/2010/main" val="292685231"/>
+      </p:ext>
+    </p:extLst>
+  </p:cSld>
+  <p:clrMapOvr>
+    <a:masterClrMapping/>
+  </p:clrMapOvr>
+</p:notes>
+</file>
+
+<file path=ppt/notesSlides/notesSlide7.xml><?xml version="1.0" encoding="utf-8"?>
+<p:notes xmlns:a="http://schemas.openxmlformats.org/drawingml/2006/main" xmlns:r="http://schemas.openxmlformats.org/officeDocument/2006/relationships" xmlns:p="http://schemas.openxmlformats.org/presentationml/2006/main">
+  <p:cSld>
+    <p:spTree>
+      <p:nvGrpSpPr>
+        <p:cNvPr id="1" name=""/>
+        <p:cNvGrpSpPr/>
+        <p:nvPr/>
+      </p:nvGrpSpPr>
+      <p:grpSpPr>
+        <a:xfrm>
+          <a:off x="0" y="0"/>
+          <a:ext cx="0" cy="0"/>
+          <a:chOff x="0" y="0"/>
+          <a:chExt cx="0" cy="0"/>
+        </a:xfrm>
+      </p:grpSpPr>
+      <p:sp>
+        <p:nvSpPr>
+          <p:cNvPr id="2" name="投影片圖像版面配置區 1"/>
+          <p:cNvSpPr>
+            <a:spLocks noGrp="1" noRot="1" noChangeAspect="1"/>
+          </p:cNvSpPr>
+          <p:nvPr>
+            <p:ph type="sldImg"/>
+          </p:nvPr>
+        </p:nvSpPr>
+        <p:spPr/>
+      </p:sp>
+      <p:sp>
+        <p:nvSpPr>
+          <p:cNvPr id="3" name="備忘稿版面配置區 2"/>
+          <p:cNvSpPr>
+            <a:spLocks noGrp="1"/>
+          </p:cNvSpPr>
+          <p:nvPr>
+            <p:ph type="body" idx="1"/>
+          </p:nvPr>
+        </p:nvSpPr>
+        <p:spPr/>
+        <p:txBody>
+          <a:bodyPr/>
+          <a:lstStyle/>
+          <a:p>
+            <a:pPr marL="0" marR="0" indent="0" algn="l" defTabSz="914400" rtl="0" eaLnBrk="1" fontAlgn="auto" latinLnBrk="0" hangingPunct="1">
+              <a:lnSpc>
+                <a:spcPct val="100000"/>
+              </a:lnSpc>
+              <a:spcBef>
+                <a:spcPts val="0"/>
+              </a:spcBef>
+              <a:spcAft>
+                <a:spcPts val="0"/>
+              </a:spcAft>
+              <a:buClrTx/>
+              <a:buSzTx/>
+              <a:buFontTx/>
+              <a:buNone/>
+              <a:tabLst/>
+              <a:defRPr/>
+            </a:pPr>
+            <a:r>
+              <a:rPr lang="en-US" altLang="zh-TW" dirty="0" smtClean="0"/>
+              <a:t>IDA LOG</a:t>
+            </a:r>
+            <a:endParaRPr lang="zh-TW" altLang="en-US" dirty="0" smtClean="0"/>
+          </a:p>
+          <a:p>
+            <a:endParaRPr lang="zh-TW" altLang="en-US" dirty="0"/>
+          </a:p>
+        </p:txBody>
+      </p:sp>
+      <p:sp>
+        <p:nvSpPr>
+          <p:cNvPr id="4" name="投影片編號版面配置區 3"/>
+          <p:cNvSpPr>
+            <a:spLocks noGrp="1"/>
+          </p:cNvSpPr>
+          <p:nvPr>
+            <p:ph type="sldNum" sz="quarter" idx="10"/>
+          </p:nvPr>
+        </p:nvSpPr>
+        <p:spPr/>
+        <p:txBody>
+          <a:bodyPr/>
+          <a:lstStyle/>
+          <a:p>
+            <a:fld id="{4B9FA8AB-93ED-4030-B179-2AF13832ABA7}" type="slidenum">
+              <a:rPr lang="zh-TW" altLang="en-US" smtClean="0"/>
+              <a:t>8</a:t>
+            </a:fld>
+            <a:endParaRPr lang="zh-TW" altLang="en-US"/>
+          </a:p>
+        </p:txBody>
+      </p:sp>
+    </p:spTree>
+    <p:extLst>
+      <p:ext uri="{BB962C8B-B14F-4D97-AF65-F5344CB8AC3E}">
+        <p14:creationId xmlns:p14="http://schemas.microsoft.com/office/powerpoint/2010/main" val="1358003460"/>
+      </p:ext>
+    </p:extLst>
+  </p:cSld>
+  <p:clrMapOvr>
+    <a:masterClrMapping/>
+  </p:clrMapOvr>
+</p:notes>
+</file>
+
+<file path=ppt/notesSlides/notesSlide8.xml><?xml version="1.0" encoding="utf-8"?>
+<p:notes xmlns:a="http://schemas.openxmlformats.org/drawingml/2006/main" xmlns:r="http://schemas.openxmlformats.org/officeDocument/2006/relationships" xmlns:p="http://schemas.openxmlformats.org/presentationml/2006/main">
+  <p:cSld>
+    <p:spTree>
+      <p:nvGrpSpPr>
+        <p:cNvPr id="1" name=""/>
+        <p:cNvGrpSpPr/>
+        <p:nvPr/>
+      </p:nvGrpSpPr>
+      <p:grpSpPr>
+        <a:xfrm>
+          <a:off x="0" y="0"/>
+          <a:ext cx="0" cy="0"/>
+          <a:chOff x="0" y="0"/>
+          <a:chExt cx="0" cy="0"/>
+        </a:xfrm>
+      </p:grpSpPr>
+      <p:sp>
+        <p:nvSpPr>
+          <p:cNvPr id="2" name="投影片圖像版面配置區 1"/>
+          <p:cNvSpPr>
+            <a:spLocks noGrp="1" noRot="1" noChangeAspect="1"/>
+          </p:cNvSpPr>
+          <p:nvPr>
+            <p:ph type="sldImg"/>
+          </p:nvPr>
+        </p:nvSpPr>
+        <p:spPr/>
+      </p:sp>
+      <p:sp>
+        <p:nvSpPr>
+          <p:cNvPr id="3" name="備忘稿版面配置區 2"/>
+          <p:cNvSpPr>
+            <a:spLocks noGrp="1"/>
+          </p:cNvSpPr>
+          <p:nvPr>
+            <p:ph type="body" idx="1"/>
+          </p:nvPr>
+        </p:nvSpPr>
+        <p:spPr/>
+        <p:txBody>
+          <a:bodyPr/>
+          <a:lstStyle/>
+          <a:p>
+            <a:r>
+              <a:rPr lang="en-US" altLang="zh-TW" dirty="0" smtClean="0"/>
+              <a:t>Tradition MMC </a:t>
+            </a:r>
+            <a:r>
+              <a:rPr lang="en-US" altLang="zh-TW" dirty="0" smtClean="0"/>
+              <a:t>Pushover</a:t>
+            </a:r>
+            <a:endParaRPr lang="zh-TW" altLang="en-US" dirty="0"/>
+          </a:p>
+        </p:txBody>
+      </p:sp>
+      <p:sp>
+        <p:nvSpPr>
+          <p:cNvPr id="4" name="投影片編號版面配置區 3"/>
+          <p:cNvSpPr>
+            <a:spLocks noGrp="1"/>
+          </p:cNvSpPr>
+          <p:nvPr>
+            <p:ph type="sldNum" sz="quarter" idx="10"/>
+          </p:nvPr>
+        </p:nvSpPr>
+        <p:spPr/>
+        <p:txBody>
+          <a:bodyPr/>
+          <a:lstStyle/>
+          <a:p>
+            <a:fld id="{4B9FA8AB-93ED-4030-B179-2AF13832ABA7}" type="slidenum">
+              <a:rPr lang="zh-TW" altLang="en-US" smtClean="0"/>
+              <a:t>9</a:t>
+            </a:fld>
+            <a:endParaRPr lang="zh-TW" altLang="en-US"/>
+          </a:p>
+        </p:txBody>
+      </p:sp>
+    </p:spTree>
+    <p:extLst>
+      <p:ext uri="{BB962C8B-B14F-4D97-AF65-F5344CB8AC3E}">
+        <p14:creationId xmlns:p14="http://schemas.microsoft.com/office/powerpoint/2010/main" val="1773659740"/>
+      </p:ext>
+    </p:extLst>
+  </p:cSld>
+  <p:clrMapOvr>
+    <a:masterClrMapping/>
+  </p:clrMapOvr>
+</p:notes>
+</file>
+
+<file path=ppt/notesSlides/notesSlide9.xml><?xml version="1.0" encoding="utf-8"?>
+<p:notes xmlns:a="http://schemas.openxmlformats.org/drawingml/2006/main" xmlns:r="http://schemas.openxmlformats.org/officeDocument/2006/relationships" xmlns:p="http://schemas.openxmlformats.org/presentationml/2006/main">
+  <p:cSld>
+    <p:spTree>
+      <p:nvGrpSpPr>
+        <p:cNvPr id="1" name=""/>
+        <p:cNvGrpSpPr/>
+        <p:nvPr/>
+      </p:nvGrpSpPr>
+      <p:grpSpPr>
+        <a:xfrm>
+          <a:off x="0" y="0"/>
+          <a:ext cx="0" cy="0"/>
+          <a:chOff x="0" y="0"/>
+          <a:chExt cx="0" cy="0"/>
+        </a:xfrm>
+      </p:grpSpPr>
+      <p:sp>
+        <p:nvSpPr>
+          <p:cNvPr id="2" name="投影片圖像版面配置區 1"/>
+          <p:cNvSpPr>
+            <a:spLocks noGrp="1" noRot="1" noChangeAspect="1"/>
+          </p:cNvSpPr>
+          <p:nvPr>
+            <p:ph type="sldImg"/>
+          </p:nvPr>
+        </p:nvSpPr>
+        <p:spPr/>
+      </p:sp>
+      <p:sp>
+        <p:nvSpPr>
+          <p:cNvPr id="3" name="備忘稿版面配置區 2"/>
+          <p:cNvSpPr>
+            <a:spLocks noGrp="1"/>
+          </p:cNvSpPr>
+          <p:nvPr>
+            <p:ph type="body" idx="1"/>
+          </p:nvPr>
+        </p:nvSpPr>
+        <p:spPr/>
+        <p:txBody>
+          <a:bodyPr/>
+          <a:lstStyle/>
+          <a:p>
+            <a:pPr marL="0" marR="0" indent="0" algn="l" defTabSz="914400" rtl="0" eaLnBrk="1" fontAlgn="auto" latinLnBrk="0" hangingPunct="1">
+              <a:lnSpc>
+                <a:spcPct val="100000"/>
+              </a:lnSpc>
+              <a:spcBef>
+                <a:spcPts val="0"/>
+              </a:spcBef>
+              <a:spcAft>
+                <a:spcPts val="0"/>
+              </a:spcAft>
+              <a:buClrTx/>
+              <a:buSzTx/>
+              <a:buFontTx/>
+              <a:buNone/>
+              <a:tabLst/>
+              <a:defRPr/>
+            </a:pPr>
+            <a:r>
+              <a:rPr lang="en-US" altLang="zh-TW" dirty="0" smtClean="0"/>
+              <a:t>Tradition Mode1</a:t>
+            </a:r>
+            <a:r>
+              <a:rPr lang="en-US" altLang="zh-TW" baseline="0" dirty="0" smtClean="0"/>
+              <a:t> Mode2</a:t>
+            </a:r>
+            <a:endParaRPr lang="zh-TW" altLang="en-US" dirty="0" smtClean="0"/>
+          </a:p>
+        </p:txBody>
+      </p:sp>
+      <p:sp>
+        <p:nvSpPr>
+          <p:cNvPr id="4" name="投影片編號版面配置區 3"/>
+          <p:cNvSpPr>
+            <a:spLocks noGrp="1"/>
+          </p:cNvSpPr>
+          <p:nvPr>
+            <p:ph type="sldNum" sz="quarter" idx="10"/>
+          </p:nvPr>
+        </p:nvSpPr>
+        <p:spPr/>
+        <p:txBody>
+          <a:bodyPr/>
+          <a:lstStyle/>
+          <a:p>
+            <a:fld id="{4B9FA8AB-93ED-4030-B179-2AF13832ABA7}" type="slidenum">
+              <a:rPr lang="zh-TW" altLang="en-US" smtClean="0"/>
+              <a:t>10</a:t>
+            </a:fld>
+            <a:endParaRPr lang="zh-TW" altLang="en-US"/>
+          </a:p>
+        </p:txBody>
+      </p:sp>
+    </p:spTree>
+    <p:extLst>
+      <p:ext uri="{BB962C8B-B14F-4D97-AF65-F5344CB8AC3E}">
+        <p14:creationId xmlns:p14="http://schemas.microsoft.com/office/powerpoint/2010/main" val="3324860970"/>
+      </p:ext>
+    </p:extLst>
+  </p:cSld>
+  <p:clrMapOvr>
+    <a:masterClrMapping/>
+  </p:clrMapOvr>
+</p:notes>
+</file>
+
 <file path=ppt/slideLayouts/slideLayout1.xml><?xml version="1.0" encoding="utf-8"?>
 <p:sldLayout xmlns:a="http://schemas.openxmlformats.org/drawingml/2006/main" xmlns:r="http://schemas.openxmlformats.org/officeDocument/2006/relationships" xmlns:p="http://schemas.openxmlformats.org/presentationml/2006/main" preserve="1" userDrawn="1">
   <p:cSld name="Intro Slide">
@@ -667,7 +4196,7 @@
           <a:p>
             <a:fld id="{7A7E7069-7A31-444D-80E6-B61C02E1392B}" type="datetime1">
               <a:rPr lang="fr-FR" altLang="zh-TW" smtClean="0"/>
-              <a:t>27/05/2019</a:t>
+              <a:t>29/05/2019</a:t>
             </a:fld>
             <a:endParaRPr lang="fr-FR"/>
           </a:p>
@@ -1016,7 +4545,7 @@
           <a:p>
             <a:fld id="{AB24F10B-ECA2-4753-8694-8A0132243A1A}" type="datetime1">
               <a:rPr lang="fr-FR" altLang="zh-TW" smtClean="0"/>
-              <a:t>27/05/2019</a:t>
+              <a:t>29/05/2019</a:t>
             </a:fld>
             <a:endParaRPr lang="fr-FR"/>
           </a:p>
@@ -1545,7 +5074,7 @@
           <a:p>
             <a:fld id="{DF3763D6-108C-484F-A72E-357B7AC47626}" type="datetime1">
               <a:rPr lang="fr-FR" altLang="zh-TW" smtClean="0"/>
-              <a:t>27/05/2019</a:t>
+              <a:t>29/05/2019</a:t>
             </a:fld>
             <a:endParaRPr lang="fr-FR"/>
           </a:p>
@@ -1813,7 +5342,7 @@
           <a:p>
             <a:fld id="{70A2E91A-1B1C-4AA6-BE7D-BFAB22416A0A}" type="datetime1">
               <a:rPr lang="fr-FR" altLang="zh-TW" smtClean="0"/>
-              <a:t>27/05/2019</a:t>
+              <a:t>29/05/2019</a:t>
             </a:fld>
             <a:endParaRPr lang="fr-FR"/>
           </a:p>
@@ -2130,7 +5659,7 @@
           <a:p>
             <a:fld id="{CB63E6B3-FD71-4468-88B9-C0735253CCAA}" type="datetime1">
               <a:rPr lang="fr-FR" altLang="zh-TW" smtClean="0"/>
-              <a:t>27/05/2019</a:t>
+              <a:t>29/05/2019</a:t>
             </a:fld>
             <a:endParaRPr lang="fr-FR"/>
           </a:p>
@@ -2392,7 +5921,7 @@
           <a:p>
             <a:fld id="{E7037967-40FB-4E34-8FF3-6969956CCBF8}" type="datetime1">
               <a:rPr lang="fr-FR" altLang="zh-TW" smtClean="0"/>
-              <a:t>27/05/2019</a:t>
+              <a:t>29/05/2019</a:t>
             </a:fld>
             <a:endParaRPr lang="fr-FR"/>
           </a:p>
@@ -3110,7 +6639,7 @@
           <a:p>
             <a:fld id="{D3ACC2AA-C9BE-4B6D-A61B-7594931CB630}" type="datetime1">
               <a:rPr lang="fr-FR" altLang="zh-TW" smtClean="0"/>
-              <a:t>27/05/2019</a:t>
+              <a:t>29/05/2019</a:t>
             </a:fld>
             <a:endParaRPr lang="fr-FR"/>
           </a:p>
@@ -3467,7 +6996,7 @@
           <a:p>
             <a:fld id="{1D45520A-363C-425F-A28D-4D02521E9EC2}" type="datetime1">
               <a:rPr lang="fr-FR" altLang="zh-TW" smtClean="0"/>
-              <a:t>27/05/2019</a:t>
+              <a:t>29/05/2019</a:t>
             </a:fld>
             <a:endParaRPr lang="fr-FR"/>
           </a:p>
@@ -3767,7 +7296,7 @@
           <a:p>
             <a:fld id="{172E36E1-A9EF-44B8-BDC2-AD38F076111B}" type="datetime1">
               <a:rPr lang="fr-FR" altLang="zh-TW" smtClean="0"/>
-              <a:t>27/05/2019</a:t>
+              <a:t>29/05/2019</a:t>
             </a:fld>
             <a:endParaRPr lang="fr-FR"/>
           </a:p>
@@ -3954,7 +7483,7 @@
           <a:p>
             <a:fld id="{E6060845-F4F6-4A6C-87EC-25D40DD76F66}" type="datetime1">
               <a:rPr lang="fr-FR" altLang="zh-TW" smtClean="0"/>
-              <a:t>27/05/2019</a:t>
+              <a:t>29/05/2019</a:t>
             </a:fld>
             <a:endParaRPr lang="fr-FR"/>
           </a:p>
@@ -10353,7 +13882,7 @@
           <a:p>
             <a:fld id="{A0B758D6-ED01-4AE2-915C-7364812A8626}" type="datetime1">
               <a:rPr lang="fr-FR" altLang="zh-TW" smtClean="0"/>
-              <a:t>27/05/2019</a:t>
+              <a:t>29/05/2019</a:t>
             </a:fld>
             <a:endParaRPr lang="fr-FR"/>
           </a:p>
@@ -15604,7 +19133,7 @@
           <a:p>
             <a:fld id="{3878EA16-B830-4EFF-8CB0-DE8E57720CDD}" type="datetime1">
               <a:rPr lang="fr-FR" altLang="zh-TW" smtClean="0"/>
-              <a:t>27/05/2019</a:t>
+              <a:t>29/05/2019</a:t>
             </a:fld>
             <a:endParaRPr lang="fr-FR"/>
           </a:p>
@@ -16338,7 +19867,7 @@
           <a:p>
             <a:fld id="{2579C44F-DB87-47B9-975C-3AD181DD0144}" type="datetime1">
               <a:rPr lang="fr-FR" altLang="zh-TW" smtClean="0"/>
-              <a:t>27/05/2019</a:t>
+              <a:t>29/05/2019</a:t>
             </a:fld>
             <a:endParaRPr lang="fr-FR"/>
           </a:p>
@@ -18258,7 +21787,7 @@
           <a:p>
             <a:fld id="{17C8F73A-9A53-44D5-87A0-EF89FB35B76E}" type="datetime1">
               <a:rPr lang="fr-FR" altLang="zh-TW" smtClean="0"/>
-              <a:t>27/05/2019</a:t>
+              <a:t>29/05/2019</a:t>
             </a:fld>
             <a:endParaRPr lang="fr-FR"/>
           </a:p>
@@ -18924,7 +22453,7 @@
           <a:p>
             <a:fld id="{01D877FE-3F74-424B-86C7-10EA22D7ED24}" type="datetime1">
               <a:rPr lang="fr-FR" altLang="zh-TW" smtClean="0"/>
-              <a:t>27/05/2019</a:t>
+              <a:t>29/05/2019</a:t>
             </a:fld>
             <a:endParaRPr lang="fr-FR"/>
           </a:p>
@@ -19590,7 +23119,7 @@
           <a:p>
             <a:fld id="{B9087178-D13A-4930-A1A8-4200F7450DEF}" type="datetime1">
               <a:rPr lang="fr-FR" altLang="zh-TW" smtClean="0"/>
-              <a:t>27/05/2019</a:t>
+              <a:t>29/05/2019</a:t>
             </a:fld>
             <a:endParaRPr lang="fr-FR"/>
           </a:p>
@@ -21325,7 +24854,7 @@
           <a:p>
             <a:fld id="{0003247B-B3F7-41BB-A95F-B6B56C48E17E}" type="datetime1">
               <a:rPr lang="fr-FR" altLang="zh-TW" smtClean="0"/>
-              <a:t>27/05/2019</a:t>
+              <a:t>29/05/2019</a:t>
             </a:fld>
             <a:endParaRPr lang="fr-FR"/>
           </a:p>
@@ -21569,7 +25098,7 @@
           <a:p>
             <a:fld id="{7036140C-C5FE-4C35-B4E1-C65C06066FA9}" type="datetime1">
               <a:rPr lang="fr-FR" altLang="zh-TW" smtClean="0"/>
-              <a:t>27/05/2019</a:t>
+              <a:t>29/05/2019</a:t>
             </a:fld>
             <a:endParaRPr lang="fr-FR"/>
           </a:p>
@@ -21747,7 +25276,7 @@
           <a:p>
             <a:fld id="{887BFBD1-3D9B-4272-AD61-7503861467DB}" type="datetime1">
               <a:rPr lang="fr-FR" altLang="zh-TW" smtClean="0"/>
-              <a:t>27/05/2019</a:t>
+              <a:t>29/05/2019</a:t>
             </a:fld>
             <a:endParaRPr lang="fr-FR"/>
           </a:p>
@@ -22846,8 +26375,8 @@
           </a:p>
         </p:txBody>
       </p:sp>
-      <mc:AlternateContent xmlns:mc="http://schemas.openxmlformats.org/markup-compatibility/2006">
-        <mc:Choice xmlns:a14="http://schemas.microsoft.com/office/drawing/2010/main" Requires="a14">
+      <mc:AlternateContent xmlns:mc="http://schemas.openxmlformats.org/markup-compatibility/2006" xmlns:a14="http://schemas.microsoft.com/office/drawing/2010/main">
+        <mc:Choice Requires="a14">
           <p:sp>
             <p:nvSpPr>
               <p:cNvPr id="8" name="文字方塊 7"/>
@@ -22971,7 +26500,7 @@
             </p:txBody>
           </p:sp>
         </mc:Choice>
-        <mc:Fallback>
+        <mc:Fallback xmlns="">
           <p:sp>
             <p:nvSpPr>
               <p:cNvPr id="8" name="文字方塊 7"/>
@@ -23095,6 +26624,3534 @@
     <p:extLst>
       <p:ext uri="{BB962C8B-B14F-4D97-AF65-F5344CB8AC3E}">
         <p14:creationId xmlns:p14="http://schemas.microsoft.com/office/powerpoint/2010/main" val="3624478715"/>
+      </p:ext>
+    </p:extLst>
+  </p:cSld>
+  <p:clrMapOvr>
+    <a:masterClrMapping/>
+  </p:clrMapOvr>
+  <mc:AlternateContent xmlns:mc="http://schemas.openxmlformats.org/markup-compatibility/2006" xmlns:p14="http://schemas.microsoft.com/office/powerpoint/2010/main">
+    <mc:Choice Requires="p14">
+      <p:transition spd="med" p14:dur="700">
+        <p:fade/>
+      </p:transition>
+    </mc:Choice>
+    <mc:Fallback xmlns="">
+      <p:transition spd="med">
+        <p:fade/>
+      </p:transition>
+    </mc:Fallback>
+  </mc:AlternateContent>
+  <p:timing>
+    <p:tnLst>
+      <p:par>
+        <p:cTn id="1" dur="indefinite" restart="never" nodeType="tmRoot"/>
+      </p:par>
+    </p:tnLst>
+  </p:timing>
+</p:sld>
+</file>
+
+<file path=ppt/slides/slide10.xml><?xml version="1.0" encoding="utf-8"?>
+<p:sld xmlns:a="http://schemas.openxmlformats.org/drawingml/2006/main" xmlns:r="http://schemas.openxmlformats.org/officeDocument/2006/relationships" xmlns:p="http://schemas.openxmlformats.org/presentationml/2006/main">
+  <p:cSld>
+    <p:spTree>
+      <p:nvGrpSpPr>
+        <p:cNvPr id="1" name=""/>
+        <p:cNvGrpSpPr/>
+        <p:nvPr/>
+      </p:nvGrpSpPr>
+      <p:grpSpPr>
+        <a:xfrm>
+          <a:off x="0" y="0"/>
+          <a:ext cx="0" cy="0"/>
+          <a:chOff x="0" y="0"/>
+          <a:chExt cx="0" cy="0"/>
+        </a:xfrm>
+      </p:grpSpPr>
+      <p:sp>
+        <p:nvSpPr>
+          <p:cNvPr id="2" name="投影片編號版面配置區 1"/>
+          <p:cNvSpPr>
+            <a:spLocks noGrp="1"/>
+          </p:cNvSpPr>
+          <p:nvPr>
+            <p:ph type="sldNum" sz="quarter" idx="4"/>
+          </p:nvPr>
+        </p:nvSpPr>
+        <p:spPr/>
+        <p:txBody>
+          <a:bodyPr/>
+          <a:lstStyle/>
+          <a:p>
+            <a:fld id="{6F0746BA-D1AA-4FF4-8D48-BDBC7FF48778}" type="slidenum">
+              <a:rPr lang="fr-FR" smtClean="0"/>
+              <a:t>10</a:t>
+            </a:fld>
+            <a:endParaRPr lang="fr-FR"/>
+          </a:p>
+        </p:txBody>
+      </p:sp>
+      <p:pic>
+        <p:nvPicPr>
+          <p:cNvPr id="3" name="圖片 2"/>
+          <p:cNvPicPr>
+            <a:picLocks noChangeAspect="1"/>
+          </p:cNvPicPr>
+          <p:nvPr/>
+        </p:nvPicPr>
+        <p:blipFill>
+          <a:blip r:embed="rId3"/>
+          <a:stretch>
+            <a:fillRect/>
+          </a:stretch>
+        </p:blipFill>
+        <p:spPr>
+          <a:xfrm>
+            <a:off x="148922" y="1692814"/>
+            <a:ext cx="5344500" cy="4004000"/>
+          </a:xfrm>
+          <a:prstGeom prst="rect">
+            <a:avLst/>
+          </a:prstGeom>
+        </p:spPr>
+      </p:pic>
+      <p:pic>
+        <p:nvPicPr>
+          <p:cNvPr id="4" name="圖片 3"/>
+          <p:cNvPicPr>
+            <a:picLocks noChangeAspect="1"/>
+          </p:cNvPicPr>
+          <p:nvPr/>
+        </p:nvPicPr>
+        <p:blipFill>
+          <a:blip r:embed="rId4"/>
+          <a:stretch>
+            <a:fillRect/>
+          </a:stretch>
+        </p:blipFill>
+        <p:spPr>
+          <a:xfrm>
+            <a:off x="6273275" y="1692814"/>
+            <a:ext cx="5344500" cy="4004000"/>
+          </a:xfrm>
+          <a:prstGeom prst="rect">
+            <a:avLst/>
+          </a:prstGeom>
+        </p:spPr>
+      </p:pic>
+    </p:spTree>
+    <p:extLst>
+      <p:ext uri="{BB962C8B-B14F-4D97-AF65-F5344CB8AC3E}">
+        <p14:creationId xmlns:p14="http://schemas.microsoft.com/office/powerpoint/2010/main" val="3515473037"/>
+      </p:ext>
+    </p:extLst>
+  </p:cSld>
+  <p:clrMapOvr>
+    <a:masterClrMapping/>
+  </p:clrMapOvr>
+  <mc:AlternateContent xmlns:mc="http://schemas.openxmlformats.org/markup-compatibility/2006" xmlns:p14="http://schemas.microsoft.com/office/powerpoint/2010/main">
+    <mc:Choice Requires="p14">
+      <p:transition spd="med" p14:dur="700">
+        <p:fade/>
+      </p:transition>
+    </mc:Choice>
+    <mc:Fallback xmlns="">
+      <p:transition spd="med">
+        <p:fade/>
+      </p:transition>
+    </mc:Fallback>
+  </mc:AlternateContent>
+  <p:timing>
+    <p:tnLst>
+      <p:par>
+        <p:cTn id="1" dur="indefinite" restart="never" nodeType="tmRoot"/>
+      </p:par>
+    </p:tnLst>
+  </p:timing>
+</p:sld>
+</file>
+
+<file path=ppt/slides/slide11.xml><?xml version="1.0" encoding="utf-8"?>
+<p:sld xmlns:a="http://schemas.openxmlformats.org/drawingml/2006/main" xmlns:r="http://schemas.openxmlformats.org/officeDocument/2006/relationships" xmlns:p="http://schemas.openxmlformats.org/presentationml/2006/main">
+  <p:cSld>
+    <p:spTree>
+      <p:nvGrpSpPr>
+        <p:cNvPr id="1" name=""/>
+        <p:cNvGrpSpPr/>
+        <p:nvPr/>
+      </p:nvGrpSpPr>
+      <p:grpSpPr>
+        <a:xfrm>
+          <a:off x="0" y="0"/>
+          <a:ext cx="0" cy="0"/>
+          <a:chOff x="0" y="0"/>
+          <a:chExt cx="0" cy="0"/>
+        </a:xfrm>
+      </p:grpSpPr>
+      <p:sp>
+        <p:nvSpPr>
+          <p:cNvPr id="2" name="投影片編號版面配置區 1"/>
+          <p:cNvSpPr>
+            <a:spLocks noGrp="1"/>
+          </p:cNvSpPr>
+          <p:nvPr>
+            <p:ph type="sldNum" sz="quarter" idx="4"/>
+          </p:nvPr>
+        </p:nvSpPr>
+        <p:spPr/>
+        <p:txBody>
+          <a:bodyPr/>
+          <a:lstStyle/>
+          <a:p>
+            <a:fld id="{6F0746BA-D1AA-4FF4-8D48-BDBC7FF48778}" type="slidenum">
+              <a:rPr lang="fr-FR" smtClean="0"/>
+              <a:t>11</a:t>
+            </a:fld>
+            <a:endParaRPr lang="fr-FR"/>
+          </a:p>
+        </p:txBody>
+      </p:sp>
+      <p:pic>
+        <p:nvPicPr>
+          <p:cNvPr id="3" name="圖片 2"/>
+          <p:cNvPicPr>
+            <a:picLocks noChangeAspect="1"/>
+          </p:cNvPicPr>
+          <p:nvPr/>
+        </p:nvPicPr>
+        <p:blipFill>
+          <a:blip r:embed="rId3"/>
+          <a:stretch>
+            <a:fillRect/>
+          </a:stretch>
+        </p:blipFill>
+        <p:spPr>
+          <a:xfrm>
+            <a:off x="233983" y="1660916"/>
+            <a:ext cx="5344500" cy="4004000"/>
+          </a:xfrm>
+          <a:prstGeom prst="rect">
+            <a:avLst/>
+          </a:prstGeom>
+        </p:spPr>
+      </p:pic>
+      <p:pic>
+        <p:nvPicPr>
+          <p:cNvPr id="4" name="圖片 3"/>
+          <p:cNvPicPr>
+            <a:picLocks noChangeAspect="1"/>
+          </p:cNvPicPr>
+          <p:nvPr/>
+        </p:nvPicPr>
+        <p:blipFill>
+          <a:blip r:embed="rId4"/>
+          <a:stretch>
+            <a:fillRect/>
+          </a:stretch>
+        </p:blipFill>
+        <p:spPr>
+          <a:xfrm>
+            <a:off x="6096000" y="1831037"/>
+            <a:ext cx="5344500" cy="4004000"/>
+          </a:xfrm>
+          <a:prstGeom prst="rect">
+            <a:avLst/>
+          </a:prstGeom>
+        </p:spPr>
+      </p:pic>
+    </p:spTree>
+    <p:extLst>
+      <p:ext uri="{BB962C8B-B14F-4D97-AF65-F5344CB8AC3E}">
+        <p14:creationId xmlns:p14="http://schemas.microsoft.com/office/powerpoint/2010/main" val="2562538565"/>
+      </p:ext>
+    </p:extLst>
+  </p:cSld>
+  <p:clrMapOvr>
+    <a:masterClrMapping/>
+  </p:clrMapOvr>
+  <mc:AlternateContent xmlns:mc="http://schemas.openxmlformats.org/markup-compatibility/2006" xmlns:p14="http://schemas.microsoft.com/office/powerpoint/2010/main">
+    <mc:Choice Requires="p14">
+      <p:transition spd="med" p14:dur="700">
+        <p:fade/>
+      </p:transition>
+    </mc:Choice>
+    <mc:Fallback xmlns="">
+      <p:transition spd="med">
+        <p:fade/>
+      </p:transition>
+    </mc:Fallback>
+  </mc:AlternateContent>
+  <p:timing>
+    <p:tnLst>
+      <p:par>
+        <p:cTn id="1" dur="indefinite" restart="never" nodeType="tmRoot"/>
+      </p:par>
+    </p:tnLst>
+  </p:timing>
+</p:sld>
+</file>
+
+<file path=ppt/slides/slide12.xml><?xml version="1.0" encoding="utf-8"?>
+<p:sld xmlns:a="http://schemas.openxmlformats.org/drawingml/2006/main" xmlns:r="http://schemas.openxmlformats.org/officeDocument/2006/relationships" xmlns:p="http://schemas.openxmlformats.org/presentationml/2006/main">
+  <p:cSld>
+    <p:spTree>
+      <p:nvGrpSpPr>
+        <p:cNvPr id="1" name=""/>
+        <p:cNvGrpSpPr/>
+        <p:nvPr/>
+      </p:nvGrpSpPr>
+      <p:grpSpPr>
+        <a:xfrm>
+          <a:off x="0" y="0"/>
+          <a:ext cx="0" cy="0"/>
+          <a:chOff x="0" y="0"/>
+          <a:chExt cx="0" cy="0"/>
+        </a:xfrm>
+      </p:grpSpPr>
+      <p:sp>
+        <p:nvSpPr>
+          <p:cNvPr id="2" name="投影片編號版面配置區 1"/>
+          <p:cNvSpPr>
+            <a:spLocks noGrp="1"/>
+          </p:cNvSpPr>
+          <p:nvPr>
+            <p:ph type="sldNum" sz="quarter" idx="4"/>
+          </p:nvPr>
+        </p:nvSpPr>
+        <p:spPr/>
+        <p:txBody>
+          <a:bodyPr/>
+          <a:lstStyle/>
+          <a:p>
+            <a:fld id="{6F0746BA-D1AA-4FF4-8D48-BDBC7FF48778}" type="slidenum">
+              <a:rPr lang="fr-FR" smtClean="0"/>
+              <a:t>12</a:t>
+            </a:fld>
+            <a:endParaRPr lang="fr-FR"/>
+          </a:p>
+        </p:txBody>
+      </p:sp>
+      <p:pic>
+        <p:nvPicPr>
+          <p:cNvPr id="3" name="圖片 2"/>
+          <p:cNvPicPr>
+            <a:picLocks noChangeAspect="1"/>
+          </p:cNvPicPr>
+          <p:nvPr/>
+        </p:nvPicPr>
+        <p:blipFill>
+          <a:blip r:embed="rId3"/>
+          <a:stretch>
+            <a:fillRect/>
+          </a:stretch>
+        </p:blipFill>
+        <p:spPr>
+          <a:xfrm>
+            <a:off x="244615" y="1639651"/>
+            <a:ext cx="5344500" cy="4004000"/>
+          </a:xfrm>
+          <a:prstGeom prst="rect">
+            <a:avLst/>
+          </a:prstGeom>
+        </p:spPr>
+      </p:pic>
+      <p:pic>
+        <p:nvPicPr>
+          <p:cNvPr id="4" name="圖片 3"/>
+          <p:cNvPicPr>
+            <a:picLocks noChangeAspect="1"/>
+          </p:cNvPicPr>
+          <p:nvPr/>
+        </p:nvPicPr>
+        <p:blipFill>
+          <a:blip r:embed="rId4"/>
+          <a:stretch>
+            <a:fillRect/>
+          </a:stretch>
+        </p:blipFill>
+        <p:spPr>
+          <a:xfrm>
+            <a:off x="6220113" y="1724712"/>
+            <a:ext cx="5344500" cy="4004000"/>
+          </a:xfrm>
+          <a:prstGeom prst="rect">
+            <a:avLst/>
+          </a:prstGeom>
+        </p:spPr>
+      </p:pic>
+    </p:spTree>
+    <p:extLst>
+      <p:ext uri="{BB962C8B-B14F-4D97-AF65-F5344CB8AC3E}">
+        <p14:creationId xmlns:p14="http://schemas.microsoft.com/office/powerpoint/2010/main" val="2363777721"/>
+      </p:ext>
+    </p:extLst>
+  </p:cSld>
+  <p:clrMapOvr>
+    <a:masterClrMapping/>
+  </p:clrMapOvr>
+  <mc:AlternateContent xmlns:mc="http://schemas.openxmlformats.org/markup-compatibility/2006" xmlns:p14="http://schemas.microsoft.com/office/powerpoint/2010/main">
+    <mc:Choice Requires="p14">
+      <p:transition spd="med" p14:dur="700">
+        <p:fade/>
+      </p:transition>
+    </mc:Choice>
+    <mc:Fallback xmlns="">
+      <p:transition spd="med">
+        <p:fade/>
+      </p:transition>
+    </mc:Fallback>
+  </mc:AlternateContent>
+  <p:timing>
+    <p:tnLst>
+      <p:par>
+        <p:cTn id="1" dur="indefinite" restart="never" nodeType="tmRoot"/>
+      </p:par>
+    </p:tnLst>
+  </p:timing>
+</p:sld>
+</file>
+
+<file path=ppt/slides/slide13.xml><?xml version="1.0" encoding="utf-8"?>
+<p:sld xmlns:a="http://schemas.openxmlformats.org/drawingml/2006/main" xmlns:r="http://schemas.openxmlformats.org/officeDocument/2006/relationships" xmlns:p="http://schemas.openxmlformats.org/presentationml/2006/main">
+  <p:cSld>
+    <p:spTree>
+      <p:nvGrpSpPr>
+        <p:cNvPr id="1" name=""/>
+        <p:cNvGrpSpPr/>
+        <p:nvPr/>
+      </p:nvGrpSpPr>
+      <p:grpSpPr>
+        <a:xfrm>
+          <a:off x="0" y="0"/>
+          <a:ext cx="0" cy="0"/>
+          <a:chOff x="0" y="0"/>
+          <a:chExt cx="0" cy="0"/>
+        </a:xfrm>
+      </p:grpSpPr>
+      <p:sp>
+        <p:nvSpPr>
+          <p:cNvPr id="2" name="投影片編號版面配置區 1"/>
+          <p:cNvSpPr>
+            <a:spLocks noGrp="1"/>
+          </p:cNvSpPr>
+          <p:nvPr>
+            <p:ph type="sldNum" sz="quarter" idx="4"/>
+          </p:nvPr>
+        </p:nvSpPr>
+        <p:spPr/>
+        <p:txBody>
+          <a:bodyPr/>
+          <a:lstStyle/>
+          <a:p>
+            <a:fld id="{6F0746BA-D1AA-4FF4-8D48-BDBC7FF48778}" type="slidenum">
+              <a:rPr lang="fr-FR" smtClean="0"/>
+              <a:t>13</a:t>
+            </a:fld>
+            <a:endParaRPr lang="fr-FR"/>
+          </a:p>
+        </p:txBody>
+      </p:sp>
+      <p:pic>
+        <p:nvPicPr>
+          <p:cNvPr id="3" name="圖片 2"/>
+          <p:cNvPicPr>
+            <a:picLocks noChangeAspect="1"/>
+          </p:cNvPicPr>
+          <p:nvPr/>
+        </p:nvPicPr>
+        <p:blipFill>
+          <a:blip r:embed="rId3"/>
+          <a:stretch>
+            <a:fillRect/>
+          </a:stretch>
+        </p:blipFill>
+        <p:spPr>
+          <a:xfrm>
+            <a:off x="762" y="1217713"/>
+            <a:ext cx="6095238" cy="4571429"/>
+          </a:xfrm>
+          <a:prstGeom prst="rect">
+            <a:avLst/>
+          </a:prstGeom>
+        </p:spPr>
+      </p:pic>
+      <p:pic>
+        <p:nvPicPr>
+          <p:cNvPr id="4" name="圖片 3"/>
+          <p:cNvPicPr>
+            <a:picLocks noChangeAspect="1"/>
+          </p:cNvPicPr>
+          <p:nvPr/>
+        </p:nvPicPr>
+        <p:blipFill>
+          <a:blip r:embed="rId4"/>
+          <a:stretch>
+            <a:fillRect/>
+          </a:stretch>
+        </p:blipFill>
+        <p:spPr>
+          <a:xfrm>
+            <a:off x="6096762" y="1217713"/>
+            <a:ext cx="6095238" cy="4571429"/>
+          </a:xfrm>
+          <a:prstGeom prst="rect">
+            <a:avLst/>
+          </a:prstGeom>
+        </p:spPr>
+      </p:pic>
+    </p:spTree>
+    <p:extLst>
+      <p:ext uri="{BB962C8B-B14F-4D97-AF65-F5344CB8AC3E}">
+        <p14:creationId xmlns:p14="http://schemas.microsoft.com/office/powerpoint/2010/main" val="3288211673"/>
+      </p:ext>
+    </p:extLst>
+  </p:cSld>
+  <p:clrMapOvr>
+    <a:masterClrMapping/>
+  </p:clrMapOvr>
+  <mc:AlternateContent xmlns:mc="http://schemas.openxmlformats.org/markup-compatibility/2006" xmlns:p14="http://schemas.microsoft.com/office/powerpoint/2010/main">
+    <mc:Choice Requires="p14">
+      <p:transition spd="med" p14:dur="700">
+        <p:fade/>
+      </p:transition>
+    </mc:Choice>
+    <mc:Fallback xmlns="">
+      <p:transition spd="med">
+        <p:fade/>
+      </p:transition>
+    </mc:Fallback>
+  </mc:AlternateContent>
+  <p:timing>
+    <p:tnLst>
+      <p:par>
+        <p:cTn id="1" dur="indefinite" restart="never" nodeType="tmRoot"/>
+      </p:par>
+    </p:tnLst>
+  </p:timing>
+</p:sld>
+</file>
+
+<file path=ppt/slides/slide14.xml><?xml version="1.0" encoding="utf-8"?>
+<p:sld xmlns:a="http://schemas.openxmlformats.org/drawingml/2006/main" xmlns:r="http://schemas.openxmlformats.org/officeDocument/2006/relationships" xmlns:p="http://schemas.openxmlformats.org/presentationml/2006/main">
+  <p:cSld>
+    <p:spTree>
+      <p:nvGrpSpPr>
+        <p:cNvPr id="1" name=""/>
+        <p:cNvGrpSpPr/>
+        <p:nvPr/>
+      </p:nvGrpSpPr>
+      <p:grpSpPr>
+        <a:xfrm>
+          <a:off x="0" y="0"/>
+          <a:ext cx="0" cy="0"/>
+          <a:chOff x="0" y="0"/>
+          <a:chExt cx="0" cy="0"/>
+        </a:xfrm>
+      </p:grpSpPr>
+      <p:sp>
+        <p:nvSpPr>
+          <p:cNvPr id="2" name="投影片編號版面配置區 1"/>
+          <p:cNvSpPr>
+            <a:spLocks noGrp="1"/>
+          </p:cNvSpPr>
+          <p:nvPr>
+            <p:ph type="sldNum" sz="quarter" idx="4"/>
+          </p:nvPr>
+        </p:nvSpPr>
+        <p:spPr/>
+        <p:txBody>
+          <a:bodyPr/>
+          <a:lstStyle/>
+          <a:p>
+            <a:fld id="{6F0746BA-D1AA-4FF4-8D48-BDBC7FF48778}" type="slidenum">
+              <a:rPr lang="fr-FR" smtClean="0"/>
+              <a:t>14</a:t>
+            </a:fld>
+            <a:endParaRPr lang="fr-FR"/>
+          </a:p>
+        </p:txBody>
+      </p:sp>
+      <p:pic>
+        <p:nvPicPr>
+          <p:cNvPr id="3" name="圖片 2"/>
+          <p:cNvPicPr>
+            <a:picLocks noChangeAspect="1"/>
+          </p:cNvPicPr>
+          <p:nvPr/>
+        </p:nvPicPr>
+        <p:blipFill>
+          <a:blip r:embed="rId3"/>
+          <a:stretch>
+            <a:fillRect/>
+          </a:stretch>
+        </p:blipFill>
+        <p:spPr>
+          <a:xfrm>
+            <a:off x="0" y="1377202"/>
+            <a:ext cx="6095238" cy="4571429"/>
+          </a:xfrm>
+          <a:prstGeom prst="rect">
+            <a:avLst/>
+          </a:prstGeom>
+        </p:spPr>
+      </p:pic>
+      <p:pic>
+        <p:nvPicPr>
+          <p:cNvPr id="4" name="圖片 3"/>
+          <p:cNvPicPr>
+            <a:picLocks noChangeAspect="1"/>
+          </p:cNvPicPr>
+          <p:nvPr/>
+        </p:nvPicPr>
+        <p:blipFill>
+          <a:blip r:embed="rId4"/>
+          <a:stretch>
+            <a:fillRect/>
+          </a:stretch>
+        </p:blipFill>
+        <p:spPr>
+          <a:xfrm>
+            <a:off x="6095238" y="1377202"/>
+            <a:ext cx="6095238" cy="4571429"/>
+          </a:xfrm>
+          <a:prstGeom prst="rect">
+            <a:avLst/>
+          </a:prstGeom>
+        </p:spPr>
+      </p:pic>
+    </p:spTree>
+    <p:extLst>
+      <p:ext uri="{BB962C8B-B14F-4D97-AF65-F5344CB8AC3E}">
+        <p14:creationId xmlns:p14="http://schemas.microsoft.com/office/powerpoint/2010/main" val="3078827619"/>
+      </p:ext>
+    </p:extLst>
+  </p:cSld>
+  <p:clrMapOvr>
+    <a:masterClrMapping/>
+  </p:clrMapOvr>
+  <mc:AlternateContent xmlns:mc="http://schemas.openxmlformats.org/markup-compatibility/2006" xmlns:p14="http://schemas.microsoft.com/office/powerpoint/2010/main">
+    <mc:Choice Requires="p14">
+      <p:transition spd="med" p14:dur="700">
+        <p:fade/>
+      </p:transition>
+    </mc:Choice>
+    <mc:Fallback xmlns="">
+      <p:transition spd="med">
+        <p:fade/>
+      </p:transition>
+    </mc:Fallback>
+  </mc:AlternateContent>
+  <p:timing>
+    <p:tnLst>
+      <p:par>
+        <p:cTn id="1" dur="indefinite" restart="never" nodeType="tmRoot"/>
+      </p:par>
+    </p:tnLst>
+  </p:timing>
+</p:sld>
+</file>
+
+<file path=ppt/slides/slide15.xml><?xml version="1.0" encoding="utf-8"?>
+<p:sld xmlns:a="http://schemas.openxmlformats.org/drawingml/2006/main" xmlns:r="http://schemas.openxmlformats.org/officeDocument/2006/relationships" xmlns:p="http://schemas.openxmlformats.org/presentationml/2006/main">
+  <p:cSld>
+    <p:spTree>
+      <p:nvGrpSpPr>
+        <p:cNvPr id="1" name=""/>
+        <p:cNvGrpSpPr/>
+        <p:nvPr/>
+      </p:nvGrpSpPr>
+      <p:grpSpPr>
+        <a:xfrm>
+          <a:off x="0" y="0"/>
+          <a:ext cx="0" cy="0"/>
+          <a:chOff x="0" y="0"/>
+          <a:chExt cx="0" cy="0"/>
+        </a:xfrm>
+      </p:grpSpPr>
+      <p:sp>
+        <p:nvSpPr>
+          <p:cNvPr id="2" name="投影片編號版面配置區 1"/>
+          <p:cNvSpPr>
+            <a:spLocks noGrp="1"/>
+          </p:cNvSpPr>
+          <p:nvPr>
+            <p:ph type="sldNum" sz="quarter" idx="4"/>
+          </p:nvPr>
+        </p:nvSpPr>
+        <p:spPr/>
+        <p:txBody>
+          <a:bodyPr/>
+          <a:lstStyle/>
+          <a:p>
+            <a:fld id="{6F0746BA-D1AA-4FF4-8D48-BDBC7FF48778}" type="slidenum">
+              <a:rPr lang="fr-FR" smtClean="0"/>
+              <a:t>15</a:t>
+            </a:fld>
+            <a:endParaRPr lang="fr-FR"/>
+          </a:p>
+        </p:txBody>
+      </p:sp>
+      <p:pic>
+        <p:nvPicPr>
+          <p:cNvPr id="3" name="圖片 2"/>
+          <p:cNvPicPr>
+            <a:picLocks noChangeAspect="1"/>
+          </p:cNvPicPr>
+          <p:nvPr/>
+        </p:nvPicPr>
+        <p:blipFill>
+          <a:blip r:embed="rId3"/>
+          <a:stretch>
+            <a:fillRect/>
+          </a:stretch>
+        </p:blipFill>
+        <p:spPr>
+          <a:xfrm>
+            <a:off x="762" y="1451629"/>
+            <a:ext cx="6095238" cy="4571429"/>
+          </a:xfrm>
+          <a:prstGeom prst="rect">
+            <a:avLst/>
+          </a:prstGeom>
+        </p:spPr>
+      </p:pic>
+      <p:pic>
+        <p:nvPicPr>
+          <p:cNvPr id="4" name="圖片 3"/>
+          <p:cNvPicPr>
+            <a:picLocks noChangeAspect="1"/>
+          </p:cNvPicPr>
+          <p:nvPr/>
+        </p:nvPicPr>
+        <p:blipFill>
+          <a:blip r:embed="rId4"/>
+          <a:stretch>
+            <a:fillRect/>
+          </a:stretch>
+        </p:blipFill>
+        <p:spPr>
+          <a:xfrm>
+            <a:off x="6096000" y="1451629"/>
+            <a:ext cx="6095238" cy="4571429"/>
+          </a:xfrm>
+          <a:prstGeom prst="rect">
+            <a:avLst/>
+          </a:prstGeom>
+        </p:spPr>
+      </p:pic>
+    </p:spTree>
+    <p:extLst>
+      <p:ext uri="{BB962C8B-B14F-4D97-AF65-F5344CB8AC3E}">
+        <p14:creationId xmlns:p14="http://schemas.microsoft.com/office/powerpoint/2010/main" val="2121897440"/>
+      </p:ext>
+    </p:extLst>
+  </p:cSld>
+  <p:clrMapOvr>
+    <a:masterClrMapping/>
+  </p:clrMapOvr>
+  <mc:AlternateContent xmlns:mc="http://schemas.openxmlformats.org/markup-compatibility/2006" xmlns:p14="http://schemas.microsoft.com/office/powerpoint/2010/main">
+    <mc:Choice Requires="p14">
+      <p:transition spd="med" p14:dur="700">
+        <p:fade/>
+      </p:transition>
+    </mc:Choice>
+    <mc:Fallback xmlns="">
+      <p:transition spd="med">
+        <p:fade/>
+      </p:transition>
+    </mc:Fallback>
+  </mc:AlternateContent>
+  <p:timing>
+    <p:tnLst>
+      <p:par>
+        <p:cTn id="1" dur="indefinite" restart="never" nodeType="tmRoot"/>
+      </p:par>
+    </p:tnLst>
+  </p:timing>
+</p:sld>
+</file>
+
+<file path=ppt/slides/slide16.xml><?xml version="1.0" encoding="utf-8"?>
+<p:sld xmlns:a="http://schemas.openxmlformats.org/drawingml/2006/main" xmlns:r="http://schemas.openxmlformats.org/officeDocument/2006/relationships" xmlns:p="http://schemas.openxmlformats.org/presentationml/2006/main">
+  <p:cSld>
+    <p:spTree>
+      <p:nvGrpSpPr>
+        <p:cNvPr id="1" name=""/>
+        <p:cNvGrpSpPr/>
+        <p:nvPr/>
+      </p:nvGrpSpPr>
+      <p:grpSpPr>
+        <a:xfrm>
+          <a:off x="0" y="0"/>
+          <a:ext cx="0" cy="0"/>
+          <a:chOff x="0" y="0"/>
+          <a:chExt cx="0" cy="0"/>
+        </a:xfrm>
+      </p:grpSpPr>
+      <p:sp>
+        <p:nvSpPr>
+          <p:cNvPr id="2" name="投影片編號版面配置區 1"/>
+          <p:cNvSpPr>
+            <a:spLocks noGrp="1"/>
+          </p:cNvSpPr>
+          <p:nvPr>
+            <p:ph type="sldNum" sz="quarter" idx="4"/>
+          </p:nvPr>
+        </p:nvSpPr>
+        <p:spPr/>
+        <p:txBody>
+          <a:bodyPr/>
+          <a:lstStyle/>
+          <a:p>
+            <a:fld id="{6F0746BA-D1AA-4FF4-8D48-BDBC7FF48778}" type="slidenum">
+              <a:rPr lang="fr-FR" smtClean="0"/>
+              <a:t>16</a:t>
+            </a:fld>
+            <a:endParaRPr lang="fr-FR"/>
+          </a:p>
+        </p:txBody>
+      </p:sp>
+      <p:pic>
+        <p:nvPicPr>
+          <p:cNvPr id="5" name="圖片 4"/>
+          <p:cNvPicPr>
+            <a:picLocks noChangeAspect="1"/>
+          </p:cNvPicPr>
+          <p:nvPr/>
+        </p:nvPicPr>
+        <p:blipFill>
+          <a:blip r:embed="rId3"/>
+          <a:stretch>
+            <a:fillRect/>
+          </a:stretch>
+        </p:blipFill>
+        <p:spPr>
+          <a:xfrm>
+            <a:off x="233983" y="1831037"/>
+            <a:ext cx="5344500" cy="4004000"/>
+          </a:xfrm>
+          <a:prstGeom prst="rect">
+            <a:avLst/>
+          </a:prstGeom>
+        </p:spPr>
+      </p:pic>
+      <p:pic>
+        <p:nvPicPr>
+          <p:cNvPr id="6" name="圖片 5"/>
+          <p:cNvPicPr>
+            <a:picLocks noChangeAspect="1"/>
+          </p:cNvPicPr>
+          <p:nvPr/>
+        </p:nvPicPr>
+        <p:blipFill>
+          <a:blip r:embed="rId4"/>
+          <a:stretch>
+            <a:fillRect/>
+          </a:stretch>
+        </p:blipFill>
+        <p:spPr>
+          <a:xfrm>
+            <a:off x="6337071" y="1979893"/>
+            <a:ext cx="5344500" cy="4004000"/>
+          </a:xfrm>
+          <a:prstGeom prst="rect">
+            <a:avLst/>
+          </a:prstGeom>
+        </p:spPr>
+      </p:pic>
+    </p:spTree>
+    <p:extLst>
+      <p:ext uri="{BB962C8B-B14F-4D97-AF65-F5344CB8AC3E}">
+        <p14:creationId xmlns:p14="http://schemas.microsoft.com/office/powerpoint/2010/main" val="3828114717"/>
+      </p:ext>
+    </p:extLst>
+  </p:cSld>
+  <p:clrMapOvr>
+    <a:masterClrMapping/>
+  </p:clrMapOvr>
+  <mc:AlternateContent xmlns:mc="http://schemas.openxmlformats.org/markup-compatibility/2006" xmlns:p14="http://schemas.microsoft.com/office/powerpoint/2010/main">
+    <mc:Choice Requires="p14">
+      <p:transition spd="med" p14:dur="700">
+        <p:fade/>
+      </p:transition>
+    </mc:Choice>
+    <mc:Fallback xmlns="">
+      <p:transition spd="med">
+        <p:fade/>
+      </p:transition>
+    </mc:Fallback>
+  </mc:AlternateContent>
+  <p:timing>
+    <p:tnLst>
+      <p:par>
+        <p:cTn id="1" dur="indefinite" restart="never" nodeType="tmRoot"/>
+      </p:par>
+    </p:tnLst>
+  </p:timing>
+</p:sld>
+</file>
+
+<file path=ppt/slides/slide17.xml><?xml version="1.0" encoding="utf-8"?>
+<p:sld xmlns:a="http://schemas.openxmlformats.org/drawingml/2006/main" xmlns:r="http://schemas.openxmlformats.org/officeDocument/2006/relationships" xmlns:p="http://schemas.openxmlformats.org/presentationml/2006/main">
+  <p:cSld>
+    <p:spTree>
+      <p:nvGrpSpPr>
+        <p:cNvPr id="1" name=""/>
+        <p:cNvGrpSpPr/>
+        <p:nvPr/>
+      </p:nvGrpSpPr>
+      <p:grpSpPr>
+        <a:xfrm>
+          <a:off x="0" y="0"/>
+          <a:ext cx="0" cy="0"/>
+          <a:chOff x="0" y="0"/>
+          <a:chExt cx="0" cy="0"/>
+        </a:xfrm>
+      </p:grpSpPr>
+      <p:sp>
+        <p:nvSpPr>
+          <p:cNvPr id="2" name="投影片編號版面配置區 1"/>
+          <p:cNvSpPr>
+            <a:spLocks noGrp="1"/>
+          </p:cNvSpPr>
+          <p:nvPr>
+            <p:ph type="sldNum" sz="quarter" idx="4"/>
+          </p:nvPr>
+        </p:nvSpPr>
+        <p:spPr/>
+        <p:txBody>
+          <a:bodyPr/>
+          <a:lstStyle/>
+          <a:p>
+            <a:fld id="{6F0746BA-D1AA-4FF4-8D48-BDBC7FF48778}" type="slidenum">
+              <a:rPr lang="fr-FR" smtClean="0"/>
+              <a:t>17</a:t>
+            </a:fld>
+            <a:endParaRPr lang="fr-FR"/>
+          </a:p>
+        </p:txBody>
+      </p:sp>
+      <p:pic>
+        <p:nvPicPr>
+          <p:cNvPr id="5" name="圖片 4"/>
+          <p:cNvPicPr>
+            <a:picLocks noChangeAspect="1"/>
+          </p:cNvPicPr>
+          <p:nvPr/>
+        </p:nvPicPr>
+        <p:blipFill>
+          <a:blip r:embed="rId3"/>
+          <a:stretch>
+            <a:fillRect/>
+          </a:stretch>
+        </p:blipFill>
+        <p:spPr>
+          <a:xfrm>
+            <a:off x="127657" y="1841670"/>
+            <a:ext cx="5344500" cy="4004000"/>
+          </a:xfrm>
+          <a:prstGeom prst="rect">
+            <a:avLst/>
+          </a:prstGeom>
+        </p:spPr>
+      </p:pic>
+      <p:pic>
+        <p:nvPicPr>
+          <p:cNvPr id="6" name="圖片 5"/>
+          <p:cNvPicPr>
+            <a:picLocks noChangeAspect="1"/>
+          </p:cNvPicPr>
+          <p:nvPr/>
+        </p:nvPicPr>
+        <p:blipFill>
+          <a:blip r:embed="rId4"/>
+          <a:stretch>
+            <a:fillRect/>
+          </a:stretch>
+        </p:blipFill>
+        <p:spPr>
+          <a:xfrm>
+            <a:off x="6422132" y="1841670"/>
+            <a:ext cx="5344500" cy="4004000"/>
+          </a:xfrm>
+          <a:prstGeom prst="rect">
+            <a:avLst/>
+          </a:prstGeom>
+        </p:spPr>
+      </p:pic>
+    </p:spTree>
+    <p:extLst>
+      <p:ext uri="{BB962C8B-B14F-4D97-AF65-F5344CB8AC3E}">
+        <p14:creationId xmlns:p14="http://schemas.microsoft.com/office/powerpoint/2010/main" val="1124010785"/>
+      </p:ext>
+    </p:extLst>
+  </p:cSld>
+  <p:clrMapOvr>
+    <a:masterClrMapping/>
+  </p:clrMapOvr>
+  <mc:AlternateContent xmlns:mc="http://schemas.openxmlformats.org/markup-compatibility/2006" xmlns:p14="http://schemas.microsoft.com/office/powerpoint/2010/main">
+    <mc:Choice Requires="p14">
+      <p:transition spd="med" p14:dur="700">
+        <p:fade/>
+      </p:transition>
+    </mc:Choice>
+    <mc:Fallback xmlns="">
+      <p:transition spd="med">
+        <p:fade/>
+      </p:transition>
+    </mc:Fallback>
+  </mc:AlternateContent>
+  <p:timing>
+    <p:tnLst>
+      <p:par>
+        <p:cTn id="1" dur="indefinite" restart="never" nodeType="tmRoot"/>
+      </p:par>
+    </p:tnLst>
+  </p:timing>
+</p:sld>
+</file>
+
+<file path=ppt/slides/slide18.xml><?xml version="1.0" encoding="utf-8"?>
+<p:sld xmlns:a="http://schemas.openxmlformats.org/drawingml/2006/main" xmlns:r="http://schemas.openxmlformats.org/officeDocument/2006/relationships" xmlns:p="http://schemas.openxmlformats.org/presentationml/2006/main">
+  <p:cSld>
+    <p:spTree>
+      <p:nvGrpSpPr>
+        <p:cNvPr id="1" name=""/>
+        <p:cNvGrpSpPr/>
+        <p:nvPr/>
+      </p:nvGrpSpPr>
+      <p:grpSpPr>
+        <a:xfrm>
+          <a:off x="0" y="0"/>
+          <a:ext cx="0" cy="0"/>
+          <a:chOff x="0" y="0"/>
+          <a:chExt cx="0" cy="0"/>
+        </a:xfrm>
+      </p:grpSpPr>
+      <p:sp>
+        <p:nvSpPr>
+          <p:cNvPr id="2" name="投影片編號版面配置區 1"/>
+          <p:cNvSpPr>
+            <a:spLocks noGrp="1"/>
+          </p:cNvSpPr>
+          <p:nvPr>
+            <p:ph type="sldNum" sz="quarter" idx="4"/>
+          </p:nvPr>
+        </p:nvSpPr>
+        <p:spPr/>
+        <p:txBody>
+          <a:bodyPr/>
+          <a:lstStyle/>
+          <a:p>
+            <a:fld id="{6F0746BA-D1AA-4FF4-8D48-BDBC7FF48778}" type="slidenum">
+              <a:rPr lang="fr-FR" smtClean="0"/>
+              <a:t>18</a:t>
+            </a:fld>
+            <a:endParaRPr lang="fr-FR"/>
+          </a:p>
+        </p:txBody>
+      </p:sp>
+      <p:pic>
+        <p:nvPicPr>
+          <p:cNvPr id="5" name="圖片 4"/>
+          <p:cNvPicPr>
+            <a:picLocks noChangeAspect="1"/>
+          </p:cNvPicPr>
+          <p:nvPr/>
+        </p:nvPicPr>
+        <p:blipFill>
+          <a:blip r:embed="rId3"/>
+          <a:stretch>
+            <a:fillRect/>
+          </a:stretch>
+        </p:blipFill>
+        <p:spPr>
+          <a:xfrm>
+            <a:off x="308410" y="1565224"/>
+            <a:ext cx="5344500" cy="4004000"/>
+          </a:xfrm>
+          <a:prstGeom prst="rect">
+            <a:avLst/>
+          </a:prstGeom>
+        </p:spPr>
+      </p:pic>
+      <p:pic>
+        <p:nvPicPr>
+          <p:cNvPr id="6" name="圖片 5"/>
+          <p:cNvPicPr>
+            <a:picLocks noChangeAspect="1"/>
+          </p:cNvPicPr>
+          <p:nvPr/>
+        </p:nvPicPr>
+        <p:blipFill>
+          <a:blip r:embed="rId4"/>
+          <a:stretch>
+            <a:fillRect/>
+          </a:stretch>
+        </p:blipFill>
+        <p:spPr>
+          <a:xfrm>
+            <a:off x="6390233" y="1565224"/>
+            <a:ext cx="5344500" cy="4004000"/>
+          </a:xfrm>
+          <a:prstGeom prst="rect">
+            <a:avLst/>
+          </a:prstGeom>
+        </p:spPr>
+      </p:pic>
+    </p:spTree>
+    <p:extLst>
+      <p:ext uri="{BB962C8B-B14F-4D97-AF65-F5344CB8AC3E}">
+        <p14:creationId xmlns:p14="http://schemas.microsoft.com/office/powerpoint/2010/main" val="2624819729"/>
+      </p:ext>
+    </p:extLst>
+  </p:cSld>
+  <p:clrMapOvr>
+    <a:masterClrMapping/>
+  </p:clrMapOvr>
+  <mc:AlternateContent xmlns:mc="http://schemas.openxmlformats.org/markup-compatibility/2006" xmlns:p14="http://schemas.microsoft.com/office/powerpoint/2010/main">
+    <mc:Choice Requires="p14">
+      <p:transition spd="med" p14:dur="700">
+        <p:fade/>
+      </p:transition>
+    </mc:Choice>
+    <mc:Fallback xmlns="">
+      <p:transition spd="med">
+        <p:fade/>
+      </p:transition>
+    </mc:Fallback>
+  </mc:AlternateContent>
+  <p:timing>
+    <p:tnLst>
+      <p:par>
+        <p:cTn id="1" dur="indefinite" restart="never" nodeType="tmRoot"/>
+      </p:par>
+    </p:tnLst>
+  </p:timing>
+</p:sld>
+</file>
+
+<file path=ppt/slides/slide19.xml><?xml version="1.0" encoding="utf-8"?>
+<p:sld xmlns:a="http://schemas.openxmlformats.org/drawingml/2006/main" xmlns:r="http://schemas.openxmlformats.org/officeDocument/2006/relationships" xmlns:p="http://schemas.openxmlformats.org/presentationml/2006/main">
+  <p:cSld>
+    <p:spTree>
+      <p:nvGrpSpPr>
+        <p:cNvPr id="1" name=""/>
+        <p:cNvGrpSpPr/>
+        <p:nvPr/>
+      </p:nvGrpSpPr>
+      <p:grpSpPr>
+        <a:xfrm>
+          <a:off x="0" y="0"/>
+          <a:ext cx="0" cy="0"/>
+          <a:chOff x="0" y="0"/>
+          <a:chExt cx="0" cy="0"/>
+        </a:xfrm>
+      </p:grpSpPr>
+      <p:sp>
+        <p:nvSpPr>
+          <p:cNvPr id="2" name="投影片編號版面配置區 1"/>
+          <p:cNvSpPr>
+            <a:spLocks noGrp="1"/>
+          </p:cNvSpPr>
+          <p:nvPr>
+            <p:ph type="sldNum" sz="quarter" idx="4"/>
+          </p:nvPr>
+        </p:nvSpPr>
+        <p:spPr/>
+        <p:txBody>
+          <a:bodyPr/>
+          <a:lstStyle/>
+          <a:p>
+            <a:fld id="{6F0746BA-D1AA-4FF4-8D48-BDBC7FF48778}" type="slidenum">
+              <a:rPr lang="fr-FR" smtClean="0"/>
+              <a:t>19</a:t>
+            </a:fld>
+            <a:endParaRPr lang="fr-FR"/>
+          </a:p>
+        </p:txBody>
+      </p:sp>
+      <p:pic>
+        <p:nvPicPr>
+          <p:cNvPr id="5" name="圖片 4"/>
+          <p:cNvPicPr>
+            <a:picLocks noChangeAspect="1"/>
+          </p:cNvPicPr>
+          <p:nvPr/>
+        </p:nvPicPr>
+        <p:blipFill>
+          <a:blip r:embed="rId3"/>
+          <a:stretch>
+            <a:fillRect/>
+          </a:stretch>
+        </p:blipFill>
+        <p:spPr>
+          <a:xfrm>
+            <a:off x="393471" y="1427000"/>
+            <a:ext cx="5344500" cy="4004000"/>
+          </a:xfrm>
+          <a:prstGeom prst="rect">
+            <a:avLst/>
+          </a:prstGeom>
+        </p:spPr>
+      </p:pic>
+      <p:pic>
+        <p:nvPicPr>
+          <p:cNvPr id="6" name="圖片 5"/>
+          <p:cNvPicPr>
+            <a:picLocks noChangeAspect="1"/>
+          </p:cNvPicPr>
+          <p:nvPr/>
+        </p:nvPicPr>
+        <p:blipFill>
+          <a:blip r:embed="rId4"/>
+          <a:stretch>
+            <a:fillRect/>
+          </a:stretch>
+        </p:blipFill>
+        <p:spPr>
+          <a:xfrm>
+            <a:off x="6358336" y="1352572"/>
+            <a:ext cx="5344500" cy="4004000"/>
+          </a:xfrm>
+          <a:prstGeom prst="rect">
+            <a:avLst/>
+          </a:prstGeom>
+        </p:spPr>
+      </p:pic>
+    </p:spTree>
+    <p:extLst>
+      <p:ext uri="{BB962C8B-B14F-4D97-AF65-F5344CB8AC3E}">
+        <p14:creationId xmlns:p14="http://schemas.microsoft.com/office/powerpoint/2010/main" val="3573546114"/>
+      </p:ext>
+    </p:extLst>
+  </p:cSld>
+  <p:clrMapOvr>
+    <a:masterClrMapping/>
+  </p:clrMapOvr>
+  <mc:AlternateContent xmlns:mc="http://schemas.openxmlformats.org/markup-compatibility/2006" xmlns:p14="http://schemas.microsoft.com/office/powerpoint/2010/main">
+    <mc:Choice Requires="p14">
+      <p:transition spd="med" p14:dur="700">
+        <p:fade/>
+      </p:transition>
+    </mc:Choice>
+    <mc:Fallback xmlns="">
+      <p:transition spd="med">
+        <p:fade/>
+      </p:transition>
+    </mc:Fallback>
+  </mc:AlternateContent>
+  <p:timing>
+    <p:tnLst>
+      <p:par>
+        <p:cTn id="1" dur="indefinite" restart="never" nodeType="tmRoot"/>
+      </p:par>
+    </p:tnLst>
+  </p:timing>
+</p:sld>
+</file>
+
+<file path=ppt/slides/slide2.xml><?xml version="1.0" encoding="utf-8"?>
+<p:sld xmlns:a="http://schemas.openxmlformats.org/drawingml/2006/main" xmlns:r="http://schemas.openxmlformats.org/officeDocument/2006/relationships" xmlns:p="http://schemas.openxmlformats.org/presentationml/2006/main">
+  <p:cSld>
+    <p:spTree>
+      <p:nvGrpSpPr>
+        <p:cNvPr id="1" name=""/>
+        <p:cNvGrpSpPr/>
+        <p:nvPr/>
+      </p:nvGrpSpPr>
+      <p:grpSpPr>
+        <a:xfrm>
+          <a:off x="0" y="0"/>
+          <a:ext cx="0" cy="0"/>
+          <a:chOff x="0" y="0"/>
+          <a:chExt cx="0" cy="0"/>
+        </a:xfrm>
+      </p:grpSpPr>
+      <p:sp>
+        <p:nvSpPr>
+          <p:cNvPr id="2" name="投影片編號版面配置區 1"/>
+          <p:cNvSpPr>
+            <a:spLocks noGrp="1"/>
+          </p:cNvSpPr>
+          <p:nvPr>
+            <p:ph type="sldNum" sz="quarter" idx="4"/>
+          </p:nvPr>
+        </p:nvSpPr>
+        <p:spPr/>
+        <p:txBody>
+          <a:bodyPr/>
+          <a:lstStyle/>
+          <a:p>
+            <a:fld id="{6F0746BA-D1AA-4FF4-8D48-BDBC7FF48778}" type="slidenum">
+              <a:rPr lang="fr-FR" smtClean="0"/>
+              <a:t>2</a:t>
+            </a:fld>
+            <a:endParaRPr lang="fr-FR"/>
+          </a:p>
+        </p:txBody>
+      </p:sp>
+    </p:spTree>
+    <p:extLst>
+      <p:ext uri="{BB962C8B-B14F-4D97-AF65-F5344CB8AC3E}">
+        <p14:creationId xmlns:p14="http://schemas.microsoft.com/office/powerpoint/2010/main" val="938842633"/>
+      </p:ext>
+    </p:extLst>
+  </p:cSld>
+  <p:clrMapOvr>
+    <a:masterClrMapping/>
+  </p:clrMapOvr>
+  <mc:AlternateContent xmlns:mc="http://schemas.openxmlformats.org/markup-compatibility/2006" xmlns:p14="http://schemas.microsoft.com/office/powerpoint/2010/main">
+    <mc:Choice Requires="p14">
+      <p:transition spd="med" p14:dur="700">
+        <p:fade/>
+      </p:transition>
+    </mc:Choice>
+    <mc:Fallback xmlns="">
+      <p:transition spd="med">
+        <p:fade/>
+      </p:transition>
+    </mc:Fallback>
+  </mc:AlternateContent>
+  <p:timing>
+    <p:tnLst>
+      <p:par>
+        <p:cTn id="1" dur="indefinite" restart="never" nodeType="tmRoot"/>
+      </p:par>
+    </p:tnLst>
+  </p:timing>
+</p:sld>
+</file>
+
+<file path=ppt/slides/slide20.xml><?xml version="1.0" encoding="utf-8"?>
+<p:sld xmlns:a="http://schemas.openxmlformats.org/drawingml/2006/main" xmlns:r="http://schemas.openxmlformats.org/officeDocument/2006/relationships" xmlns:p="http://schemas.openxmlformats.org/presentationml/2006/main">
+  <p:cSld>
+    <p:spTree>
+      <p:nvGrpSpPr>
+        <p:cNvPr id="1" name=""/>
+        <p:cNvGrpSpPr/>
+        <p:nvPr/>
+      </p:nvGrpSpPr>
+      <p:grpSpPr>
+        <a:xfrm>
+          <a:off x="0" y="0"/>
+          <a:ext cx="0" cy="0"/>
+          <a:chOff x="0" y="0"/>
+          <a:chExt cx="0" cy="0"/>
+        </a:xfrm>
+      </p:grpSpPr>
+      <p:sp>
+        <p:nvSpPr>
+          <p:cNvPr id="2" name="投影片編號版面配置區 1"/>
+          <p:cNvSpPr>
+            <a:spLocks noGrp="1"/>
+          </p:cNvSpPr>
+          <p:nvPr>
+            <p:ph type="sldNum" sz="quarter" idx="4"/>
+          </p:nvPr>
+        </p:nvSpPr>
+        <p:spPr/>
+        <p:txBody>
+          <a:bodyPr/>
+          <a:lstStyle/>
+          <a:p>
+            <a:fld id="{6F0746BA-D1AA-4FF4-8D48-BDBC7FF48778}" type="slidenum">
+              <a:rPr lang="fr-FR" smtClean="0"/>
+              <a:t>20</a:t>
+            </a:fld>
+            <a:endParaRPr lang="fr-FR"/>
+          </a:p>
+        </p:txBody>
+      </p:sp>
+      <p:pic>
+        <p:nvPicPr>
+          <p:cNvPr id="5" name="圖片 4"/>
+          <p:cNvPicPr>
+            <a:picLocks noChangeAspect="1"/>
+          </p:cNvPicPr>
+          <p:nvPr/>
+        </p:nvPicPr>
+        <p:blipFill>
+          <a:blip r:embed="rId3"/>
+          <a:stretch>
+            <a:fillRect/>
+          </a:stretch>
+        </p:blipFill>
+        <p:spPr>
+          <a:xfrm>
+            <a:off x="220121" y="1292141"/>
+            <a:ext cx="6095238" cy="4571429"/>
+          </a:xfrm>
+          <a:prstGeom prst="rect">
+            <a:avLst/>
+          </a:prstGeom>
+        </p:spPr>
+      </p:pic>
+      <p:pic>
+        <p:nvPicPr>
+          <p:cNvPr id="6" name="圖片 5"/>
+          <p:cNvPicPr>
+            <a:picLocks noChangeAspect="1"/>
+          </p:cNvPicPr>
+          <p:nvPr/>
+        </p:nvPicPr>
+        <p:blipFill>
+          <a:blip r:embed="rId4"/>
+          <a:stretch>
+            <a:fillRect/>
+          </a:stretch>
+        </p:blipFill>
+        <p:spPr>
+          <a:xfrm>
+            <a:off x="6096762" y="1292140"/>
+            <a:ext cx="6095238" cy="4571429"/>
+          </a:xfrm>
+          <a:prstGeom prst="rect">
+            <a:avLst/>
+          </a:prstGeom>
+        </p:spPr>
+      </p:pic>
+    </p:spTree>
+    <p:extLst>
+      <p:ext uri="{BB962C8B-B14F-4D97-AF65-F5344CB8AC3E}">
+        <p14:creationId xmlns:p14="http://schemas.microsoft.com/office/powerpoint/2010/main" val="1495627672"/>
+      </p:ext>
+    </p:extLst>
+  </p:cSld>
+  <p:clrMapOvr>
+    <a:masterClrMapping/>
+  </p:clrMapOvr>
+  <mc:AlternateContent xmlns:mc="http://schemas.openxmlformats.org/markup-compatibility/2006" xmlns:p14="http://schemas.microsoft.com/office/powerpoint/2010/main">
+    <mc:Choice Requires="p14">
+      <p:transition spd="med" p14:dur="700">
+        <p:fade/>
+      </p:transition>
+    </mc:Choice>
+    <mc:Fallback xmlns="">
+      <p:transition spd="med">
+        <p:fade/>
+      </p:transition>
+    </mc:Fallback>
+  </mc:AlternateContent>
+  <p:timing>
+    <p:tnLst>
+      <p:par>
+        <p:cTn id="1" dur="indefinite" restart="never" nodeType="tmRoot"/>
+      </p:par>
+    </p:tnLst>
+  </p:timing>
+</p:sld>
+</file>
+
+<file path=ppt/slides/slide21.xml><?xml version="1.0" encoding="utf-8"?>
+<p:sld xmlns:a="http://schemas.openxmlformats.org/drawingml/2006/main" xmlns:r="http://schemas.openxmlformats.org/officeDocument/2006/relationships" xmlns:p="http://schemas.openxmlformats.org/presentationml/2006/main">
+  <p:cSld>
+    <p:spTree>
+      <p:nvGrpSpPr>
+        <p:cNvPr id="1" name=""/>
+        <p:cNvGrpSpPr/>
+        <p:nvPr/>
+      </p:nvGrpSpPr>
+      <p:grpSpPr>
+        <a:xfrm>
+          <a:off x="0" y="0"/>
+          <a:ext cx="0" cy="0"/>
+          <a:chOff x="0" y="0"/>
+          <a:chExt cx="0" cy="0"/>
+        </a:xfrm>
+      </p:grpSpPr>
+      <p:sp>
+        <p:nvSpPr>
+          <p:cNvPr id="2" name="投影片編號版面配置區 1"/>
+          <p:cNvSpPr>
+            <a:spLocks noGrp="1"/>
+          </p:cNvSpPr>
+          <p:nvPr>
+            <p:ph type="sldNum" sz="quarter" idx="4"/>
+          </p:nvPr>
+        </p:nvSpPr>
+        <p:spPr/>
+        <p:txBody>
+          <a:bodyPr/>
+          <a:lstStyle/>
+          <a:p>
+            <a:fld id="{6F0746BA-D1AA-4FF4-8D48-BDBC7FF48778}" type="slidenum">
+              <a:rPr lang="fr-FR" smtClean="0"/>
+              <a:t>21</a:t>
+            </a:fld>
+            <a:endParaRPr lang="fr-FR"/>
+          </a:p>
+        </p:txBody>
+      </p:sp>
+      <p:pic>
+        <p:nvPicPr>
+          <p:cNvPr id="5" name="圖片 4"/>
+          <p:cNvPicPr>
+            <a:picLocks noChangeAspect="1"/>
+          </p:cNvPicPr>
+          <p:nvPr/>
+        </p:nvPicPr>
+        <p:blipFill>
+          <a:blip r:embed="rId3"/>
+          <a:stretch>
+            <a:fillRect/>
+          </a:stretch>
+        </p:blipFill>
+        <p:spPr>
+          <a:xfrm>
+            <a:off x="762" y="1313406"/>
+            <a:ext cx="6095238" cy="4571429"/>
+          </a:xfrm>
+          <a:prstGeom prst="rect">
+            <a:avLst/>
+          </a:prstGeom>
+        </p:spPr>
+      </p:pic>
+      <p:pic>
+        <p:nvPicPr>
+          <p:cNvPr id="6" name="圖片 5"/>
+          <p:cNvPicPr>
+            <a:picLocks noChangeAspect="1"/>
+          </p:cNvPicPr>
+          <p:nvPr/>
+        </p:nvPicPr>
+        <p:blipFill>
+          <a:blip r:embed="rId4"/>
+          <a:stretch>
+            <a:fillRect/>
+          </a:stretch>
+        </p:blipFill>
+        <p:spPr>
+          <a:xfrm>
+            <a:off x="6096000" y="1313406"/>
+            <a:ext cx="6095238" cy="4571429"/>
+          </a:xfrm>
+          <a:prstGeom prst="rect">
+            <a:avLst/>
+          </a:prstGeom>
+        </p:spPr>
+      </p:pic>
+    </p:spTree>
+    <p:extLst>
+      <p:ext uri="{BB962C8B-B14F-4D97-AF65-F5344CB8AC3E}">
+        <p14:creationId xmlns:p14="http://schemas.microsoft.com/office/powerpoint/2010/main" val="3429600643"/>
+      </p:ext>
+    </p:extLst>
+  </p:cSld>
+  <p:clrMapOvr>
+    <a:masterClrMapping/>
+  </p:clrMapOvr>
+  <mc:AlternateContent xmlns:mc="http://schemas.openxmlformats.org/markup-compatibility/2006" xmlns:p14="http://schemas.microsoft.com/office/powerpoint/2010/main">
+    <mc:Choice Requires="p14">
+      <p:transition spd="med" p14:dur="700">
+        <p:fade/>
+      </p:transition>
+    </mc:Choice>
+    <mc:Fallback xmlns="">
+      <p:transition spd="med">
+        <p:fade/>
+      </p:transition>
+    </mc:Fallback>
+  </mc:AlternateContent>
+  <p:timing>
+    <p:tnLst>
+      <p:par>
+        <p:cTn id="1" dur="indefinite" restart="never" nodeType="tmRoot"/>
+      </p:par>
+    </p:tnLst>
+  </p:timing>
+</p:sld>
+</file>
+
+<file path=ppt/slides/slide22.xml><?xml version="1.0" encoding="utf-8"?>
+<p:sld xmlns:a="http://schemas.openxmlformats.org/drawingml/2006/main" xmlns:r="http://schemas.openxmlformats.org/officeDocument/2006/relationships" xmlns:p="http://schemas.openxmlformats.org/presentationml/2006/main">
+  <p:cSld>
+    <p:spTree>
+      <p:nvGrpSpPr>
+        <p:cNvPr id="1" name=""/>
+        <p:cNvGrpSpPr/>
+        <p:nvPr/>
+      </p:nvGrpSpPr>
+      <p:grpSpPr>
+        <a:xfrm>
+          <a:off x="0" y="0"/>
+          <a:ext cx="0" cy="0"/>
+          <a:chOff x="0" y="0"/>
+          <a:chExt cx="0" cy="0"/>
+        </a:xfrm>
+      </p:grpSpPr>
+      <p:sp>
+        <p:nvSpPr>
+          <p:cNvPr id="2" name="投影片編號版面配置區 1"/>
+          <p:cNvSpPr>
+            <a:spLocks noGrp="1"/>
+          </p:cNvSpPr>
+          <p:nvPr>
+            <p:ph type="sldNum" sz="quarter" idx="4"/>
+          </p:nvPr>
+        </p:nvSpPr>
+        <p:spPr/>
+        <p:txBody>
+          <a:bodyPr/>
+          <a:lstStyle/>
+          <a:p>
+            <a:fld id="{6F0746BA-D1AA-4FF4-8D48-BDBC7FF48778}" type="slidenum">
+              <a:rPr lang="fr-FR" smtClean="0"/>
+              <a:t>22</a:t>
+            </a:fld>
+            <a:endParaRPr lang="fr-FR"/>
+          </a:p>
+        </p:txBody>
+      </p:sp>
+      <p:pic>
+        <p:nvPicPr>
+          <p:cNvPr id="5" name="圖片 4"/>
+          <p:cNvPicPr>
+            <a:picLocks noChangeAspect="1"/>
+          </p:cNvPicPr>
+          <p:nvPr/>
+        </p:nvPicPr>
+        <p:blipFill>
+          <a:blip r:embed="rId3"/>
+          <a:stretch>
+            <a:fillRect/>
+          </a:stretch>
+        </p:blipFill>
+        <p:spPr>
+          <a:xfrm>
+            <a:off x="762" y="1143285"/>
+            <a:ext cx="6095238" cy="4571429"/>
+          </a:xfrm>
+          <a:prstGeom prst="rect">
+            <a:avLst/>
+          </a:prstGeom>
+        </p:spPr>
+      </p:pic>
+      <p:pic>
+        <p:nvPicPr>
+          <p:cNvPr id="6" name="圖片 5"/>
+          <p:cNvPicPr>
+            <a:picLocks noChangeAspect="1"/>
+          </p:cNvPicPr>
+          <p:nvPr/>
+        </p:nvPicPr>
+        <p:blipFill>
+          <a:blip r:embed="rId4"/>
+          <a:stretch>
+            <a:fillRect/>
+          </a:stretch>
+        </p:blipFill>
+        <p:spPr>
+          <a:xfrm>
+            <a:off x="6096762" y="1143284"/>
+            <a:ext cx="6095238" cy="4571429"/>
+          </a:xfrm>
+          <a:prstGeom prst="rect">
+            <a:avLst/>
+          </a:prstGeom>
+        </p:spPr>
+      </p:pic>
+    </p:spTree>
+    <p:extLst>
+      <p:ext uri="{BB962C8B-B14F-4D97-AF65-F5344CB8AC3E}">
+        <p14:creationId xmlns:p14="http://schemas.microsoft.com/office/powerpoint/2010/main" val="2250429200"/>
+      </p:ext>
+    </p:extLst>
+  </p:cSld>
+  <p:clrMapOvr>
+    <a:masterClrMapping/>
+  </p:clrMapOvr>
+  <mc:AlternateContent xmlns:mc="http://schemas.openxmlformats.org/markup-compatibility/2006" xmlns:p14="http://schemas.microsoft.com/office/powerpoint/2010/main">
+    <mc:Choice Requires="p14">
+      <p:transition spd="med" p14:dur="700">
+        <p:fade/>
+      </p:transition>
+    </mc:Choice>
+    <mc:Fallback xmlns="">
+      <p:transition spd="med">
+        <p:fade/>
+      </p:transition>
+    </mc:Fallback>
+  </mc:AlternateContent>
+  <p:timing>
+    <p:tnLst>
+      <p:par>
+        <p:cTn id="1" dur="indefinite" restart="never" nodeType="tmRoot"/>
+      </p:par>
+    </p:tnLst>
+  </p:timing>
+</p:sld>
+</file>
+
+<file path=ppt/slides/slide23.xml><?xml version="1.0" encoding="utf-8"?>
+<p:sld xmlns:a="http://schemas.openxmlformats.org/drawingml/2006/main" xmlns:r="http://schemas.openxmlformats.org/officeDocument/2006/relationships" xmlns:p="http://schemas.openxmlformats.org/presentationml/2006/main">
+  <p:cSld>
+    <p:spTree>
+      <p:nvGrpSpPr>
+        <p:cNvPr id="1" name=""/>
+        <p:cNvGrpSpPr/>
+        <p:nvPr/>
+      </p:nvGrpSpPr>
+      <p:grpSpPr>
+        <a:xfrm>
+          <a:off x="0" y="0"/>
+          <a:ext cx="0" cy="0"/>
+          <a:chOff x="0" y="0"/>
+          <a:chExt cx="0" cy="0"/>
+        </a:xfrm>
+      </p:grpSpPr>
+      <p:sp>
+        <p:nvSpPr>
+          <p:cNvPr id="2" name="投影片編號版面配置區 1"/>
+          <p:cNvSpPr>
+            <a:spLocks noGrp="1"/>
+          </p:cNvSpPr>
+          <p:nvPr>
+            <p:ph type="sldNum" sz="quarter" idx="4"/>
+          </p:nvPr>
+        </p:nvSpPr>
+        <p:spPr/>
+        <p:txBody>
+          <a:bodyPr/>
+          <a:lstStyle/>
+          <a:p>
+            <a:fld id="{6F0746BA-D1AA-4FF4-8D48-BDBC7FF48778}" type="slidenum">
+              <a:rPr lang="fr-FR" smtClean="0"/>
+              <a:t>23</a:t>
+            </a:fld>
+            <a:endParaRPr lang="fr-FR"/>
+          </a:p>
+        </p:txBody>
+      </p:sp>
+      <p:pic>
+        <p:nvPicPr>
+          <p:cNvPr id="3" name="圖片 2"/>
+          <p:cNvPicPr>
+            <a:picLocks noChangeAspect="1"/>
+          </p:cNvPicPr>
+          <p:nvPr/>
+        </p:nvPicPr>
+        <p:blipFill>
+          <a:blip r:embed="rId3"/>
+          <a:stretch>
+            <a:fillRect/>
+          </a:stretch>
+        </p:blipFill>
+        <p:spPr>
+          <a:xfrm>
+            <a:off x="244615" y="1427000"/>
+            <a:ext cx="5344500" cy="4004000"/>
+          </a:xfrm>
+          <a:prstGeom prst="rect">
+            <a:avLst/>
+          </a:prstGeom>
+        </p:spPr>
+      </p:pic>
+      <p:pic>
+        <p:nvPicPr>
+          <p:cNvPr id="4" name="圖片 3"/>
+          <p:cNvPicPr>
+            <a:picLocks noChangeAspect="1"/>
+          </p:cNvPicPr>
+          <p:nvPr/>
+        </p:nvPicPr>
+        <p:blipFill>
+          <a:blip r:embed="rId4"/>
+          <a:stretch>
+            <a:fillRect/>
+          </a:stretch>
+        </p:blipFill>
+        <p:spPr>
+          <a:xfrm>
+            <a:off x="6315806" y="1427000"/>
+            <a:ext cx="5344500" cy="4004000"/>
+          </a:xfrm>
+          <a:prstGeom prst="rect">
+            <a:avLst/>
+          </a:prstGeom>
+        </p:spPr>
+      </p:pic>
+    </p:spTree>
+    <p:extLst>
+      <p:ext uri="{BB962C8B-B14F-4D97-AF65-F5344CB8AC3E}">
+        <p14:creationId xmlns:p14="http://schemas.microsoft.com/office/powerpoint/2010/main" val="1182961334"/>
+      </p:ext>
+    </p:extLst>
+  </p:cSld>
+  <p:clrMapOvr>
+    <a:masterClrMapping/>
+  </p:clrMapOvr>
+  <mc:AlternateContent xmlns:mc="http://schemas.openxmlformats.org/markup-compatibility/2006" xmlns:p14="http://schemas.microsoft.com/office/powerpoint/2010/main">
+    <mc:Choice Requires="p14">
+      <p:transition spd="med" p14:dur="700">
+        <p:fade/>
+      </p:transition>
+    </mc:Choice>
+    <mc:Fallback xmlns="">
+      <p:transition spd="med">
+        <p:fade/>
+      </p:transition>
+    </mc:Fallback>
+  </mc:AlternateContent>
+  <p:timing>
+    <p:tnLst>
+      <p:par>
+        <p:cTn id="1" dur="indefinite" restart="never" nodeType="tmRoot"/>
+      </p:par>
+    </p:tnLst>
+  </p:timing>
+</p:sld>
+</file>
+
+<file path=ppt/slides/slide24.xml><?xml version="1.0" encoding="utf-8"?>
+<p:sld xmlns:a="http://schemas.openxmlformats.org/drawingml/2006/main" xmlns:r="http://schemas.openxmlformats.org/officeDocument/2006/relationships" xmlns:p="http://schemas.openxmlformats.org/presentationml/2006/main">
+  <p:cSld>
+    <p:spTree>
+      <p:nvGrpSpPr>
+        <p:cNvPr id="1" name=""/>
+        <p:cNvGrpSpPr/>
+        <p:nvPr/>
+      </p:nvGrpSpPr>
+      <p:grpSpPr>
+        <a:xfrm>
+          <a:off x="0" y="0"/>
+          <a:ext cx="0" cy="0"/>
+          <a:chOff x="0" y="0"/>
+          <a:chExt cx="0" cy="0"/>
+        </a:xfrm>
+      </p:grpSpPr>
+      <p:sp>
+        <p:nvSpPr>
+          <p:cNvPr id="2" name="投影片編號版面配置區 1"/>
+          <p:cNvSpPr>
+            <a:spLocks noGrp="1"/>
+          </p:cNvSpPr>
+          <p:nvPr>
+            <p:ph type="sldNum" sz="quarter" idx="4"/>
+          </p:nvPr>
+        </p:nvSpPr>
+        <p:spPr/>
+        <p:txBody>
+          <a:bodyPr/>
+          <a:lstStyle/>
+          <a:p>
+            <a:fld id="{6F0746BA-D1AA-4FF4-8D48-BDBC7FF48778}" type="slidenum">
+              <a:rPr lang="fr-FR" smtClean="0"/>
+              <a:t>24</a:t>
+            </a:fld>
+            <a:endParaRPr lang="fr-FR"/>
+          </a:p>
+        </p:txBody>
+      </p:sp>
+      <p:pic>
+        <p:nvPicPr>
+          <p:cNvPr id="3" name="圖片 2"/>
+          <p:cNvPicPr>
+            <a:picLocks noChangeAspect="1"/>
+          </p:cNvPicPr>
+          <p:nvPr/>
+        </p:nvPicPr>
+        <p:blipFill>
+          <a:blip r:embed="rId3"/>
+          <a:stretch>
+            <a:fillRect/>
+          </a:stretch>
+        </p:blipFill>
+        <p:spPr>
+          <a:xfrm>
+            <a:off x="74494" y="1788507"/>
+            <a:ext cx="5344500" cy="4004000"/>
+          </a:xfrm>
+          <a:prstGeom prst="rect">
+            <a:avLst/>
+          </a:prstGeom>
+        </p:spPr>
+      </p:pic>
+      <p:pic>
+        <p:nvPicPr>
+          <p:cNvPr id="4" name="圖片 3"/>
+          <p:cNvPicPr>
+            <a:picLocks noChangeAspect="1"/>
+          </p:cNvPicPr>
+          <p:nvPr/>
+        </p:nvPicPr>
+        <p:blipFill>
+          <a:blip r:embed="rId4"/>
+          <a:stretch>
+            <a:fillRect/>
+          </a:stretch>
+        </p:blipFill>
+        <p:spPr>
+          <a:xfrm>
+            <a:off x="6230746" y="1714079"/>
+            <a:ext cx="5344500" cy="4004000"/>
+          </a:xfrm>
+          <a:prstGeom prst="rect">
+            <a:avLst/>
+          </a:prstGeom>
+        </p:spPr>
+      </p:pic>
+    </p:spTree>
+    <p:extLst>
+      <p:ext uri="{BB962C8B-B14F-4D97-AF65-F5344CB8AC3E}">
+        <p14:creationId xmlns:p14="http://schemas.microsoft.com/office/powerpoint/2010/main" val="1967788204"/>
+      </p:ext>
+    </p:extLst>
+  </p:cSld>
+  <p:clrMapOvr>
+    <a:masterClrMapping/>
+  </p:clrMapOvr>
+  <mc:AlternateContent xmlns:mc="http://schemas.openxmlformats.org/markup-compatibility/2006" xmlns:p14="http://schemas.microsoft.com/office/powerpoint/2010/main">
+    <mc:Choice Requires="p14">
+      <p:transition spd="med" p14:dur="700">
+        <p:fade/>
+      </p:transition>
+    </mc:Choice>
+    <mc:Fallback xmlns="">
+      <p:transition spd="med">
+        <p:fade/>
+      </p:transition>
+    </mc:Fallback>
+  </mc:AlternateContent>
+  <p:timing>
+    <p:tnLst>
+      <p:par>
+        <p:cTn id="1" dur="indefinite" restart="never" nodeType="tmRoot"/>
+      </p:par>
+    </p:tnLst>
+  </p:timing>
+</p:sld>
+</file>
+
+<file path=ppt/slides/slide25.xml><?xml version="1.0" encoding="utf-8"?>
+<p:sld xmlns:a="http://schemas.openxmlformats.org/drawingml/2006/main" xmlns:r="http://schemas.openxmlformats.org/officeDocument/2006/relationships" xmlns:p="http://schemas.openxmlformats.org/presentationml/2006/main">
+  <p:cSld>
+    <p:spTree>
+      <p:nvGrpSpPr>
+        <p:cNvPr id="1" name=""/>
+        <p:cNvGrpSpPr/>
+        <p:nvPr/>
+      </p:nvGrpSpPr>
+      <p:grpSpPr>
+        <a:xfrm>
+          <a:off x="0" y="0"/>
+          <a:ext cx="0" cy="0"/>
+          <a:chOff x="0" y="0"/>
+          <a:chExt cx="0" cy="0"/>
+        </a:xfrm>
+      </p:grpSpPr>
+      <p:sp>
+        <p:nvSpPr>
+          <p:cNvPr id="2" name="投影片編號版面配置區 1"/>
+          <p:cNvSpPr>
+            <a:spLocks noGrp="1"/>
+          </p:cNvSpPr>
+          <p:nvPr>
+            <p:ph type="sldNum" sz="quarter" idx="4"/>
+          </p:nvPr>
+        </p:nvSpPr>
+        <p:spPr/>
+        <p:txBody>
+          <a:bodyPr/>
+          <a:lstStyle/>
+          <a:p>
+            <a:fld id="{6F0746BA-D1AA-4FF4-8D48-BDBC7FF48778}" type="slidenum">
+              <a:rPr lang="fr-FR" smtClean="0"/>
+              <a:t>25</a:t>
+            </a:fld>
+            <a:endParaRPr lang="fr-FR"/>
+          </a:p>
+        </p:txBody>
+      </p:sp>
+      <p:pic>
+        <p:nvPicPr>
+          <p:cNvPr id="3" name="圖片 2"/>
+          <p:cNvPicPr>
+            <a:picLocks noChangeAspect="1"/>
+          </p:cNvPicPr>
+          <p:nvPr/>
+        </p:nvPicPr>
+        <p:blipFill>
+          <a:blip r:embed="rId3"/>
+          <a:stretch>
+            <a:fillRect/>
+          </a:stretch>
+        </p:blipFill>
+        <p:spPr>
+          <a:xfrm>
+            <a:off x="159555" y="1682181"/>
+            <a:ext cx="5344500" cy="4004000"/>
+          </a:xfrm>
+          <a:prstGeom prst="rect">
+            <a:avLst/>
+          </a:prstGeom>
+        </p:spPr>
+      </p:pic>
+      <p:pic>
+        <p:nvPicPr>
+          <p:cNvPr id="4" name="圖片 3"/>
+          <p:cNvPicPr>
+            <a:picLocks noChangeAspect="1"/>
+          </p:cNvPicPr>
+          <p:nvPr/>
+        </p:nvPicPr>
+        <p:blipFill>
+          <a:blip r:embed="rId4"/>
+          <a:stretch>
+            <a:fillRect/>
+          </a:stretch>
+        </p:blipFill>
+        <p:spPr>
+          <a:xfrm>
+            <a:off x="6080738" y="1751292"/>
+            <a:ext cx="5344500" cy="4004000"/>
+          </a:xfrm>
+          <a:prstGeom prst="rect">
+            <a:avLst/>
+          </a:prstGeom>
+        </p:spPr>
+      </p:pic>
+    </p:spTree>
+    <p:extLst>
+      <p:ext uri="{BB962C8B-B14F-4D97-AF65-F5344CB8AC3E}">
+        <p14:creationId xmlns:p14="http://schemas.microsoft.com/office/powerpoint/2010/main" val="1923298507"/>
+      </p:ext>
+    </p:extLst>
+  </p:cSld>
+  <p:clrMapOvr>
+    <a:masterClrMapping/>
+  </p:clrMapOvr>
+  <mc:AlternateContent xmlns:mc="http://schemas.openxmlformats.org/markup-compatibility/2006" xmlns:p14="http://schemas.microsoft.com/office/powerpoint/2010/main">
+    <mc:Choice Requires="p14">
+      <p:transition spd="med" p14:dur="700">
+        <p:fade/>
+      </p:transition>
+    </mc:Choice>
+    <mc:Fallback xmlns="">
+      <p:transition spd="med">
+        <p:fade/>
+      </p:transition>
+    </mc:Fallback>
+  </mc:AlternateContent>
+  <p:timing>
+    <p:tnLst>
+      <p:par>
+        <p:cTn id="1" dur="indefinite" restart="never" nodeType="tmRoot"/>
+      </p:par>
+    </p:tnLst>
+  </p:timing>
+</p:sld>
+</file>
+
+<file path=ppt/slides/slide26.xml><?xml version="1.0" encoding="utf-8"?>
+<p:sld xmlns:a="http://schemas.openxmlformats.org/drawingml/2006/main" xmlns:r="http://schemas.openxmlformats.org/officeDocument/2006/relationships" xmlns:p="http://schemas.openxmlformats.org/presentationml/2006/main">
+  <p:cSld>
+    <p:spTree>
+      <p:nvGrpSpPr>
+        <p:cNvPr id="1" name=""/>
+        <p:cNvGrpSpPr/>
+        <p:nvPr/>
+      </p:nvGrpSpPr>
+      <p:grpSpPr>
+        <a:xfrm>
+          <a:off x="0" y="0"/>
+          <a:ext cx="0" cy="0"/>
+          <a:chOff x="0" y="0"/>
+          <a:chExt cx="0" cy="0"/>
+        </a:xfrm>
+      </p:grpSpPr>
+      <p:sp>
+        <p:nvSpPr>
+          <p:cNvPr id="2" name="投影片編號版面配置區 1"/>
+          <p:cNvSpPr>
+            <a:spLocks noGrp="1"/>
+          </p:cNvSpPr>
+          <p:nvPr>
+            <p:ph type="sldNum" sz="quarter" idx="4"/>
+          </p:nvPr>
+        </p:nvSpPr>
+        <p:spPr/>
+        <p:txBody>
+          <a:bodyPr/>
+          <a:lstStyle/>
+          <a:p>
+            <a:fld id="{6F0746BA-D1AA-4FF4-8D48-BDBC7FF48778}" type="slidenum">
+              <a:rPr lang="fr-FR" smtClean="0"/>
+              <a:t>26</a:t>
+            </a:fld>
+            <a:endParaRPr lang="fr-FR"/>
+          </a:p>
+        </p:txBody>
+      </p:sp>
+      <p:pic>
+        <p:nvPicPr>
+          <p:cNvPr id="3" name="圖片 2"/>
+          <p:cNvPicPr>
+            <a:picLocks noChangeAspect="1"/>
+          </p:cNvPicPr>
+          <p:nvPr/>
+        </p:nvPicPr>
+        <p:blipFill>
+          <a:blip r:embed="rId3"/>
+          <a:stretch>
+            <a:fillRect/>
+          </a:stretch>
+        </p:blipFill>
+        <p:spPr>
+          <a:xfrm>
+            <a:off x="-95627" y="1831037"/>
+            <a:ext cx="5344500" cy="4004000"/>
+          </a:xfrm>
+          <a:prstGeom prst="rect">
+            <a:avLst/>
+          </a:prstGeom>
+        </p:spPr>
+      </p:pic>
+      <p:pic>
+        <p:nvPicPr>
+          <p:cNvPr id="4" name="圖片 3"/>
+          <p:cNvPicPr>
+            <a:picLocks noChangeAspect="1"/>
+          </p:cNvPicPr>
+          <p:nvPr/>
+        </p:nvPicPr>
+        <p:blipFill>
+          <a:blip r:embed="rId4"/>
+          <a:stretch>
+            <a:fillRect/>
+          </a:stretch>
+        </p:blipFill>
+        <p:spPr>
+          <a:xfrm>
+            <a:off x="6443396" y="1831037"/>
+            <a:ext cx="5344500" cy="4004000"/>
+          </a:xfrm>
+          <a:prstGeom prst="rect">
+            <a:avLst/>
+          </a:prstGeom>
+        </p:spPr>
+      </p:pic>
+    </p:spTree>
+    <p:extLst>
+      <p:ext uri="{BB962C8B-B14F-4D97-AF65-F5344CB8AC3E}">
+        <p14:creationId xmlns:p14="http://schemas.microsoft.com/office/powerpoint/2010/main" val="225923040"/>
+      </p:ext>
+    </p:extLst>
+  </p:cSld>
+  <p:clrMapOvr>
+    <a:masterClrMapping/>
+  </p:clrMapOvr>
+  <mc:AlternateContent xmlns:mc="http://schemas.openxmlformats.org/markup-compatibility/2006" xmlns:p14="http://schemas.microsoft.com/office/powerpoint/2010/main">
+    <mc:Choice Requires="p14">
+      <p:transition spd="med" p14:dur="700">
+        <p:fade/>
+      </p:transition>
+    </mc:Choice>
+    <mc:Fallback xmlns="">
+      <p:transition spd="med">
+        <p:fade/>
+      </p:transition>
+    </mc:Fallback>
+  </mc:AlternateContent>
+  <p:timing>
+    <p:tnLst>
+      <p:par>
+        <p:cTn id="1" dur="indefinite" restart="never" nodeType="tmRoot"/>
+      </p:par>
+    </p:tnLst>
+  </p:timing>
+</p:sld>
+</file>
+
+<file path=ppt/slides/slide27.xml><?xml version="1.0" encoding="utf-8"?>
+<p:sld xmlns:a="http://schemas.openxmlformats.org/drawingml/2006/main" xmlns:r="http://schemas.openxmlformats.org/officeDocument/2006/relationships" xmlns:p="http://schemas.openxmlformats.org/presentationml/2006/main">
+  <p:cSld>
+    <p:spTree>
+      <p:nvGrpSpPr>
+        <p:cNvPr id="1" name=""/>
+        <p:cNvGrpSpPr/>
+        <p:nvPr/>
+      </p:nvGrpSpPr>
+      <p:grpSpPr>
+        <a:xfrm>
+          <a:off x="0" y="0"/>
+          <a:ext cx="0" cy="0"/>
+          <a:chOff x="0" y="0"/>
+          <a:chExt cx="0" cy="0"/>
+        </a:xfrm>
+      </p:grpSpPr>
+      <p:sp>
+        <p:nvSpPr>
+          <p:cNvPr id="2" name="投影片編號版面配置區 1"/>
+          <p:cNvSpPr>
+            <a:spLocks noGrp="1"/>
+          </p:cNvSpPr>
+          <p:nvPr>
+            <p:ph type="sldNum" sz="quarter" idx="4"/>
+          </p:nvPr>
+        </p:nvSpPr>
+        <p:spPr/>
+        <p:txBody>
+          <a:bodyPr/>
+          <a:lstStyle/>
+          <a:p>
+            <a:fld id="{6F0746BA-D1AA-4FF4-8D48-BDBC7FF48778}" type="slidenum">
+              <a:rPr lang="fr-FR" smtClean="0"/>
+              <a:t>27</a:t>
+            </a:fld>
+            <a:endParaRPr lang="fr-FR"/>
+          </a:p>
+        </p:txBody>
+      </p:sp>
+      <p:pic>
+        <p:nvPicPr>
+          <p:cNvPr id="3" name="圖片 2"/>
+          <p:cNvPicPr>
+            <a:picLocks noChangeAspect="1"/>
+          </p:cNvPicPr>
+          <p:nvPr/>
+        </p:nvPicPr>
+        <p:blipFill>
+          <a:blip r:embed="rId3"/>
+          <a:stretch>
+            <a:fillRect/>
+          </a:stretch>
+        </p:blipFill>
+        <p:spPr>
+          <a:xfrm>
+            <a:off x="0" y="1292141"/>
+            <a:ext cx="6095238" cy="4571429"/>
+          </a:xfrm>
+          <a:prstGeom prst="rect">
+            <a:avLst/>
+          </a:prstGeom>
+        </p:spPr>
+      </p:pic>
+      <p:pic>
+        <p:nvPicPr>
+          <p:cNvPr id="4" name="圖片 3"/>
+          <p:cNvPicPr>
+            <a:picLocks noChangeAspect="1"/>
+          </p:cNvPicPr>
+          <p:nvPr/>
+        </p:nvPicPr>
+        <p:blipFill>
+          <a:blip r:embed="rId4"/>
+          <a:stretch>
+            <a:fillRect/>
+          </a:stretch>
+        </p:blipFill>
+        <p:spPr>
+          <a:xfrm>
+            <a:off x="6096762" y="1292141"/>
+            <a:ext cx="6095238" cy="4571429"/>
+          </a:xfrm>
+          <a:prstGeom prst="rect">
+            <a:avLst/>
+          </a:prstGeom>
+        </p:spPr>
+      </p:pic>
+    </p:spTree>
+    <p:extLst>
+      <p:ext uri="{BB962C8B-B14F-4D97-AF65-F5344CB8AC3E}">
+        <p14:creationId xmlns:p14="http://schemas.microsoft.com/office/powerpoint/2010/main" val="2571522847"/>
+      </p:ext>
+    </p:extLst>
+  </p:cSld>
+  <p:clrMapOvr>
+    <a:masterClrMapping/>
+  </p:clrMapOvr>
+  <mc:AlternateContent xmlns:mc="http://schemas.openxmlformats.org/markup-compatibility/2006" xmlns:p14="http://schemas.microsoft.com/office/powerpoint/2010/main">
+    <mc:Choice Requires="p14">
+      <p:transition spd="med" p14:dur="700">
+        <p:fade/>
+      </p:transition>
+    </mc:Choice>
+    <mc:Fallback xmlns="">
+      <p:transition spd="med">
+        <p:fade/>
+      </p:transition>
+    </mc:Fallback>
+  </mc:AlternateContent>
+  <p:timing>
+    <p:tnLst>
+      <p:par>
+        <p:cTn id="1" dur="indefinite" restart="never" nodeType="tmRoot"/>
+      </p:par>
+    </p:tnLst>
+  </p:timing>
+</p:sld>
+</file>
+
+<file path=ppt/slides/slide28.xml><?xml version="1.0" encoding="utf-8"?>
+<p:sld xmlns:a="http://schemas.openxmlformats.org/drawingml/2006/main" xmlns:r="http://schemas.openxmlformats.org/officeDocument/2006/relationships" xmlns:p="http://schemas.openxmlformats.org/presentationml/2006/main">
+  <p:cSld>
+    <p:spTree>
+      <p:nvGrpSpPr>
+        <p:cNvPr id="1" name=""/>
+        <p:cNvGrpSpPr/>
+        <p:nvPr/>
+      </p:nvGrpSpPr>
+      <p:grpSpPr>
+        <a:xfrm>
+          <a:off x="0" y="0"/>
+          <a:ext cx="0" cy="0"/>
+          <a:chOff x="0" y="0"/>
+          <a:chExt cx="0" cy="0"/>
+        </a:xfrm>
+      </p:grpSpPr>
+      <p:sp>
+        <p:nvSpPr>
+          <p:cNvPr id="2" name="投影片編號版面配置區 1"/>
+          <p:cNvSpPr>
+            <a:spLocks noGrp="1"/>
+          </p:cNvSpPr>
+          <p:nvPr>
+            <p:ph type="sldNum" sz="quarter" idx="4"/>
+          </p:nvPr>
+        </p:nvSpPr>
+        <p:spPr/>
+        <p:txBody>
+          <a:bodyPr/>
+          <a:lstStyle/>
+          <a:p>
+            <a:fld id="{6F0746BA-D1AA-4FF4-8D48-BDBC7FF48778}" type="slidenum">
+              <a:rPr lang="fr-FR" smtClean="0"/>
+              <a:t>28</a:t>
+            </a:fld>
+            <a:endParaRPr lang="fr-FR"/>
+          </a:p>
+        </p:txBody>
+      </p:sp>
+      <p:pic>
+        <p:nvPicPr>
+          <p:cNvPr id="3" name="圖片 2"/>
+          <p:cNvPicPr>
+            <a:picLocks noChangeAspect="1"/>
+          </p:cNvPicPr>
+          <p:nvPr/>
+        </p:nvPicPr>
+        <p:blipFill>
+          <a:blip r:embed="rId3"/>
+          <a:stretch>
+            <a:fillRect/>
+          </a:stretch>
+        </p:blipFill>
+        <p:spPr>
+          <a:xfrm>
+            <a:off x="762" y="1387834"/>
+            <a:ext cx="6095238" cy="4571429"/>
+          </a:xfrm>
+          <a:prstGeom prst="rect">
+            <a:avLst/>
+          </a:prstGeom>
+        </p:spPr>
+      </p:pic>
+      <p:pic>
+        <p:nvPicPr>
+          <p:cNvPr id="4" name="圖片 3"/>
+          <p:cNvPicPr>
+            <a:picLocks noChangeAspect="1"/>
+          </p:cNvPicPr>
+          <p:nvPr/>
+        </p:nvPicPr>
+        <p:blipFill>
+          <a:blip r:embed="rId4"/>
+          <a:stretch>
+            <a:fillRect/>
+          </a:stretch>
+        </p:blipFill>
+        <p:spPr>
+          <a:xfrm>
+            <a:off x="6004232" y="1387834"/>
+            <a:ext cx="6095238" cy="4571429"/>
+          </a:xfrm>
+          <a:prstGeom prst="rect">
+            <a:avLst/>
+          </a:prstGeom>
+        </p:spPr>
+      </p:pic>
+    </p:spTree>
+    <p:extLst>
+      <p:ext uri="{BB962C8B-B14F-4D97-AF65-F5344CB8AC3E}">
+        <p14:creationId xmlns:p14="http://schemas.microsoft.com/office/powerpoint/2010/main" val="1421236479"/>
+      </p:ext>
+    </p:extLst>
+  </p:cSld>
+  <p:clrMapOvr>
+    <a:masterClrMapping/>
+  </p:clrMapOvr>
+  <mc:AlternateContent xmlns:mc="http://schemas.openxmlformats.org/markup-compatibility/2006" xmlns:p14="http://schemas.microsoft.com/office/powerpoint/2010/main">
+    <mc:Choice Requires="p14">
+      <p:transition spd="med" p14:dur="700">
+        <p:fade/>
+      </p:transition>
+    </mc:Choice>
+    <mc:Fallback xmlns="">
+      <p:transition spd="med">
+        <p:fade/>
+      </p:transition>
+    </mc:Fallback>
+  </mc:AlternateContent>
+  <p:timing>
+    <p:tnLst>
+      <p:par>
+        <p:cTn id="1" dur="indefinite" restart="never" nodeType="tmRoot"/>
+      </p:par>
+    </p:tnLst>
+  </p:timing>
+</p:sld>
+</file>
+
+<file path=ppt/slides/slide29.xml><?xml version="1.0" encoding="utf-8"?>
+<p:sld xmlns:a="http://schemas.openxmlformats.org/drawingml/2006/main" xmlns:r="http://schemas.openxmlformats.org/officeDocument/2006/relationships" xmlns:p="http://schemas.openxmlformats.org/presentationml/2006/main">
+  <p:cSld>
+    <p:spTree>
+      <p:nvGrpSpPr>
+        <p:cNvPr id="1" name=""/>
+        <p:cNvGrpSpPr/>
+        <p:nvPr/>
+      </p:nvGrpSpPr>
+      <p:grpSpPr>
+        <a:xfrm>
+          <a:off x="0" y="0"/>
+          <a:ext cx="0" cy="0"/>
+          <a:chOff x="0" y="0"/>
+          <a:chExt cx="0" cy="0"/>
+        </a:xfrm>
+      </p:grpSpPr>
+      <p:sp>
+        <p:nvSpPr>
+          <p:cNvPr id="2" name="投影片編號版面配置區 1"/>
+          <p:cNvSpPr>
+            <a:spLocks noGrp="1"/>
+          </p:cNvSpPr>
+          <p:nvPr>
+            <p:ph type="sldNum" sz="quarter" idx="4"/>
+          </p:nvPr>
+        </p:nvSpPr>
+        <p:spPr/>
+        <p:txBody>
+          <a:bodyPr/>
+          <a:lstStyle/>
+          <a:p>
+            <a:fld id="{6F0746BA-D1AA-4FF4-8D48-BDBC7FF48778}" type="slidenum">
+              <a:rPr lang="fr-FR" smtClean="0"/>
+              <a:t>29</a:t>
+            </a:fld>
+            <a:endParaRPr lang="fr-FR"/>
+          </a:p>
+        </p:txBody>
+      </p:sp>
+      <p:pic>
+        <p:nvPicPr>
+          <p:cNvPr id="3" name="圖片 2"/>
+          <p:cNvPicPr>
+            <a:picLocks noChangeAspect="1"/>
+          </p:cNvPicPr>
+          <p:nvPr/>
+        </p:nvPicPr>
+        <p:blipFill>
+          <a:blip r:embed="rId3"/>
+          <a:stretch>
+            <a:fillRect/>
+          </a:stretch>
+        </p:blipFill>
+        <p:spPr>
+          <a:xfrm>
+            <a:off x="762" y="1345304"/>
+            <a:ext cx="6095238" cy="4571429"/>
+          </a:xfrm>
+          <a:prstGeom prst="rect">
+            <a:avLst/>
+          </a:prstGeom>
+        </p:spPr>
+      </p:pic>
+      <p:pic>
+        <p:nvPicPr>
+          <p:cNvPr id="4" name="圖片 3"/>
+          <p:cNvPicPr>
+            <a:picLocks noChangeAspect="1"/>
+          </p:cNvPicPr>
+          <p:nvPr/>
+        </p:nvPicPr>
+        <p:blipFill>
+          <a:blip r:embed="rId4"/>
+          <a:stretch>
+            <a:fillRect/>
+          </a:stretch>
+        </p:blipFill>
+        <p:spPr>
+          <a:xfrm>
+            <a:off x="6096000" y="1345303"/>
+            <a:ext cx="6095238" cy="4571429"/>
+          </a:xfrm>
+          <a:prstGeom prst="rect">
+            <a:avLst/>
+          </a:prstGeom>
+        </p:spPr>
+      </p:pic>
+    </p:spTree>
+    <p:extLst>
+      <p:ext uri="{BB962C8B-B14F-4D97-AF65-F5344CB8AC3E}">
+        <p14:creationId xmlns:p14="http://schemas.microsoft.com/office/powerpoint/2010/main" val="4035302066"/>
+      </p:ext>
+    </p:extLst>
+  </p:cSld>
+  <p:clrMapOvr>
+    <a:masterClrMapping/>
+  </p:clrMapOvr>
+  <mc:AlternateContent xmlns:mc="http://schemas.openxmlformats.org/markup-compatibility/2006" xmlns:p14="http://schemas.microsoft.com/office/powerpoint/2010/main">
+    <mc:Choice Requires="p14">
+      <p:transition spd="med" p14:dur="700">
+        <p:fade/>
+      </p:transition>
+    </mc:Choice>
+    <mc:Fallback xmlns="">
+      <p:transition spd="med">
+        <p:fade/>
+      </p:transition>
+    </mc:Fallback>
+  </mc:AlternateContent>
+  <p:timing>
+    <p:tnLst>
+      <p:par>
+        <p:cTn id="1" dur="indefinite" restart="never" nodeType="tmRoot"/>
+      </p:par>
+    </p:tnLst>
+  </p:timing>
+</p:sld>
+</file>
+
+<file path=ppt/slides/slide3.xml><?xml version="1.0" encoding="utf-8"?>
+<p:sld xmlns:a="http://schemas.openxmlformats.org/drawingml/2006/main" xmlns:r="http://schemas.openxmlformats.org/officeDocument/2006/relationships" xmlns:p="http://schemas.openxmlformats.org/presentationml/2006/main">
+  <p:cSld>
+    <p:spTree>
+      <p:nvGrpSpPr>
+        <p:cNvPr id="1" name=""/>
+        <p:cNvGrpSpPr/>
+        <p:nvPr/>
+      </p:nvGrpSpPr>
+      <p:grpSpPr>
+        <a:xfrm>
+          <a:off x="0" y="0"/>
+          <a:ext cx="0" cy="0"/>
+          <a:chOff x="0" y="0"/>
+          <a:chExt cx="0" cy="0"/>
+        </a:xfrm>
+      </p:grpSpPr>
+      <p:sp>
+        <p:nvSpPr>
+          <p:cNvPr id="2" name="投影片編號版面配置區 1"/>
+          <p:cNvSpPr>
+            <a:spLocks noGrp="1"/>
+          </p:cNvSpPr>
+          <p:nvPr>
+            <p:ph type="sldNum" sz="quarter" idx="4"/>
+          </p:nvPr>
+        </p:nvSpPr>
+        <p:spPr/>
+        <p:txBody>
+          <a:bodyPr/>
+          <a:lstStyle/>
+          <a:p>
+            <a:fld id="{6F0746BA-D1AA-4FF4-8D48-BDBC7FF48778}" type="slidenum">
+              <a:rPr lang="fr-FR" smtClean="0"/>
+              <a:t>3</a:t>
+            </a:fld>
+            <a:endParaRPr lang="fr-FR"/>
+          </a:p>
+        </p:txBody>
+      </p:sp>
+    </p:spTree>
+    <p:extLst>
+      <p:ext uri="{BB962C8B-B14F-4D97-AF65-F5344CB8AC3E}">
+        <p14:creationId xmlns:p14="http://schemas.microsoft.com/office/powerpoint/2010/main" val="91061555"/>
+      </p:ext>
+    </p:extLst>
+  </p:cSld>
+  <p:clrMapOvr>
+    <a:masterClrMapping/>
+  </p:clrMapOvr>
+  <mc:AlternateContent xmlns:mc="http://schemas.openxmlformats.org/markup-compatibility/2006" xmlns:p14="http://schemas.microsoft.com/office/powerpoint/2010/main">
+    <mc:Choice Requires="p14">
+      <p:transition spd="med" p14:dur="700">
+        <p:fade/>
+      </p:transition>
+    </mc:Choice>
+    <mc:Fallback xmlns="">
+      <p:transition spd="med">
+        <p:fade/>
+      </p:transition>
+    </mc:Fallback>
+  </mc:AlternateContent>
+  <p:timing>
+    <p:tnLst>
+      <p:par>
+        <p:cTn id="1" dur="indefinite" restart="never" nodeType="tmRoot"/>
+      </p:par>
+    </p:tnLst>
+  </p:timing>
+</p:sld>
+</file>
+
+<file path=ppt/slides/slide30.xml><?xml version="1.0" encoding="utf-8"?>
+<p:sld xmlns:a="http://schemas.openxmlformats.org/drawingml/2006/main" xmlns:r="http://schemas.openxmlformats.org/officeDocument/2006/relationships" xmlns:p="http://schemas.openxmlformats.org/presentationml/2006/main">
+  <p:cSld>
+    <p:spTree>
+      <p:nvGrpSpPr>
+        <p:cNvPr id="1" name=""/>
+        <p:cNvGrpSpPr/>
+        <p:nvPr/>
+      </p:nvGrpSpPr>
+      <p:grpSpPr>
+        <a:xfrm>
+          <a:off x="0" y="0"/>
+          <a:ext cx="0" cy="0"/>
+          <a:chOff x="0" y="0"/>
+          <a:chExt cx="0" cy="0"/>
+        </a:xfrm>
+      </p:grpSpPr>
+      <p:sp>
+        <p:nvSpPr>
+          <p:cNvPr id="2" name="投影片編號版面配置區 1"/>
+          <p:cNvSpPr>
+            <a:spLocks noGrp="1"/>
+          </p:cNvSpPr>
+          <p:nvPr>
+            <p:ph type="sldNum" sz="quarter" idx="4"/>
+          </p:nvPr>
+        </p:nvSpPr>
+        <p:spPr/>
+        <p:txBody>
+          <a:bodyPr/>
+          <a:lstStyle/>
+          <a:p>
+            <a:fld id="{6F0746BA-D1AA-4FF4-8D48-BDBC7FF48778}" type="slidenum">
+              <a:rPr lang="fr-FR" smtClean="0"/>
+              <a:t>30</a:t>
+            </a:fld>
+            <a:endParaRPr lang="fr-FR"/>
+          </a:p>
+        </p:txBody>
+      </p:sp>
+    </p:spTree>
+    <p:extLst>
+      <p:ext uri="{BB962C8B-B14F-4D97-AF65-F5344CB8AC3E}">
+        <p14:creationId xmlns:p14="http://schemas.microsoft.com/office/powerpoint/2010/main" val="4229107936"/>
+      </p:ext>
+    </p:extLst>
+  </p:cSld>
+  <p:clrMapOvr>
+    <a:masterClrMapping/>
+  </p:clrMapOvr>
+  <mc:AlternateContent xmlns:mc="http://schemas.openxmlformats.org/markup-compatibility/2006" xmlns:p14="http://schemas.microsoft.com/office/powerpoint/2010/main">
+    <mc:Choice Requires="p14">
+      <p:transition spd="med" p14:dur="700">
+        <p:fade/>
+      </p:transition>
+    </mc:Choice>
+    <mc:Fallback xmlns="">
+      <p:transition spd="med">
+        <p:fade/>
+      </p:transition>
+    </mc:Fallback>
+  </mc:AlternateContent>
+  <p:timing>
+    <p:tnLst>
+      <p:par>
+        <p:cTn id="1" dur="indefinite" restart="never" nodeType="tmRoot"/>
+      </p:par>
+    </p:tnLst>
+  </p:timing>
+</p:sld>
+</file>
+
+<file path=ppt/slides/slide31.xml><?xml version="1.0" encoding="utf-8"?>
+<p:sld xmlns:a="http://schemas.openxmlformats.org/drawingml/2006/main" xmlns:r="http://schemas.openxmlformats.org/officeDocument/2006/relationships" xmlns:p="http://schemas.openxmlformats.org/presentationml/2006/main">
+  <p:cSld>
+    <p:spTree>
+      <p:nvGrpSpPr>
+        <p:cNvPr id="1" name=""/>
+        <p:cNvGrpSpPr/>
+        <p:nvPr/>
+      </p:nvGrpSpPr>
+      <p:grpSpPr>
+        <a:xfrm>
+          <a:off x="0" y="0"/>
+          <a:ext cx="0" cy="0"/>
+          <a:chOff x="0" y="0"/>
+          <a:chExt cx="0" cy="0"/>
+        </a:xfrm>
+      </p:grpSpPr>
+      <p:sp>
+        <p:nvSpPr>
+          <p:cNvPr id="2" name="投影片編號版面配置區 1"/>
+          <p:cNvSpPr>
+            <a:spLocks noGrp="1"/>
+          </p:cNvSpPr>
+          <p:nvPr>
+            <p:ph type="sldNum" sz="quarter" idx="4"/>
+          </p:nvPr>
+        </p:nvSpPr>
+        <p:spPr/>
+        <p:txBody>
+          <a:bodyPr/>
+          <a:lstStyle/>
+          <a:p>
+            <a:fld id="{6F0746BA-D1AA-4FF4-8D48-BDBC7FF48778}" type="slidenum">
+              <a:rPr lang="fr-FR" smtClean="0"/>
+              <a:t>31</a:t>
+            </a:fld>
+            <a:endParaRPr lang="fr-FR"/>
+          </a:p>
+        </p:txBody>
+      </p:sp>
+    </p:spTree>
+    <p:extLst>
+      <p:ext uri="{BB962C8B-B14F-4D97-AF65-F5344CB8AC3E}">
+        <p14:creationId xmlns:p14="http://schemas.microsoft.com/office/powerpoint/2010/main" val="54045536"/>
+      </p:ext>
+    </p:extLst>
+  </p:cSld>
+  <p:clrMapOvr>
+    <a:masterClrMapping/>
+  </p:clrMapOvr>
+  <mc:AlternateContent xmlns:mc="http://schemas.openxmlformats.org/markup-compatibility/2006" xmlns:p14="http://schemas.microsoft.com/office/powerpoint/2010/main">
+    <mc:Choice Requires="p14">
+      <p:transition spd="med" p14:dur="700">
+        <p:fade/>
+      </p:transition>
+    </mc:Choice>
+    <mc:Fallback xmlns="">
+      <p:transition spd="med">
+        <p:fade/>
+      </p:transition>
+    </mc:Fallback>
+  </mc:AlternateContent>
+  <p:timing>
+    <p:tnLst>
+      <p:par>
+        <p:cTn id="1" dur="indefinite" restart="never" nodeType="tmRoot"/>
+      </p:par>
+    </p:tnLst>
+  </p:timing>
+</p:sld>
+</file>
+
+<file path=ppt/slides/slide32.xml><?xml version="1.0" encoding="utf-8"?>
+<p:sld xmlns:a="http://schemas.openxmlformats.org/drawingml/2006/main" xmlns:r="http://schemas.openxmlformats.org/officeDocument/2006/relationships" xmlns:p="http://schemas.openxmlformats.org/presentationml/2006/main">
+  <p:cSld>
+    <p:spTree>
+      <p:nvGrpSpPr>
+        <p:cNvPr id="1" name=""/>
+        <p:cNvGrpSpPr/>
+        <p:nvPr/>
+      </p:nvGrpSpPr>
+      <p:grpSpPr>
+        <a:xfrm>
+          <a:off x="0" y="0"/>
+          <a:ext cx="0" cy="0"/>
+          <a:chOff x="0" y="0"/>
+          <a:chExt cx="0" cy="0"/>
+        </a:xfrm>
+      </p:grpSpPr>
+      <p:sp>
+        <p:nvSpPr>
+          <p:cNvPr id="2" name="投影片編號版面配置區 1"/>
+          <p:cNvSpPr>
+            <a:spLocks noGrp="1"/>
+          </p:cNvSpPr>
+          <p:nvPr>
+            <p:ph type="sldNum" sz="quarter" idx="4"/>
+          </p:nvPr>
+        </p:nvSpPr>
+        <p:spPr/>
+        <p:txBody>
+          <a:bodyPr/>
+          <a:lstStyle/>
+          <a:p>
+            <a:fld id="{6F0746BA-D1AA-4FF4-8D48-BDBC7FF48778}" type="slidenum">
+              <a:rPr lang="fr-FR" smtClean="0"/>
+              <a:t>32</a:t>
+            </a:fld>
+            <a:endParaRPr lang="fr-FR"/>
+          </a:p>
+        </p:txBody>
+      </p:sp>
+    </p:spTree>
+    <p:extLst>
+      <p:ext uri="{BB962C8B-B14F-4D97-AF65-F5344CB8AC3E}">
+        <p14:creationId xmlns:p14="http://schemas.microsoft.com/office/powerpoint/2010/main" val="17687669"/>
+      </p:ext>
+    </p:extLst>
+  </p:cSld>
+  <p:clrMapOvr>
+    <a:masterClrMapping/>
+  </p:clrMapOvr>
+  <mc:AlternateContent xmlns:mc="http://schemas.openxmlformats.org/markup-compatibility/2006" xmlns:p14="http://schemas.microsoft.com/office/powerpoint/2010/main">
+    <mc:Choice Requires="p14">
+      <p:transition spd="med" p14:dur="700">
+        <p:fade/>
+      </p:transition>
+    </mc:Choice>
+    <mc:Fallback xmlns="">
+      <p:transition spd="med">
+        <p:fade/>
+      </p:transition>
+    </mc:Fallback>
+  </mc:AlternateContent>
+  <p:timing>
+    <p:tnLst>
+      <p:par>
+        <p:cTn id="1" dur="indefinite" restart="never" nodeType="tmRoot"/>
+      </p:par>
+    </p:tnLst>
+  </p:timing>
+</p:sld>
+</file>
+
+<file path=ppt/slides/slide33.xml><?xml version="1.0" encoding="utf-8"?>
+<p:sld xmlns:a="http://schemas.openxmlformats.org/drawingml/2006/main" xmlns:r="http://schemas.openxmlformats.org/officeDocument/2006/relationships" xmlns:p="http://schemas.openxmlformats.org/presentationml/2006/main">
+  <p:cSld>
+    <p:spTree>
+      <p:nvGrpSpPr>
+        <p:cNvPr id="1" name=""/>
+        <p:cNvGrpSpPr/>
+        <p:nvPr/>
+      </p:nvGrpSpPr>
+      <p:grpSpPr>
+        <a:xfrm>
+          <a:off x="0" y="0"/>
+          <a:ext cx="0" cy="0"/>
+          <a:chOff x="0" y="0"/>
+          <a:chExt cx="0" cy="0"/>
+        </a:xfrm>
+      </p:grpSpPr>
+      <p:sp>
+        <p:nvSpPr>
+          <p:cNvPr id="2" name="投影片編號版面配置區 1"/>
+          <p:cNvSpPr>
+            <a:spLocks noGrp="1"/>
+          </p:cNvSpPr>
+          <p:nvPr>
+            <p:ph type="sldNum" sz="quarter" idx="4"/>
+          </p:nvPr>
+        </p:nvSpPr>
+        <p:spPr/>
+        <p:txBody>
+          <a:bodyPr/>
+          <a:lstStyle/>
+          <a:p>
+            <a:fld id="{6F0746BA-D1AA-4FF4-8D48-BDBC7FF48778}" type="slidenum">
+              <a:rPr lang="fr-FR" smtClean="0"/>
+              <a:t>33</a:t>
+            </a:fld>
+            <a:endParaRPr lang="fr-FR"/>
+          </a:p>
+        </p:txBody>
+      </p:sp>
+    </p:spTree>
+    <p:extLst>
+      <p:ext uri="{BB962C8B-B14F-4D97-AF65-F5344CB8AC3E}">
+        <p14:creationId xmlns:p14="http://schemas.microsoft.com/office/powerpoint/2010/main" val="3221504342"/>
+      </p:ext>
+    </p:extLst>
+  </p:cSld>
+  <p:clrMapOvr>
+    <a:masterClrMapping/>
+  </p:clrMapOvr>
+  <mc:AlternateContent xmlns:mc="http://schemas.openxmlformats.org/markup-compatibility/2006" xmlns:p14="http://schemas.microsoft.com/office/powerpoint/2010/main">
+    <mc:Choice Requires="p14">
+      <p:transition spd="med" p14:dur="700">
+        <p:fade/>
+      </p:transition>
+    </mc:Choice>
+    <mc:Fallback xmlns="">
+      <p:transition spd="med">
+        <p:fade/>
+      </p:transition>
+    </mc:Fallback>
+  </mc:AlternateContent>
+  <p:timing>
+    <p:tnLst>
+      <p:par>
+        <p:cTn id="1" dur="indefinite" restart="never" nodeType="tmRoot"/>
+      </p:par>
+    </p:tnLst>
+  </p:timing>
+</p:sld>
+</file>
+
+<file path=ppt/slides/slide34.xml><?xml version="1.0" encoding="utf-8"?>
+<p:sld xmlns:a="http://schemas.openxmlformats.org/drawingml/2006/main" xmlns:r="http://schemas.openxmlformats.org/officeDocument/2006/relationships" xmlns:p="http://schemas.openxmlformats.org/presentationml/2006/main">
+  <p:cSld>
+    <p:spTree>
+      <p:nvGrpSpPr>
+        <p:cNvPr id="1" name=""/>
+        <p:cNvGrpSpPr/>
+        <p:nvPr/>
+      </p:nvGrpSpPr>
+      <p:grpSpPr>
+        <a:xfrm>
+          <a:off x="0" y="0"/>
+          <a:ext cx="0" cy="0"/>
+          <a:chOff x="0" y="0"/>
+          <a:chExt cx="0" cy="0"/>
+        </a:xfrm>
+      </p:grpSpPr>
+      <p:sp>
+        <p:nvSpPr>
+          <p:cNvPr id="2" name="投影片編號版面配置區 1"/>
+          <p:cNvSpPr>
+            <a:spLocks noGrp="1"/>
+          </p:cNvSpPr>
+          <p:nvPr>
+            <p:ph type="sldNum" sz="quarter" idx="4"/>
+          </p:nvPr>
+        </p:nvSpPr>
+        <p:spPr/>
+        <p:txBody>
+          <a:bodyPr/>
+          <a:lstStyle/>
+          <a:p>
+            <a:fld id="{6F0746BA-D1AA-4FF4-8D48-BDBC7FF48778}" type="slidenum">
+              <a:rPr lang="fr-FR" smtClean="0"/>
+              <a:t>34</a:t>
+            </a:fld>
+            <a:endParaRPr lang="fr-FR"/>
+          </a:p>
+        </p:txBody>
+      </p:sp>
+    </p:spTree>
+    <p:extLst>
+      <p:ext uri="{BB962C8B-B14F-4D97-AF65-F5344CB8AC3E}">
+        <p14:creationId xmlns:p14="http://schemas.microsoft.com/office/powerpoint/2010/main" val="3689250389"/>
+      </p:ext>
+    </p:extLst>
+  </p:cSld>
+  <p:clrMapOvr>
+    <a:masterClrMapping/>
+  </p:clrMapOvr>
+  <mc:AlternateContent xmlns:mc="http://schemas.openxmlformats.org/markup-compatibility/2006" xmlns:p14="http://schemas.microsoft.com/office/powerpoint/2010/main">
+    <mc:Choice Requires="p14">
+      <p:transition spd="med" p14:dur="700">
+        <p:fade/>
+      </p:transition>
+    </mc:Choice>
+    <mc:Fallback xmlns="">
+      <p:transition spd="med">
+        <p:fade/>
+      </p:transition>
+    </mc:Fallback>
+  </mc:AlternateContent>
+  <p:timing>
+    <p:tnLst>
+      <p:par>
+        <p:cTn id="1" dur="indefinite" restart="never" nodeType="tmRoot"/>
+      </p:par>
+    </p:tnLst>
+  </p:timing>
+</p:sld>
+</file>
+
+<file path=ppt/slides/slide35.xml><?xml version="1.0" encoding="utf-8"?>
+<p:sld xmlns:a="http://schemas.openxmlformats.org/drawingml/2006/main" xmlns:r="http://schemas.openxmlformats.org/officeDocument/2006/relationships" xmlns:p="http://schemas.openxmlformats.org/presentationml/2006/main">
+  <p:cSld>
+    <p:spTree>
+      <p:nvGrpSpPr>
+        <p:cNvPr id="1" name=""/>
+        <p:cNvGrpSpPr/>
+        <p:nvPr/>
+      </p:nvGrpSpPr>
+      <p:grpSpPr>
+        <a:xfrm>
+          <a:off x="0" y="0"/>
+          <a:ext cx="0" cy="0"/>
+          <a:chOff x="0" y="0"/>
+          <a:chExt cx="0" cy="0"/>
+        </a:xfrm>
+      </p:grpSpPr>
+      <p:sp>
+        <p:nvSpPr>
+          <p:cNvPr id="2" name="投影片編號版面配置區 1"/>
+          <p:cNvSpPr>
+            <a:spLocks noGrp="1"/>
+          </p:cNvSpPr>
+          <p:nvPr>
+            <p:ph type="sldNum" sz="quarter" idx="4"/>
+          </p:nvPr>
+        </p:nvSpPr>
+        <p:spPr/>
+        <p:txBody>
+          <a:bodyPr/>
+          <a:lstStyle/>
+          <a:p>
+            <a:fld id="{6F0746BA-D1AA-4FF4-8D48-BDBC7FF48778}" type="slidenum">
+              <a:rPr lang="fr-FR" smtClean="0"/>
+              <a:t>35</a:t>
+            </a:fld>
+            <a:endParaRPr lang="fr-FR"/>
+          </a:p>
+        </p:txBody>
+      </p:sp>
+    </p:spTree>
+    <p:extLst>
+      <p:ext uri="{BB962C8B-B14F-4D97-AF65-F5344CB8AC3E}">
+        <p14:creationId xmlns:p14="http://schemas.microsoft.com/office/powerpoint/2010/main" val="699744735"/>
+      </p:ext>
+    </p:extLst>
+  </p:cSld>
+  <p:clrMapOvr>
+    <a:masterClrMapping/>
+  </p:clrMapOvr>
+  <mc:AlternateContent xmlns:mc="http://schemas.openxmlformats.org/markup-compatibility/2006" xmlns:p14="http://schemas.microsoft.com/office/powerpoint/2010/main">
+    <mc:Choice Requires="p14">
+      <p:transition spd="med" p14:dur="700">
+        <p:fade/>
+      </p:transition>
+    </mc:Choice>
+    <mc:Fallback xmlns="">
+      <p:transition spd="med">
+        <p:fade/>
+      </p:transition>
+    </mc:Fallback>
+  </mc:AlternateContent>
+  <p:timing>
+    <p:tnLst>
+      <p:par>
+        <p:cTn id="1" dur="indefinite" restart="never" nodeType="tmRoot"/>
+      </p:par>
+    </p:tnLst>
+  </p:timing>
+</p:sld>
+</file>
+
+<file path=ppt/slides/slide36.xml><?xml version="1.0" encoding="utf-8"?>
+<p:sld xmlns:a="http://schemas.openxmlformats.org/drawingml/2006/main" xmlns:r="http://schemas.openxmlformats.org/officeDocument/2006/relationships" xmlns:p="http://schemas.openxmlformats.org/presentationml/2006/main">
+  <p:cSld>
+    <p:spTree>
+      <p:nvGrpSpPr>
+        <p:cNvPr id="1" name=""/>
+        <p:cNvGrpSpPr/>
+        <p:nvPr/>
+      </p:nvGrpSpPr>
+      <p:grpSpPr>
+        <a:xfrm>
+          <a:off x="0" y="0"/>
+          <a:ext cx="0" cy="0"/>
+          <a:chOff x="0" y="0"/>
+          <a:chExt cx="0" cy="0"/>
+        </a:xfrm>
+      </p:grpSpPr>
+      <p:sp>
+        <p:nvSpPr>
+          <p:cNvPr id="2" name="投影片編號版面配置區 1"/>
+          <p:cNvSpPr>
+            <a:spLocks noGrp="1"/>
+          </p:cNvSpPr>
+          <p:nvPr>
+            <p:ph type="sldNum" sz="quarter" idx="4"/>
+          </p:nvPr>
+        </p:nvSpPr>
+        <p:spPr/>
+        <p:txBody>
+          <a:bodyPr/>
+          <a:lstStyle/>
+          <a:p>
+            <a:fld id="{6F0746BA-D1AA-4FF4-8D48-BDBC7FF48778}" type="slidenum">
+              <a:rPr lang="fr-FR" smtClean="0"/>
+              <a:t>36</a:t>
+            </a:fld>
+            <a:endParaRPr lang="fr-FR"/>
+          </a:p>
+        </p:txBody>
+      </p:sp>
+    </p:spTree>
+    <p:extLst>
+      <p:ext uri="{BB962C8B-B14F-4D97-AF65-F5344CB8AC3E}">
+        <p14:creationId xmlns:p14="http://schemas.microsoft.com/office/powerpoint/2010/main" val="1523903264"/>
+      </p:ext>
+    </p:extLst>
+  </p:cSld>
+  <p:clrMapOvr>
+    <a:masterClrMapping/>
+  </p:clrMapOvr>
+  <mc:AlternateContent xmlns:mc="http://schemas.openxmlformats.org/markup-compatibility/2006" xmlns:p14="http://schemas.microsoft.com/office/powerpoint/2010/main">
+    <mc:Choice Requires="p14">
+      <p:transition spd="med" p14:dur="700">
+        <p:fade/>
+      </p:transition>
+    </mc:Choice>
+    <mc:Fallback xmlns="">
+      <p:transition spd="med">
+        <p:fade/>
+      </p:transition>
+    </mc:Fallback>
+  </mc:AlternateContent>
+  <p:timing>
+    <p:tnLst>
+      <p:par>
+        <p:cTn id="1" dur="indefinite" restart="never" nodeType="tmRoot"/>
+      </p:par>
+    </p:tnLst>
+  </p:timing>
+</p:sld>
+</file>
+
+<file path=ppt/slides/slide4.xml><?xml version="1.0" encoding="utf-8"?>
+<p:sld xmlns:a="http://schemas.openxmlformats.org/drawingml/2006/main" xmlns:r="http://schemas.openxmlformats.org/officeDocument/2006/relationships" xmlns:p="http://schemas.openxmlformats.org/presentationml/2006/main">
+  <p:cSld>
+    <p:spTree>
+      <p:nvGrpSpPr>
+        <p:cNvPr id="1" name=""/>
+        <p:cNvGrpSpPr/>
+        <p:nvPr/>
+      </p:nvGrpSpPr>
+      <p:grpSpPr>
+        <a:xfrm>
+          <a:off x="0" y="0"/>
+          <a:ext cx="0" cy="0"/>
+          <a:chOff x="0" y="0"/>
+          <a:chExt cx="0" cy="0"/>
+        </a:xfrm>
+      </p:grpSpPr>
+      <p:sp>
+        <p:nvSpPr>
+          <p:cNvPr id="2" name="投影片編號版面配置區 1"/>
+          <p:cNvSpPr>
+            <a:spLocks noGrp="1"/>
+          </p:cNvSpPr>
+          <p:nvPr>
+            <p:ph type="sldNum" sz="quarter" idx="4"/>
+          </p:nvPr>
+        </p:nvSpPr>
+        <p:spPr/>
+        <p:txBody>
+          <a:bodyPr/>
+          <a:lstStyle/>
+          <a:p>
+            <a:fld id="{6F0746BA-D1AA-4FF4-8D48-BDBC7FF48778}" type="slidenum">
+              <a:rPr lang="fr-FR" smtClean="0"/>
+              <a:t>4</a:t>
+            </a:fld>
+            <a:endParaRPr lang="fr-FR"/>
+          </a:p>
+        </p:txBody>
+      </p:sp>
+    </p:spTree>
+    <p:extLst>
+      <p:ext uri="{BB962C8B-B14F-4D97-AF65-F5344CB8AC3E}">
+        <p14:creationId xmlns:p14="http://schemas.microsoft.com/office/powerpoint/2010/main" val="2097262003"/>
+      </p:ext>
+    </p:extLst>
+  </p:cSld>
+  <p:clrMapOvr>
+    <a:masterClrMapping/>
+  </p:clrMapOvr>
+  <mc:AlternateContent xmlns:mc="http://schemas.openxmlformats.org/markup-compatibility/2006" xmlns:p14="http://schemas.microsoft.com/office/powerpoint/2010/main">
+    <mc:Choice Requires="p14">
+      <p:transition spd="med" p14:dur="700">
+        <p:fade/>
+      </p:transition>
+    </mc:Choice>
+    <mc:Fallback xmlns="">
+      <p:transition spd="med">
+        <p:fade/>
+      </p:transition>
+    </mc:Fallback>
+  </mc:AlternateContent>
+  <p:timing>
+    <p:tnLst>
+      <p:par>
+        <p:cTn id="1" dur="indefinite" restart="never" nodeType="tmRoot"/>
+      </p:par>
+    </p:tnLst>
+  </p:timing>
+</p:sld>
+</file>
+
+<file path=ppt/slides/slide5.xml><?xml version="1.0" encoding="utf-8"?>
+<p:sld xmlns:a="http://schemas.openxmlformats.org/drawingml/2006/main" xmlns:r="http://schemas.openxmlformats.org/officeDocument/2006/relationships" xmlns:p="http://schemas.openxmlformats.org/presentationml/2006/main">
+  <p:cSld>
+    <p:spTree>
+      <p:nvGrpSpPr>
+        <p:cNvPr id="1" name=""/>
+        <p:cNvGrpSpPr/>
+        <p:nvPr/>
+      </p:nvGrpSpPr>
+      <p:grpSpPr>
+        <a:xfrm>
+          <a:off x="0" y="0"/>
+          <a:ext cx="0" cy="0"/>
+          <a:chOff x="0" y="0"/>
+          <a:chExt cx="0" cy="0"/>
+        </a:xfrm>
+      </p:grpSpPr>
+      <p:sp>
+        <p:nvSpPr>
+          <p:cNvPr id="2" name="投影片編號版面配置區 1"/>
+          <p:cNvSpPr>
+            <a:spLocks noGrp="1"/>
+          </p:cNvSpPr>
+          <p:nvPr>
+            <p:ph type="sldNum" sz="quarter" idx="4"/>
+          </p:nvPr>
+        </p:nvSpPr>
+        <p:spPr/>
+        <p:txBody>
+          <a:bodyPr/>
+          <a:lstStyle/>
+          <a:p>
+            <a:fld id="{6F0746BA-D1AA-4FF4-8D48-BDBC7FF48778}" type="slidenum">
+              <a:rPr lang="fr-FR" smtClean="0"/>
+              <a:t>5</a:t>
+            </a:fld>
+            <a:endParaRPr lang="fr-FR"/>
+          </a:p>
+        </p:txBody>
+      </p:sp>
+    </p:spTree>
+    <p:extLst>
+      <p:ext uri="{BB962C8B-B14F-4D97-AF65-F5344CB8AC3E}">
+        <p14:creationId xmlns:p14="http://schemas.microsoft.com/office/powerpoint/2010/main" val="1607248839"/>
+      </p:ext>
+    </p:extLst>
+  </p:cSld>
+  <p:clrMapOvr>
+    <a:masterClrMapping/>
+  </p:clrMapOvr>
+  <mc:AlternateContent xmlns:mc="http://schemas.openxmlformats.org/markup-compatibility/2006" xmlns:p14="http://schemas.microsoft.com/office/powerpoint/2010/main">
+    <mc:Choice Requires="p14">
+      <p:transition spd="med" p14:dur="700">
+        <p:fade/>
+      </p:transition>
+    </mc:Choice>
+    <mc:Fallback xmlns="">
+      <p:transition spd="med">
+        <p:fade/>
+      </p:transition>
+    </mc:Fallback>
+  </mc:AlternateContent>
+  <p:timing>
+    <p:tnLst>
+      <p:par>
+        <p:cTn id="1" dur="indefinite" restart="never" nodeType="tmRoot"/>
+      </p:par>
+    </p:tnLst>
+  </p:timing>
+</p:sld>
+</file>
+
+<file path=ppt/slides/slide6.xml><?xml version="1.0" encoding="utf-8"?>
+<p:sld xmlns:a="http://schemas.openxmlformats.org/drawingml/2006/main" xmlns:r="http://schemas.openxmlformats.org/officeDocument/2006/relationships" xmlns:p="http://schemas.openxmlformats.org/presentationml/2006/main">
+  <p:cSld>
+    <p:spTree>
+      <p:nvGrpSpPr>
+        <p:cNvPr id="1" name=""/>
+        <p:cNvGrpSpPr/>
+        <p:nvPr/>
+      </p:nvGrpSpPr>
+      <p:grpSpPr>
+        <a:xfrm>
+          <a:off x="0" y="0"/>
+          <a:ext cx="0" cy="0"/>
+          <a:chOff x="0" y="0"/>
+          <a:chExt cx="0" cy="0"/>
+        </a:xfrm>
+      </p:grpSpPr>
+      <p:sp>
+        <p:nvSpPr>
+          <p:cNvPr id="2" name="投影片編號版面配置區 1"/>
+          <p:cNvSpPr>
+            <a:spLocks noGrp="1"/>
+          </p:cNvSpPr>
+          <p:nvPr>
+            <p:ph type="sldNum" sz="quarter" idx="4"/>
+          </p:nvPr>
+        </p:nvSpPr>
+        <p:spPr/>
+        <p:txBody>
+          <a:bodyPr/>
+          <a:lstStyle/>
+          <a:p>
+            <a:fld id="{6F0746BA-D1AA-4FF4-8D48-BDBC7FF48778}" type="slidenum">
+              <a:rPr lang="fr-FR" smtClean="0"/>
+              <a:t>6</a:t>
+            </a:fld>
+            <a:endParaRPr lang="fr-FR"/>
+          </a:p>
+        </p:txBody>
+      </p:sp>
+    </p:spTree>
+    <p:extLst>
+      <p:ext uri="{BB962C8B-B14F-4D97-AF65-F5344CB8AC3E}">
+        <p14:creationId xmlns:p14="http://schemas.microsoft.com/office/powerpoint/2010/main" val="1883997685"/>
+      </p:ext>
+    </p:extLst>
+  </p:cSld>
+  <p:clrMapOvr>
+    <a:masterClrMapping/>
+  </p:clrMapOvr>
+  <mc:AlternateContent xmlns:mc="http://schemas.openxmlformats.org/markup-compatibility/2006" xmlns:p14="http://schemas.microsoft.com/office/powerpoint/2010/main">
+    <mc:Choice Requires="p14">
+      <p:transition spd="med" p14:dur="700">
+        <p:fade/>
+      </p:transition>
+    </mc:Choice>
+    <mc:Fallback xmlns="">
+      <p:transition spd="med">
+        <p:fade/>
+      </p:transition>
+    </mc:Fallback>
+  </mc:AlternateContent>
+  <p:timing>
+    <p:tnLst>
+      <p:par>
+        <p:cTn id="1" dur="indefinite" restart="never" nodeType="tmRoot"/>
+      </p:par>
+    </p:tnLst>
+  </p:timing>
+</p:sld>
+</file>
+
+<file path=ppt/slides/slide7.xml><?xml version="1.0" encoding="utf-8"?>
+<p:sld xmlns:a="http://schemas.openxmlformats.org/drawingml/2006/main" xmlns:r="http://schemas.openxmlformats.org/officeDocument/2006/relationships" xmlns:p="http://schemas.openxmlformats.org/presentationml/2006/main">
+  <p:cSld>
+    <p:spTree>
+      <p:nvGrpSpPr>
+        <p:cNvPr id="1" name=""/>
+        <p:cNvGrpSpPr/>
+        <p:nvPr/>
+      </p:nvGrpSpPr>
+      <p:grpSpPr>
+        <a:xfrm>
+          <a:off x="0" y="0"/>
+          <a:ext cx="0" cy="0"/>
+          <a:chOff x="0" y="0"/>
+          <a:chExt cx="0" cy="0"/>
+        </a:xfrm>
+      </p:grpSpPr>
+      <p:sp>
+        <p:nvSpPr>
+          <p:cNvPr id="2" name="投影片編號版面配置區 1"/>
+          <p:cNvSpPr>
+            <a:spLocks noGrp="1"/>
+          </p:cNvSpPr>
+          <p:nvPr>
+            <p:ph type="sldNum" sz="quarter" idx="4"/>
+          </p:nvPr>
+        </p:nvSpPr>
+        <p:spPr/>
+        <p:txBody>
+          <a:bodyPr/>
+          <a:lstStyle/>
+          <a:p>
+            <a:fld id="{6F0746BA-D1AA-4FF4-8D48-BDBC7FF48778}" type="slidenum">
+              <a:rPr lang="fr-FR" smtClean="0"/>
+              <a:t>7</a:t>
+            </a:fld>
+            <a:endParaRPr lang="fr-FR"/>
+          </a:p>
+        </p:txBody>
+      </p:sp>
+    </p:spTree>
+    <p:extLst>
+      <p:ext uri="{BB962C8B-B14F-4D97-AF65-F5344CB8AC3E}">
+        <p14:creationId xmlns:p14="http://schemas.microsoft.com/office/powerpoint/2010/main" val="3605671797"/>
+      </p:ext>
+    </p:extLst>
+  </p:cSld>
+  <p:clrMapOvr>
+    <a:masterClrMapping/>
+  </p:clrMapOvr>
+  <mc:AlternateContent xmlns:mc="http://schemas.openxmlformats.org/markup-compatibility/2006" xmlns:p14="http://schemas.microsoft.com/office/powerpoint/2010/main">
+    <mc:Choice Requires="p14">
+      <p:transition spd="med" p14:dur="700">
+        <p:fade/>
+      </p:transition>
+    </mc:Choice>
+    <mc:Fallback xmlns="">
+      <p:transition spd="med">
+        <p:fade/>
+      </p:transition>
+    </mc:Fallback>
+  </mc:AlternateContent>
+  <p:timing>
+    <p:tnLst>
+      <p:par>
+        <p:cTn id="1" dur="indefinite" restart="never" nodeType="tmRoot"/>
+      </p:par>
+    </p:tnLst>
+  </p:timing>
+</p:sld>
+</file>
+
+<file path=ppt/slides/slide8.xml><?xml version="1.0" encoding="utf-8"?>
+<p:sld xmlns:a="http://schemas.openxmlformats.org/drawingml/2006/main" xmlns:r="http://schemas.openxmlformats.org/officeDocument/2006/relationships" xmlns:p="http://schemas.openxmlformats.org/presentationml/2006/main">
+  <p:cSld>
+    <p:spTree>
+      <p:nvGrpSpPr>
+        <p:cNvPr id="1" name=""/>
+        <p:cNvGrpSpPr/>
+        <p:nvPr/>
+      </p:nvGrpSpPr>
+      <p:grpSpPr>
+        <a:xfrm>
+          <a:off x="0" y="0"/>
+          <a:ext cx="0" cy="0"/>
+          <a:chOff x="0" y="0"/>
+          <a:chExt cx="0" cy="0"/>
+        </a:xfrm>
+      </p:grpSpPr>
+      <p:sp>
+        <p:nvSpPr>
+          <p:cNvPr id="2" name="投影片編號版面配置區 1"/>
+          <p:cNvSpPr>
+            <a:spLocks noGrp="1"/>
+          </p:cNvSpPr>
+          <p:nvPr>
+            <p:ph type="sldNum" sz="quarter" idx="4"/>
+          </p:nvPr>
+        </p:nvSpPr>
+        <p:spPr/>
+        <p:txBody>
+          <a:bodyPr/>
+          <a:lstStyle/>
+          <a:p>
+            <a:fld id="{6F0746BA-D1AA-4FF4-8D48-BDBC7FF48778}" type="slidenum">
+              <a:rPr lang="fr-FR" smtClean="0"/>
+              <a:t>8</a:t>
+            </a:fld>
+            <a:endParaRPr lang="fr-FR"/>
+          </a:p>
+        </p:txBody>
+      </p:sp>
+    </p:spTree>
+    <p:extLst>
+      <p:ext uri="{BB962C8B-B14F-4D97-AF65-F5344CB8AC3E}">
+        <p14:creationId xmlns:p14="http://schemas.microsoft.com/office/powerpoint/2010/main" val="1789721809"/>
+      </p:ext>
+    </p:extLst>
+  </p:cSld>
+  <p:clrMapOvr>
+    <a:masterClrMapping/>
+  </p:clrMapOvr>
+  <mc:AlternateContent xmlns:mc="http://schemas.openxmlformats.org/markup-compatibility/2006" xmlns:p14="http://schemas.microsoft.com/office/powerpoint/2010/main">
+    <mc:Choice Requires="p14">
+      <p:transition spd="med" p14:dur="700">
+        <p:fade/>
+      </p:transition>
+    </mc:Choice>
+    <mc:Fallback xmlns="">
+      <p:transition spd="med">
+        <p:fade/>
+      </p:transition>
+    </mc:Fallback>
+  </mc:AlternateContent>
+  <p:timing>
+    <p:tnLst>
+      <p:par>
+        <p:cTn id="1" dur="indefinite" restart="never" nodeType="tmRoot"/>
+      </p:par>
+    </p:tnLst>
+  </p:timing>
+</p:sld>
+</file>
+
+<file path=ppt/slides/slide9.xml><?xml version="1.0" encoding="utf-8"?>
+<p:sld xmlns:a="http://schemas.openxmlformats.org/drawingml/2006/main" xmlns:r="http://schemas.openxmlformats.org/officeDocument/2006/relationships" xmlns:p="http://schemas.openxmlformats.org/presentationml/2006/main">
+  <p:cSld>
+    <p:spTree>
+      <p:nvGrpSpPr>
+        <p:cNvPr id="1" name=""/>
+        <p:cNvGrpSpPr/>
+        <p:nvPr/>
+      </p:nvGrpSpPr>
+      <p:grpSpPr>
+        <a:xfrm>
+          <a:off x="0" y="0"/>
+          <a:ext cx="0" cy="0"/>
+          <a:chOff x="0" y="0"/>
+          <a:chExt cx="0" cy="0"/>
+        </a:xfrm>
+      </p:grpSpPr>
+      <p:sp>
+        <p:nvSpPr>
+          <p:cNvPr id="2" name="投影片編號版面配置區 1"/>
+          <p:cNvSpPr>
+            <a:spLocks noGrp="1"/>
+          </p:cNvSpPr>
+          <p:nvPr>
+            <p:ph type="sldNum" sz="quarter" idx="4"/>
+          </p:nvPr>
+        </p:nvSpPr>
+        <p:spPr/>
+        <p:txBody>
+          <a:bodyPr/>
+          <a:lstStyle/>
+          <a:p>
+            <a:fld id="{6F0746BA-D1AA-4FF4-8D48-BDBC7FF48778}" type="slidenum">
+              <a:rPr lang="fr-FR" smtClean="0"/>
+              <a:t>9</a:t>
+            </a:fld>
+            <a:endParaRPr lang="fr-FR"/>
+          </a:p>
+        </p:txBody>
+      </p:sp>
+      <p:pic>
+        <p:nvPicPr>
+          <p:cNvPr id="3" name="圖片 2"/>
+          <p:cNvPicPr>
+            <a:picLocks noChangeAspect="1"/>
+          </p:cNvPicPr>
+          <p:nvPr/>
+        </p:nvPicPr>
+        <p:blipFill>
+          <a:blip r:embed="rId3"/>
+          <a:stretch>
+            <a:fillRect/>
+          </a:stretch>
+        </p:blipFill>
+        <p:spPr>
+          <a:xfrm>
+            <a:off x="223350" y="1501428"/>
+            <a:ext cx="5344500" cy="4004000"/>
+          </a:xfrm>
+          <a:prstGeom prst="rect">
+            <a:avLst/>
+          </a:prstGeom>
+        </p:spPr>
+      </p:pic>
+      <p:pic>
+        <p:nvPicPr>
+          <p:cNvPr id="4" name="圖片 3"/>
+          <p:cNvPicPr>
+            <a:picLocks noChangeAspect="1"/>
+          </p:cNvPicPr>
+          <p:nvPr/>
+        </p:nvPicPr>
+        <p:blipFill>
+          <a:blip r:embed="rId4"/>
+          <a:stretch>
+            <a:fillRect/>
+          </a:stretch>
+        </p:blipFill>
+        <p:spPr>
+          <a:xfrm>
+            <a:off x="6080738" y="1427000"/>
+            <a:ext cx="5344500" cy="4004000"/>
+          </a:xfrm>
+          <a:prstGeom prst="rect">
+            <a:avLst/>
+          </a:prstGeom>
+        </p:spPr>
+      </p:pic>
+    </p:spTree>
+    <p:extLst>
+      <p:ext uri="{BB962C8B-B14F-4D97-AF65-F5344CB8AC3E}">
+        <p14:creationId xmlns:p14="http://schemas.microsoft.com/office/powerpoint/2010/main" val="1710183733"/>
       </p:ext>
     </p:extLst>
   </p:cSld>
@@ -23694,9 +30751,12 @@
 </file>
 
 <file path=customXml/item1.xml><?xml version="1.0" encoding="utf-8"?>
-<p:properties xmlns:p="http://schemas.microsoft.com/office/2006/metadata/properties" xmlns:xsi="http://www.w3.org/2001/XMLSchema-instance" xmlns:pc="http://schemas.microsoft.com/office/infopath/2007/PartnerControls">
-  <documentManagement/>
-</p:properties>
+<?mso-contentType ?>
+<FormTemplates xmlns="http://schemas.microsoft.com/sharepoint/v3/contenttype/forms">
+  <Display>DocumentLibraryForm</Display>
+  <Edit>DocumentLibraryForm</Edit>
+  <New>DocumentLibraryForm</New>
+</FormTemplates>
 </file>
 
 <file path=customXml/item2.xml><?xml version="1.0" encoding="utf-8"?>
@@ -23814,25 +30874,15 @@
 </file>
 
 <file path=customXml/item3.xml><?xml version="1.0" encoding="utf-8"?>
-<?mso-contentType ?>
-<FormTemplates xmlns="http://schemas.microsoft.com/sharepoint/v3/contenttype/forms">
-  <Display>DocumentLibraryForm</Display>
-  <Edit>DocumentLibraryForm</Edit>
-  <New>DocumentLibraryForm</New>
-</FormTemplates>
+<p:properties xmlns:p="http://schemas.microsoft.com/office/2006/metadata/properties" xmlns:xsi="http://www.w3.org/2001/XMLSchema-instance" xmlns:pc="http://schemas.microsoft.com/office/infopath/2007/PartnerControls">
+  <documentManagement/>
+</p:properties>
 </file>
 
 <file path=customXml/itemProps1.xml><?xml version="1.0" encoding="utf-8"?>
-<ds:datastoreItem xmlns:ds="http://schemas.openxmlformats.org/officeDocument/2006/customXml" ds:itemID="{88BF5EC3-CBCF-41C7-846F-A9B4B81CCEA8}">
+<ds:datastoreItem xmlns:ds="http://schemas.openxmlformats.org/officeDocument/2006/customXml" ds:itemID="{95457E87-E546-449E-A4D1-371201992E58}">
   <ds:schemaRefs>
-    <ds:schemaRef ds:uri="http://purl.org/dc/elements/1.1/"/>
-    <ds:schemaRef ds:uri="http://www.w3.org/XML/1998/namespace"/>
-    <ds:schemaRef ds:uri="http://schemas.microsoft.com/office/2006/documentManagement/types"/>
-    <ds:schemaRef ds:uri="http://schemas.microsoft.com/office/infopath/2007/PartnerControls"/>
-    <ds:schemaRef ds:uri="http://purl.org/dc/terms/"/>
-    <ds:schemaRef ds:uri="http://purl.org/dc/dcmitype/"/>
-    <ds:schemaRef ds:uri="http://schemas.openxmlformats.org/package/2006/metadata/core-properties"/>
-    <ds:schemaRef ds:uri="http://schemas.microsoft.com/office/2006/metadata/properties"/>
+    <ds:schemaRef ds:uri="http://schemas.microsoft.com/sharepoint/v3/contenttype/forms"/>
   </ds:schemaRefs>
 </ds:datastoreItem>
 </file>
@@ -23854,9 +30904,16 @@
 </file>
 
 <file path=customXml/itemProps3.xml><?xml version="1.0" encoding="utf-8"?>
-<ds:datastoreItem xmlns:ds="http://schemas.openxmlformats.org/officeDocument/2006/customXml" ds:itemID="{95457E87-E546-449E-A4D1-371201992E58}">
+<ds:datastoreItem xmlns:ds="http://schemas.openxmlformats.org/officeDocument/2006/customXml" ds:itemID="{88BF5EC3-CBCF-41C7-846F-A9B4B81CCEA8}">
   <ds:schemaRefs>
-    <ds:schemaRef ds:uri="http://schemas.microsoft.com/sharepoint/v3/contenttype/forms"/>
+    <ds:schemaRef ds:uri="http://purl.org/dc/elements/1.1/"/>
+    <ds:schemaRef ds:uri="http://www.w3.org/XML/1998/namespace"/>
+    <ds:schemaRef ds:uri="http://schemas.microsoft.com/office/2006/documentManagement/types"/>
+    <ds:schemaRef ds:uri="http://schemas.microsoft.com/office/infopath/2007/PartnerControls"/>
+    <ds:schemaRef ds:uri="http://purl.org/dc/terms/"/>
+    <ds:schemaRef ds:uri="http://purl.org/dc/dcmitype/"/>
+    <ds:schemaRef ds:uri="http://schemas.openxmlformats.org/package/2006/metadata/core-properties"/>
+    <ds:schemaRef ds:uri="http://schemas.microsoft.com/office/2006/metadata/properties"/>
   </ds:schemaRefs>
 </ds:datastoreItem>
 </file>
--- a/論文圖片.pptx
+++ b/論文圖片.pptx
@@ -329,7 +329,7 @@
           <a:p>
             <a:fld id="{E17FB05D-A85A-41E9-95F8-557FC4A8E4EF}" type="datetimeFigureOut">
               <a:rPr lang="zh-TW" altLang="en-US" smtClean="0"/>
-              <a:t>2019/5/29</a:t>
+              <a:t>2019/5/30</a:t>
             </a:fld>
             <a:endParaRPr lang="zh-TW" altLang="en-US"/>
           </a:p>
@@ -642,11 +642,7 @@
           <a:p>
             <a:r>
               <a:rPr lang="en-US" altLang="zh-TW" dirty="0" smtClean="0"/>
-              <a:t>Tradition MMC </a:t>
-            </a:r>
-            <a:r>
-              <a:rPr lang="en-US" altLang="zh-TW" dirty="0" smtClean="0"/>
-              <a:t>Pushover</a:t>
+              <a:t>Tradition MMC Pushover</a:t>
             </a:r>
             <a:endParaRPr lang="zh-TW" altLang="en-US" dirty="0"/>
           </a:p>
@@ -734,11 +730,7 @@
           <a:p>
             <a:r>
               <a:rPr lang="en-US" altLang="zh-TW" dirty="0" smtClean="0"/>
-              <a:t>Multi MMC </a:t>
-            </a:r>
-            <a:r>
-              <a:rPr lang="en-US" altLang="zh-TW" dirty="0" smtClean="0"/>
-              <a:t>Pushover</a:t>
+              <a:t>Multi MMC Pushover</a:t>
             </a:r>
             <a:endParaRPr lang="zh-TW" altLang="en-US" dirty="0"/>
           </a:p>
@@ -1219,11 +1211,7 @@
           <a:p>
             <a:r>
               <a:rPr lang="en-US" altLang="zh-TW" dirty="0" smtClean="0"/>
-              <a:t>Tradition MMC </a:t>
-            </a:r>
-            <a:r>
-              <a:rPr lang="en-US" altLang="zh-TW" dirty="0" smtClean="0"/>
-              <a:t>Pushover</a:t>
+              <a:t>Tradition MMC Pushover</a:t>
             </a:r>
             <a:endParaRPr lang="zh-TW" altLang="en-US" dirty="0"/>
           </a:p>
@@ -1420,11 +1408,7 @@
           <a:p>
             <a:r>
               <a:rPr lang="en-US" altLang="zh-TW" dirty="0" smtClean="0"/>
-              <a:t>Multi MMC </a:t>
-            </a:r>
-            <a:r>
-              <a:rPr lang="en-US" altLang="zh-TW" dirty="0" smtClean="0"/>
-              <a:t>Pushover</a:t>
+              <a:t>Multi MMC Pushover</a:t>
             </a:r>
             <a:endParaRPr lang="zh-TW" altLang="en-US" dirty="0"/>
           </a:p>
@@ -2014,11 +1998,7 @@
           <a:p>
             <a:r>
               <a:rPr lang="en-US" altLang="zh-TW" dirty="0" smtClean="0"/>
-              <a:t>Tradition MMC </a:t>
-            </a:r>
-            <a:r>
-              <a:rPr lang="en-US" altLang="zh-TW" dirty="0" smtClean="0"/>
-              <a:t>Pushover</a:t>
+              <a:t>Tradition MMC Pushover</a:t>
             </a:r>
             <a:endParaRPr lang="zh-TW" altLang="en-US" dirty="0"/>
           </a:p>
@@ -2215,11 +2195,7 @@
           <a:p>
             <a:r>
               <a:rPr lang="en-US" altLang="zh-TW" dirty="0" smtClean="0"/>
-              <a:t>Multi MMC </a:t>
-            </a:r>
-            <a:r>
-              <a:rPr lang="en-US" altLang="zh-TW" dirty="0" smtClean="0"/>
-              <a:t>Pushover</a:t>
+              <a:t>Multi MMC Pushover</a:t>
             </a:r>
             <a:endParaRPr lang="zh-TW" altLang="en-US" dirty="0"/>
           </a:p>
@@ -2700,11 +2676,7 @@
           <a:p>
             <a:r>
               <a:rPr lang="en-US" altLang="zh-TW" dirty="0" smtClean="0"/>
-              <a:t>Tradition MMC </a:t>
-            </a:r>
-            <a:r>
-              <a:rPr lang="en-US" altLang="zh-TW" dirty="0" smtClean="0"/>
-              <a:t>Pushover</a:t>
+              <a:t>Tradition MMC Pushover</a:t>
             </a:r>
             <a:endParaRPr lang="zh-TW" altLang="en-US" dirty="0"/>
           </a:p>
@@ -2792,11 +2764,7 @@
           <a:p>
             <a:r>
               <a:rPr lang="en-US" altLang="zh-TW" dirty="0" smtClean="0"/>
-              <a:t>Multi MMC </a:t>
-            </a:r>
-            <a:r>
-              <a:rPr lang="en-US" altLang="zh-TW" dirty="0" smtClean="0"/>
-              <a:t>Pushover</a:t>
+              <a:t>Multi MMC Pushover</a:t>
             </a:r>
             <a:endParaRPr lang="zh-TW" altLang="en-US" dirty="0"/>
           </a:p>
@@ -2993,11 +2961,7 @@
           <a:p>
             <a:r>
               <a:rPr lang="en-US" altLang="zh-TW" dirty="0" smtClean="0"/>
-              <a:t>Multi MMC </a:t>
-            </a:r>
-            <a:r>
-              <a:rPr lang="en-US" altLang="zh-TW" dirty="0" smtClean="0"/>
-              <a:t>Pushover</a:t>
+              <a:t>Multi MMC Pushover</a:t>
             </a:r>
             <a:endParaRPr lang="zh-TW" altLang="en-US" dirty="0"/>
           </a:p>
@@ -3871,11 +3835,7 @@
           <a:p>
             <a:r>
               <a:rPr lang="en-US" altLang="zh-TW" dirty="0" smtClean="0"/>
-              <a:t>Tradition MMC </a:t>
-            </a:r>
-            <a:r>
-              <a:rPr lang="en-US" altLang="zh-TW" dirty="0" smtClean="0"/>
-              <a:t>Pushover</a:t>
+              <a:t>Tradition MMC Pushover</a:t>
             </a:r>
             <a:endParaRPr lang="zh-TW" altLang="en-US" dirty="0"/>
           </a:p>
@@ -4196,7 +4156,7 @@
           <a:p>
             <a:fld id="{7A7E7069-7A31-444D-80E6-B61C02E1392B}" type="datetime1">
               <a:rPr lang="fr-FR" altLang="zh-TW" smtClean="0"/>
-              <a:t>29/05/2019</a:t>
+              <a:t>30/05/2019</a:t>
             </a:fld>
             <a:endParaRPr lang="fr-FR"/>
           </a:p>
@@ -4545,7 +4505,7 @@
           <a:p>
             <a:fld id="{AB24F10B-ECA2-4753-8694-8A0132243A1A}" type="datetime1">
               <a:rPr lang="fr-FR" altLang="zh-TW" smtClean="0"/>
-              <a:t>29/05/2019</a:t>
+              <a:t>30/05/2019</a:t>
             </a:fld>
             <a:endParaRPr lang="fr-FR"/>
           </a:p>
@@ -5074,7 +5034,7 @@
           <a:p>
             <a:fld id="{DF3763D6-108C-484F-A72E-357B7AC47626}" type="datetime1">
               <a:rPr lang="fr-FR" altLang="zh-TW" smtClean="0"/>
-              <a:t>29/05/2019</a:t>
+              <a:t>30/05/2019</a:t>
             </a:fld>
             <a:endParaRPr lang="fr-FR"/>
           </a:p>
@@ -5342,7 +5302,7 @@
           <a:p>
             <a:fld id="{70A2E91A-1B1C-4AA6-BE7D-BFAB22416A0A}" type="datetime1">
               <a:rPr lang="fr-FR" altLang="zh-TW" smtClean="0"/>
-              <a:t>29/05/2019</a:t>
+              <a:t>30/05/2019</a:t>
             </a:fld>
             <a:endParaRPr lang="fr-FR"/>
           </a:p>
@@ -5659,7 +5619,7 @@
           <a:p>
             <a:fld id="{CB63E6B3-FD71-4468-88B9-C0735253CCAA}" type="datetime1">
               <a:rPr lang="fr-FR" altLang="zh-TW" smtClean="0"/>
-              <a:t>29/05/2019</a:t>
+              <a:t>30/05/2019</a:t>
             </a:fld>
             <a:endParaRPr lang="fr-FR"/>
           </a:p>
@@ -5921,7 +5881,7 @@
           <a:p>
             <a:fld id="{E7037967-40FB-4E34-8FF3-6969956CCBF8}" type="datetime1">
               <a:rPr lang="fr-FR" altLang="zh-TW" smtClean="0"/>
-              <a:t>29/05/2019</a:t>
+              <a:t>30/05/2019</a:t>
             </a:fld>
             <a:endParaRPr lang="fr-FR"/>
           </a:p>
@@ -6639,7 +6599,7 @@
           <a:p>
             <a:fld id="{D3ACC2AA-C9BE-4B6D-A61B-7594931CB630}" type="datetime1">
               <a:rPr lang="fr-FR" altLang="zh-TW" smtClean="0"/>
-              <a:t>29/05/2019</a:t>
+              <a:t>30/05/2019</a:t>
             </a:fld>
             <a:endParaRPr lang="fr-FR"/>
           </a:p>
@@ -6996,7 +6956,7 @@
           <a:p>
             <a:fld id="{1D45520A-363C-425F-A28D-4D02521E9EC2}" type="datetime1">
               <a:rPr lang="fr-FR" altLang="zh-TW" smtClean="0"/>
-              <a:t>29/05/2019</a:t>
+              <a:t>30/05/2019</a:t>
             </a:fld>
             <a:endParaRPr lang="fr-FR"/>
           </a:p>
@@ -7296,7 +7256,7 @@
           <a:p>
             <a:fld id="{172E36E1-A9EF-44B8-BDC2-AD38F076111B}" type="datetime1">
               <a:rPr lang="fr-FR" altLang="zh-TW" smtClean="0"/>
-              <a:t>29/05/2019</a:t>
+              <a:t>30/05/2019</a:t>
             </a:fld>
             <a:endParaRPr lang="fr-FR"/>
           </a:p>
@@ -7483,7 +7443,7 @@
           <a:p>
             <a:fld id="{E6060845-F4F6-4A6C-87EC-25D40DD76F66}" type="datetime1">
               <a:rPr lang="fr-FR" altLang="zh-TW" smtClean="0"/>
-              <a:t>29/05/2019</a:t>
+              <a:t>30/05/2019</a:t>
             </a:fld>
             <a:endParaRPr lang="fr-FR"/>
           </a:p>
@@ -13882,7 +13842,7 @@
           <a:p>
             <a:fld id="{A0B758D6-ED01-4AE2-915C-7364812A8626}" type="datetime1">
               <a:rPr lang="fr-FR" altLang="zh-TW" smtClean="0"/>
-              <a:t>29/05/2019</a:t>
+              <a:t>30/05/2019</a:t>
             </a:fld>
             <a:endParaRPr lang="fr-FR"/>
           </a:p>
@@ -19133,7 +19093,7 @@
           <a:p>
             <a:fld id="{3878EA16-B830-4EFF-8CB0-DE8E57720CDD}" type="datetime1">
               <a:rPr lang="fr-FR" altLang="zh-TW" smtClean="0"/>
-              <a:t>29/05/2019</a:t>
+              <a:t>30/05/2019</a:t>
             </a:fld>
             <a:endParaRPr lang="fr-FR"/>
           </a:p>
@@ -19867,7 +19827,7 @@
           <a:p>
             <a:fld id="{2579C44F-DB87-47B9-975C-3AD181DD0144}" type="datetime1">
               <a:rPr lang="fr-FR" altLang="zh-TW" smtClean="0"/>
-              <a:t>29/05/2019</a:t>
+              <a:t>30/05/2019</a:t>
             </a:fld>
             <a:endParaRPr lang="fr-FR"/>
           </a:p>
@@ -21787,7 +21747,7 @@
           <a:p>
             <a:fld id="{17C8F73A-9A53-44D5-87A0-EF89FB35B76E}" type="datetime1">
               <a:rPr lang="fr-FR" altLang="zh-TW" smtClean="0"/>
-              <a:t>29/05/2019</a:t>
+              <a:t>30/05/2019</a:t>
             </a:fld>
             <a:endParaRPr lang="fr-FR"/>
           </a:p>
@@ -22453,7 +22413,7 @@
           <a:p>
             <a:fld id="{01D877FE-3F74-424B-86C7-10EA22D7ED24}" type="datetime1">
               <a:rPr lang="fr-FR" altLang="zh-TW" smtClean="0"/>
-              <a:t>29/05/2019</a:t>
+              <a:t>30/05/2019</a:t>
             </a:fld>
             <a:endParaRPr lang="fr-FR"/>
           </a:p>
@@ -23119,7 +23079,7 @@
           <a:p>
             <a:fld id="{B9087178-D13A-4930-A1A8-4200F7450DEF}" type="datetime1">
               <a:rPr lang="fr-FR" altLang="zh-TW" smtClean="0"/>
-              <a:t>29/05/2019</a:t>
+              <a:t>30/05/2019</a:t>
             </a:fld>
             <a:endParaRPr lang="fr-FR"/>
           </a:p>
@@ -24854,7 +24814,7 @@
           <a:p>
             <a:fld id="{0003247B-B3F7-41BB-A95F-B6B56C48E17E}" type="datetime1">
               <a:rPr lang="fr-FR" altLang="zh-TW" smtClean="0"/>
-              <a:t>29/05/2019</a:t>
+              <a:t>30/05/2019</a:t>
             </a:fld>
             <a:endParaRPr lang="fr-FR"/>
           </a:p>
@@ -25098,7 +25058,7 @@
           <a:p>
             <a:fld id="{7036140C-C5FE-4C35-B4E1-C65C06066FA9}" type="datetime1">
               <a:rPr lang="fr-FR" altLang="zh-TW" smtClean="0"/>
-              <a:t>29/05/2019</a:t>
+              <a:t>30/05/2019</a:t>
             </a:fld>
             <a:endParaRPr lang="fr-FR"/>
           </a:p>
@@ -25276,7 +25236,7 @@
           <a:p>
             <a:fld id="{887BFBD1-3D9B-4272-AD61-7503861467DB}" type="datetime1">
               <a:rPr lang="fr-FR" altLang="zh-TW" smtClean="0"/>
-              <a:t>29/05/2019</a:t>
+              <a:t>30/05/2019</a:t>
             </a:fld>
             <a:endParaRPr lang="fr-FR"/>
           </a:p>
@@ -27892,6 +27852,54 @@
           </a:p>
         </p:txBody>
       </p:sp>
+      <p:pic>
+        <p:nvPicPr>
+          <p:cNvPr id="3" name="圖片 2"/>
+          <p:cNvPicPr>
+            <a:picLocks noChangeAspect="1"/>
+          </p:cNvPicPr>
+          <p:nvPr/>
+        </p:nvPicPr>
+        <p:blipFill>
+          <a:blip r:embed="rId3"/>
+          <a:stretch>
+            <a:fillRect/>
+          </a:stretch>
+        </p:blipFill>
+        <p:spPr>
+          <a:xfrm>
+            <a:off x="6305173" y="1427000"/>
+            <a:ext cx="5344500" cy="4004000"/>
+          </a:xfrm>
+          <a:prstGeom prst="rect">
+            <a:avLst/>
+          </a:prstGeom>
+        </p:spPr>
+      </p:pic>
+      <p:pic>
+        <p:nvPicPr>
+          <p:cNvPr id="4" name="圖片 3"/>
+          <p:cNvPicPr>
+            <a:picLocks noChangeAspect="1"/>
+          </p:cNvPicPr>
+          <p:nvPr/>
+        </p:nvPicPr>
+        <p:blipFill>
+          <a:blip r:embed="rId4"/>
+          <a:stretch>
+            <a:fillRect/>
+          </a:stretch>
+        </p:blipFill>
+        <p:spPr>
+          <a:xfrm>
+            <a:off x="340308" y="1310042"/>
+            <a:ext cx="5344500" cy="4004000"/>
+          </a:xfrm>
+          <a:prstGeom prst="rect">
+            <a:avLst/>
+          </a:prstGeom>
+        </p:spPr>
+      </p:pic>
     </p:spTree>
     <p:extLst>
       <p:ext uri="{BB962C8B-B14F-4D97-AF65-F5344CB8AC3E}">
@@ -29164,6 +29172,54 @@
           </a:p>
         </p:txBody>
       </p:sp>
+      <p:pic>
+        <p:nvPicPr>
+          <p:cNvPr id="3" name="圖片 2"/>
+          <p:cNvPicPr>
+            <a:picLocks noChangeAspect="1"/>
+          </p:cNvPicPr>
+          <p:nvPr/>
+        </p:nvPicPr>
+        <p:blipFill>
+          <a:blip r:embed="rId3"/>
+          <a:stretch>
+            <a:fillRect/>
+          </a:stretch>
+        </p:blipFill>
+        <p:spPr>
+          <a:xfrm>
+            <a:off x="350941" y="1427000"/>
+            <a:ext cx="5344500" cy="4004000"/>
+          </a:xfrm>
+          <a:prstGeom prst="rect">
+            <a:avLst/>
+          </a:prstGeom>
+        </p:spPr>
+      </p:pic>
+      <p:pic>
+        <p:nvPicPr>
+          <p:cNvPr id="4" name="圖片 3"/>
+          <p:cNvPicPr>
+            <a:picLocks noChangeAspect="1"/>
+          </p:cNvPicPr>
+          <p:nvPr/>
+        </p:nvPicPr>
+        <p:blipFill>
+          <a:blip r:embed="rId4"/>
+          <a:stretch>
+            <a:fillRect/>
+          </a:stretch>
+        </p:blipFill>
+        <p:spPr>
+          <a:xfrm>
+            <a:off x="6422131" y="1522693"/>
+            <a:ext cx="5344500" cy="4004000"/>
+          </a:xfrm>
+          <a:prstGeom prst="rect">
+            <a:avLst/>
+          </a:prstGeom>
+        </p:spPr>
+      </p:pic>
     </p:spTree>
     <p:extLst>
       <p:ext uri="{BB962C8B-B14F-4D97-AF65-F5344CB8AC3E}">
@@ -29740,6 +29796,54 @@
           </a:p>
         </p:txBody>
       </p:sp>
+      <p:pic>
+        <p:nvPicPr>
+          <p:cNvPr id="3" name="圖片 2"/>
+          <p:cNvPicPr>
+            <a:picLocks noChangeAspect="1"/>
+          </p:cNvPicPr>
+          <p:nvPr/>
+        </p:nvPicPr>
+        <p:blipFill>
+          <a:blip r:embed="rId3"/>
+          <a:stretch>
+            <a:fillRect/>
+          </a:stretch>
+        </p:blipFill>
+        <p:spPr>
+          <a:xfrm>
+            <a:off x="382838" y="1660917"/>
+            <a:ext cx="5344500" cy="4004000"/>
+          </a:xfrm>
+          <a:prstGeom prst="rect">
+            <a:avLst/>
+          </a:prstGeom>
+        </p:spPr>
+      </p:pic>
+      <p:pic>
+        <p:nvPicPr>
+          <p:cNvPr id="4" name="圖片 3"/>
+          <p:cNvPicPr>
+            <a:picLocks noChangeAspect="1"/>
+          </p:cNvPicPr>
+          <p:nvPr/>
+        </p:nvPicPr>
+        <p:blipFill>
+          <a:blip r:embed="rId4"/>
+          <a:stretch>
+            <a:fillRect/>
+          </a:stretch>
+        </p:blipFill>
+        <p:spPr>
+          <a:xfrm>
+            <a:off x="6080738" y="1660917"/>
+            <a:ext cx="5344500" cy="4004000"/>
+          </a:xfrm>
+          <a:prstGeom prst="rect">
+            <a:avLst/>
+          </a:prstGeom>
+        </p:spPr>
+      </p:pic>
     </p:spTree>
     <p:extLst>
       <p:ext uri="{BB962C8B-B14F-4D97-AF65-F5344CB8AC3E}">
@@ -29812,6 +29916,54 @@
           </a:p>
         </p:txBody>
       </p:sp>
+      <p:pic>
+        <p:nvPicPr>
+          <p:cNvPr id="3" name="圖片 2"/>
+          <p:cNvPicPr>
+            <a:picLocks noChangeAspect="1"/>
+          </p:cNvPicPr>
+          <p:nvPr/>
+        </p:nvPicPr>
+        <p:blipFill>
+          <a:blip r:embed="rId3"/>
+          <a:stretch>
+            <a:fillRect/>
+          </a:stretch>
+        </p:blipFill>
+        <p:spPr>
+          <a:xfrm>
+            <a:off x="0" y="1745977"/>
+            <a:ext cx="5344500" cy="4004000"/>
+          </a:xfrm>
+          <a:prstGeom prst="rect">
+            <a:avLst/>
+          </a:prstGeom>
+        </p:spPr>
+      </p:pic>
+      <p:pic>
+        <p:nvPicPr>
+          <p:cNvPr id="4" name="圖片 3"/>
+          <p:cNvPicPr>
+            <a:picLocks noChangeAspect="1"/>
+          </p:cNvPicPr>
+          <p:nvPr/>
+        </p:nvPicPr>
+        <p:blipFill>
+          <a:blip r:embed="rId4"/>
+          <a:stretch>
+            <a:fillRect/>
+          </a:stretch>
+        </p:blipFill>
+        <p:spPr>
+          <a:xfrm>
+            <a:off x="6148078" y="1745977"/>
+            <a:ext cx="5344500" cy="4004000"/>
+          </a:xfrm>
+          <a:prstGeom prst="rect">
+            <a:avLst/>
+          </a:prstGeom>
+        </p:spPr>
+      </p:pic>
     </p:spTree>
     <p:extLst>
       <p:ext uri="{BB962C8B-B14F-4D97-AF65-F5344CB8AC3E}">
@@ -29884,6 +30036,54 @@
           </a:p>
         </p:txBody>
       </p:sp>
+      <p:pic>
+        <p:nvPicPr>
+          <p:cNvPr id="3" name="圖片 2"/>
+          <p:cNvPicPr>
+            <a:picLocks noChangeAspect="1"/>
+          </p:cNvPicPr>
+          <p:nvPr/>
+        </p:nvPicPr>
+        <p:blipFill>
+          <a:blip r:embed="rId3"/>
+          <a:stretch>
+            <a:fillRect/>
+          </a:stretch>
+        </p:blipFill>
+        <p:spPr>
+          <a:xfrm>
+            <a:off x="475302" y="1334671"/>
+            <a:ext cx="6095238" cy="4571429"/>
+          </a:xfrm>
+          <a:prstGeom prst="rect">
+            <a:avLst/>
+          </a:prstGeom>
+        </p:spPr>
+      </p:pic>
+      <p:pic>
+        <p:nvPicPr>
+          <p:cNvPr id="4" name="圖片 3"/>
+          <p:cNvPicPr>
+            <a:picLocks noChangeAspect="1"/>
+          </p:cNvPicPr>
+          <p:nvPr/>
+        </p:nvPicPr>
+        <p:blipFill>
+          <a:blip r:embed="rId4"/>
+          <a:stretch>
+            <a:fillRect/>
+          </a:stretch>
+        </p:blipFill>
+        <p:spPr>
+          <a:xfrm>
+            <a:off x="5897907" y="1334671"/>
+            <a:ext cx="6095238" cy="4571429"/>
+          </a:xfrm>
+          <a:prstGeom prst="rect">
+            <a:avLst/>
+          </a:prstGeom>
+        </p:spPr>
+      </p:pic>
     </p:spTree>
     <p:extLst>
       <p:ext uri="{BB962C8B-B14F-4D97-AF65-F5344CB8AC3E}">
@@ -29956,6 +30156,54 @@
           </a:p>
         </p:txBody>
       </p:sp>
+      <p:pic>
+        <p:nvPicPr>
+          <p:cNvPr id="3" name="圖片 2"/>
+          <p:cNvPicPr>
+            <a:picLocks noChangeAspect="1"/>
+          </p:cNvPicPr>
+          <p:nvPr/>
+        </p:nvPicPr>
+        <p:blipFill>
+          <a:blip r:embed="rId3"/>
+          <a:stretch>
+            <a:fillRect/>
+          </a:stretch>
+        </p:blipFill>
+        <p:spPr>
+          <a:xfrm>
+            <a:off x="762" y="1345304"/>
+            <a:ext cx="6095238" cy="4571429"/>
+          </a:xfrm>
+          <a:prstGeom prst="rect">
+            <a:avLst/>
+          </a:prstGeom>
+        </p:spPr>
+      </p:pic>
+      <p:pic>
+        <p:nvPicPr>
+          <p:cNvPr id="4" name="圖片 3"/>
+          <p:cNvPicPr>
+            <a:picLocks noChangeAspect="1"/>
+          </p:cNvPicPr>
+          <p:nvPr/>
+        </p:nvPicPr>
+        <p:blipFill>
+          <a:blip r:embed="rId4"/>
+          <a:stretch>
+            <a:fillRect/>
+          </a:stretch>
+        </p:blipFill>
+        <p:spPr>
+          <a:xfrm>
+            <a:off x="6078279" y="1345304"/>
+            <a:ext cx="6095238" cy="4571429"/>
+          </a:xfrm>
+          <a:prstGeom prst="rect">
+            <a:avLst/>
+          </a:prstGeom>
+        </p:spPr>
+      </p:pic>
     </p:spTree>
     <p:extLst>
       <p:ext uri="{BB962C8B-B14F-4D97-AF65-F5344CB8AC3E}">
@@ -30028,6 +30276,54 @@
           </a:p>
         </p:txBody>
       </p:sp>
+      <p:pic>
+        <p:nvPicPr>
+          <p:cNvPr id="3" name="圖片 2"/>
+          <p:cNvPicPr>
+            <a:picLocks noChangeAspect="1"/>
+          </p:cNvPicPr>
+          <p:nvPr/>
+        </p:nvPicPr>
+        <p:blipFill>
+          <a:blip r:embed="rId3"/>
+          <a:stretch>
+            <a:fillRect/>
+          </a:stretch>
+        </p:blipFill>
+        <p:spPr>
+          <a:xfrm>
+            <a:off x="145693" y="1143285"/>
+            <a:ext cx="6095238" cy="4571429"/>
+          </a:xfrm>
+          <a:prstGeom prst="rect">
+            <a:avLst/>
+          </a:prstGeom>
+        </p:spPr>
+      </p:pic>
+      <p:pic>
+        <p:nvPicPr>
+          <p:cNvPr id="4" name="圖片 3"/>
+          <p:cNvPicPr>
+            <a:picLocks noChangeAspect="1"/>
+          </p:cNvPicPr>
+          <p:nvPr/>
+        </p:nvPicPr>
+        <p:blipFill>
+          <a:blip r:embed="rId4"/>
+          <a:stretch>
+            <a:fillRect/>
+          </a:stretch>
+        </p:blipFill>
+        <p:spPr>
+          <a:xfrm>
+            <a:off x="6240931" y="1143284"/>
+            <a:ext cx="6095238" cy="4571429"/>
+          </a:xfrm>
+          <a:prstGeom prst="rect">
+            <a:avLst/>
+          </a:prstGeom>
+        </p:spPr>
+      </p:pic>
     </p:spTree>
     <p:extLst>
       <p:ext uri="{BB962C8B-B14F-4D97-AF65-F5344CB8AC3E}">
@@ -30751,15 +31047,6 @@
 </file>
 
 <file path=customXml/item1.xml><?xml version="1.0" encoding="utf-8"?>
-<?mso-contentType ?>
-<FormTemplates xmlns="http://schemas.microsoft.com/sharepoint/v3/contenttype/forms">
-  <Display>DocumentLibraryForm</Display>
-  <Edit>DocumentLibraryForm</Edit>
-  <New>DocumentLibraryForm</New>
-</FormTemplates>
-</file>
-
-<file path=customXml/item2.xml><?xml version="1.0" encoding="utf-8"?>
 <ct:contentTypeSchema xmlns:ct="http://schemas.microsoft.com/office/2006/metadata/contentType" xmlns:ma="http://schemas.microsoft.com/office/2006/metadata/properties/metaAttributes" ct:_="" ma:_="" ma:contentTypeName="Document" ma:contentTypeID="0x01010005FA520563873D4EB8CBD5344A351BEB" ma:contentTypeVersion="0" ma:contentTypeDescription="Crée un document." ma:contentTypeScope="" ma:versionID="005ce72954985de94fc750614f2007cc">
   <xsd:schema xmlns:xsd="http://www.w3.org/2001/XMLSchema" xmlns:xs="http://www.w3.org/2001/XMLSchema" xmlns:p="http://schemas.microsoft.com/office/2006/metadata/properties" targetNamespace="http://schemas.microsoft.com/office/2006/metadata/properties" ma:root="true" ma:fieldsID="36883d0f3030e52908f9a4448a35c02a">
     <xsd:element name="properties">
@@ -30873,6 +31160,15 @@
 </ct:contentTypeSchema>
 </file>
 
+<file path=customXml/item2.xml><?xml version="1.0" encoding="utf-8"?>
+<?mso-contentType ?>
+<FormTemplates xmlns="http://schemas.microsoft.com/sharepoint/v3/contenttype/forms">
+  <Display>DocumentLibraryForm</Display>
+  <Edit>DocumentLibraryForm</Edit>
+  <New>DocumentLibraryForm</New>
+</FormTemplates>
+</file>
+
 <file path=customXml/item3.xml><?xml version="1.0" encoding="utf-8"?>
 <p:properties xmlns:p="http://schemas.microsoft.com/office/2006/metadata/properties" xmlns:xsi="http://www.w3.org/2001/XMLSchema-instance" xmlns:pc="http://schemas.microsoft.com/office/infopath/2007/PartnerControls">
   <documentManagement/>
@@ -30880,14 +31176,6 @@
 </file>
 
 <file path=customXml/itemProps1.xml><?xml version="1.0" encoding="utf-8"?>
-<ds:datastoreItem xmlns:ds="http://schemas.openxmlformats.org/officeDocument/2006/customXml" ds:itemID="{95457E87-E546-449E-A4D1-371201992E58}">
-  <ds:schemaRefs>
-    <ds:schemaRef ds:uri="http://schemas.microsoft.com/sharepoint/v3/contenttype/forms"/>
-  </ds:schemaRefs>
-</ds:datastoreItem>
-</file>
-
-<file path=customXml/itemProps2.xml><?xml version="1.0" encoding="utf-8"?>
 <ds:datastoreItem xmlns:ds="http://schemas.openxmlformats.org/officeDocument/2006/customXml" ds:itemID="{FF14EDAB-351E-4851-B148-260C81C296AA}">
   <ds:schemaRefs>
     <ds:schemaRef ds:uri="http://schemas.microsoft.com/office/2006/metadata/contentType"/>
@@ -30899,6 +31187,14 @@
     <ds:schemaRef ds:uri="http://purl.org/dc/terms/"/>
     <ds:schemaRef ds:uri="http://schemas.microsoft.com/internal/obd"/>
     <ds:schemaRef ds:uri="http://schemas.microsoft.com/office/infopath/2007/PartnerControls"/>
+  </ds:schemaRefs>
+</ds:datastoreItem>
+</file>
+
+<file path=customXml/itemProps2.xml><?xml version="1.0" encoding="utf-8"?>
+<ds:datastoreItem xmlns:ds="http://schemas.openxmlformats.org/officeDocument/2006/customXml" ds:itemID="{95457E87-E546-449E-A4D1-371201992E58}">
+  <ds:schemaRefs>
+    <ds:schemaRef ds:uri="http://schemas.microsoft.com/sharepoint/v3/contenttype/forms"/>
   </ds:schemaRefs>
 </ds:datastoreItem>
 </file>

--- a/論文圖片.pptx
+++ b/論文圖片.pptx
@@ -5,45 +5,46 @@
     <p:sldMasterId id="2147483648" r:id="rId4"/>
   </p:sldMasterIdLst>
   <p:notesMasterIdLst>
-    <p:notesMasterId r:id="rId41"/>
+    <p:notesMasterId r:id="rId42"/>
   </p:notesMasterIdLst>
   <p:sldIdLst>
     <p:sldId id="417" r:id="rId5"/>
-    <p:sldId id="448" r:id="rId6"/>
-    <p:sldId id="449" r:id="rId7"/>
-    <p:sldId id="450" r:id="rId8"/>
-    <p:sldId id="451" r:id="rId9"/>
-    <p:sldId id="452" r:id="rId10"/>
-    <p:sldId id="453" r:id="rId11"/>
-    <p:sldId id="454" r:id="rId12"/>
-    <p:sldId id="418" r:id="rId13"/>
-    <p:sldId id="420" r:id="rId14"/>
-    <p:sldId id="421" r:id="rId15"/>
-    <p:sldId id="423" r:id="rId16"/>
-    <p:sldId id="424" r:id="rId17"/>
-    <p:sldId id="425" r:id="rId18"/>
-    <p:sldId id="426" r:id="rId19"/>
-    <p:sldId id="427" r:id="rId20"/>
-    <p:sldId id="428" r:id="rId21"/>
-    <p:sldId id="429" r:id="rId22"/>
-    <p:sldId id="430" r:id="rId23"/>
-    <p:sldId id="431" r:id="rId24"/>
-    <p:sldId id="432" r:id="rId25"/>
-    <p:sldId id="433" r:id="rId26"/>
-    <p:sldId id="434" r:id="rId27"/>
-    <p:sldId id="435" r:id="rId28"/>
-    <p:sldId id="436" r:id="rId29"/>
-    <p:sldId id="437" r:id="rId30"/>
-    <p:sldId id="438" r:id="rId31"/>
-    <p:sldId id="439" r:id="rId32"/>
-    <p:sldId id="440" r:id="rId33"/>
-    <p:sldId id="441" r:id="rId34"/>
-    <p:sldId id="442" r:id="rId35"/>
-    <p:sldId id="443" r:id="rId36"/>
-    <p:sldId id="444" r:id="rId37"/>
-    <p:sldId id="445" r:id="rId38"/>
-    <p:sldId id="446" r:id="rId39"/>
-    <p:sldId id="447" r:id="rId40"/>
+    <p:sldId id="455" r:id="rId6"/>
+    <p:sldId id="448" r:id="rId7"/>
+    <p:sldId id="449" r:id="rId8"/>
+    <p:sldId id="450" r:id="rId9"/>
+    <p:sldId id="451" r:id="rId10"/>
+    <p:sldId id="452" r:id="rId11"/>
+    <p:sldId id="453" r:id="rId12"/>
+    <p:sldId id="454" r:id="rId13"/>
+    <p:sldId id="418" r:id="rId14"/>
+    <p:sldId id="420" r:id="rId15"/>
+    <p:sldId id="421" r:id="rId16"/>
+    <p:sldId id="423" r:id="rId17"/>
+    <p:sldId id="424" r:id="rId18"/>
+    <p:sldId id="425" r:id="rId19"/>
+    <p:sldId id="426" r:id="rId20"/>
+    <p:sldId id="427" r:id="rId21"/>
+    <p:sldId id="428" r:id="rId22"/>
+    <p:sldId id="429" r:id="rId23"/>
+    <p:sldId id="430" r:id="rId24"/>
+    <p:sldId id="431" r:id="rId25"/>
+    <p:sldId id="432" r:id="rId26"/>
+    <p:sldId id="433" r:id="rId27"/>
+    <p:sldId id="434" r:id="rId28"/>
+    <p:sldId id="435" r:id="rId29"/>
+    <p:sldId id="436" r:id="rId30"/>
+    <p:sldId id="437" r:id="rId31"/>
+    <p:sldId id="438" r:id="rId32"/>
+    <p:sldId id="439" r:id="rId33"/>
+    <p:sldId id="440" r:id="rId34"/>
+    <p:sldId id="441" r:id="rId35"/>
+    <p:sldId id="442" r:id="rId36"/>
+    <p:sldId id="443" r:id="rId37"/>
+    <p:sldId id="444" r:id="rId38"/>
+    <p:sldId id="445" r:id="rId39"/>
+    <p:sldId id="446" r:id="rId40"/>
+    <p:sldId id="447" r:id="rId41"/>
   </p:sldIdLst>
   <p:sldSz cx="12192000" cy="6858000"/>
   <p:notesSz cx="6858000" cy="9144000"/>
@@ -148,6 +149,7 @@
         <p14:section name="預設章節" id="{3337685A-C498-4066-B42B-76FC9B0BAA05}">
           <p14:sldIdLst>
             <p14:sldId id="417"/>
+            <p14:sldId id="455"/>
           </p14:sldIdLst>
         </p14:section>
         <p14:section name="HighSeismic 4Floor 6M_V13" id="{65DE4D1A-1105-4B5D-9997-6606463AE06A}">
@@ -329,7 +331,7 @@
           <a:p>
             <a:fld id="{E17FB05D-A85A-41E9-95F8-557FC4A8E4EF}" type="datetimeFigureOut">
               <a:rPr lang="zh-TW" altLang="en-US" smtClean="0"/>
-              <a:t>2019/5/30</a:t>
+              <a:t>2019/6/16</a:t>
             </a:fld>
             <a:endParaRPr lang="zh-TW" altLang="en-US"/>
           </a:p>
@@ -665,7 +667,7 @@
           <a:p>
             <a:fld id="{4B9FA8AB-93ED-4030-B179-2AF13832ABA7}" type="slidenum">
               <a:rPr lang="zh-TW" altLang="en-US" smtClean="0"/>
-              <a:t>2</a:t>
+              <a:t>3</a:t>
             </a:fld>
             <a:endParaRPr lang="zh-TW" altLang="en-US"/>
           </a:p>
@@ -753,7 +755,7 @@
           <a:p>
             <a:fld id="{4B9FA8AB-93ED-4030-B179-2AF13832ABA7}" type="slidenum">
               <a:rPr lang="zh-TW" altLang="en-US" smtClean="0"/>
-              <a:t>11</a:t>
+              <a:t>12</a:t>
             </a:fld>
             <a:endParaRPr lang="zh-TW" altLang="en-US"/>
           </a:p>
@@ -862,7 +864,7 @@
           <a:p>
             <a:fld id="{4B9FA8AB-93ED-4030-B179-2AF13832ABA7}" type="slidenum">
               <a:rPr lang="zh-TW" altLang="en-US" smtClean="0"/>
-              <a:t>12</a:t>
+              <a:t>13</a:t>
             </a:fld>
             <a:endParaRPr lang="zh-TW" altLang="en-US"/>
           </a:p>
@@ -950,7 +952,7 @@
           <a:p>
             <a:fld id="{4B9FA8AB-93ED-4030-B179-2AF13832ABA7}" type="slidenum">
               <a:rPr lang="zh-TW" altLang="en-US" smtClean="0"/>
-              <a:t>13</a:t>
+              <a:t>14</a:t>
             </a:fld>
             <a:endParaRPr lang="zh-TW" altLang="en-US"/>
           </a:p>
@@ -1038,7 +1040,7 @@
           <a:p>
             <a:fld id="{4B9FA8AB-93ED-4030-B179-2AF13832ABA7}" type="slidenum">
               <a:rPr lang="zh-TW" altLang="en-US" smtClean="0"/>
-              <a:t>14</a:t>
+              <a:t>15</a:t>
             </a:fld>
             <a:endParaRPr lang="zh-TW" altLang="en-US"/>
           </a:p>
@@ -1146,7 +1148,7 @@
           <a:p>
             <a:fld id="{4B9FA8AB-93ED-4030-B179-2AF13832ABA7}" type="slidenum">
               <a:rPr lang="zh-TW" altLang="en-US" smtClean="0"/>
-              <a:t>15</a:t>
+              <a:t>16</a:t>
             </a:fld>
             <a:endParaRPr lang="zh-TW" altLang="en-US"/>
           </a:p>
@@ -1234,7 +1236,7 @@
           <a:p>
             <a:fld id="{4B9FA8AB-93ED-4030-B179-2AF13832ABA7}" type="slidenum">
               <a:rPr lang="zh-TW" altLang="en-US" smtClean="0"/>
-              <a:t>16</a:t>
+              <a:t>17</a:t>
             </a:fld>
             <a:endParaRPr lang="zh-TW" altLang="en-US"/>
           </a:p>
@@ -1343,7 +1345,7 @@
           <a:p>
             <a:fld id="{4B9FA8AB-93ED-4030-B179-2AF13832ABA7}" type="slidenum">
               <a:rPr lang="zh-TW" altLang="en-US" smtClean="0"/>
-              <a:t>17</a:t>
+              <a:t>18</a:t>
             </a:fld>
             <a:endParaRPr lang="zh-TW" altLang="en-US"/>
           </a:p>
@@ -1431,7 +1433,7 @@
           <a:p>
             <a:fld id="{4B9FA8AB-93ED-4030-B179-2AF13832ABA7}" type="slidenum">
               <a:rPr lang="zh-TW" altLang="en-US" smtClean="0"/>
-              <a:t>18</a:t>
+              <a:t>19</a:t>
             </a:fld>
             <a:endParaRPr lang="zh-TW" altLang="en-US"/>
           </a:p>
@@ -1540,7 +1542,7 @@
           <a:p>
             <a:fld id="{4B9FA8AB-93ED-4030-B179-2AF13832ABA7}" type="slidenum">
               <a:rPr lang="zh-TW" altLang="en-US" smtClean="0"/>
-              <a:t>19</a:t>
+              <a:t>20</a:t>
             </a:fld>
             <a:endParaRPr lang="zh-TW" altLang="en-US"/>
           </a:p>
@@ -1628,7 +1630,7 @@
           <a:p>
             <a:fld id="{4B9FA8AB-93ED-4030-B179-2AF13832ABA7}" type="slidenum">
               <a:rPr lang="zh-TW" altLang="en-US" smtClean="0"/>
-              <a:t>20</a:t>
+              <a:t>21</a:t>
             </a:fld>
             <a:endParaRPr lang="zh-TW" altLang="en-US"/>
           </a:p>
@@ -1737,7 +1739,7 @@
           <a:p>
             <a:fld id="{4B9FA8AB-93ED-4030-B179-2AF13832ABA7}" type="slidenum">
               <a:rPr lang="zh-TW" altLang="en-US" smtClean="0"/>
-              <a:t>3</a:t>
+              <a:t>4</a:t>
             </a:fld>
             <a:endParaRPr lang="zh-TW" altLang="en-US"/>
           </a:p>
@@ -1825,7 +1827,7 @@
           <a:p>
             <a:fld id="{4B9FA8AB-93ED-4030-B179-2AF13832ABA7}" type="slidenum">
               <a:rPr lang="zh-TW" altLang="en-US" smtClean="0"/>
-              <a:t>21</a:t>
+              <a:t>22</a:t>
             </a:fld>
             <a:endParaRPr lang="zh-TW" altLang="en-US"/>
           </a:p>
@@ -1933,7 +1935,7 @@
           <a:p>
             <a:fld id="{4B9FA8AB-93ED-4030-B179-2AF13832ABA7}" type="slidenum">
               <a:rPr lang="zh-TW" altLang="en-US" smtClean="0"/>
-              <a:t>22</a:t>
+              <a:t>23</a:t>
             </a:fld>
             <a:endParaRPr lang="zh-TW" altLang="en-US"/>
           </a:p>
@@ -2021,7 +2023,7 @@
           <a:p>
             <a:fld id="{4B9FA8AB-93ED-4030-B179-2AF13832ABA7}" type="slidenum">
               <a:rPr lang="zh-TW" altLang="en-US" smtClean="0"/>
-              <a:t>23</a:t>
+              <a:t>24</a:t>
             </a:fld>
             <a:endParaRPr lang="zh-TW" altLang="en-US"/>
           </a:p>
@@ -2130,7 +2132,7 @@
           <a:p>
             <a:fld id="{4B9FA8AB-93ED-4030-B179-2AF13832ABA7}" type="slidenum">
               <a:rPr lang="zh-TW" altLang="en-US" smtClean="0"/>
-              <a:t>24</a:t>
+              <a:t>25</a:t>
             </a:fld>
             <a:endParaRPr lang="zh-TW" altLang="en-US"/>
           </a:p>
@@ -2218,7 +2220,7 @@
           <a:p>
             <a:fld id="{4B9FA8AB-93ED-4030-B179-2AF13832ABA7}" type="slidenum">
               <a:rPr lang="zh-TW" altLang="en-US" smtClean="0"/>
-              <a:t>25</a:t>
+              <a:t>26</a:t>
             </a:fld>
             <a:endParaRPr lang="zh-TW" altLang="en-US"/>
           </a:p>
@@ -2327,7 +2329,7 @@
           <a:p>
             <a:fld id="{4B9FA8AB-93ED-4030-B179-2AF13832ABA7}" type="slidenum">
               <a:rPr lang="zh-TW" altLang="en-US" smtClean="0"/>
-              <a:t>26</a:t>
+              <a:t>27</a:t>
             </a:fld>
             <a:endParaRPr lang="zh-TW" altLang="en-US"/>
           </a:p>
@@ -2415,7 +2417,7 @@
           <a:p>
             <a:fld id="{4B9FA8AB-93ED-4030-B179-2AF13832ABA7}" type="slidenum">
               <a:rPr lang="zh-TW" altLang="en-US" smtClean="0"/>
-              <a:t>27</a:t>
+              <a:t>28</a:t>
             </a:fld>
             <a:endParaRPr lang="zh-TW" altLang="en-US"/>
           </a:p>
@@ -2503,7 +2505,7 @@
           <a:p>
             <a:fld id="{4B9FA8AB-93ED-4030-B179-2AF13832ABA7}" type="slidenum">
               <a:rPr lang="zh-TW" altLang="en-US" smtClean="0"/>
-              <a:t>28</a:t>
+              <a:t>29</a:t>
             </a:fld>
             <a:endParaRPr lang="zh-TW" altLang="en-US"/>
           </a:p>
@@ -2611,7 +2613,7 @@
           <a:p>
             <a:fld id="{4B9FA8AB-93ED-4030-B179-2AF13832ABA7}" type="slidenum">
               <a:rPr lang="zh-TW" altLang="en-US" smtClean="0"/>
-              <a:t>29</a:t>
+              <a:t>30</a:t>
             </a:fld>
             <a:endParaRPr lang="zh-TW" altLang="en-US"/>
           </a:p>
@@ -2699,7 +2701,7 @@
           <a:p>
             <a:fld id="{4B9FA8AB-93ED-4030-B179-2AF13832ABA7}" type="slidenum">
               <a:rPr lang="zh-TW" altLang="en-US" smtClean="0"/>
-              <a:t>30</a:t>
+              <a:t>31</a:t>
             </a:fld>
             <a:endParaRPr lang="zh-TW" altLang="en-US"/>
           </a:p>
@@ -2787,7 +2789,7 @@
           <a:p>
             <a:fld id="{4B9FA8AB-93ED-4030-B179-2AF13832ABA7}" type="slidenum">
               <a:rPr lang="zh-TW" altLang="en-US" smtClean="0"/>
-              <a:t>4</a:t>
+              <a:t>5</a:t>
             </a:fld>
             <a:endParaRPr lang="zh-TW" altLang="en-US"/>
           </a:p>
@@ -2896,7 +2898,7 @@
           <a:p>
             <a:fld id="{4B9FA8AB-93ED-4030-B179-2AF13832ABA7}" type="slidenum">
               <a:rPr lang="zh-TW" altLang="en-US" smtClean="0"/>
-              <a:t>31</a:t>
+              <a:t>32</a:t>
             </a:fld>
             <a:endParaRPr lang="zh-TW" altLang="en-US"/>
           </a:p>
@@ -2984,7 +2986,7 @@
           <a:p>
             <a:fld id="{4B9FA8AB-93ED-4030-B179-2AF13832ABA7}" type="slidenum">
               <a:rPr lang="zh-TW" altLang="en-US" smtClean="0"/>
-              <a:t>32</a:t>
+              <a:t>33</a:t>
             </a:fld>
             <a:endParaRPr lang="zh-TW" altLang="en-US"/>
           </a:p>
@@ -3093,7 +3095,7 @@
           <a:p>
             <a:fld id="{4B9FA8AB-93ED-4030-B179-2AF13832ABA7}" type="slidenum">
               <a:rPr lang="zh-TW" altLang="en-US" smtClean="0"/>
-              <a:t>33</a:t>
+              <a:t>34</a:t>
             </a:fld>
             <a:endParaRPr lang="zh-TW" altLang="en-US"/>
           </a:p>
@@ -3181,7 +3183,7 @@
           <a:p>
             <a:fld id="{4B9FA8AB-93ED-4030-B179-2AF13832ABA7}" type="slidenum">
               <a:rPr lang="zh-TW" altLang="en-US" smtClean="0"/>
-              <a:t>34</a:t>
+              <a:t>35</a:t>
             </a:fld>
             <a:endParaRPr lang="zh-TW" altLang="en-US"/>
           </a:p>
@@ -3269,7 +3271,7 @@
           <a:p>
             <a:fld id="{4B9FA8AB-93ED-4030-B179-2AF13832ABA7}" type="slidenum">
               <a:rPr lang="zh-TW" altLang="en-US" smtClean="0"/>
-              <a:t>35</a:t>
+              <a:t>36</a:t>
             </a:fld>
             <a:endParaRPr lang="zh-TW" altLang="en-US"/>
           </a:p>
@@ -3377,7 +3379,7 @@
           <a:p>
             <a:fld id="{4B9FA8AB-93ED-4030-B179-2AF13832ABA7}" type="slidenum">
               <a:rPr lang="zh-TW" altLang="en-US" smtClean="0"/>
-              <a:t>36</a:t>
+              <a:t>37</a:t>
             </a:fld>
             <a:endParaRPr lang="zh-TW" altLang="en-US"/>
           </a:p>
@@ -3486,7 +3488,7 @@
           <a:p>
             <a:fld id="{4B9FA8AB-93ED-4030-B179-2AF13832ABA7}" type="slidenum">
               <a:rPr lang="zh-TW" altLang="en-US" smtClean="0"/>
-              <a:t>5</a:t>
+              <a:t>6</a:t>
             </a:fld>
             <a:endParaRPr lang="zh-TW" altLang="en-US"/>
           </a:p>
@@ -3574,7 +3576,7 @@
           <a:p>
             <a:fld id="{4B9FA8AB-93ED-4030-B179-2AF13832ABA7}" type="slidenum">
               <a:rPr lang="zh-TW" altLang="en-US" smtClean="0"/>
-              <a:t>6</a:t>
+              <a:t>7</a:t>
             </a:fld>
             <a:endParaRPr lang="zh-TW" altLang="en-US"/>
           </a:p>
@@ -3662,7 +3664,7 @@
           <a:p>
             <a:fld id="{4B9FA8AB-93ED-4030-B179-2AF13832ABA7}" type="slidenum">
               <a:rPr lang="zh-TW" altLang="en-US" smtClean="0"/>
-              <a:t>7</a:t>
+              <a:t>8</a:t>
             </a:fld>
             <a:endParaRPr lang="zh-TW" altLang="en-US"/>
           </a:p>
@@ -3770,7 +3772,7 @@
           <a:p>
             <a:fld id="{4B9FA8AB-93ED-4030-B179-2AF13832ABA7}" type="slidenum">
               <a:rPr lang="zh-TW" altLang="en-US" smtClean="0"/>
-              <a:t>8</a:t>
+              <a:t>9</a:t>
             </a:fld>
             <a:endParaRPr lang="zh-TW" altLang="en-US"/>
           </a:p>
@@ -3858,7 +3860,7 @@
           <a:p>
             <a:fld id="{4B9FA8AB-93ED-4030-B179-2AF13832ABA7}" type="slidenum">
               <a:rPr lang="zh-TW" altLang="en-US" smtClean="0"/>
-              <a:t>9</a:t>
+              <a:t>10</a:t>
             </a:fld>
             <a:endParaRPr lang="zh-TW" altLang="en-US"/>
           </a:p>
@@ -3967,7 +3969,7 @@
           <a:p>
             <a:fld id="{4B9FA8AB-93ED-4030-B179-2AF13832ABA7}" type="slidenum">
               <a:rPr lang="zh-TW" altLang="en-US" smtClean="0"/>
-              <a:t>10</a:t>
+              <a:t>11</a:t>
             </a:fld>
             <a:endParaRPr lang="zh-TW" altLang="en-US"/>
           </a:p>
@@ -4156,7 +4158,7 @@
           <a:p>
             <a:fld id="{7A7E7069-7A31-444D-80E6-B61C02E1392B}" type="datetime1">
               <a:rPr lang="fr-FR" altLang="zh-TW" smtClean="0"/>
-              <a:t>30/05/2019</a:t>
+              <a:t>16/06/2019</a:t>
             </a:fld>
             <a:endParaRPr lang="fr-FR"/>
           </a:p>
@@ -4505,7 +4507,7 @@
           <a:p>
             <a:fld id="{AB24F10B-ECA2-4753-8694-8A0132243A1A}" type="datetime1">
               <a:rPr lang="fr-FR" altLang="zh-TW" smtClean="0"/>
-              <a:t>30/05/2019</a:t>
+              <a:t>16/06/2019</a:t>
             </a:fld>
             <a:endParaRPr lang="fr-FR"/>
           </a:p>
@@ -5034,7 +5036,7 @@
           <a:p>
             <a:fld id="{DF3763D6-108C-484F-A72E-357B7AC47626}" type="datetime1">
               <a:rPr lang="fr-FR" altLang="zh-TW" smtClean="0"/>
-              <a:t>30/05/2019</a:t>
+              <a:t>16/06/2019</a:t>
             </a:fld>
             <a:endParaRPr lang="fr-FR"/>
           </a:p>
@@ -5302,7 +5304,7 @@
           <a:p>
             <a:fld id="{70A2E91A-1B1C-4AA6-BE7D-BFAB22416A0A}" type="datetime1">
               <a:rPr lang="fr-FR" altLang="zh-TW" smtClean="0"/>
-              <a:t>30/05/2019</a:t>
+              <a:t>16/06/2019</a:t>
             </a:fld>
             <a:endParaRPr lang="fr-FR"/>
           </a:p>
@@ -5619,7 +5621,7 @@
           <a:p>
             <a:fld id="{CB63E6B3-FD71-4468-88B9-C0735253CCAA}" type="datetime1">
               <a:rPr lang="fr-FR" altLang="zh-TW" smtClean="0"/>
-              <a:t>30/05/2019</a:t>
+              <a:t>16/06/2019</a:t>
             </a:fld>
             <a:endParaRPr lang="fr-FR"/>
           </a:p>
@@ -5881,7 +5883,7 @@
           <a:p>
             <a:fld id="{E7037967-40FB-4E34-8FF3-6969956CCBF8}" type="datetime1">
               <a:rPr lang="fr-FR" altLang="zh-TW" smtClean="0"/>
-              <a:t>30/05/2019</a:t>
+              <a:t>16/06/2019</a:t>
             </a:fld>
             <a:endParaRPr lang="fr-FR"/>
           </a:p>
@@ -6599,7 +6601,7 @@
           <a:p>
             <a:fld id="{D3ACC2AA-C9BE-4B6D-A61B-7594931CB630}" type="datetime1">
               <a:rPr lang="fr-FR" altLang="zh-TW" smtClean="0"/>
-              <a:t>30/05/2019</a:t>
+              <a:t>16/06/2019</a:t>
             </a:fld>
             <a:endParaRPr lang="fr-FR"/>
           </a:p>
@@ -6956,7 +6958,7 @@
           <a:p>
             <a:fld id="{1D45520A-363C-425F-A28D-4D02521E9EC2}" type="datetime1">
               <a:rPr lang="fr-FR" altLang="zh-TW" smtClean="0"/>
-              <a:t>30/05/2019</a:t>
+              <a:t>16/06/2019</a:t>
             </a:fld>
             <a:endParaRPr lang="fr-FR"/>
           </a:p>
@@ -7256,7 +7258,7 @@
           <a:p>
             <a:fld id="{172E36E1-A9EF-44B8-BDC2-AD38F076111B}" type="datetime1">
               <a:rPr lang="fr-FR" altLang="zh-TW" smtClean="0"/>
-              <a:t>30/05/2019</a:t>
+              <a:t>16/06/2019</a:t>
             </a:fld>
             <a:endParaRPr lang="fr-FR"/>
           </a:p>
@@ -7443,7 +7445,7 @@
           <a:p>
             <a:fld id="{E6060845-F4F6-4A6C-87EC-25D40DD76F66}" type="datetime1">
               <a:rPr lang="fr-FR" altLang="zh-TW" smtClean="0"/>
-              <a:t>30/05/2019</a:t>
+              <a:t>16/06/2019</a:t>
             </a:fld>
             <a:endParaRPr lang="fr-FR"/>
           </a:p>
@@ -13842,7 +13844,7 @@
           <a:p>
             <a:fld id="{A0B758D6-ED01-4AE2-915C-7364812A8626}" type="datetime1">
               <a:rPr lang="fr-FR" altLang="zh-TW" smtClean="0"/>
-              <a:t>30/05/2019</a:t>
+              <a:t>16/06/2019</a:t>
             </a:fld>
             <a:endParaRPr lang="fr-FR"/>
           </a:p>
@@ -19093,7 +19095,7 @@
           <a:p>
             <a:fld id="{3878EA16-B830-4EFF-8CB0-DE8E57720CDD}" type="datetime1">
               <a:rPr lang="fr-FR" altLang="zh-TW" smtClean="0"/>
-              <a:t>30/05/2019</a:t>
+              <a:t>16/06/2019</a:t>
             </a:fld>
             <a:endParaRPr lang="fr-FR"/>
           </a:p>
@@ -19827,7 +19829,7 @@
           <a:p>
             <a:fld id="{2579C44F-DB87-47B9-975C-3AD181DD0144}" type="datetime1">
               <a:rPr lang="fr-FR" altLang="zh-TW" smtClean="0"/>
-              <a:t>30/05/2019</a:t>
+              <a:t>16/06/2019</a:t>
             </a:fld>
             <a:endParaRPr lang="fr-FR"/>
           </a:p>
@@ -21747,7 +21749,7 @@
           <a:p>
             <a:fld id="{17C8F73A-9A53-44D5-87A0-EF89FB35B76E}" type="datetime1">
               <a:rPr lang="fr-FR" altLang="zh-TW" smtClean="0"/>
-              <a:t>30/05/2019</a:t>
+              <a:t>16/06/2019</a:t>
             </a:fld>
             <a:endParaRPr lang="fr-FR"/>
           </a:p>
@@ -22413,7 +22415,7 @@
           <a:p>
             <a:fld id="{01D877FE-3F74-424B-86C7-10EA22D7ED24}" type="datetime1">
               <a:rPr lang="fr-FR" altLang="zh-TW" smtClean="0"/>
-              <a:t>30/05/2019</a:t>
+              <a:t>16/06/2019</a:t>
             </a:fld>
             <a:endParaRPr lang="fr-FR"/>
           </a:p>
@@ -23079,7 +23081,7 @@
           <a:p>
             <a:fld id="{B9087178-D13A-4930-A1A8-4200F7450DEF}" type="datetime1">
               <a:rPr lang="fr-FR" altLang="zh-TW" smtClean="0"/>
-              <a:t>30/05/2019</a:t>
+              <a:t>16/06/2019</a:t>
             </a:fld>
             <a:endParaRPr lang="fr-FR"/>
           </a:p>
@@ -24814,7 +24816,7 @@
           <a:p>
             <a:fld id="{0003247B-B3F7-41BB-A95F-B6B56C48E17E}" type="datetime1">
               <a:rPr lang="fr-FR" altLang="zh-TW" smtClean="0"/>
-              <a:t>30/05/2019</a:t>
+              <a:t>16/06/2019</a:t>
             </a:fld>
             <a:endParaRPr lang="fr-FR"/>
           </a:p>
@@ -25058,7 +25060,7 @@
           <a:p>
             <a:fld id="{7036140C-C5FE-4C35-B4E1-C65C06066FA9}" type="datetime1">
               <a:rPr lang="fr-FR" altLang="zh-TW" smtClean="0"/>
-              <a:t>30/05/2019</a:t>
+              <a:t>16/06/2019</a:t>
             </a:fld>
             <a:endParaRPr lang="fr-FR"/>
           </a:p>
@@ -25236,7 +25238,7 @@
           <a:p>
             <a:fld id="{887BFBD1-3D9B-4272-AD61-7503861467DB}" type="datetime1">
               <a:rPr lang="fr-FR" altLang="zh-TW" smtClean="0"/>
-              <a:t>30/05/2019</a:t>
+              <a:t>16/06/2019</a:t>
             </a:fld>
             <a:endParaRPr lang="fr-FR"/>
           </a:p>
@@ -26668,6 +26670,126 @@
         </p:blipFill>
         <p:spPr>
           <a:xfrm>
+            <a:off x="223350" y="1501428"/>
+            <a:ext cx="5344500" cy="4004000"/>
+          </a:xfrm>
+          <a:prstGeom prst="rect">
+            <a:avLst/>
+          </a:prstGeom>
+        </p:spPr>
+      </p:pic>
+      <p:pic>
+        <p:nvPicPr>
+          <p:cNvPr id="4" name="圖片 3"/>
+          <p:cNvPicPr>
+            <a:picLocks noChangeAspect="1"/>
+          </p:cNvPicPr>
+          <p:nvPr/>
+        </p:nvPicPr>
+        <p:blipFill>
+          <a:blip r:embed="rId4"/>
+          <a:stretch>
+            <a:fillRect/>
+          </a:stretch>
+        </p:blipFill>
+        <p:spPr>
+          <a:xfrm>
+            <a:off x="6080738" y="1427000"/>
+            <a:ext cx="5344500" cy="4004000"/>
+          </a:xfrm>
+          <a:prstGeom prst="rect">
+            <a:avLst/>
+          </a:prstGeom>
+        </p:spPr>
+      </p:pic>
+    </p:spTree>
+    <p:extLst>
+      <p:ext uri="{BB962C8B-B14F-4D97-AF65-F5344CB8AC3E}">
+        <p14:creationId xmlns:p14="http://schemas.microsoft.com/office/powerpoint/2010/main" val="1710183733"/>
+      </p:ext>
+    </p:extLst>
+  </p:cSld>
+  <p:clrMapOvr>
+    <a:masterClrMapping/>
+  </p:clrMapOvr>
+  <mc:AlternateContent xmlns:mc="http://schemas.openxmlformats.org/markup-compatibility/2006" xmlns:p14="http://schemas.microsoft.com/office/powerpoint/2010/main">
+    <mc:Choice Requires="p14">
+      <p:transition spd="med" p14:dur="700">
+        <p:fade/>
+      </p:transition>
+    </mc:Choice>
+    <mc:Fallback xmlns="">
+      <p:transition spd="med">
+        <p:fade/>
+      </p:transition>
+    </mc:Fallback>
+  </mc:AlternateContent>
+  <p:timing>
+    <p:tnLst>
+      <p:par>
+        <p:cTn id="1" dur="indefinite" restart="never" nodeType="tmRoot"/>
+      </p:par>
+    </p:tnLst>
+  </p:timing>
+</p:sld>
+</file>
+
+<file path=ppt/slides/slide11.xml><?xml version="1.0" encoding="utf-8"?>
+<p:sld xmlns:a="http://schemas.openxmlformats.org/drawingml/2006/main" xmlns:r="http://schemas.openxmlformats.org/officeDocument/2006/relationships" xmlns:p="http://schemas.openxmlformats.org/presentationml/2006/main">
+  <p:cSld>
+    <p:spTree>
+      <p:nvGrpSpPr>
+        <p:cNvPr id="1" name=""/>
+        <p:cNvGrpSpPr/>
+        <p:nvPr/>
+      </p:nvGrpSpPr>
+      <p:grpSpPr>
+        <a:xfrm>
+          <a:off x="0" y="0"/>
+          <a:ext cx="0" cy="0"/>
+          <a:chOff x="0" y="0"/>
+          <a:chExt cx="0" cy="0"/>
+        </a:xfrm>
+      </p:grpSpPr>
+      <p:sp>
+        <p:nvSpPr>
+          <p:cNvPr id="2" name="投影片編號版面配置區 1"/>
+          <p:cNvSpPr>
+            <a:spLocks noGrp="1"/>
+          </p:cNvSpPr>
+          <p:nvPr>
+            <p:ph type="sldNum" sz="quarter" idx="4"/>
+          </p:nvPr>
+        </p:nvSpPr>
+        <p:spPr/>
+        <p:txBody>
+          <a:bodyPr/>
+          <a:lstStyle/>
+          <a:p>
+            <a:fld id="{6F0746BA-D1AA-4FF4-8D48-BDBC7FF48778}" type="slidenum">
+              <a:rPr lang="fr-FR" smtClean="0"/>
+              <a:t>11</a:t>
+            </a:fld>
+            <a:endParaRPr lang="fr-FR"/>
+          </a:p>
+        </p:txBody>
+      </p:sp>
+      <p:pic>
+        <p:nvPicPr>
+          <p:cNvPr id="3" name="圖片 2"/>
+          <p:cNvPicPr>
+            <a:picLocks noChangeAspect="1"/>
+          </p:cNvPicPr>
+          <p:nvPr/>
+        </p:nvPicPr>
+        <p:blipFill>
+          <a:blip r:embed="rId3"/>
+          <a:stretch>
+            <a:fillRect/>
+          </a:stretch>
+        </p:blipFill>
+        <p:spPr>
+          <a:xfrm>
             <a:off x="148922" y="1692814"/>
             <a:ext cx="5344500" cy="4004000"/>
           </a:xfrm>
@@ -26732,7 +26854,7 @@
 </p:sld>
 </file>
 
-<file path=ppt/slides/slide11.xml><?xml version="1.0" encoding="utf-8"?>
+<file path=ppt/slides/slide12.xml><?xml version="1.0" encoding="utf-8"?>
 <p:sld xmlns:a="http://schemas.openxmlformats.org/drawingml/2006/main" xmlns:r="http://schemas.openxmlformats.org/officeDocument/2006/relationships" xmlns:p="http://schemas.openxmlformats.org/presentationml/2006/main">
   <p:cSld>
     <p:spTree>
@@ -26766,7 +26888,7 @@
           <a:p>
             <a:fld id="{6F0746BA-D1AA-4FF4-8D48-BDBC7FF48778}" type="slidenum">
               <a:rPr lang="fr-FR" smtClean="0"/>
-              <a:t>11</a:t>
+              <a:t>12</a:t>
             </a:fld>
             <a:endParaRPr lang="fr-FR"/>
           </a:p>
@@ -26852,7 +26974,7 @@
 </p:sld>
 </file>
 
-<file path=ppt/slides/slide12.xml><?xml version="1.0" encoding="utf-8"?>
+<file path=ppt/slides/slide13.xml><?xml version="1.0" encoding="utf-8"?>
 <p:sld xmlns:a="http://schemas.openxmlformats.org/drawingml/2006/main" xmlns:r="http://schemas.openxmlformats.org/officeDocument/2006/relationships" xmlns:p="http://schemas.openxmlformats.org/presentationml/2006/main">
   <p:cSld>
     <p:spTree>
@@ -26886,7 +27008,7 @@
           <a:p>
             <a:fld id="{6F0746BA-D1AA-4FF4-8D48-BDBC7FF48778}" type="slidenum">
               <a:rPr lang="fr-FR" smtClean="0"/>
-              <a:t>12</a:t>
+              <a:t>13</a:t>
             </a:fld>
             <a:endParaRPr lang="fr-FR"/>
           </a:p>
@@ -26972,7 +27094,7 @@
 </p:sld>
 </file>
 
-<file path=ppt/slides/slide13.xml><?xml version="1.0" encoding="utf-8"?>
+<file path=ppt/slides/slide14.xml><?xml version="1.0" encoding="utf-8"?>
 <p:sld xmlns:a="http://schemas.openxmlformats.org/drawingml/2006/main" xmlns:r="http://schemas.openxmlformats.org/officeDocument/2006/relationships" xmlns:p="http://schemas.openxmlformats.org/presentationml/2006/main">
   <p:cSld>
     <p:spTree>
@@ -27006,7 +27128,7 @@
           <a:p>
             <a:fld id="{6F0746BA-D1AA-4FF4-8D48-BDBC7FF48778}" type="slidenum">
               <a:rPr lang="fr-FR" smtClean="0"/>
-              <a:t>13</a:t>
+              <a:t>14</a:t>
             </a:fld>
             <a:endParaRPr lang="fr-FR"/>
           </a:p>
@@ -27092,7 +27214,7 @@
 </p:sld>
 </file>
 
-<file path=ppt/slides/slide14.xml><?xml version="1.0" encoding="utf-8"?>
+<file path=ppt/slides/slide15.xml><?xml version="1.0" encoding="utf-8"?>
 <p:sld xmlns:a="http://schemas.openxmlformats.org/drawingml/2006/main" xmlns:r="http://schemas.openxmlformats.org/officeDocument/2006/relationships" xmlns:p="http://schemas.openxmlformats.org/presentationml/2006/main">
   <p:cSld>
     <p:spTree>
@@ -27126,7 +27248,7 @@
           <a:p>
             <a:fld id="{6F0746BA-D1AA-4FF4-8D48-BDBC7FF48778}" type="slidenum">
               <a:rPr lang="fr-FR" smtClean="0"/>
-              <a:t>14</a:t>
+              <a:t>15</a:t>
             </a:fld>
             <a:endParaRPr lang="fr-FR"/>
           </a:p>
@@ -27212,7 +27334,7 @@
 </p:sld>
 </file>
 
-<file path=ppt/slides/slide15.xml><?xml version="1.0" encoding="utf-8"?>
+<file path=ppt/slides/slide16.xml><?xml version="1.0" encoding="utf-8"?>
 <p:sld xmlns:a="http://schemas.openxmlformats.org/drawingml/2006/main" xmlns:r="http://schemas.openxmlformats.org/officeDocument/2006/relationships" xmlns:p="http://schemas.openxmlformats.org/presentationml/2006/main">
   <p:cSld>
     <p:spTree>
@@ -27246,7 +27368,7 @@
           <a:p>
             <a:fld id="{6F0746BA-D1AA-4FF4-8D48-BDBC7FF48778}" type="slidenum">
               <a:rPr lang="fr-FR" smtClean="0"/>
-              <a:t>15</a:t>
+              <a:t>16</a:t>
             </a:fld>
             <a:endParaRPr lang="fr-FR"/>
           </a:p>
@@ -27332,7 +27454,7 @@
 </p:sld>
 </file>
 
-<file path=ppt/slides/slide16.xml><?xml version="1.0" encoding="utf-8"?>
+<file path=ppt/slides/slide17.xml><?xml version="1.0" encoding="utf-8"?>
 <p:sld xmlns:a="http://schemas.openxmlformats.org/drawingml/2006/main" xmlns:r="http://schemas.openxmlformats.org/officeDocument/2006/relationships" xmlns:p="http://schemas.openxmlformats.org/presentationml/2006/main">
   <p:cSld>
     <p:spTree>
@@ -27366,7 +27488,7 @@
           <a:p>
             <a:fld id="{6F0746BA-D1AA-4FF4-8D48-BDBC7FF48778}" type="slidenum">
               <a:rPr lang="fr-FR" smtClean="0"/>
-              <a:t>16</a:t>
+              <a:t>17</a:t>
             </a:fld>
             <a:endParaRPr lang="fr-FR"/>
           </a:p>
@@ -27452,7 +27574,7 @@
 </p:sld>
 </file>
 
-<file path=ppt/slides/slide17.xml><?xml version="1.0" encoding="utf-8"?>
+<file path=ppt/slides/slide18.xml><?xml version="1.0" encoding="utf-8"?>
 <p:sld xmlns:a="http://schemas.openxmlformats.org/drawingml/2006/main" xmlns:r="http://schemas.openxmlformats.org/officeDocument/2006/relationships" xmlns:p="http://schemas.openxmlformats.org/presentationml/2006/main">
   <p:cSld>
     <p:spTree>
@@ -27486,7 +27608,7 @@
           <a:p>
             <a:fld id="{6F0746BA-D1AA-4FF4-8D48-BDBC7FF48778}" type="slidenum">
               <a:rPr lang="fr-FR" smtClean="0"/>
-              <a:t>17</a:t>
+              <a:t>18</a:t>
             </a:fld>
             <a:endParaRPr lang="fr-FR"/>
           </a:p>
@@ -27572,7 +27694,7 @@
 </p:sld>
 </file>
 
-<file path=ppt/slides/slide18.xml><?xml version="1.0" encoding="utf-8"?>
+<file path=ppt/slides/slide19.xml><?xml version="1.0" encoding="utf-8"?>
 <p:sld xmlns:a="http://schemas.openxmlformats.org/drawingml/2006/main" xmlns:r="http://schemas.openxmlformats.org/officeDocument/2006/relationships" xmlns:p="http://schemas.openxmlformats.org/presentationml/2006/main">
   <p:cSld>
     <p:spTree>
@@ -27606,7 +27728,7 @@
           <a:p>
             <a:fld id="{6F0746BA-D1AA-4FF4-8D48-BDBC7FF48778}" type="slidenum">
               <a:rPr lang="fr-FR" smtClean="0"/>
-              <a:t>18</a:t>
+              <a:t>19</a:t>
             </a:fld>
             <a:endParaRPr lang="fr-FR"/>
           </a:p>
@@ -27692,7 +27814,286 @@
 </p:sld>
 </file>
 
-<file path=ppt/slides/slide19.xml><?xml version="1.0" encoding="utf-8"?>
+<file path=ppt/slides/slide2.xml><?xml version="1.0" encoding="utf-8"?>
+<p:sld xmlns:a="http://schemas.openxmlformats.org/drawingml/2006/main" xmlns:r="http://schemas.openxmlformats.org/officeDocument/2006/relationships" xmlns:p="http://schemas.openxmlformats.org/presentationml/2006/main">
+  <p:cSld>
+    <p:spTree>
+      <p:nvGrpSpPr>
+        <p:cNvPr id="1" name=""/>
+        <p:cNvGrpSpPr/>
+        <p:nvPr/>
+      </p:nvGrpSpPr>
+      <p:grpSpPr>
+        <a:xfrm>
+          <a:off x="0" y="0"/>
+          <a:ext cx="0" cy="0"/>
+          <a:chOff x="0" y="0"/>
+          <a:chExt cx="0" cy="0"/>
+        </a:xfrm>
+      </p:grpSpPr>
+      <p:cxnSp>
+        <p:nvCxnSpPr>
+          <p:cNvPr id="12" name="直線接點 11"/>
+          <p:cNvCxnSpPr/>
+          <p:nvPr/>
+        </p:nvCxnSpPr>
+        <p:spPr>
+          <a:xfrm>
+            <a:off x="3625703" y="2966485"/>
+            <a:ext cx="0" cy="744279"/>
+          </a:xfrm>
+          <a:prstGeom prst="line">
+            <a:avLst/>
+          </a:prstGeom>
+          <a:ln>
+            <a:solidFill>
+              <a:schemeClr val="tx1"/>
+            </a:solidFill>
+          </a:ln>
+        </p:spPr>
+        <p:style>
+          <a:lnRef idx="1">
+            <a:schemeClr val="accent1"/>
+          </a:lnRef>
+          <a:fillRef idx="0">
+            <a:schemeClr val="accent1"/>
+          </a:fillRef>
+          <a:effectRef idx="0">
+            <a:schemeClr val="accent1"/>
+          </a:effectRef>
+          <a:fontRef idx="minor">
+            <a:schemeClr val="tx1"/>
+          </a:fontRef>
+        </p:style>
+      </p:cxnSp>
+      <p:sp>
+        <p:nvSpPr>
+          <p:cNvPr id="2" name="投影片編號版面配置區 1"/>
+          <p:cNvSpPr>
+            <a:spLocks noGrp="1"/>
+          </p:cNvSpPr>
+          <p:nvPr>
+            <p:ph type="sldNum" sz="quarter" idx="4"/>
+          </p:nvPr>
+        </p:nvSpPr>
+        <p:spPr/>
+        <p:txBody>
+          <a:bodyPr/>
+          <a:lstStyle/>
+          <a:p>
+            <a:fld id="{6F0746BA-D1AA-4FF4-8D48-BDBC7FF48778}" type="slidenum">
+              <a:rPr lang="fr-FR" smtClean="0"/>
+              <a:t>2</a:t>
+            </a:fld>
+            <a:endParaRPr lang="fr-FR"/>
+          </a:p>
+        </p:txBody>
+      </p:sp>
+      <p:pic>
+        <p:nvPicPr>
+          <p:cNvPr id="4" name="圖片 3"/>
+          <p:cNvPicPr>
+            <a:picLocks noChangeAspect="1"/>
+          </p:cNvPicPr>
+          <p:nvPr/>
+        </p:nvPicPr>
+        <p:blipFill>
+          <a:blip r:embed="rId2"/>
+          <a:stretch>
+            <a:fillRect/>
+          </a:stretch>
+        </p:blipFill>
+        <p:spPr>
+          <a:xfrm>
+            <a:off x="1357804" y="1143285"/>
+            <a:ext cx="6095238" cy="4571429"/>
+          </a:xfrm>
+          <a:prstGeom prst="rect">
+            <a:avLst/>
+          </a:prstGeom>
+        </p:spPr>
+      </p:pic>
+      <p:cxnSp>
+        <p:nvCxnSpPr>
+          <p:cNvPr id="6" name="直線接點 5"/>
+          <p:cNvCxnSpPr/>
+          <p:nvPr/>
+        </p:nvCxnSpPr>
+        <p:spPr>
+          <a:xfrm>
+            <a:off x="4040372" y="2966485"/>
+            <a:ext cx="0" cy="744279"/>
+          </a:xfrm>
+          <a:prstGeom prst="line">
+            <a:avLst/>
+          </a:prstGeom>
+          <a:ln>
+            <a:solidFill>
+              <a:schemeClr val="tx1"/>
+            </a:solidFill>
+          </a:ln>
+        </p:spPr>
+        <p:style>
+          <a:lnRef idx="1">
+            <a:schemeClr val="accent1"/>
+          </a:lnRef>
+          <a:fillRef idx="0">
+            <a:schemeClr val="accent1"/>
+          </a:fillRef>
+          <a:effectRef idx="0">
+            <a:schemeClr val="accent1"/>
+          </a:effectRef>
+          <a:fontRef idx="minor">
+            <a:schemeClr val="tx1"/>
+          </a:fontRef>
+        </p:style>
+      </p:cxnSp>
+      <p:cxnSp>
+        <p:nvCxnSpPr>
+          <p:cNvPr id="13" name="直線接點 12"/>
+          <p:cNvCxnSpPr/>
+          <p:nvPr/>
+        </p:nvCxnSpPr>
+        <p:spPr>
+          <a:xfrm>
+            <a:off x="3625703" y="2966485"/>
+            <a:ext cx="0" cy="744279"/>
+          </a:xfrm>
+          <a:prstGeom prst="line">
+            <a:avLst/>
+          </a:prstGeom>
+          <a:ln>
+            <a:solidFill>
+              <a:schemeClr val="tx1"/>
+            </a:solidFill>
+          </a:ln>
+        </p:spPr>
+        <p:style>
+          <a:lnRef idx="1">
+            <a:schemeClr val="accent1"/>
+          </a:lnRef>
+          <a:fillRef idx="0">
+            <a:schemeClr val="accent1"/>
+          </a:fillRef>
+          <a:effectRef idx="0">
+            <a:schemeClr val="accent1"/>
+          </a:effectRef>
+          <a:fontRef idx="minor">
+            <a:schemeClr val="tx1"/>
+          </a:fontRef>
+        </p:style>
+      </p:cxnSp>
+      <p:cxnSp>
+        <p:nvCxnSpPr>
+          <p:cNvPr id="15" name="直線單箭頭接點 14"/>
+          <p:cNvCxnSpPr/>
+          <p:nvPr/>
+        </p:nvCxnSpPr>
+        <p:spPr>
+          <a:xfrm>
+            <a:off x="3625703" y="3429000"/>
+            <a:ext cx="414669" cy="0"/>
+          </a:xfrm>
+          <a:prstGeom prst="straightConnector1">
+            <a:avLst/>
+          </a:prstGeom>
+          <a:ln>
+            <a:solidFill>
+              <a:schemeClr val="tx1"/>
+            </a:solidFill>
+            <a:headEnd type="triangle"/>
+            <a:tailEnd type="triangle"/>
+          </a:ln>
+        </p:spPr>
+        <p:style>
+          <a:lnRef idx="1">
+            <a:schemeClr val="accent1"/>
+          </a:lnRef>
+          <a:fillRef idx="0">
+            <a:schemeClr val="accent1"/>
+          </a:fillRef>
+          <a:effectRef idx="0">
+            <a:schemeClr val="accent1"/>
+          </a:effectRef>
+          <a:fontRef idx="minor">
+            <a:schemeClr val="tx1"/>
+          </a:fontRef>
+        </p:style>
+      </p:cxnSp>
+      <p:sp>
+        <p:nvSpPr>
+          <p:cNvPr id="16" name="文字方塊 15"/>
+          <p:cNvSpPr txBox="1"/>
+          <p:nvPr/>
+        </p:nvSpPr>
+        <p:spPr>
+          <a:xfrm>
+            <a:off x="3668234" y="3537030"/>
+            <a:ext cx="443391" cy="293350"/>
+          </a:xfrm>
+          <a:prstGeom prst="rect">
+            <a:avLst/>
+          </a:prstGeom>
+          <a:noFill/>
+        </p:spPr>
+        <p:txBody>
+          <a:bodyPr wrap="none" lIns="0" rtlCol="0" anchor="t">
+            <a:spAutoFit/>
+          </a:bodyPr>
+          <a:lstStyle/>
+          <a:p>
+            <a:pPr algn="l">
+              <a:lnSpc>
+                <a:spcPct val="120000"/>
+              </a:lnSpc>
+            </a:pPr>
+            <a:r>
+              <a:rPr lang="en-US" altLang="zh-TW" sz="1200" dirty="0" smtClean="0">
+                <a:latin typeface="Segoe UI Light" panose="020B0502040204020203" pitchFamily="34" charset="0"/>
+                <a:cs typeface="Segoe UI Light" panose="020B0502040204020203" pitchFamily="34" charset="0"/>
+              </a:rPr>
+              <a:t>76cm</a:t>
+            </a:r>
+            <a:endParaRPr lang="zh-TW" altLang="en-US" sz="1200" dirty="0" smtClean="0">
+              <a:latin typeface="Segoe UI Light" panose="020B0502040204020203" pitchFamily="34" charset="0"/>
+              <a:cs typeface="Segoe UI Light" panose="020B0502040204020203" pitchFamily="34" charset="0"/>
+            </a:endParaRPr>
+          </a:p>
+        </p:txBody>
+      </p:sp>
+    </p:spTree>
+    <p:extLst>
+      <p:ext uri="{BB962C8B-B14F-4D97-AF65-F5344CB8AC3E}">
+        <p14:creationId xmlns:p14="http://schemas.microsoft.com/office/powerpoint/2010/main" val="2514429156"/>
+      </p:ext>
+    </p:extLst>
+  </p:cSld>
+  <p:clrMapOvr>
+    <a:masterClrMapping/>
+  </p:clrMapOvr>
+  <mc:AlternateContent xmlns:mc="http://schemas.openxmlformats.org/markup-compatibility/2006" xmlns:p14="http://schemas.microsoft.com/office/powerpoint/2010/main">
+    <mc:Choice Requires="p14">
+      <p:transition spd="med" p14:dur="700">
+        <p:fade/>
+      </p:transition>
+    </mc:Choice>
+    <mc:Fallback xmlns="">
+      <p:transition spd="med">
+        <p:fade/>
+      </p:transition>
+    </mc:Fallback>
+  </mc:AlternateContent>
+  <p:timing>
+    <p:tnLst>
+      <p:par>
+        <p:cTn id="1" dur="indefinite" restart="never" nodeType="tmRoot"/>
+      </p:par>
+    </p:tnLst>
+  </p:timing>
+</p:sld>
+</file>
+
+<file path=ppt/slides/slide20.xml><?xml version="1.0" encoding="utf-8"?>
 <p:sld xmlns:a="http://schemas.openxmlformats.org/drawingml/2006/main" xmlns:r="http://schemas.openxmlformats.org/officeDocument/2006/relationships" xmlns:p="http://schemas.openxmlformats.org/presentationml/2006/main">
   <p:cSld>
     <p:spTree>
@@ -27726,7 +28127,7 @@
           <a:p>
             <a:fld id="{6F0746BA-D1AA-4FF4-8D48-BDBC7FF48778}" type="slidenum">
               <a:rPr lang="fr-FR" smtClean="0"/>
-              <a:t>19</a:t>
+              <a:t>20</a:t>
             </a:fld>
             <a:endParaRPr lang="fr-FR"/>
           </a:p>
@@ -27812,7 +28213,7 @@
 </p:sld>
 </file>
 
-<file path=ppt/slides/slide2.xml><?xml version="1.0" encoding="utf-8"?>
+<file path=ppt/slides/slide21.xml><?xml version="1.0" encoding="utf-8"?>
 <p:sld xmlns:a="http://schemas.openxmlformats.org/drawingml/2006/main" xmlns:r="http://schemas.openxmlformats.org/officeDocument/2006/relationships" xmlns:p="http://schemas.openxmlformats.org/presentationml/2006/main">
   <p:cSld>
     <p:spTree>
@@ -27846,7 +28247,1087 @@
           <a:p>
             <a:fld id="{6F0746BA-D1AA-4FF4-8D48-BDBC7FF48778}" type="slidenum">
               <a:rPr lang="fr-FR" smtClean="0"/>
-              <a:t>2</a:t>
+              <a:t>21</a:t>
+            </a:fld>
+            <a:endParaRPr lang="fr-FR"/>
+          </a:p>
+        </p:txBody>
+      </p:sp>
+      <p:pic>
+        <p:nvPicPr>
+          <p:cNvPr id="5" name="圖片 4"/>
+          <p:cNvPicPr>
+            <a:picLocks noChangeAspect="1"/>
+          </p:cNvPicPr>
+          <p:nvPr/>
+        </p:nvPicPr>
+        <p:blipFill>
+          <a:blip r:embed="rId3"/>
+          <a:stretch>
+            <a:fillRect/>
+          </a:stretch>
+        </p:blipFill>
+        <p:spPr>
+          <a:xfrm>
+            <a:off x="220121" y="1292141"/>
+            <a:ext cx="6095238" cy="4571429"/>
+          </a:xfrm>
+          <a:prstGeom prst="rect">
+            <a:avLst/>
+          </a:prstGeom>
+        </p:spPr>
+      </p:pic>
+      <p:pic>
+        <p:nvPicPr>
+          <p:cNvPr id="6" name="圖片 5"/>
+          <p:cNvPicPr>
+            <a:picLocks noChangeAspect="1"/>
+          </p:cNvPicPr>
+          <p:nvPr/>
+        </p:nvPicPr>
+        <p:blipFill>
+          <a:blip r:embed="rId4"/>
+          <a:stretch>
+            <a:fillRect/>
+          </a:stretch>
+        </p:blipFill>
+        <p:spPr>
+          <a:xfrm>
+            <a:off x="6096762" y="1292140"/>
+            <a:ext cx="6095238" cy="4571429"/>
+          </a:xfrm>
+          <a:prstGeom prst="rect">
+            <a:avLst/>
+          </a:prstGeom>
+        </p:spPr>
+      </p:pic>
+    </p:spTree>
+    <p:extLst>
+      <p:ext uri="{BB962C8B-B14F-4D97-AF65-F5344CB8AC3E}">
+        <p14:creationId xmlns:p14="http://schemas.microsoft.com/office/powerpoint/2010/main" val="1495627672"/>
+      </p:ext>
+    </p:extLst>
+  </p:cSld>
+  <p:clrMapOvr>
+    <a:masterClrMapping/>
+  </p:clrMapOvr>
+  <mc:AlternateContent xmlns:mc="http://schemas.openxmlformats.org/markup-compatibility/2006" xmlns:p14="http://schemas.microsoft.com/office/powerpoint/2010/main">
+    <mc:Choice Requires="p14">
+      <p:transition spd="med" p14:dur="700">
+        <p:fade/>
+      </p:transition>
+    </mc:Choice>
+    <mc:Fallback xmlns="">
+      <p:transition spd="med">
+        <p:fade/>
+      </p:transition>
+    </mc:Fallback>
+  </mc:AlternateContent>
+  <p:timing>
+    <p:tnLst>
+      <p:par>
+        <p:cTn id="1" dur="indefinite" restart="never" nodeType="tmRoot"/>
+      </p:par>
+    </p:tnLst>
+  </p:timing>
+</p:sld>
+</file>
+
+<file path=ppt/slides/slide22.xml><?xml version="1.0" encoding="utf-8"?>
+<p:sld xmlns:a="http://schemas.openxmlformats.org/drawingml/2006/main" xmlns:r="http://schemas.openxmlformats.org/officeDocument/2006/relationships" xmlns:p="http://schemas.openxmlformats.org/presentationml/2006/main">
+  <p:cSld>
+    <p:spTree>
+      <p:nvGrpSpPr>
+        <p:cNvPr id="1" name=""/>
+        <p:cNvGrpSpPr/>
+        <p:nvPr/>
+      </p:nvGrpSpPr>
+      <p:grpSpPr>
+        <a:xfrm>
+          <a:off x="0" y="0"/>
+          <a:ext cx="0" cy="0"/>
+          <a:chOff x="0" y="0"/>
+          <a:chExt cx="0" cy="0"/>
+        </a:xfrm>
+      </p:grpSpPr>
+      <p:sp>
+        <p:nvSpPr>
+          <p:cNvPr id="2" name="投影片編號版面配置區 1"/>
+          <p:cNvSpPr>
+            <a:spLocks noGrp="1"/>
+          </p:cNvSpPr>
+          <p:nvPr>
+            <p:ph type="sldNum" sz="quarter" idx="4"/>
+          </p:nvPr>
+        </p:nvSpPr>
+        <p:spPr/>
+        <p:txBody>
+          <a:bodyPr/>
+          <a:lstStyle/>
+          <a:p>
+            <a:fld id="{6F0746BA-D1AA-4FF4-8D48-BDBC7FF48778}" type="slidenum">
+              <a:rPr lang="fr-FR" smtClean="0"/>
+              <a:t>22</a:t>
+            </a:fld>
+            <a:endParaRPr lang="fr-FR"/>
+          </a:p>
+        </p:txBody>
+      </p:sp>
+      <p:pic>
+        <p:nvPicPr>
+          <p:cNvPr id="5" name="圖片 4"/>
+          <p:cNvPicPr>
+            <a:picLocks noChangeAspect="1"/>
+          </p:cNvPicPr>
+          <p:nvPr/>
+        </p:nvPicPr>
+        <p:blipFill>
+          <a:blip r:embed="rId3"/>
+          <a:stretch>
+            <a:fillRect/>
+          </a:stretch>
+        </p:blipFill>
+        <p:spPr>
+          <a:xfrm>
+            <a:off x="762" y="1313406"/>
+            <a:ext cx="6095238" cy="4571429"/>
+          </a:xfrm>
+          <a:prstGeom prst="rect">
+            <a:avLst/>
+          </a:prstGeom>
+        </p:spPr>
+      </p:pic>
+      <p:pic>
+        <p:nvPicPr>
+          <p:cNvPr id="6" name="圖片 5"/>
+          <p:cNvPicPr>
+            <a:picLocks noChangeAspect="1"/>
+          </p:cNvPicPr>
+          <p:nvPr/>
+        </p:nvPicPr>
+        <p:blipFill>
+          <a:blip r:embed="rId4"/>
+          <a:stretch>
+            <a:fillRect/>
+          </a:stretch>
+        </p:blipFill>
+        <p:spPr>
+          <a:xfrm>
+            <a:off x="6096000" y="1313406"/>
+            <a:ext cx="6095238" cy="4571429"/>
+          </a:xfrm>
+          <a:prstGeom prst="rect">
+            <a:avLst/>
+          </a:prstGeom>
+        </p:spPr>
+      </p:pic>
+    </p:spTree>
+    <p:extLst>
+      <p:ext uri="{BB962C8B-B14F-4D97-AF65-F5344CB8AC3E}">
+        <p14:creationId xmlns:p14="http://schemas.microsoft.com/office/powerpoint/2010/main" val="3429600643"/>
+      </p:ext>
+    </p:extLst>
+  </p:cSld>
+  <p:clrMapOvr>
+    <a:masterClrMapping/>
+  </p:clrMapOvr>
+  <mc:AlternateContent xmlns:mc="http://schemas.openxmlformats.org/markup-compatibility/2006" xmlns:p14="http://schemas.microsoft.com/office/powerpoint/2010/main">
+    <mc:Choice Requires="p14">
+      <p:transition spd="med" p14:dur="700">
+        <p:fade/>
+      </p:transition>
+    </mc:Choice>
+    <mc:Fallback xmlns="">
+      <p:transition spd="med">
+        <p:fade/>
+      </p:transition>
+    </mc:Fallback>
+  </mc:AlternateContent>
+  <p:timing>
+    <p:tnLst>
+      <p:par>
+        <p:cTn id="1" dur="indefinite" restart="never" nodeType="tmRoot"/>
+      </p:par>
+    </p:tnLst>
+  </p:timing>
+</p:sld>
+</file>
+
+<file path=ppt/slides/slide23.xml><?xml version="1.0" encoding="utf-8"?>
+<p:sld xmlns:a="http://schemas.openxmlformats.org/drawingml/2006/main" xmlns:r="http://schemas.openxmlformats.org/officeDocument/2006/relationships" xmlns:p="http://schemas.openxmlformats.org/presentationml/2006/main">
+  <p:cSld>
+    <p:spTree>
+      <p:nvGrpSpPr>
+        <p:cNvPr id="1" name=""/>
+        <p:cNvGrpSpPr/>
+        <p:nvPr/>
+      </p:nvGrpSpPr>
+      <p:grpSpPr>
+        <a:xfrm>
+          <a:off x="0" y="0"/>
+          <a:ext cx="0" cy="0"/>
+          <a:chOff x="0" y="0"/>
+          <a:chExt cx="0" cy="0"/>
+        </a:xfrm>
+      </p:grpSpPr>
+      <p:sp>
+        <p:nvSpPr>
+          <p:cNvPr id="2" name="投影片編號版面配置區 1"/>
+          <p:cNvSpPr>
+            <a:spLocks noGrp="1"/>
+          </p:cNvSpPr>
+          <p:nvPr>
+            <p:ph type="sldNum" sz="quarter" idx="4"/>
+          </p:nvPr>
+        </p:nvSpPr>
+        <p:spPr/>
+        <p:txBody>
+          <a:bodyPr/>
+          <a:lstStyle/>
+          <a:p>
+            <a:fld id="{6F0746BA-D1AA-4FF4-8D48-BDBC7FF48778}" type="slidenum">
+              <a:rPr lang="fr-FR" smtClean="0"/>
+              <a:t>23</a:t>
+            </a:fld>
+            <a:endParaRPr lang="fr-FR"/>
+          </a:p>
+        </p:txBody>
+      </p:sp>
+      <p:pic>
+        <p:nvPicPr>
+          <p:cNvPr id="5" name="圖片 4"/>
+          <p:cNvPicPr>
+            <a:picLocks noChangeAspect="1"/>
+          </p:cNvPicPr>
+          <p:nvPr/>
+        </p:nvPicPr>
+        <p:blipFill>
+          <a:blip r:embed="rId3"/>
+          <a:stretch>
+            <a:fillRect/>
+          </a:stretch>
+        </p:blipFill>
+        <p:spPr>
+          <a:xfrm>
+            <a:off x="762" y="1143285"/>
+            <a:ext cx="6095238" cy="4571429"/>
+          </a:xfrm>
+          <a:prstGeom prst="rect">
+            <a:avLst/>
+          </a:prstGeom>
+        </p:spPr>
+      </p:pic>
+      <p:pic>
+        <p:nvPicPr>
+          <p:cNvPr id="6" name="圖片 5"/>
+          <p:cNvPicPr>
+            <a:picLocks noChangeAspect="1"/>
+          </p:cNvPicPr>
+          <p:nvPr/>
+        </p:nvPicPr>
+        <p:blipFill>
+          <a:blip r:embed="rId4"/>
+          <a:stretch>
+            <a:fillRect/>
+          </a:stretch>
+        </p:blipFill>
+        <p:spPr>
+          <a:xfrm>
+            <a:off x="6096762" y="1143284"/>
+            <a:ext cx="6095238" cy="4571429"/>
+          </a:xfrm>
+          <a:prstGeom prst="rect">
+            <a:avLst/>
+          </a:prstGeom>
+        </p:spPr>
+      </p:pic>
+    </p:spTree>
+    <p:extLst>
+      <p:ext uri="{BB962C8B-B14F-4D97-AF65-F5344CB8AC3E}">
+        <p14:creationId xmlns:p14="http://schemas.microsoft.com/office/powerpoint/2010/main" val="2250429200"/>
+      </p:ext>
+    </p:extLst>
+  </p:cSld>
+  <p:clrMapOvr>
+    <a:masterClrMapping/>
+  </p:clrMapOvr>
+  <mc:AlternateContent xmlns:mc="http://schemas.openxmlformats.org/markup-compatibility/2006" xmlns:p14="http://schemas.microsoft.com/office/powerpoint/2010/main">
+    <mc:Choice Requires="p14">
+      <p:transition spd="med" p14:dur="700">
+        <p:fade/>
+      </p:transition>
+    </mc:Choice>
+    <mc:Fallback xmlns="">
+      <p:transition spd="med">
+        <p:fade/>
+      </p:transition>
+    </mc:Fallback>
+  </mc:AlternateContent>
+  <p:timing>
+    <p:tnLst>
+      <p:par>
+        <p:cTn id="1" dur="indefinite" restart="never" nodeType="tmRoot"/>
+      </p:par>
+    </p:tnLst>
+  </p:timing>
+</p:sld>
+</file>
+
+<file path=ppt/slides/slide24.xml><?xml version="1.0" encoding="utf-8"?>
+<p:sld xmlns:a="http://schemas.openxmlformats.org/drawingml/2006/main" xmlns:r="http://schemas.openxmlformats.org/officeDocument/2006/relationships" xmlns:p="http://schemas.openxmlformats.org/presentationml/2006/main">
+  <p:cSld>
+    <p:spTree>
+      <p:nvGrpSpPr>
+        <p:cNvPr id="1" name=""/>
+        <p:cNvGrpSpPr/>
+        <p:nvPr/>
+      </p:nvGrpSpPr>
+      <p:grpSpPr>
+        <a:xfrm>
+          <a:off x="0" y="0"/>
+          <a:ext cx="0" cy="0"/>
+          <a:chOff x="0" y="0"/>
+          <a:chExt cx="0" cy="0"/>
+        </a:xfrm>
+      </p:grpSpPr>
+      <p:sp>
+        <p:nvSpPr>
+          <p:cNvPr id="2" name="投影片編號版面配置區 1"/>
+          <p:cNvSpPr>
+            <a:spLocks noGrp="1"/>
+          </p:cNvSpPr>
+          <p:nvPr>
+            <p:ph type="sldNum" sz="quarter" idx="4"/>
+          </p:nvPr>
+        </p:nvSpPr>
+        <p:spPr/>
+        <p:txBody>
+          <a:bodyPr/>
+          <a:lstStyle/>
+          <a:p>
+            <a:fld id="{6F0746BA-D1AA-4FF4-8D48-BDBC7FF48778}" type="slidenum">
+              <a:rPr lang="fr-FR" smtClean="0"/>
+              <a:t>24</a:t>
+            </a:fld>
+            <a:endParaRPr lang="fr-FR"/>
+          </a:p>
+        </p:txBody>
+      </p:sp>
+      <p:pic>
+        <p:nvPicPr>
+          <p:cNvPr id="3" name="圖片 2"/>
+          <p:cNvPicPr>
+            <a:picLocks noChangeAspect="1"/>
+          </p:cNvPicPr>
+          <p:nvPr/>
+        </p:nvPicPr>
+        <p:blipFill>
+          <a:blip r:embed="rId3"/>
+          <a:stretch>
+            <a:fillRect/>
+          </a:stretch>
+        </p:blipFill>
+        <p:spPr>
+          <a:xfrm>
+            <a:off x="244615" y="1427000"/>
+            <a:ext cx="5344500" cy="4004000"/>
+          </a:xfrm>
+          <a:prstGeom prst="rect">
+            <a:avLst/>
+          </a:prstGeom>
+        </p:spPr>
+      </p:pic>
+      <p:pic>
+        <p:nvPicPr>
+          <p:cNvPr id="4" name="圖片 3"/>
+          <p:cNvPicPr>
+            <a:picLocks noChangeAspect="1"/>
+          </p:cNvPicPr>
+          <p:nvPr/>
+        </p:nvPicPr>
+        <p:blipFill>
+          <a:blip r:embed="rId4"/>
+          <a:stretch>
+            <a:fillRect/>
+          </a:stretch>
+        </p:blipFill>
+        <p:spPr>
+          <a:xfrm>
+            <a:off x="6315806" y="1427000"/>
+            <a:ext cx="5344500" cy="4004000"/>
+          </a:xfrm>
+          <a:prstGeom prst="rect">
+            <a:avLst/>
+          </a:prstGeom>
+        </p:spPr>
+      </p:pic>
+    </p:spTree>
+    <p:extLst>
+      <p:ext uri="{BB962C8B-B14F-4D97-AF65-F5344CB8AC3E}">
+        <p14:creationId xmlns:p14="http://schemas.microsoft.com/office/powerpoint/2010/main" val="1182961334"/>
+      </p:ext>
+    </p:extLst>
+  </p:cSld>
+  <p:clrMapOvr>
+    <a:masterClrMapping/>
+  </p:clrMapOvr>
+  <mc:AlternateContent xmlns:mc="http://schemas.openxmlformats.org/markup-compatibility/2006" xmlns:p14="http://schemas.microsoft.com/office/powerpoint/2010/main">
+    <mc:Choice Requires="p14">
+      <p:transition spd="med" p14:dur="700">
+        <p:fade/>
+      </p:transition>
+    </mc:Choice>
+    <mc:Fallback xmlns="">
+      <p:transition spd="med">
+        <p:fade/>
+      </p:transition>
+    </mc:Fallback>
+  </mc:AlternateContent>
+  <p:timing>
+    <p:tnLst>
+      <p:par>
+        <p:cTn id="1" dur="indefinite" restart="never" nodeType="tmRoot"/>
+      </p:par>
+    </p:tnLst>
+  </p:timing>
+</p:sld>
+</file>
+
+<file path=ppt/slides/slide25.xml><?xml version="1.0" encoding="utf-8"?>
+<p:sld xmlns:a="http://schemas.openxmlformats.org/drawingml/2006/main" xmlns:r="http://schemas.openxmlformats.org/officeDocument/2006/relationships" xmlns:p="http://schemas.openxmlformats.org/presentationml/2006/main">
+  <p:cSld>
+    <p:spTree>
+      <p:nvGrpSpPr>
+        <p:cNvPr id="1" name=""/>
+        <p:cNvGrpSpPr/>
+        <p:nvPr/>
+      </p:nvGrpSpPr>
+      <p:grpSpPr>
+        <a:xfrm>
+          <a:off x="0" y="0"/>
+          <a:ext cx="0" cy="0"/>
+          <a:chOff x="0" y="0"/>
+          <a:chExt cx="0" cy="0"/>
+        </a:xfrm>
+      </p:grpSpPr>
+      <p:sp>
+        <p:nvSpPr>
+          <p:cNvPr id="2" name="投影片編號版面配置區 1"/>
+          <p:cNvSpPr>
+            <a:spLocks noGrp="1"/>
+          </p:cNvSpPr>
+          <p:nvPr>
+            <p:ph type="sldNum" sz="quarter" idx="4"/>
+          </p:nvPr>
+        </p:nvSpPr>
+        <p:spPr/>
+        <p:txBody>
+          <a:bodyPr/>
+          <a:lstStyle/>
+          <a:p>
+            <a:fld id="{6F0746BA-D1AA-4FF4-8D48-BDBC7FF48778}" type="slidenum">
+              <a:rPr lang="fr-FR" smtClean="0"/>
+              <a:t>25</a:t>
+            </a:fld>
+            <a:endParaRPr lang="fr-FR"/>
+          </a:p>
+        </p:txBody>
+      </p:sp>
+      <p:pic>
+        <p:nvPicPr>
+          <p:cNvPr id="3" name="圖片 2"/>
+          <p:cNvPicPr>
+            <a:picLocks noChangeAspect="1"/>
+          </p:cNvPicPr>
+          <p:nvPr/>
+        </p:nvPicPr>
+        <p:blipFill>
+          <a:blip r:embed="rId3"/>
+          <a:stretch>
+            <a:fillRect/>
+          </a:stretch>
+        </p:blipFill>
+        <p:spPr>
+          <a:xfrm>
+            <a:off x="74494" y="1788507"/>
+            <a:ext cx="5344500" cy="4004000"/>
+          </a:xfrm>
+          <a:prstGeom prst="rect">
+            <a:avLst/>
+          </a:prstGeom>
+        </p:spPr>
+      </p:pic>
+      <p:pic>
+        <p:nvPicPr>
+          <p:cNvPr id="4" name="圖片 3"/>
+          <p:cNvPicPr>
+            <a:picLocks noChangeAspect="1"/>
+          </p:cNvPicPr>
+          <p:nvPr/>
+        </p:nvPicPr>
+        <p:blipFill>
+          <a:blip r:embed="rId4"/>
+          <a:stretch>
+            <a:fillRect/>
+          </a:stretch>
+        </p:blipFill>
+        <p:spPr>
+          <a:xfrm>
+            <a:off x="6230746" y="1714079"/>
+            <a:ext cx="5344500" cy="4004000"/>
+          </a:xfrm>
+          <a:prstGeom prst="rect">
+            <a:avLst/>
+          </a:prstGeom>
+        </p:spPr>
+      </p:pic>
+    </p:spTree>
+    <p:extLst>
+      <p:ext uri="{BB962C8B-B14F-4D97-AF65-F5344CB8AC3E}">
+        <p14:creationId xmlns:p14="http://schemas.microsoft.com/office/powerpoint/2010/main" val="1967788204"/>
+      </p:ext>
+    </p:extLst>
+  </p:cSld>
+  <p:clrMapOvr>
+    <a:masterClrMapping/>
+  </p:clrMapOvr>
+  <mc:AlternateContent xmlns:mc="http://schemas.openxmlformats.org/markup-compatibility/2006" xmlns:p14="http://schemas.microsoft.com/office/powerpoint/2010/main">
+    <mc:Choice Requires="p14">
+      <p:transition spd="med" p14:dur="700">
+        <p:fade/>
+      </p:transition>
+    </mc:Choice>
+    <mc:Fallback xmlns="">
+      <p:transition spd="med">
+        <p:fade/>
+      </p:transition>
+    </mc:Fallback>
+  </mc:AlternateContent>
+  <p:timing>
+    <p:tnLst>
+      <p:par>
+        <p:cTn id="1" dur="indefinite" restart="never" nodeType="tmRoot"/>
+      </p:par>
+    </p:tnLst>
+  </p:timing>
+</p:sld>
+</file>
+
+<file path=ppt/slides/slide26.xml><?xml version="1.0" encoding="utf-8"?>
+<p:sld xmlns:a="http://schemas.openxmlformats.org/drawingml/2006/main" xmlns:r="http://schemas.openxmlformats.org/officeDocument/2006/relationships" xmlns:p="http://schemas.openxmlformats.org/presentationml/2006/main">
+  <p:cSld>
+    <p:spTree>
+      <p:nvGrpSpPr>
+        <p:cNvPr id="1" name=""/>
+        <p:cNvGrpSpPr/>
+        <p:nvPr/>
+      </p:nvGrpSpPr>
+      <p:grpSpPr>
+        <a:xfrm>
+          <a:off x="0" y="0"/>
+          <a:ext cx="0" cy="0"/>
+          <a:chOff x="0" y="0"/>
+          <a:chExt cx="0" cy="0"/>
+        </a:xfrm>
+      </p:grpSpPr>
+      <p:sp>
+        <p:nvSpPr>
+          <p:cNvPr id="2" name="投影片編號版面配置區 1"/>
+          <p:cNvSpPr>
+            <a:spLocks noGrp="1"/>
+          </p:cNvSpPr>
+          <p:nvPr>
+            <p:ph type="sldNum" sz="quarter" idx="4"/>
+          </p:nvPr>
+        </p:nvSpPr>
+        <p:spPr/>
+        <p:txBody>
+          <a:bodyPr/>
+          <a:lstStyle/>
+          <a:p>
+            <a:fld id="{6F0746BA-D1AA-4FF4-8D48-BDBC7FF48778}" type="slidenum">
+              <a:rPr lang="fr-FR" smtClean="0"/>
+              <a:t>26</a:t>
+            </a:fld>
+            <a:endParaRPr lang="fr-FR"/>
+          </a:p>
+        </p:txBody>
+      </p:sp>
+      <p:pic>
+        <p:nvPicPr>
+          <p:cNvPr id="3" name="圖片 2"/>
+          <p:cNvPicPr>
+            <a:picLocks noChangeAspect="1"/>
+          </p:cNvPicPr>
+          <p:nvPr/>
+        </p:nvPicPr>
+        <p:blipFill>
+          <a:blip r:embed="rId3"/>
+          <a:stretch>
+            <a:fillRect/>
+          </a:stretch>
+        </p:blipFill>
+        <p:spPr>
+          <a:xfrm>
+            <a:off x="159555" y="1682181"/>
+            <a:ext cx="5344500" cy="4004000"/>
+          </a:xfrm>
+          <a:prstGeom prst="rect">
+            <a:avLst/>
+          </a:prstGeom>
+        </p:spPr>
+      </p:pic>
+      <p:pic>
+        <p:nvPicPr>
+          <p:cNvPr id="4" name="圖片 3"/>
+          <p:cNvPicPr>
+            <a:picLocks noChangeAspect="1"/>
+          </p:cNvPicPr>
+          <p:nvPr/>
+        </p:nvPicPr>
+        <p:blipFill>
+          <a:blip r:embed="rId4"/>
+          <a:stretch>
+            <a:fillRect/>
+          </a:stretch>
+        </p:blipFill>
+        <p:spPr>
+          <a:xfrm>
+            <a:off x="6080738" y="1751292"/>
+            <a:ext cx="5344500" cy="4004000"/>
+          </a:xfrm>
+          <a:prstGeom prst="rect">
+            <a:avLst/>
+          </a:prstGeom>
+        </p:spPr>
+      </p:pic>
+    </p:spTree>
+    <p:extLst>
+      <p:ext uri="{BB962C8B-B14F-4D97-AF65-F5344CB8AC3E}">
+        <p14:creationId xmlns:p14="http://schemas.microsoft.com/office/powerpoint/2010/main" val="1923298507"/>
+      </p:ext>
+    </p:extLst>
+  </p:cSld>
+  <p:clrMapOvr>
+    <a:masterClrMapping/>
+  </p:clrMapOvr>
+  <mc:AlternateContent xmlns:mc="http://schemas.openxmlformats.org/markup-compatibility/2006" xmlns:p14="http://schemas.microsoft.com/office/powerpoint/2010/main">
+    <mc:Choice Requires="p14">
+      <p:transition spd="med" p14:dur="700">
+        <p:fade/>
+      </p:transition>
+    </mc:Choice>
+    <mc:Fallback xmlns="">
+      <p:transition spd="med">
+        <p:fade/>
+      </p:transition>
+    </mc:Fallback>
+  </mc:AlternateContent>
+  <p:timing>
+    <p:tnLst>
+      <p:par>
+        <p:cTn id="1" dur="indefinite" restart="never" nodeType="tmRoot"/>
+      </p:par>
+    </p:tnLst>
+  </p:timing>
+</p:sld>
+</file>
+
+<file path=ppt/slides/slide27.xml><?xml version="1.0" encoding="utf-8"?>
+<p:sld xmlns:a="http://schemas.openxmlformats.org/drawingml/2006/main" xmlns:r="http://schemas.openxmlformats.org/officeDocument/2006/relationships" xmlns:p="http://schemas.openxmlformats.org/presentationml/2006/main">
+  <p:cSld>
+    <p:spTree>
+      <p:nvGrpSpPr>
+        <p:cNvPr id="1" name=""/>
+        <p:cNvGrpSpPr/>
+        <p:nvPr/>
+      </p:nvGrpSpPr>
+      <p:grpSpPr>
+        <a:xfrm>
+          <a:off x="0" y="0"/>
+          <a:ext cx="0" cy="0"/>
+          <a:chOff x="0" y="0"/>
+          <a:chExt cx="0" cy="0"/>
+        </a:xfrm>
+      </p:grpSpPr>
+      <p:sp>
+        <p:nvSpPr>
+          <p:cNvPr id="2" name="投影片編號版面配置區 1"/>
+          <p:cNvSpPr>
+            <a:spLocks noGrp="1"/>
+          </p:cNvSpPr>
+          <p:nvPr>
+            <p:ph type="sldNum" sz="quarter" idx="4"/>
+          </p:nvPr>
+        </p:nvSpPr>
+        <p:spPr/>
+        <p:txBody>
+          <a:bodyPr/>
+          <a:lstStyle/>
+          <a:p>
+            <a:fld id="{6F0746BA-D1AA-4FF4-8D48-BDBC7FF48778}" type="slidenum">
+              <a:rPr lang="fr-FR" smtClean="0"/>
+              <a:t>27</a:t>
+            </a:fld>
+            <a:endParaRPr lang="fr-FR"/>
+          </a:p>
+        </p:txBody>
+      </p:sp>
+      <p:pic>
+        <p:nvPicPr>
+          <p:cNvPr id="3" name="圖片 2"/>
+          <p:cNvPicPr>
+            <a:picLocks noChangeAspect="1"/>
+          </p:cNvPicPr>
+          <p:nvPr/>
+        </p:nvPicPr>
+        <p:blipFill>
+          <a:blip r:embed="rId3"/>
+          <a:stretch>
+            <a:fillRect/>
+          </a:stretch>
+        </p:blipFill>
+        <p:spPr>
+          <a:xfrm>
+            <a:off x="-95627" y="1831037"/>
+            <a:ext cx="5344500" cy="4004000"/>
+          </a:xfrm>
+          <a:prstGeom prst="rect">
+            <a:avLst/>
+          </a:prstGeom>
+        </p:spPr>
+      </p:pic>
+      <p:pic>
+        <p:nvPicPr>
+          <p:cNvPr id="4" name="圖片 3"/>
+          <p:cNvPicPr>
+            <a:picLocks noChangeAspect="1"/>
+          </p:cNvPicPr>
+          <p:nvPr/>
+        </p:nvPicPr>
+        <p:blipFill>
+          <a:blip r:embed="rId4"/>
+          <a:stretch>
+            <a:fillRect/>
+          </a:stretch>
+        </p:blipFill>
+        <p:spPr>
+          <a:xfrm>
+            <a:off x="6443396" y="1831037"/>
+            <a:ext cx="5344500" cy="4004000"/>
+          </a:xfrm>
+          <a:prstGeom prst="rect">
+            <a:avLst/>
+          </a:prstGeom>
+        </p:spPr>
+      </p:pic>
+    </p:spTree>
+    <p:extLst>
+      <p:ext uri="{BB962C8B-B14F-4D97-AF65-F5344CB8AC3E}">
+        <p14:creationId xmlns:p14="http://schemas.microsoft.com/office/powerpoint/2010/main" val="225923040"/>
+      </p:ext>
+    </p:extLst>
+  </p:cSld>
+  <p:clrMapOvr>
+    <a:masterClrMapping/>
+  </p:clrMapOvr>
+  <mc:AlternateContent xmlns:mc="http://schemas.openxmlformats.org/markup-compatibility/2006" xmlns:p14="http://schemas.microsoft.com/office/powerpoint/2010/main">
+    <mc:Choice Requires="p14">
+      <p:transition spd="med" p14:dur="700">
+        <p:fade/>
+      </p:transition>
+    </mc:Choice>
+    <mc:Fallback xmlns="">
+      <p:transition spd="med">
+        <p:fade/>
+      </p:transition>
+    </mc:Fallback>
+  </mc:AlternateContent>
+  <p:timing>
+    <p:tnLst>
+      <p:par>
+        <p:cTn id="1" dur="indefinite" restart="never" nodeType="tmRoot"/>
+      </p:par>
+    </p:tnLst>
+  </p:timing>
+</p:sld>
+</file>
+
+<file path=ppt/slides/slide28.xml><?xml version="1.0" encoding="utf-8"?>
+<p:sld xmlns:a="http://schemas.openxmlformats.org/drawingml/2006/main" xmlns:r="http://schemas.openxmlformats.org/officeDocument/2006/relationships" xmlns:p="http://schemas.openxmlformats.org/presentationml/2006/main">
+  <p:cSld>
+    <p:spTree>
+      <p:nvGrpSpPr>
+        <p:cNvPr id="1" name=""/>
+        <p:cNvGrpSpPr/>
+        <p:nvPr/>
+      </p:nvGrpSpPr>
+      <p:grpSpPr>
+        <a:xfrm>
+          <a:off x="0" y="0"/>
+          <a:ext cx="0" cy="0"/>
+          <a:chOff x="0" y="0"/>
+          <a:chExt cx="0" cy="0"/>
+        </a:xfrm>
+      </p:grpSpPr>
+      <p:sp>
+        <p:nvSpPr>
+          <p:cNvPr id="2" name="投影片編號版面配置區 1"/>
+          <p:cNvSpPr>
+            <a:spLocks noGrp="1"/>
+          </p:cNvSpPr>
+          <p:nvPr>
+            <p:ph type="sldNum" sz="quarter" idx="4"/>
+          </p:nvPr>
+        </p:nvSpPr>
+        <p:spPr/>
+        <p:txBody>
+          <a:bodyPr/>
+          <a:lstStyle/>
+          <a:p>
+            <a:fld id="{6F0746BA-D1AA-4FF4-8D48-BDBC7FF48778}" type="slidenum">
+              <a:rPr lang="fr-FR" smtClean="0"/>
+              <a:t>28</a:t>
+            </a:fld>
+            <a:endParaRPr lang="fr-FR"/>
+          </a:p>
+        </p:txBody>
+      </p:sp>
+      <p:pic>
+        <p:nvPicPr>
+          <p:cNvPr id="3" name="圖片 2"/>
+          <p:cNvPicPr>
+            <a:picLocks noChangeAspect="1"/>
+          </p:cNvPicPr>
+          <p:nvPr/>
+        </p:nvPicPr>
+        <p:blipFill>
+          <a:blip r:embed="rId3"/>
+          <a:stretch>
+            <a:fillRect/>
+          </a:stretch>
+        </p:blipFill>
+        <p:spPr>
+          <a:xfrm>
+            <a:off x="0" y="1292141"/>
+            <a:ext cx="6095238" cy="4571429"/>
+          </a:xfrm>
+          <a:prstGeom prst="rect">
+            <a:avLst/>
+          </a:prstGeom>
+        </p:spPr>
+      </p:pic>
+      <p:pic>
+        <p:nvPicPr>
+          <p:cNvPr id="4" name="圖片 3"/>
+          <p:cNvPicPr>
+            <a:picLocks noChangeAspect="1"/>
+          </p:cNvPicPr>
+          <p:nvPr/>
+        </p:nvPicPr>
+        <p:blipFill>
+          <a:blip r:embed="rId4"/>
+          <a:stretch>
+            <a:fillRect/>
+          </a:stretch>
+        </p:blipFill>
+        <p:spPr>
+          <a:xfrm>
+            <a:off x="6096762" y="1292141"/>
+            <a:ext cx="6095238" cy="4571429"/>
+          </a:xfrm>
+          <a:prstGeom prst="rect">
+            <a:avLst/>
+          </a:prstGeom>
+        </p:spPr>
+      </p:pic>
+    </p:spTree>
+    <p:extLst>
+      <p:ext uri="{BB962C8B-B14F-4D97-AF65-F5344CB8AC3E}">
+        <p14:creationId xmlns:p14="http://schemas.microsoft.com/office/powerpoint/2010/main" val="2571522847"/>
+      </p:ext>
+    </p:extLst>
+  </p:cSld>
+  <p:clrMapOvr>
+    <a:masterClrMapping/>
+  </p:clrMapOvr>
+  <mc:AlternateContent xmlns:mc="http://schemas.openxmlformats.org/markup-compatibility/2006" xmlns:p14="http://schemas.microsoft.com/office/powerpoint/2010/main">
+    <mc:Choice Requires="p14">
+      <p:transition spd="med" p14:dur="700">
+        <p:fade/>
+      </p:transition>
+    </mc:Choice>
+    <mc:Fallback xmlns="">
+      <p:transition spd="med">
+        <p:fade/>
+      </p:transition>
+    </mc:Fallback>
+  </mc:AlternateContent>
+  <p:timing>
+    <p:tnLst>
+      <p:par>
+        <p:cTn id="1" dur="indefinite" restart="never" nodeType="tmRoot"/>
+      </p:par>
+    </p:tnLst>
+  </p:timing>
+</p:sld>
+</file>
+
+<file path=ppt/slides/slide29.xml><?xml version="1.0" encoding="utf-8"?>
+<p:sld xmlns:a="http://schemas.openxmlformats.org/drawingml/2006/main" xmlns:r="http://schemas.openxmlformats.org/officeDocument/2006/relationships" xmlns:p="http://schemas.openxmlformats.org/presentationml/2006/main">
+  <p:cSld>
+    <p:spTree>
+      <p:nvGrpSpPr>
+        <p:cNvPr id="1" name=""/>
+        <p:cNvGrpSpPr/>
+        <p:nvPr/>
+      </p:nvGrpSpPr>
+      <p:grpSpPr>
+        <a:xfrm>
+          <a:off x="0" y="0"/>
+          <a:ext cx="0" cy="0"/>
+          <a:chOff x="0" y="0"/>
+          <a:chExt cx="0" cy="0"/>
+        </a:xfrm>
+      </p:grpSpPr>
+      <p:sp>
+        <p:nvSpPr>
+          <p:cNvPr id="2" name="投影片編號版面配置區 1"/>
+          <p:cNvSpPr>
+            <a:spLocks noGrp="1"/>
+          </p:cNvSpPr>
+          <p:nvPr>
+            <p:ph type="sldNum" sz="quarter" idx="4"/>
+          </p:nvPr>
+        </p:nvSpPr>
+        <p:spPr/>
+        <p:txBody>
+          <a:bodyPr/>
+          <a:lstStyle/>
+          <a:p>
+            <a:fld id="{6F0746BA-D1AA-4FF4-8D48-BDBC7FF48778}" type="slidenum">
+              <a:rPr lang="fr-FR" smtClean="0"/>
+              <a:t>29</a:t>
+            </a:fld>
+            <a:endParaRPr lang="fr-FR"/>
+          </a:p>
+        </p:txBody>
+      </p:sp>
+      <p:pic>
+        <p:nvPicPr>
+          <p:cNvPr id="3" name="圖片 2"/>
+          <p:cNvPicPr>
+            <a:picLocks noChangeAspect="1"/>
+          </p:cNvPicPr>
+          <p:nvPr/>
+        </p:nvPicPr>
+        <p:blipFill>
+          <a:blip r:embed="rId3"/>
+          <a:stretch>
+            <a:fillRect/>
+          </a:stretch>
+        </p:blipFill>
+        <p:spPr>
+          <a:xfrm>
+            <a:off x="762" y="1387834"/>
+            <a:ext cx="6095238" cy="4571429"/>
+          </a:xfrm>
+          <a:prstGeom prst="rect">
+            <a:avLst/>
+          </a:prstGeom>
+        </p:spPr>
+      </p:pic>
+      <p:pic>
+        <p:nvPicPr>
+          <p:cNvPr id="4" name="圖片 3"/>
+          <p:cNvPicPr>
+            <a:picLocks noChangeAspect="1"/>
+          </p:cNvPicPr>
+          <p:nvPr/>
+        </p:nvPicPr>
+        <p:blipFill>
+          <a:blip r:embed="rId4"/>
+          <a:stretch>
+            <a:fillRect/>
+          </a:stretch>
+        </p:blipFill>
+        <p:spPr>
+          <a:xfrm>
+            <a:off x="6004232" y="1387834"/>
+            <a:ext cx="6095238" cy="4571429"/>
+          </a:xfrm>
+          <a:prstGeom prst="rect">
+            <a:avLst/>
+          </a:prstGeom>
+        </p:spPr>
+      </p:pic>
+    </p:spTree>
+    <p:extLst>
+      <p:ext uri="{BB962C8B-B14F-4D97-AF65-F5344CB8AC3E}">
+        <p14:creationId xmlns:p14="http://schemas.microsoft.com/office/powerpoint/2010/main" val="1421236479"/>
+      </p:ext>
+    </p:extLst>
+  </p:cSld>
+  <p:clrMapOvr>
+    <a:masterClrMapping/>
+  </p:clrMapOvr>
+  <mc:AlternateContent xmlns:mc="http://schemas.openxmlformats.org/markup-compatibility/2006" xmlns:p14="http://schemas.microsoft.com/office/powerpoint/2010/main">
+    <mc:Choice Requires="p14">
+      <p:transition spd="med" p14:dur="700">
+        <p:fade/>
+      </p:transition>
+    </mc:Choice>
+    <mc:Fallback xmlns="">
+      <p:transition spd="med">
+        <p:fade/>
+      </p:transition>
+    </mc:Fallback>
+  </mc:AlternateContent>
+  <p:timing>
+    <p:tnLst>
+      <p:par>
+        <p:cTn id="1" dur="indefinite" restart="never" nodeType="tmRoot"/>
+      </p:par>
+    </p:tnLst>
+  </p:timing>
+</p:sld>
+</file>
+
+<file path=ppt/slides/slide3.xml><?xml version="1.0" encoding="utf-8"?>
+<p:sld xmlns:a="http://schemas.openxmlformats.org/drawingml/2006/main" xmlns:r="http://schemas.openxmlformats.org/officeDocument/2006/relationships" xmlns:p="http://schemas.openxmlformats.org/presentationml/2006/main">
+  <p:cSld>
+    <p:spTree>
+      <p:nvGrpSpPr>
+        <p:cNvPr id="1" name=""/>
+        <p:cNvGrpSpPr/>
+        <p:nvPr/>
+      </p:nvGrpSpPr>
+      <p:grpSpPr>
+        <a:xfrm>
+          <a:off x="0" y="0"/>
+          <a:ext cx="0" cy="0"/>
+          <a:chOff x="0" y="0"/>
+          <a:chExt cx="0" cy="0"/>
+        </a:xfrm>
+      </p:grpSpPr>
+      <p:sp>
+        <p:nvSpPr>
+          <p:cNvPr id="2" name="投影片編號版面配置區 1"/>
+          <p:cNvSpPr>
+            <a:spLocks noGrp="1"/>
+          </p:cNvSpPr>
+          <p:nvPr>
+            <p:ph type="sldNum" sz="quarter" idx="4"/>
+          </p:nvPr>
+        </p:nvSpPr>
+        <p:spPr/>
+        <p:txBody>
+          <a:bodyPr/>
+          <a:lstStyle/>
+          <a:p>
+            <a:fld id="{6F0746BA-D1AA-4FF4-8D48-BDBC7FF48778}" type="slidenum">
+              <a:rPr lang="fr-FR" smtClean="0"/>
+              <a:t>3</a:t>
             </a:fld>
             <a:endParaRPr lang="fr-FR"/>
           </a:p>
@@ -27932,7 +29413,7 @@
 </p:sld>
 </file>
 
-<file path=ppt/slides/slide20.xml><?xml version="1.0" encoding="utf-8"?>
+<file path=ppt/slides/slide30.xml><?xml version="1.0" encoding="utf-8"?>
 <p:sld xmlns:a="http://schemas.openxmlformats.org/drawingml/2006/main" xmlns:r="http://schemas.openxmlformats.org/officeDocument/2006/relationships" xmlns:p="http://schemas.openxmlformats.org/presentationml/2006/main">
   <p:cSld>
     <p:spTree>
@@ -27966,1087 +29447,7 @@
           <a:p>
             <a:fld id="{6F0746BA-D1AA-4FF4-8D48-BDBC7FF48778}" type="slidenum">
               <a:rPr lang="fr-FR" smtClean="0"/>
-              <a:t>20</a:t>
-            </a:fld>
-            <a:endParaRPr lang="fr-FR"/>
-          </a:p>
-        </p:txBody>
-      </p:sp>
-      <p:pic>
-        <p:nvPicPr>
-          <p:cNvPr id="5" name="圖片 4"/>
-          <p:cNvPicPr>
-            <a:picLocks noChangeAspect="1"/>
-          </p:cNvPicPr>
-          <p:nvPr/>
-        </p:nvPicPr>
-        <p:blipFill>
-          <a:blip r:embed="rId3"/>
-          <a:stretch>
-            <a:fillRect/>
-          </a:stretch>
-        </p:blipFill>
-        <p:spPr>
-          <a:xfrm>
-            <a:off x="220121" y="1292141"/>
-            <a:ext cx="6095238" cy="4571429"/>
-          </a:xfrm>
-          <a:prstGeom prst="rect">
-            <a:avLst/>
-          </a:prstGeom>
-        </p:spPr>
-      </p:pic>
-      <p:pic>
-        <p:nvPicPr>
-          <p:cNvPr id="6" name="圖片 5"/>
-          <p:cNvPicPr>
-            <a:picLocks noChangeAspect="1"/>
-          </p:cNvPicPr>
-          <p:nvPr/>
-        </p:nvPicPr>
-        <p:blipFill>
-          <a:blip r:embed="rId4"/>
-          <a:stretch>
-            <a:fillRect/>
-          </a:stretch>
-        </p:blipFill>
-        <p:spPr>
-          <a:xfrm>
-            <a:off x="6096762" y="1292140"/>
-            <a:ext cx="6095238" cy="4571429"/>
-          </a:xfrm>
-          <a:prstGeom prst="rect">
-            <a:avLst/>
-          </a:prstGeom>
-        </p:spPr>
-      </p:pic>
-    </p:spTree>
-    <p:extLst>
-      <p:ext uri="{BB962C8B-B14F-4D97-AF65-F5344CB8AC3E}">
-        <p14:creationId xmlns:p14="http://schemas.microsoft.com/office/powerpoint/2010/main" val="1495627672"/>
-      </p:ext>
-    </p:extLst>
-  </p:cSld>
-  <p:clrMapOvr>
-    <a:masterClrMapping/>
-  </p:clrMapOvr>
-  <mc:AlternateContent xmlns:mc="http://schemas.openxmlformats.org/markup-compatibility/2006" xmlns:p14="http://schemas.microsoft.com/office/powerpoint/2010/main">
-    <mc:Choice Requires="p14">
-      <p:transition spd="med" p14:dur="700">
-        <p:fade/>
-      </p:transition>
-    </mc:Choice>
-    <mc:Fallback xmlns="">
-      <p:transition spd="med">
-        <p:fade/>
-      </p:transition>
-    </mc:Fallback>
-  </mc:AlternateContent>
-  <p:timing>
-    <p:tnLst>
-      <p:par>
-        <p:cTn id="1" dur="indefinite" restart="never" nodeType="tmRoot"/>
-      </p:par>
-    </p:tnLst>
-  </p:timing>
-</p:sld>
-</file>
-
-<file path=ppt/slides/slide21.xml><?xml version="1.0" encoding="utf-8"?>
-<p:sld xmlns:a="http://schemas.openxmlformats.org/drawingml/2006/main" xmlns:r="http://schemas.openxmlformats.org/officeDocument/2006/relationships" xmlns:p="http://schemas.openxmlformats.org/presentationml/2006/main">
-  <p:cSld>
-    <p:spTree>
-      <p:nvGrpSpPr>
-        <p:cNvPr id="1" name=""/>
-        <p:cNvGrpSpPr/>
-        <p:nvPr/>
-      </p:nvGrpSpPr>
-      <p:grpSpPr>
-        <a:xfrm>
-          <a:off x="0" y="0"/>
-          <a:ext cx="0" cy="0"/>
-          <a:chOff x="0" y="0"/>
-          <a:chExt cx="0" cy="0"/>
-        </a:xfrm>
-      </p:grpSpPr>
-      <p:sp>
-        <p:nvSpPr>
-          <p:cNvPr id="2" name="投影片編號版面配置區 1"/>
-          <p:cNvSpPr>
-            <a:spLocks noGrp="1"/>
-          </p:cNvSpPr>
-          <p:nvPr>
-            <p:ph type="sldNum" sz="quarter" idx="4"/>
-          </p:nvPr>
-        </p:nvSpPr>
-        <p:spPr/>
-        <p:txBody>
-          <a:bodyPr/>
-          <a:lstStyle/>
-          <a:p>
-            <a:fld id="{6F0746BA-D1AA-4FF4-8D48-BDBC7FF48778}" type="slidenum">
-              <a:rPr lang="fr-FR" smtClean="0"/>
-              <a:t>21</a:t>
-            </a:fld>
-            <a:endParaRPr lang="fr-FR"/>
-          </a:p>
-        </p:txBody>
-      </p:sp>
-      <p:pic>
-        <p:nvPicPr>
-          <p:cNvPr id="5" name="圖片 4"/>
-          <p:cNvPicPr>
-            <a:picLocks noChangeAspect="1"/>
-          </p:cNvPicPr>
-          <p:nvPr/>
-        </p:nvPicPr>
-        <p:blipFill>
-          <a:blip r:embed="rId3"/>
-          <a:stretch>
-            <a:fillRect/>
-          </a:stretch>
-        </p:blipFill>
-        <p:spPr>
-          <a:xfrm>
-            <a:off x="762" y="1313406"/>
-            <a:ext cx="6095238" cy="4571429"/>
-          </a:xfrm>
-          <a:prstGeom prst="rect">
-            <a:avLst/>
-          </a:prstGeom>
-        </p:spPr>
-      </p:pic>
-      <p:pic>
-        <p:nvPicPr>
-          <p:cNvPr id="6" name="圖片 5"/>
-          <p:cNvPicPr>
-            <a:picLocks noChangeAspect="1"/>
-          </p:cNvPicPr>
-          <p:nvPr/>
-        </p:nvPicPr>
-        <p:blipFill>
-          <a:blip r:embed="rId4"/>
-          <a:stretch>
-            <a:fillRect/>
-          </a:stretch>
-        </p:blipFill>
-        <p:spPr>
-          <a:xfrm>
-            <a:off x="6096000" y="1313406"/>
-            <a:ext cx="6095238" cy="4571429"/>
-          </a:xfrm>
-          <a:prstGeom prst="rect">
-            <a:avLst/>
-          </a:prstGeom>
-        </p:spPr>
-      </p:pic>
-    </p:spTree>
-    <p:extLst>
-      <p:ext uri="{BB962C8B-B14F-4D97-AF65-F5344CB8AC3E}">
-        <p14:creationId xmlns:p14="http://schemas.microsoft.com/office/powerpoint/2010/main" val="3429600643"/>
-      </p:ext>
-    </p:extLst>
-  </p:cSld>
-  <p:clrMapOvr>
-    <a:masterClrMapping/>
-  </p:clrMapOvr>
-  <mc:AlternateContent xmlns:mc="http://schemas.openxmlformats.org/markup-compatibility/2006" xmlns:p14="http://schemas.microsoft.com/office/powerpoint/2010/main">
-    <mc:Choice Requires="p14">
-      <p:transition spd="med" p14:dur="700">
-        <p:fade/>
-      </p:transition>
-    </mc:Choice>
-    <mc:Fallback xmlns="">
-      <p:transition spd="med">
-        <p:fade/>
-      </p:transition>
-    </mc:Fallback>
-  </mc:AlternateContent>
-  <p:timing>
-    <p:tnLst>
-      <p:par>
-        <p:cTn id="1" dur="indefinite" restart="never" nodeType="tmRoot"/>
-      </p:par>
-    </p:tnLst>
-  </p:timing>
-</p:sld>
-</file>
-
-<file path=ppt/slides/slide22.xml><?xml version="1.0" encoding="utf-8"?>
-<p:sld xmlns:a="http://schemas.openxmlformats.org/drawingml/2006/main" xmlns:r="http://schemas.openxmlformats.org/officeDocument/2006/relationships" xmlns:p="http://schemas.openxmlformats.org/presentationml/2006/main">
-  <p:cSld>
-    <p:spTree>
-      <p:nvGrpSpPr>
-        <p:cNvPr id="1" name=""/>
-        <p:cNvGrpSpPr/>
-        <p:nvPr/>
-      </p:nvGrpSpPr>
-      <p:grpSpPr>
-        <a:xfrm>
-          <a:off x="0" y="0"/>
-          <a:ext cx="0" cy="0"/>
-          <a:chOff x="0" y="0"/>
-          <a:chExt cx="0" cy="0"/>
-        </a:xfrm>
-      </p:grpSpPr>
-      <p:sp>
-        <p:nvSpPr>
-          <p:cNvPr id="2" name="投影片編號版面配置區 1"/>
-          <p:cNvSpPr>
-            <a:spLocks noGrp="1"/>
-          </p:cNvSpPr>
-          <p:nvPr>
-            <p:ph type="sldNum" sz="quarter" idx="4"/>
-          </p:nvPr>
-        </p:nvSpPr>
-        <p:spPr/>
-        <p:txBody>
-          <a:bodyPr/>
-          <a:lstStyle/>
-          <a:p>
-            <a:fld id="{6F0746BA-D1AA-4FF4-8D48-BDBC7FF48778}" type="slidenum">
-              <a:rPr lang="fr-FR" smtClean="0"/>
-              <a:t>22</a:t>
-            </a:fld>
-            <a:endParaRPr lang="fr-FR"/>
-          </a:p>
-        </p:txBody>
-      </p:sp>
-      <p:pic>
-        <p:nvPicPr>
-          <p:cNvPr id="5" name="圖片 4"/>
-          <p:cNvPicPr>
-            <a:picLocks noChangeAspect="1"/>
-          </p:cNvPicPr>
-          <p:nvPr/>
-        </p:nvPicPr>
-        <p:blipFill>
-          <a:blip r:embed="rId3"/>
-          <a:stretch>
-            <a:fillRect/>
-          </a:stretch>
-        </p:blipFill>
-        <p:spPr>
-          <a:xfrm>
-            <a:off x="762" y="1143285"/>
-            <a:ext cx="6095238" cy="4571429"/>
-          </a:xfrm>
-          <a:prstGeom prst="rect">
-            <a:avLst/>
-          </a:prstGeom>
-        </p:spPr>
-      </p:pic>
-      <p:pic>
-        <p:nvPicPr>
-          <p:cNvPr id="6" name="圖片 5"/>
-          <p:cNvPicPr>
-            <a:picLocks noChangeAspect="1"/>
-          </p:cNvPicPr>
-          <p:nvPr/>
-        </p:nvPicPr>
-        <p:blipFill>
-          <a:blip r:embed="rId4"/>
-          <a:stretch>
-            <a:fillRect/>
-          </a:stretch>
-        </p:blipFill>
-        <p:spPr>
-          <a:xfrm>
-            <a:off x="6096762" y="1143284"/>
-            <a:ext cx="6095238" cy="4571429"/>
-          </a:xfrm>
-          <a:prstGeom prst="rect">
-            <a:avLst/>
-          </a:prstGeom>
-        </p:spPr>
-      </p:pic>
-    </p:spTree>
-    <p:extLst>
-      <p:ext uri="{BB962C8B-B14F-4D97-AF65-F5344CB8AC3E}">
-        <p14:creationId xmlns:p14="http://schemas.microsoft.com/office/powerpoint/2010/main" val="2250429200"/>
-      </p:ext>
-    </p:extLst>
-  </p:cSld>
-  <p:clrMapOvr>
-    <a:masterClrMapping/>
-  </p:clrMapOvr>
-  <mc:AlternateContent xmlns:mc="http://schemas.openxmlformats.org/markup-compatibility/2006" xmlns:p14="http://schemas.microsoft.com/office/powerpoint/2010/main">
-    <mc:Choice Requires="p14">
-      <p:transition spd="med" p14:dur="700">
-        <p:fade/>
-      </p:transition>
-    </mc:Choice>
-    <mc:Fallback xmlns="">
-      <p:transition spd="med">
-        <p:fade/>
-      </p:transition>
-    </mc:Fallback>
-  </mc:AlternateContent>
-  <p:timing>
-    <p:tnLst>
-      <p:par>
-        <p:cTn id="1" dur="indefinite" restart="never" nodeType="tmRoot"/>
-      </p:par>
-    </p:tnLst>
-  </p:timing>
-</p:sld>
-</file>
-
-<file path=ppt/slides/slide23.xml><?xml version="1.0" encoding="utf-8"?>
-<p:sld xmlns:a="http://schemas.openxmlformats.org/drawingml/2006/main" xmlns:r="http://schemas.openxmlformats.org/officeDocument/2006/relationships" xmlns:p="http://schemas.openxmlformats.org/presentationml/2006/main">
-  <p:cSld>
-    <p:spTree>
-      <p:nvGrpSpPr>
-        <p:cNvPr id="1" name=""/>
-        <p:cNvGrpSpPr/>
-        <p:nvPr/>
-      </p:nvGrpSpPr>
-      <p:grpSpPr>
-        <a:xfrm>
-          <a:off x="0" y="0"/>
-          <a:ext cx="0" cy="0"/>
-          <a:chOff x="0" y="0"/>
-          <a:chExt cx="0" cy="0"/>
-        </a:xfrm>
-      </p:grpSpPr>
-      <p:sp>
-        <p:nvSpPr>
-          <p:cNvPr id="2" name="投影片編號版面配置區 1"/>
-          <p:cNvSpPr>
-            <a:spLocks noGrp="1"/>
-          </p:cNvSpPr>
-          <p:nvPr>
-            <p:ph type="sldNum" sz="quarter" idx="4"/>
-          </p:nvPr>
-        </p:nvSpPr>
-        <p:spPr/>
-        <p:txBody>
-          <a:bodyPr/>
-          <a:lstStyle/>
-          <a:p>
-            <a:fld id="{6F0746BA-D1AA-4FF4-8D48-BDBC7FF48778}" type="slidenum">
-              <a:rPr lang="fr-FR" smtClean="0"/>
-              <a:t>23</a:t>
-            </a:fld>
-            <a:endParaRPr lang="fr-FR"/>
-          </a:p>
-        </p:txBody>
-      </p:sp>
-      <p:pic>
-        <p:nvPicPr>
-          <p:cNvPr id="3" name="圖片 2"/>
-          <p:cNvPicPr>
-            <a:picLocks noChangeAspect="1"/>
-          </p:cNvPicPr>
-          <p:nvPr/>
-        </p:nvPicPr>
-        <p:blipFill>
-          <a:blip r:embed="rId3"/>
-          <a:stretch>
-            <a:fillRect/>
-          </a:stretch>
-        </p:blipFill>
-        <p:spPr>
-          <a:xfrm>
-            <a:off x="244615" y="1427000"/>
-            <a:ext cx="5344500" cy="4004000"/>
-          </a:xfrm>
-          <a:prstGeom prst="rect">
-            <a:avLst/>
-          </a:prstGeom>
-        </p:spPr>
-      </p:pic>
-      <p:pic>
-        <p:nvPicPr>
-          <p:cNvPr id="4" name="圖片 3"/>
-          <p:cNvPicPr>
-            <a:picLocks noChangeAspect="1"/>
-          </p:cNvPicPr>
-          <p:nvPr/>
-        </p:nvPicPr>
-        <p:blipFill>
-          <a:blip r:embed="rId4"/>
-          <a:stretch>
-            <a:fillRect/>
-          </a:stretch>
-        </p:blipFill>
-        <p:spPr>
-          <a:xfrm>
-            <a:off x="6315806" y="1427000"/>
-            <a:ext cx="5344500" cy="4004000"/>
-          </a:xfrm>
-          <a:prstGeom prst="rect">
-            <a:avLst/>
-          </a:prstGeom>
-        </p:spPr>
-      </p:pic>
-    </p:spTree>
-    <p:extLst>
-      <p:ext uri="{BB962C8B-B14F-4D97-AF65-F5344CB8AC3E}">
-        <p14:creationId xmlns:p14="http://schemas.microsoft.com/office/powerpoint/2010/main" val="1182961334"/>
-      </p:ext>
-    </p:extLst>
-  </p:cSld>
-  <p:clrMapOvr>
-    <a:masterClrMapping/>
-  </p:clrMapOvr>
-  <mc:AlternateContent xmlns:mc="http://schemas.openxmlformats.org/markup-compatibility/2006" xmlns:p14="http://schemas.microsoft.com/office/powerpoint/2010/main">
-    <mc:Choice Requires="p14">
-      <p:transition spd="med" p14:dur="700">
-        <p:fade/>
-      </p:transition>
-    </mc:Choice>
-    <mc:Fallback xmlns="">
-      <p:transition spd="med">
-        <p:fade/>
-      </p:transition>
-    </mc:Fallback>
-  </mc:AlternateContent>
-  <p:timing>
-    <p:tnLst>
-      <p:par>
-        <p:cTn id="1" dur="indefinite" restart="never" nodeType="tmRoot"/>
-      </p:par>
-    </p:tnLst>
-  </p:timing>
-</p:sld>
-</file>
-
-<file path=ppt/slides/slide24.xml><?xml version="1.0" encoding="utf-8"?>
-<p:sld xmlns:a="http://schemas.openxmlformats.org/drawingml/2006/main" xmlns:r="http://schemas.openxmlformats.org/officeDocument/2006/relationships" xmlns:p="http://schemas.openxmlformats.org/presentationml/2006/main">
-  <p:cSld>
-    <p:spTree>
-      <p:nvGrpSpPr>
-        <p:cNvPr id="1" name=""/>
-        <p:cNvGrpSpPr/>
-        <p:nvPr/>
-      </p:nvGrpSpPr>
-      <p:grpSpPr>
-        <a:xfrm>
-          <a:off x="0" y="0"/>
-          <a:ext cx="0" cy="0"/>
-          <a:chOff x="0" y="0"/>
-          <a:chExt cx="0" cy="0"/>
-        </a:xfrm>
-      </p:grpSpPr>
-      <p:sp>
-        <p:nvSpPr>
-          <p:cNvPr id="2" name="投影片編號版面配置區 1"/>
-          <p:cNvSpPr>
-            <a:spLocks noGrp="1"/>
-          </p:cNvSpPr>
-          <p:nvPr>
-            <p:ph type="sldNum" sz="quarter" idx="4"/>
-          </p:nvPr>
-        </p:nvSpPr>
-        <p:spPr/>
-        <p:txBody>
-          <a:bodyPr/>
-          <a:lstStyle/>
-          <a:p>
-            <a:fld id="{6F0746BA-D1AA-4FF4-8D48-BDBC7FF48778}" type="slidenum">
-              <a:rPr lang="fr-FR" smtClean="0"/>
-              <a:t>24</a:t>
-            </a:fld>
-            <a:endParaRPr lang="fr-FR"/>
-          </a:p>
-        </p:txBody>
-      </p:sp>
-      <p:pic>
-        <p:nvPicPr>
-          <p:cNvPr id="3" name="圖片 2"/>
-          <p:cNvPicPr>
-            <a:picLocks noChangeAspect="1"/>
-          </p:cNvPicPr>
-          <p:nvPr/>
-        </p:nvPicPr>
-        <p:blipFill>
-          <a:blip r:embed="rId3"/>
-          <a:stretch>
-            <a:fillRect/>
-          </a:stretch>
-        </p:blipFill>
-        <p:spPr>
-          <a:xfrm>
-            <a:off x="74494" y="1788507"/>
-            <a:ext cx="5344500" cy="4004000"/>
-          </a:xfrm>
-          <a:prstGeom prst="rect">
-            <a:avLst/>
-          </a:prstGeom>
-        </p:spPr>
-      </p:pic>
-      <p:pic>
-        <p:nvPicPr>
-          <p:cNvPr id="4" name="圖片 3"/>
-          <p:cNvPicPr>
-            <a:picLocks noChangeAspect="1"/>
-          </p:cNvPicPr>
-          <p:nvPr/>
-        </p:nvPicPr>
-        <p:blipFill>
-          <a:blip r:embed="rId4"/>
-          <a:stretch>
-            <a:fillRect/>
-          </a:stretch>
-        </p:blipFill>
-        <p:spPr>
-          <a:xfrm>
-            <a:off x="6230746" y="1714079"/>
-            <a:ext cx="5344500" cy="4004000"/>
-          </a:xfrm>
-          <a:prstGeom prst="rect">
-            <a:avLst/>
-          </a:prstGeom>
-        </p:spPr>
-      </p:pic>
-    </p:spTree>
-    <p:extLst>
-      <p:ext uri="{BB962C8B-B14F-4D97-AF65-F5344CB8AC3E}">
-        <p14:creationId xmlns:p14="http://schemas.microsoft.com/office/powerpoint/2010/main" val="1967788204"/>
-      </p:ext>
-    </p:extLst>
-  </p:cSld>
-  <p:clrMapOvr>
-    <a:masterClrMapping/>
-  </p:clrMapOvr>
-  <mc:AlternateContent xmlns:mc="http://schemas.openxmlformats.org/markup-compatibility/2006" xmlns:p14="http://schemas.microsoft.com/office/powerpoint/2010/main">
-    <mc:Choice Requires="p14">
-      <p:transition spd="med" p14:dur="700">
-        <p:fade/>
-      </p:transition>
-    </mc:Choice>
-    <mc:Fallback xmlns="">
-      <p:transition spd="med">
-        <p:fade/>
-      </p:transition>
-    </mc:Fallback>
-  </mc:AlternateContent>
-  <p:timing>
-    <p:tnLst>
-      <p:par>
-        <p:cTn id="1" dur="indefinite" restart="never" nodeType="tmRoot"/>
-      </p:par>
-    </p:tnLst>
-  </p:timing>
-</p:sld>
-</file>
-
-<file path=ppt/slides/slide25.xml><?xml version="1.0" encoding="utf-8"?>
-<p:sld xmlns:a="http://schemas.openxmlformats.org/drawingml/2006/main" xmlns:r="http://schemas.openxmlformats.org/officeDocument/2006/relationships" xmlns:p="http://schemas.openxmlformats.org/presentationml/2006/main">
-  <p:cSld>
-    <p:spTree>
-      <p:nvGrpSpPr>
-        <p:cNvPr id="1" name=""/>
-        <p:cNvGrpSpPr/>
-        <p:nvPr/>
-      </p:nvGrpSpPr>
-      <p:grpSpPr>
-        <a:xfrm>
-          <a:off x="0" y="0"/>
-          <a:ext cx="0" cy="0"/>
-          <a:chOff x="0" y="0"/>
-          <a:chExt cx="0" cy="0"/>
-        </a:xfrm>
-      </p:grpSpPr>
-      <p:sp>
-        <p:nvSpPr>
-          <p:cNvPr id="2" name="投影片編號版面配置區 1"/>
-          <p:cNvSpPr>
-            <a:spLocks noGrp="1"/>
-          </p:cNvSpPr>
-          <p:nvPr>
-            <p:ph type="sldNum" sz="quarter" idx="4"/>
-          </p:nvPr>
-        </p:nvSpPr>
-        <p:spPr/>
-        <p:txBody>
-          <a:bodyPr/>
-          <a:lstStyle/>
-          <a:p>
-            <a:fld id="{6F0746BA-D1AA-4FF4-8D48-BDBC7FF48778}" type="slidenum">
-              <a:rPr lang="fr-FR" smtClean="0"/>
-              <a:t>25</a:t>
-            </a:fld>
-            <a:endParaRPr lang="fr-FR"/>
-          </a:p>
-        </p:txBody>
-      </p:sp>
-      <p:pic>
-        <p:nvPicPr>
-          <p:cNvPr id="3" name="圖片 2"/>
-          <p:cNvPicPr>
-            <a:picLocks noChangeAspect="1"/>
-          </p:cNvPicPr>
-          <p:nvPr/>
-        </p:nvPicPr>
-        <p:blipFill>
-          <a:blip r:embed="rId3"/>
-          <a:stretch>
-            <a:fillRect/>
-          </a:stretch>
-        </p:blipFill>
-        <p:spPr>
-          <a:xfrm>
-            <a:off x="159555" y="1682181"/>
-            <a:ext cx="5344500" cy="4004000"/>
-          </a:xfrm>
-          <a:prstGeom prst="rect">
-            <a:avLst/>
-          </a:prstGeom>
-        </p:spPr>
-      </p:pic>
-      <p:pic>
-        <p:nvPicPr>
-          <p:cNvPr id="4" name="圖片 3"/>
-          <p:cNvPicPr>
-            <a:picLocks noChangeAspect="1"/>
-          </p:cNvPicPr>
-          <p:nvPr/>
-        </p:nvPicPr>
-        <p:blipFill>
-          <a:blip r:embed="rId4"/>
-          <a:stretch>
-            <a:fillRect/>
-          </a:stretch>
-        </p:blipFill>
-        <p:spPr>
-          <a:xfrm>
-            <a:off x="6080738" y="1751292"/>
-            <a:ext cx="5344500" cy="4004000"/>
-          </a:xfrm>
-          <a:prstGeom prst="rect">
-            <a:avLst/>
-          </a:prstGeom>
-        </p:spPr>
-      </p:pic>
-    </p:spTree>
-    <p:extLst>
-      <p:ext uri="{BB962C8B-B14F-4D97-AF65-F5344CB8AC3E}">
-        <p14:creationId xmlns:p14="http://schemas.microsoft.com/office/powerpoint/2010/main" val="1923298507"/>
-      </p:ext>
-    </p:extLst>
-  </p:cSld>
-  <p:clrMapOvr>
-    <a:masterClrMapping/>
-  </p:clrMapOvr>
-  <mc:AlternateContent xmlns:mc="http://schemas.openxmlformats.org/markup-compatibility/2006" xmlns:p14="http://schemas.microsoft.com/office/powerpoint/2010/main">
-    <mc:Choice Requires="p14">
-      <p:transition spd="med" p14:dur="700">
-        <p:fade/>
-      </p:transition>
-    </mc:Choice>
-    <mc:Fallback xmlns="">
-      <p:transition spd="med">
-        <p:fade/>
-      </p:transition>
-    </mc:Fallback>
-  </mc:AlternateContent>
-  <p:timing>
-    <p:tnLst>
-      <p:par>
-        <p:cTn id="1" dur="indefinite" restart="never" nodeType="tmRoot"/>
-      </p:par>
-    </p:tnLst>
-  </p:timing>
-</p:sld>
-</file>
-
-<file path=ppt/slides/slide26.xml><?xml version="1.0" encoding="utf-8"?>
-<p:sld xmlns:a="http://schemas.openxmlformats.org/drawingml/2006/main" xmlns:r="http://schemas.openxmlformats.org/officeDocument/2006/relationships" xmlns:p="http://schemas.openxmlformats.org/presentationml/2006/main">
-  <p:cSld>
-    <p:spTree>
-      <p:nvGrpSpPr>
-        <p:cNvPr id="1" name=""/>
-        <p:cNvGrpSpPr/>
-        <p:nvPr/>
-      </p:nvGrpSpPr>
-      <p:grpSpPr>
-        <a:xfrm>
-          <a:off x="0" y="0"/>
-          <a:ext cx="0" cy="0"/>
-          <a:chOff x="0" y="0"/>
-          <a:chExt cx="0" cy="0"/>
-        </a:xfrm>
-      </p:grpSpPr>
-      <p:sp>
-        <p:nvSpPr>
-          <p:cNvPr id="2" name="投影片編號版面配置區 1"/>
-          <p:cNvSpPr>
-            <a:spLocks noGrp="1"/>
-          </p:cNvSpPr>
-          <p:nvPr>
-            <p:ph type="sldNum" sz="quarter" idx="4"/>
-          </p:nvPr>
-        </p:nvSpPr>
-        <p:spPr/>
-        <p:txBody>
-          <a:bodyPr/>
-          <a:lstStyle/>
-          <a:p>
-            <a:fld id="{6F0746BA-D1AA-4FF4-8D48-BDBC7FF48778}" type="slidenum">
-              <a:rPr lang="fr-FR" smtClean="0"/>
-              <a:t>26</a:t>
-            </a:fld>
-            <a:endParaRPr lang="fr-FR"/>
-          </a:p>
-        </p:txBody>
-      </p:sp>
-      <p:pic>
-        <p:nvPicPr>
-          <p:cNvPr id="3" name="圖片 2"/>
-          <p:cNvPicPr>
-            <a:picLocks noChangeAspect="1"/>
-          </p:cNvPicPr>
-          <p:nvPr/>
-        </p:nvPicPr>
-        <p:blipFill>
-          <a:blip r:embed="rId3"/>
-          <a:stretch>
-            <a:fillRect/>
-          </a:stretch>
-        </p:blipFill>
-        <p:spPr>
-          <a:xfrm>
-            <a:off x="-95627" y="1831037"/>
-            <a:ext cx="5344500" cy="4004000"/>
-          </a:xfrm>
-          <a:prstGeom prst="rect">
-            <a:avLst/>
-          </a:prstGeom>
-        </p:spPr>
-      </p:pic>
-      <p:pic>
-        <p:nvPicPr>
-          <p:cNvPr id="4" name="圖片 3"/>
-          <p:cNvPicPr>
-            <a:picLocks noChangeAspect="1"/>
-          </p:cNvPicPr>
-          <p:nvPr/>
-        </p:nvPicPr>
-        <p:blipFill>
-          <a:blip r:embed="rId4"/>
-          <a:stretch>
-            <a:fillRect/>
-          </a:stretch>
-        </p:blipFill>
-        <p:spPr>
-          <a:xfrm>
-            <a:off x="6443396" y="1831037"/>
-            <a:ext cx="5344500" cy="4004000"/>
-          </a:xfrm>
-          <a:prstGeom prst="rect">
-            <a:avLst/>
-          </a:prstGeom>
-        </p:spPr>
-      </p:pic>
-    </p:spTree>
-    <p:extLst>
-      <p:ext uri="{BB962C8B-B14F-4D97-AF65-F5344CB8AC3E}">
-        <p14:creationId xmlns:p14="http://schemas.microsoft.com/office/powerpoint/2010/main" val="225923040"/>
-      </p:ext>
-    </p:extLst>
-  </p:cSld>
-  <p:clrMapOvr>
-    <a:masterClrMapping/>
-  </p:clrMapOvr>
-  <mc:AlternateContent xmlns:mc="http://schemas.openxmlformats.org/markup-compatibility/2006" xmlns:p14="http://schemas.microsoft.com/office/powerpoint/2010/main">
-    <mc:Choice Requires="p14">
-      <p:transition spd="med" p14:dur="700">
-        <p:fade/>
-      </p:transition>
-    </mc:Choice>
-    <mc:Fallback xmlns="">
-      <p:transition spd="med">
-        <p:fade/>
-      </p:transition>
-    </mc:Fallback>
-  </mc:AlternateContent>
-  <p:timing>
-    <p:tnLst>
-      <p:par>
-        <p:cTn id="1" dur="indefinite" restart="never" nodeType="tmRoot"/>
-      </p:par>
-    </p:tnLst>
-  </p:timing>
-</p:sld>
-</file>
-
-<file path=ppt/slides/slide27.xml><?xml version="1.0" encoding="utf-8"?>
-<p:sld xmlns:a="http://schemas.openxmlformats.org/drawingml/2006/main" xmlns:r="http://schemas.openxmlformats.org/officeDocument/2006/relationships" xmlns:p="http://schemas.openxmlformats.org/presentationml/2006/main">
-  <p:cSld>
-    <p:spTree>
-      <p:nvGrpSpPr>
-        <p:cNvPr id="1" name=""/>
-        <p:cNvGrpSpPr/>
-        <p:nvPr/>
-      </p:nvGrpSpPr>
-      <p:grpSpPr>
-        <a:xfrm>
-          <a:off x="0" y="0"/>
-          <a:ext cx="0" cy="0"/>
-          <a:chOff x="0" y="0"/>
-          <a:chExt cx="0" cy="0"/>
-        </a:xfrm>
-      </p:grpSpPr>
-      <p:sp>
-        <p:nvSpPr>
-          <p:cNvPr id="2" name="投影片編號版面配置區 1"/>
-          <p:cNvSpPr>
-            <a:spLocks noGrp="1"/>
-          </p:cNvSpPr>
-          <p:nvPr>
-            <p:ph type="sldNum" sz="quarter" idx="4"/>
-          </p:nvPr>
-        </p:nvSpPr>
-        <p:spPr/>
-        <p:txBody>
-          <a:bodyPr/>
-          <a:lstStyle/>
-          <a:p>
-            <a:fld id="{6F0746BA-D1AA-4FF4-8D48-BDBC7FF48778}" type="slidenum">
-              <a:rPr lang="fr-FR" smtClean="0"/>
-              <a:t>27</a:t>
-            </a:fld>
-            <a:endParaRPr lang="fr-FR"/>
-          </a:p>
-        </p:txBody>
-      </p:sp>
-      <p:pic>
-        <p:nvPicPr>
-          <p:cNvPr id="3" name="圖片 2"/>
-          <p:cNvPicPr>
-            <a:picLocks noChangeAspect="1"/>
-          </p:cNvPicPr>
-          <p:nvPr/>
-        </p:nvPicPr>
-        <p:blipFill>
-          <a:blip r:embed="rId3"/>
-          <a:stretch>
-            <a:fillRect/>
-          </a:stretch>
-        </p:blipFill>
-        <p:spPr>
-          <a:xfrm>
-            <a:off x="0" y="1292141"/>
-            <a:ext cx="6095238" cy="4571429"/>
-          </a:xfrm>
-          <a:prstGeom prst="rect">
-            <a:avLst/>
-          </a:prstGeom>
-        </p:spPr>
-      </p:pic>
-      <p:pic>
-        <p:nvPicPr>
-          <p:cNvPr id="4" name="圖片 3"/>
-          <p:cNvPicPr>
-            <a:picLocks noChangeAspect="1"/>
-          </p:cNvPicPr>
-          <p:nvPr/>
-        </p:nvPicPr>
-        <p:blipFill>
-          <a:blip r:embed="rId4"/>
-          <a:stretch>
-            <a:fillRect/>
-          </a:stretch>
-        </p:blipFill>
-        <p:spPr>
-          <a:xfrm>
-            <a:off x="6096762" y="1292141"/>
-            <a:ext cx="6095238" cy="4571429"/>
-          </a:xfrm>
-          <a:prstGeom prst="rect">
-            <a:avLst/>
-          </a:prstGeom>
-        </p:spPr>
-      </p:pic>
-    </p:spTree>
-    <p:extLst>
-      <p:ext uri="{BB962C8B-B14F-4D97-AF65-F5344CB8AC3E}">
-        <p14:creationId xmlns:p14="http://schemas.microsoft.com/office/powerpoint/2010/main" val="2571522847"/>
-      </p:ext>
-    </p:extLst>
-  </p:cSld>
-  <p:clrMapOvr>
-    <a:masterClrMapping/>
-  </p:clrMapOvr>
-  <mc:AlternateContent xmlns:mc="http://schemas.openxmlformats.org/markup-compatibility/2006" xmlns:p14="http://schemas.microsoft.com/office/powerpoint/2010/main">
-    <mc:Choice Requires="p14">
-      <p:transition spd="med" p14:dur="700">
-        <p:fade/>
-      </p:transition>
-    </mc:Choice>
-    <mc:Fallback xmlns="">
-      <p:transition spd="med">
-        <p:fade/>
-      </p:transition>
-    </mc:Fallback>
-  </mc:AlternateContent>
-  <p:timing>
-    <p:tnLst>
-      <p:par>
-        <p:cTn id="1" dur="indefinite" restart="never" nodeType="tmRoot"/>
-      </p:par>
-    </p:tnLst>
-  </p:timing>
-</p:sld>
-</file>
-
-<file path=ppt/slides/slide28.xml><?xml version="1.0" encoding="utf-8"?>
-<p:sld xmlns:a="http://schemas.openxmlformats.org/drawingml/2006/main" xmlns:r="http://schemas.openxmlformats.org/officeDocument/2006/relationships" xmlns:p="http://schemas.openxmlformats.org/presentationml/2006/main">
-  <p:cSld>
-    <p:spTree>
-      <p:nvGrpSpPr>
-        <p:cNvPr id="1" name=""/>
-        <p:cNvGrpSpPr/>
-        <p:nvPr/>
-      </p:nvGrpSpPr>
-      <p:grpSpPr>
-        <a:xfrm>
-          <a:off x="0" y="0"/>
-          <a:ext cx="0" cy="0"/>
-          <a:chOff x="0" y="0"/>
-          <a:chExt cx="0" cy="0"/>
-        </a:xfrm>
-      </p:grpSpPr>
-      <p:sp>
-        <p:nvSpPr>
-          <p:cNvPr id="2" name="投影片編號版面配置區 1"/>
-          <p:cNvSpPr>
-            <a:spLocks noGrp="1"/>
-          </p:cNvSpPr>
-          <p:nvPr>
-            <p:ph type="sldNum" sz="quarter" idx="4"/>
-          </p:nvPr>
-        </p:nvSpPr>
-        <p:spPr/>
-        <p:txBody>
-          <a:bodyPr/>
-          <a:lstStyle/>
-          <a:p>
-            <a:fld id="{6F0746BA-D1AA-4FF4-8D48-BDBC7FF48778}" type="slidenum">
-              <a:rPr lang="fr-FR" smtClean="0"/>
-              <a:t>28</a:t>
-            </a:fld>
-            <a:endParaRPr lang="fr-FR"/>
-          </a:p>
-        </p:txBody>
-      </p:sp>
-      <p:pic>
-        <p:nvPicPr>
-          <p:cNvPr id="3" name="圖片 2"/>
-          <p:cNvPicPr>
-            <a:picLocks noChangeAspect="1"/>
-          </p:cNvPicPr>
-          <p:nvPr/>
-        </p:nvPicPr>
-        <p:blipFill>
-          <a:blip r:embed="rId3"/>
-          <a:stretch>
-            <a:fillRect/>
-          </a:stretch>
-        </p:blipFill>
-        <p:spPr>
-          <a:xfrm>
-            <a:off x="762" y="1387834"/>
-            <a:ext cx="6095238" cy="4571429"/>
-          </a:xfrm>
-          <a:prstGeom prst="rect">
-            <a:avLst/>
-          </a:prstGeom>
-        </p:spPr>
-      </p:pic>
-      <p:pic>
-        <p:nvPicPr>
-          <p:cNvPr id="4" name="圖片 3"/>
-          <p:cNvPicPr>
-            <a:picLocks noChangeAspect="1"/>
-          </p:cNvPicPr>
-          <p:nvPr/>
-        </p:nvPicPr>
-        <p:blipFill>
-          <a:blip r:embed="rId4"/>
-          <a:stretch>
-            <a:fillRect/>
-          </a:stretch>
-        </p:blipFill>
-        <p:spPr>
-          <a:xfrm>
-            <a:off x="6004232" y="1387834"/>
-            <a:ext cx="6095238" cy="4571429"/>
-          </a:xfrm>
-          <a:prstGeom prst="rect">
-            <a:avLst/>
-          </a:prstGeom>
-        </p:spPr>
-      </p:pic>
-    </p:spTree>
-    <p:extLst>
-      <p:ext uri="{BB962C8B-B14F-4D97-AF65-F5344CB8AC3E}">
-        <p14:creationId xmlns:p14="http://schemas.microsoft.com/office/powerpoint/2010/main" val="1421236479"/>
-      </p:ext>
-    </p:extLst>
-  </p:cSld>
-  <p:clrMapOvr>
-    <a:masterClrMapping/>
-  </p:clrMapOvr>
-  <mc:AlternateContent xmlns:mc="http://schemas.openxmlformats.org/markup-compatibility/2006" xmlns:p14="http://schemas.microsoft.com/office/powerpoint/2010/main">
-    <mc:Choice Requires="p14">
-      <p:transition spd="med" p14:dur="700">
-        <p:fade/>
-      </p:transition>
-    </mc:Choice>
-    <mc:Fallback xmlns="">
-      <p:transition spd="med">
-        <p:fade/>
-      </p:transition>
-    </mc:Fallback>
-  </mc:AlternateContent>
-  <p:timing>
-    <p:tnLst>
-      <p:par>
-        <p:cTn id="1" dur="indefinite" restart="never" nodeType="tmRoot"/>
-      </p:par>
-    </p:tnLst>
-  </p:timing>
-</p:sld>
-</file>
-
-<file path=ppt/slides/slide29.xml><?xml version="1.0" encoding="utf-8"?>
-<p:sld xmlns:a="http://schemas.openxmlformats.org/drawingml/2006/main" xmlns:r="http://schemas.openxmlformats.org/officeDocument/2006/relationships" xmlns:p="http://schemas.openxmlformats.org/presentationml/2006/main">
-  <p:cSld>
-    <p:spTree>
-      <p:nvGrpSpPr>
-        <p:cNvPr id="1" name=""/>
-        <p:cNvGrpSpPr/>
-        <p:nvPr/>
-      </p:nvGrpSpPr>
-      <p:grpSpPr>
-        <a:xfrm>
-          <a:off x="0" y="0"/>
-          <a:ext cx="0" cy="0"/>
-          <a:chOff x="0" y="0"/>
-          <a:chExt cx="0" cy="0"/>
-        </a:xfrm>
-      </p:grpSpPr>
-      <p:sp>
-        <p:nvSpPr>
-          <p:cNvPr id="2" name="投影片編號版面配置區 1"/>
-          <p:cNvSpPr>
-            <a:spLocks noGrp="1"/>
-          </p:cNvSpPr>
-          <p:nvPr>
-            <p:ph type="sldNum" sz="quarter" idx="4"/>
-          </p:nvPr>
-        </p:nvSpPr>
-        <p:spPr/>
-        <p:txBody>
-          <a:bodyPr/>
-          <a:lstStyle/>
-          <a:p>
-            <a:fld id="{6F0746BA-D1AA-4FF4-8D48-BDBC7FF48778}" type="slidenum">
-              <a:rPr lang="fr-FR" smtClean="0"/>
-              <a:t>29</a:t>
+              <a:t>30</a:t>
             </a:fld>
             <a:endParaRPr lang="fr-FR"/>
           </a:p>
@@ -29132,198 +29533,6 @@
 </p:sld>
 </file>
 
-<file path=ppt/slides/slide3.xml><?xml version="1.0" encoding="utf-8"?>
-<p:sld xmlns:a="http://schemas.openxmlformats.org/drawingml/2006/main" xmlns:r="http://schemas.openxmlformats.org/officeDocument/2006/relationships" xmlns:p="http://schemas.openxmlformats.org/presentationml/2006/main">
-  <p:cSld>
-    <p:spTree>
-      <p:nvGrpSpPr>
-        <p:cNvPr id="1" name=""/>
-        <p:cNvGrpSpPr/>
-        <p:nvPr/>
-      </p:nvGrpSpPr>
-      <p:grpSpPr>
-        <a:xfrm>
-          <a:off x="0" y="0"/>
-          <a:ext cx="0" cy="0"/>
-          <a:chOff x="0" y="0"/>
-          <a:chExt cx="0" cy="0"/>
-        </a:xfrm>
-      </p:grpSpPr>
-      <p:sp>
-        <p:nvSpPr>
-          <p:cNvPr id="2" name="投影片編號版面配置區 1"/>
-          <p:cNvSpPr>
-            <a:spLocks noGrp="1"/>
-          </p:cNvSpPr>
-          <p:nvPr>
-            <p:ph type="sldNum" sz="quarter" idx="4"/>
-          </p:nvPr>
-        </p:nvSpPr>
-        <p:spPr/>
-        <p:txBody>
-          <a:bodyPr/>
-          <a:lstStyle/>
-          <a:p>
-            <a:fld id="{6F0746BA-D1AA-4FF4-8D48-BDBC7FF48778}" type="slidenum">
-              <a:rPr lang="fr-FR" smtClean="0"/>
-              <a:t>3</a:t>
-            </a:fld>
-            <a:endParaRPr lang="fr-FR"/>
-          </a:p>
-        </p:txBody>
-      </p:sp>
-      <p:pic>
-        <p:nvPicPr>
-          <p:cNvPr id="3" name="圖片 2"/>
-          <p:cNvPicPr>
-            <a:picLocks noChangeAspect="1"/>
-          </p:cNvPicPr>
-          <p:nvPr/>
-        </p:nvPicPr>
-        <p:blipFill>
-          <a:blip r:embed="rId3"/>
-          <a:stretch>
-            <a:fillRect/>
-          </a:stretch>
-        </p:blipFill>
-        <p:spPr>
-          <a:xfrm>
-            <a:off x="350941" y="1427000"/>
-            <a:ext cx="5344500" cy="4004000"/>
-          </a:xfrm>
-          <a:prstGeom prst="rect">
-            <a:avLst/>
-          </a:prstGeom>
-        </p:spPr>
-      </p:pic>
-      <p:pic>
-        <p:nvPicPr>
-          <p:cNvPr id="4" name="圖片 3"/>
-          <p:cNvPicPr>
-            <a:picLocks noChangeAspect="1"/>
-          </p:cNvPicPr>
-          <p:nvPr/>
-        </p:nvPicPr>
-        <p:blipFill>
-          <a:blip r:embed="rId4"/>
-          <a:stretch>
-            <a:fillRect/>
-          </a:stretch>
-        </p:blipFill>
-        <p:spPr>
-          <a:xfrm>
-            <a:off x="6422131" y="1522693"/>
-            <a:ext cx="5344500" cy="4004000"/>
-          </a:xfrm>
-          <a:prstGeom prst="rect">
-            <a:avLst/>
-          </a:prstGeom>
-        </p:spPr>
-      </p:pic>
-    </p:spTree>
-    <p:extLst>
-      <p:ext uri="{BB962C8B-B14F-4D97-AF65-F5344CB8AC3E}">
-        <p14:creationId xmlns:p14="http://schemas.microsoft.com/office/powerpoint/2010/main" val="91061555"/>
-      </p:ext>
-    </p:extLst>
-  </p:cSld>
-  <p:clrMapOvr>
-    <a:masterClrMapping/>
-  </p:clrMapOvr>
-  <mc:AlternateContent xmlns:mc="http://schemas.openxmlformats.org/markup-compatibility/2006" xmlns:p14="http://schemas.microsoft.com/office/powerpoint/2010/main">
-    <mc:Choice Requires="p14">
-      <p:transition spd="med" p14:dur="700">
-        <p:fade/>
-      </p:transition>
-    </mc:Choice>
-    <mc:Fallback xmlns="">
-      <p:transition spd="med">
-        <p:fade/>
-      </p:transition>
-    </mc:Fallback>
-  </mc:AlternateContent>
-  <p:timing>
-    <p:tnLst>
-      <p:par>
-        <p:cTn id="1" dur="indefinite" restart="never" nodeType="tmRoot"/>
-      </p:par>
-    </p:tnLst>
-  </p:timing>
-</p:sld>
-</file>
-
-<file path=ppt/slides/slide30.xml><?xml version="1.0" encoding="utf-8"?>
-<p:sld xmlns:a="http://schemas.openxmlformats.org/drawingml/2006/main" xmlns:r="http://schemas.openxmlformats.org/officeDocument/2006/relationships" xmlns:p="http://schemas.openxmlformats.org/presentationml/2006/main">
-  <p:cSld>
-    <p:spTree>
-      <p:nvGrpSpPr>
-        <p:cNvPr id="1" name=""/>
-        <p:cNvGrpSpPr/>
-        <p:nvPr/>
-      </p:nvGrpSpPr>
-      <p:grpSpPr>
-        <a:xfrm>
-          <a:off x="0" y="0"/>
-          <a:ext cx="0" cy="0"/>
-          <a:chOff x="0" y="0"/>
-          <a:chExt cx="0" cy="0"/>
-        </a:xfrm>
-      </p:grpSpPr>
-      <p:sp>
-        <p:nvSpPr>
-          <p:cNvPr id="2" name="投影片編號版面配置區 1"/>
-          <p:cNvSpPr>
-            <a:spLocks noGrp="1"/>
-          </p:cNvSpPr>
-          <p:nvPr>
-            <p:ph type="sldNum" sz="quarter" idx="4"/>
-          </p:nvPr>
-        </p:nvSpPr>
-        <p:spPr/>
-        <p:txBody>
-          <a:bodyPr/>
-          <a:lstStyle/>
-          <a:p>
-            <a:fld id="{6F0746BA-D1AA-4FF4-8D48-BDBC7FF48778}" type="slidenum">
-              <a:rPr lang="fr-FR" smtClean="0"/>
-              <a:t>30</a:t>
-            </a:fld>
-            <a:endParaRPr lang="fr-FR"/>
-          </a:p>
-        </p:txBody>
-      </p:sp>
-    </p:spTree>
-    <p:extLst>
-      <p:ext uri="{BB962C8B-B14F-4D97-AF65-F5344CB8AC3E}">
-        <p14:creationId xmlns:p14="http://schemas.microsoft.com/office/powerpoint/2010/main" val="4229107936"/>
-      </p:ext>
-    </p:extLst>
-  </p:cSld>
-  <p:clrMapOvr>
-    <a:masterClrMapping/>
-  </p:clrMapOvr>
-  <mc:AlternateContent xmlns:mc="http://schemas.openxmlformats.org/markup-compatibility/2006" xmlns:p14="http://schemas.microsoft.com/office/powerpoint/2010/main">
-    <mc:Choice Requires="p14">
-      <p:transition spd="med" p14:dur="700">
-        <p:fade/>
-      </p:transition>
-    </mc:Choice>
-    <mc:Fallback xmlns="">
-      <p:transition spd="med">
-        <p:fade/>
-      </p:transition>
-    </mc:Fallback>
-  </mc:AlternateContent>
-  <p:timing>
-    <p:tnLst>
-      <p:par>
-        <p:cTn id="1" dur="indefinite" restart="never" nodeType="tmRoot"/>
-      </p:par>
-    </p:tnLst>
-  </p:timing>
-</p:sld>
-</file>
-
 <file path=ppt/slides/slide31.xml><?xml version="1.0" encoding="utf-8"?>
 <p:sld xmlns:a="http://schemas.openxmlformats.org/drawingml/2006/main" xmlns:r="http://schemas.openxmlformats.org/officeDocument/2006/relationships" xmlns:p="http://schemas.openxmlformats.org/presentationml/2006/main">
   <p:cSld>
@@ -29367,7 +29576,7 @@
     </p:spTree>
     <p:extLst>
       <p:ext uri="{BB962C8B-B14F-4D97-AF65-F5344CB8AC3E}">
-        <p14:creationId xmlns:p14="http://schemas.microsoft.com/office/powerpoint/2010/main" val="54045536"/>
+        <p14:creationId xmlns:p14="http://schemas.microsoft.com/office/powerpoint/2010/main" val="4229107936"/>
       </p:ext>
     </p:extLst>
   </p:cSld>
@@ -29439,7 +29648,7 @@
     </p:spTree>
     <p:extLst>
       <p:ext uri="{BB962C8B-B14F-4D97-AF65-F5344CB8AC3E}">
-        <p14:creationId xmlns:p14="http://schemas.microsoft.com/office/powerpoint/2010/main" val="17687669"/>
+        <p14:creationId xmlns:p14="http://schemas.microsoft.com/office/powerpoint/2010/main" val="54045536"/>
       </p:ext>
     </p:extLst>
   </p:cSld>
@@ -29511,7 +29720,7 @@
     </p:spTree>
     <p:extLst>
       <p:ext uri="{BB962C8B-B14F-4D97-AF65-F5344CB8AC3E}">
-        <p14:creationId xmlns:p14="http://schemas.microsoft.com/office/powerpoint/2010/main" val="3221504342"/>
+        <p14:creationId xmlns:p14="http://schemas.microsoft.com/office/powerpoint/2010/main" val="17687669"/>
       </p:ext>
     </p:extLst>
   </p:cSld>
@@ -29583,7 +29792,7 @@
     </p:spTree>
     <p:extLst>
       <p:ext uri="{BB962C8B-B14F-4D97-AF65-F5344CB8AC3E}">
-        <p14:creationId xmlns:p14="http://schemas.microsoft.com/office/powerpoint/2010/main" val="3689250389"/>
+        <p14:creationId xmlns:p14="http://schemas.microsoft.com/office/powerpoint/2010/main" val="3221504342"/>
       </p:ext>
     </p:extLst>
   </p:cSld>
@@ -29655,7 +29864,7 @@
     </p:spTree>
     <p:extLst>
       <p:ext uri="{BB962C8B-B14F-4D97-AF65-F5344CB8AC3E}">
-        <p14:creationId xmlns:p14="http://schemas.microsoft.com/office/powerpoint/2010/main" val="699744735"/>
+        <p14:creationId xmlns:p14="http://schemas.microsoft.com/office/powerpoint/2010/main" val="3689250389"/>
       </p:ext>
     </p:extLst>
   </p:cSld>
@@ -29719,6 +29928,78 @@
             <a:fld id="{6F0746BA-D1AA-4FF4-8D48-BDBC7FF48778}" type="slidenum">
               <a:rPr lang="fr-FR" smtClean="0"/>
               <a:t>36</a:t>
+            </a:fld>
+            <a:endParaRPr lang="fr-FR"/>
+          </a:p>
+        </p:txBody>
+      </p:sp>
+    </p:spTree>
+    <p:extLst>
+      <p:ext uri="{BB962C8B-B14F-4D97-AF65-F5344CB8AC3E}">
+        <p14:creationId xmlns:p14="http://schemas.microsoft.com/office/powerpoint/2010/main" val="699744735"/>
+      </p:ext>
+    </p:extLst>
+  </p:cSld>
+  <p:clrMapOvr>
+    <a:masterClrMapping/>
+  </p:clrMapOvr>
+  <mc:AlternateContent xmlns:mc="http://schemas.openxmlformats.org/markup-compatibility/2006" xmlns:p14="http://schemas.microsoft.com/office/powerpoint/2010/main">
+    <mc:Choice Requires="p14">
+      <p:transition spd="med" p14:dur="700">
+        <p:fade/>
+      </p:transition>
+    </mc:Choice>
+    <mc:Fallback xmlns="">
+      <p:transition spd="med">
+        <p:fade/>
+      </p:transition>
+    </mc:Fallback>
+  </mc:AlternateContent>
+  <p:timing>
+    <p:tnLst>
+      <p:par>
+        <p:cTn id="1" dur="indefinite" restart="never" nodeType="tmRoot"/>
+      </p:par>
+    </p:tnLst>
+  </p:timing>
+</p:sld>
+</file>
+
+<file path=ppt/slides/slide37.xml><?xml version="1.0" encoding="utf-8"?>
+<p:sld xmlns:a="http://schemas.openxmlformats.org/drawingml/2006/main" xmlns:r="http://schemas.openxmlformats.org/officeDocument/2006/relationships" xmlns:p="http://schemas.openxmlformats.org/presentationml/2006/main">
+  <p:cSld>
+    <p:spTree>
+      <p:nvGrpSpPr>
+        <p:cNvPr id="1" name=""/>
+        <p:cNvGrpSpPr/>
+        <p:nvPr/>
+      </p:nvGrpSpPr>
+      <p:grpSpPr>
+        <a:xfrm>
+          <a:off x="0" y="0"/>
+          <a:ext cx="0" cy="0"/>
+          <a:chOff x="0" y="0"/>
+          <a:chExt cx="0" cy="0"/>
+        </a:xfrm>
+      </p:grpSpPr>
+      <p:sp>
+        <p:nvSpPr>
+          <p:cNvPr id="2" name="投影片編號版面配置區 1"/>
+          <p:cNvSpPr>
+            <a:spLocks noGrp="1"/>
+          </p:cNvSpPr>
+          <p:nvPr>
+            <p:ph type="sldNum" sz="quarter" idx="4"/>
+          </p:nvPr>
+        </p:nvSpPr>
+        <p:spPr/>
+        <p:txBody>
+          <a:bodyPr/>
+          <a:lstStyle/>
+          <a:p>
+            <a:fld id="{6F0746BA-D1AA-4FF4-8D48-BDBC7FF48778}" type="slidenum">
+              <a:rPr lang="fr-FR" smtClean="0"/>
+              <a:t>37</a:t>
             </a:fld>
             <a:endParaRPr lang="fr-FR"/>
           </a:p>
@@ -29812,6 +30093,126 @@
         </p:blipFill>
         <p:spPr>
           <a:xfrm>
+            <a:off x="350941" y="1427000"/>
+            <a:ext cx="5344500" cy="4004000"/>
+          </a:xfrm>
+          <a:prstGeom prst="rect">
+            <a:avLst/>
+          </a:prstGeom>
+        </p:spPr>
+      </p:pic>
+      <p:pic>
+        <p:nvPicPr>
+          <p:cNvPr id="4" name="圖片 3"/>
+          <p:cNvPicPr>
+            <a:picLocks noChangeAspect="1"/>
+          </p:cNvPicPr>
+          <p:nvPr/>
+        </p:nvPicPr>
+        <p:blipFill>
+          <a:blip r:embed="rId4"/>
+          <a:stretch>
+            <a:fillRect/>
+          </a:stretch>
+        </p:blipFill>
+        <p:spPr>
+          <a:xfrm>
+            <a:off x="6422131" y="1522693"/>
+            <a:ext cx="5344500" cy="4004000"/>
+          </a:xfrm>
+          <a:prstGeom prst="rect">
+            <a:avLst/>
+          </a:prstGeom>
+        </p:spPr>
+      </p:pic>
+    </p:spTree>
+    <p:extLst>
+      <p:ext uri="{BB962C8B-B14F-4D97-AF65-F5344CB8AC3E}">
+        <p14:creationId xmlns:p14="http://schemas.microsoft.com/office/powerpoint/2010/main" val="91061555"/>
+      </p:ext>
+    </p:extLst>
+  </p:cSld>
+  <p:clrMapOvr>
+    <a:masterClrMapping/>
+  </p:clrMapOvr>
+  <mc:AlternateContent xmlns:mc="http://schemas.openxmlformats.org/markup-compatibility/2006" xmlns:p14="http://schemas.microsoft.com/office/powerpoint/2010/main">
+    <mc:Choice Requires="p14">
+      <p:transition spd="med" p14:dur="700">
+        <p:fade/>
+      </p:transition>
+    </mc:Choice>
+    <mc:Fallback xmlns="">
+      <p:transition spd="med">
+        <p:fade/>
+      </p:transition>
+    </mc:Fallback>
+  </mc:AlternateContent>
+  <p:timing>
+    <p:tnLst>
+      <p:par>
+        <p:cTn id="1" dur="indefinite" restart="never" nodeType="tmRoot"/>
+      </p:par>
+    </p:tnLst>
+  </p:timing>
+</p:sld>
+</file>
+
+<file path=ppt/slides/slide5.xml><?xml version="1.0" encoding="utf-8"?>
+<p:sld xmlns:a="http://schemas.openxmlformats.org/drawingml/2006/main" xmlns:r="http://schemas.openxmlformats.org/officeDocument/2006/relationships" xmlns:p="http://schemas.openxmlformats.org/presentationml/2006/main">
+  <p:cSld>
+    <p:spTree>
+      <p:nvGrpSpPr>
+        <p:cNvPr id="1" name=""/>
+        <p:cNvGrpSpPr/>
+        <p:nvPr/>
+      </p:nvGrpSpPr>
+      <p:grpSpPr>
+        <a:xfrm>
+          <a:off x="0" y="0"/>
+          <a:ext cx="0" cy="0"/>
+          <a:chOff x="0" y="0"/>
+          <a:chExt cx="0" cy="0"/>
+        </a:xfrm>
+      </p:grpSpPr>
+      <p:sp>
+        <p:nvSpPr>
+          <p:cNvPr id="2" name="投影片編號版面配置區 1"/>
+          <p:cNvSpPr>
+            <a:spLocks noGrp="1"/>
+          </p:cNvSpPr>
+          <p:nvPr>
+            <p:ph type="sldNum" sz="quarter" idx="4"/>
+          </p:nvPr>
+        </p:nvSpPr>
+        <p:spPr/>
+        <p:txBody>
+          <a:bodyPr/>
+          <a:lstStyle/>
+          <a:p>
+            <a:fld id="{6F0746BA-D1AA-4FF4-8D48-BDBC7FF48778}" type="slidenum">
+              <a:rPr lang="fr-FR" smtClean="0"/>
+              <a:t>5</a:t>
+            </a:fld>
+            <a:endParaRPr lang="fr-FR"/>
+          </a:p>
+        </p:txBody>
+      </p:sp>
+      <p:pic>
+        <p:nvPicPr>
+          <p:cNvPr id="3" name="圖片 2"/>
+          <p:cNvPicPr>
+            <a:picLocks noChangeAspect="1"/>
+          </p:cNvPicPr>
+          <p:nvPr/>
+        </p:nvPicPr>
+        <p:blipFill>
+          <a:blip r:embed="rId3"/>
+          <a:stretch>
+            <a:fillRect/>
+          </a:stretch>
+        </p:blipFill>
+        <p:spPr>
+          <a:xfrm>
             <a:off x="382838" y="1660917"/>
             <a:ext cx="5344500" cy="4004000"/>
           </a:xfrm>
@@ -29876,7 +30277,7 @@
 </p:sld>
 </file>
 
-<file path=ppt/slides/slide5.xml><?xml version="1.0" encoding="utf-8"?>
+<file path=ppt/slides/slide6.xml><?xml version="1.0" encoding="utf-8"?>
 <p:sld xmlns:a="http://schemas.openxmlformats.org/drawingml/2006/main" xmlns:r="http://schemas.openxmlformats.org/officeDocument/2006/relationships" xmlns:p="http://schemas.openxmlformats.org/presentationml/2006/main">
   <p:cSld>
     <p:spTree>
@@ -29910,7 +30311,7 @@
           <a:p>
             <a:fld id="{6F0746BA-D1AA-4FF4-8D48-BDBC7FF48778}" type="slidenum">
               <a:rPr lang="fr-FR" smtClean="0"/>
-              <a:t>5</a:t>
+              <a:t>6</a:t>
             </a:fld>
             <a:endParaRPr lang="fr-FR"/>
           </a:p>
@@ -29996,7 +30397,7 @@
 </p:sld>
 </file>
 
-<file path=ppt/slides/slide6.xml><?xml version="1.0" encoding="utf-8"?>
+<file path=ppt/slides/slide7.xml><?xml version="1.0" encoding="utf-8"?>
 <p:sld xmlns:a="http://schemas.openxmlformats.org/drawingml/2006/main" xmlns:r="http://schemas.openxmlformats.org/officeDocument/2006/relationships" xmlns:p="http://schemas.openxmlformats.org/presentationml/2006/main">
   <p:cSld>
     <p:spTree>
@@ -30030,7 +30431,7 @@
           <a:p>
             <a:fld id="{6F0746BA-D1AA-4FF4-8D48-BDBC7FF48778}" type="slidenum">
               <a:rPr lang="fr-FR" smtClean="0"/>
-              <a:t>6</a:t>
+              <a:t>7</a:t>
             </a:fld>
             <a:endParaRPr lang="fr-FR"/>
           </a:p>
@@ -30116,7 +30517,7 @@
 </p:sld>
 </file>
 
-<file path=ppt/slides/slide7.xml><?xml version="1.0" encoding="utf-8"?>
+<file path=ppt/slides/slide8.xml><?xml version="1.0" encoding="utf-8"?>
 <p:sld xmlns:a="http://schemas.openxmlformats.org/drawingml/2006/main" xmlns:r="http://schemas.openxmlformats.org/officeDocument/2006/relationships" xmlns:p="http://schemas.openxmlformats.org/presentationml/2006/main">
   <p:cSld>
     <p:spTree>
@@ -30150,7 +30551,7 @@
           <a:p>
             <a:fld id="{6F0746BA-D1AA-4FF4-8D48-BDBC7FF48778}" type="slidenum">
               <a:rPr lang="fr-FR" smtClean="0"/>
-              <a:t>7</a:t>
+              <a:t>8</a:t>
             </a:fld>
             <a:endParaRPr lang="fr-FR"/>
           </a:p>
@@ -30236,7 +30637,7 @@
 </p:sld>
 </file>
 
-<file path=ppt/slides/slide8.xml><?xml version="1.0" encoding="utf-8"?>
+<file path=ppt/slides/slide9.xml><?xml version="1.0" encoding="utf-8"?>
 <p:sld xmlns:a="http://schemas.openxmlformats.org/drawingml/2006/main" xmlns:r="http://schemas.openxmlformats.org/officeDocument/2006/relationships" xmlns:p="http://schemas.openxmlformats.org/presentationml/2006/main">
   <p:cSld>
     <p:spTree>
@@ -30270,7 +30671,7 @@
           <a:p>
             <a:fld id="{6F0746BA-D1AA-4FF4-8D48-BDBC7FF48778}" type="slidenum">
               <a:rPr lang="fr-FR" smtClean="0"/>
-              <a:t>8</a:t>
+              <a:t>9</a:t>
             </a:fld>
             <a:endParaRPr lang="fr-FR"/>
           </a:p>
@@ -30328,126 +30729,6 @@
     <p:extLst>
       <p:ext uri="{BB962C8B-B14F-4D97-AF65-F5344CB8AC3E}">
         <p14:creationId xmlns:p14="http://schemas.microsoft.com/office/powerpoint/2010/main" val="1789721809"/>
-      </p:ext>
-    </p:extLst>
-  </p:cSld>
-  <p:clrMapOvr>
-    <a:masterClrMapping/>
-  </p:clrMapOvr>
-  <mc:AlternateContent xmlns:mc="http://schemas.openxmlformats.org/markup-compatibility/2006" xmlns:p14="http://schemas.microsoft.com/office/powerpoint/2010/main">
-    <mc:Choice Requires="p14">
-      <p:transition spd="med" p14:dur="700">
-        <p:fade/>
-      </p:transition>
-    </mc:Choice>
-    <mc:Fallback xmlns="">
-      <p:transition spd="med">
-        <p:fade/>
-      </p:transition>
-    </mc:Fallback>
-  </mc:AlternateContent>
-  <p:timing>
-    <p:tnLst>
-      <p:par>
-        <p:cTn id="1" dur="indefinite" restart="never" nodeType="tmRoot"/>
-      </p:par>
-    </p:tnLst>
-  </p:timing>
-</p:sld>
-</file>
-
-<file path=ppt/slides/slide9.xml><?xml version="1.0" encoding="utf-8"?>
-<p:sld xmlns:a="http://schemas.openxmlformats.org/drawingml/2006/main" xmlns:r="http://schemas.openxmlformats.org/officeDocument/2006/relationships" xmlns:p="http://schemas.openxmlformats.org/presentationml/2006/main">
-  <p:cSld>
-    <p:spTree>
-      <p:nvGrpSpPr>
-        <p:cNvPr id="1" name=""/>
-        <p:cNvGrpSpPr/>
-        <p:nvPr/>
-      </p:nvGrpSpPr>
-      <p:grpSpPr>
-        <a:xfrm>
-          <a:off x="0" y="0"/>
-          <a:ext cx="0" cy="0"/>
-          <a:chOff x="0" y="0"/>
-          <a:chExt cx="0" cy="0"/>
-        </a:xfrm>
-      </p:grpSpPr>
-      <p:sp>
-        <p:nvSpPr>
-          <p:cNvPr id="2" name="投影片編號版面配置區 1"/>
-          <p:cNvSpPr>
-            <a:spLocks noGrp="1"/>
-          </p:cNvSpPr>
-          <p:nvPr>
-            <p:ph type="sldNum" sz="quarter" idx="4"/>
-          </p:nvPr>
-        </p:nvSpPr>
-        <p:spPr/>
-        <p:txBody>
-          <a:bodyPr/>
-          <a:lstStyle/>
-          <a:p>
-            <a:fld id="{6F0746BA-D1AA-4FF4-8D48-BDBC7FF48778}" type="slidenum">
-              <a:rPr lang="fr-FR" smtClean="0"/>
-              <a:t>9</a:t>
-            </a:fld>
-            <a:endParaRPr lang="fr-FR"/>
-          </a:p>
-        </p:txBody>
-      </p:sp>
-      <p:pic>
-        <p:nvPicPr>
-          <p:cNvPr id="3" name="圖片 2"/>
-          <p:cNvPicPr>
-            <a:picLocks noChangeAspect="1"/>
-          </p:cNvPicPr>
-          <p:nvPr/>
-        </p:nvPicPr>
-        <p:blipFill>
-          <a:blip r:embed="rId3"/>
-          <a:stretch>
-            <a:fillRect/>
-          </a:stretch>
-        </p:blipFill>
-        <p:spPr>
-          <a:xfrm>
-            <a:off x="223350" y="1501428"/>
-            <a:ext cx="5344500" cy="4004000"/>
-          </a:xfrm>
-          <a:prstGeom prst="rect">
-            <a:avLst/>
-          </a:prstGeom>
-        </p:spPr>
-      </p:pic>
-      <p:pic>
-        <p:nvPicPr>
-          <p:cNvPr id="4" name="圖片 3"/>
-          <p:cNvPicPr>
-            <a:picLocks noChangeAspect="1"/>
-          </p:cNvPicPr>
-          <p:nvPr/>
-        </p:nvPicPr>
-        <p:blipFill>
-          <a:blip r:embed="rId4"/>
-          <a:stretch>
-            <a:fillRect/>
-          </a:stretch>
-        </p:blipFill>
-        <p:spPr>
-          <a:xfrm>
-            <a:off x="6080738" y="1427000"/>
-            <a:ext cx="5344500" cy="4004000"/>
-          </a:xfrm>
-          <a:prstGeom prst="rect">
-            <a:avLst/>
-          </a:prstGeom>
-        </p:spPr>
-      </p:pic>
-    </p:spTree>
-    <p:extLst>
-      <p:ext uri="{BB962C8B-B14F-4D97-AF65-F5344CB8AC3E}">
-        <p14:creationId xmlns:p14="http://schemas.microsoft.com/office/powerpoint/2010/main" val="1710183733"/>
       </p:ext>
     </p:extLst>
   </p:cSld>
@@ -31047,6 +31328,15 @@
 </file>
 
 <file path=customXml/item1.xml><?xml version="1.0" encoding="utf-8"?>
+<?mso-contentType ?>
+<FormTemplates xmlns="http://schemas.microsoft.com/sharepoint/v3/contenttype/forms">
+  <Display>DocumentLibraryForm</Display>
+  <Edit>DocumentLibraryForm</Edit>
+  <New>DocumentLibraryForm</New>
+</FormTemplates>
+</file>
+
+<file path=customXml/item2.xml><?xml version="1.0" encoding="utf-8"?>
 <ct:contentTypeSchema xmlns:ct="http://schemas.microsoft.com/office/2006/metadata/contentType" xmlns:ma="http://schemas.microsoft.com/office/2006/metadata/properties/metaAttributes" ct:_="" ma:_="" ma:contentTypeName="Document" ma:contentTypeID="0x01010005FA520563873D4EB8CBD5344A351BEB" ma:contentTypeVersion="0" ma:contentTypeDescription="Crée un document." ma:contentTypeScope="" ma:versionID="005ce72954985de94fc750614f2007cc">
   <xsd:schema xmlns:xsd="http://www.w3.org/2001/XMLSchema" xmlns:xs="http://www.w3.org/2001/XMLSchema" xmlns:p="http://schemas.microsoft.com/office/2006/metadata/properties" targetNamespace="http://schemas.microsoft.com/office/2006/metadata/properties" ma:root="true" ma:fieldsID="36883d0f3030e52908f9a4448a35c02a">
     <xsd:element name="properties">
@@ -31160,15 +31450,6 @@
 </ct:contentTypeSchema>
 </file>
 
-<file path=customXml/item2.xml><?xml version="1.0" encoding="utf-8"?>
-<?mso-contentType ?>
-<FormTemplates xmlns="http://schemas.microsoft.com/sharepoint/v3/contenttype/forms">
-  <Display>DocumentLibraryForm</Display>
-  <Edit>DocumentLibraryForm</Edit>
-  <New>DocumentLibraryForm</New>
-</FormTemplates>
-</file>
-
 <file path=customXml/item3.xml><?xml version="1.0" encoding="utf-8"?>
 <p:properties xmlns:p="http://schemas.microsoft.com/office/2006/metadata/properties" xmlns:xsi="http://www.w3.org/2001/XMLSchema-instance" xmlns:pc="http://schemas.microsoft.com/office/infopath/2007/PartnerControls">
   <documentManagement/>
@@ -31176,6 +31457,14 @@
 </file>
 
 <file path=customXml/itemProps1.xml><?xml version="1.0" encoding="utf-8"?>
+<ds:datastoreItem xmlns:ds="http://schemas.openxmlformats.org/officeDocument/2006/customXml" ds:itemID="{95457E87-E546-449E-A4D1-371201992E58}">
+  <ds:schemaRefs>
+    <ds:schemaRef ds:uri="http://schemas.microsoft.com/sharepoint/v3/contenttype/forms"/>
+  </ds:schemaRefs>
+</ds:datastoreItem>
+</file>
+
+<file path=customXml/itemProps2.xml><?xml version="1.0" encoding="utf-8"?>
 <ds:datastoreItem xmlns:ds="http://schemas.openxmlformats.org/officeDocument/2006/customXml" ds:itemID="{FF14EDAB-351E-4851-B148-260C81C296AA}">
   <ds:schemaRefs>
     <ds:schemaRef ds:uri="http://schemas.microsoft.com/office/2006/metadata/contentType"/>
@@ -31187,14 +31476,6 @@
     <ds:schemaRef ds:uri="http://purl.org/dc/terms/"/>
     <ds:schemaRef ds:uri="http://schemas.microsoft.com/internal/obd"/>
     <ds:schemaRef ds:uri="http://schemas.microsoft.com/office/infopath/2007/PartnerControls"/>
-  </ds:schemaRefs>
-</ds:datastoreItem>
-</file>
-
-<file path=customXml/itemProps2.xml><?xml version="1.0" encoding="utf-8"?>
-<ds:datastoreItem xmlns:ds="http://schemas.openxmlformats.org/officeDocument/2006/customXml" ds:itemID="{95457E87-E546-449E-A4D1-371201992E58}">
-  <ds:schemaRefs>
-    <ds:schemaRef ds:uri="http://schemas.microsoft.com/sharepoint/v3/contenttype/forms"/>
   </ds:schemaRefs>
 </ds:datastoreItem>
 </file>

--- a/論文圖片.pptx
+++ b/論文圖片.pptx
@@ -331,7 +331,7 @@
           <a:p>
             <a:fld id="{E17FB05D-A85A-41E9-95F8-557FC4A8E4EF}" type="datetimeFigureOut">
               <a:rPr lang="zh-TW" altLang="en-US" smtClean="0"/>
-              <a:t>2019/6/16</a:t>
+              <a:t>2019/7/17</a:t>
             </a:fld>
             <a:endParaRPr lang="zh-TW" altLang="en-US"/>
           </a:p>
@@ -4158,7 +4158,7 @@
           <a:p>
             <a:fld id="{7A7E7069-7A31-444D-80E6-B61C02E1392B}" type="datetime1">
               <a:rPr lang="fr-FR" altLang="zh-TW" smtClean="0"/>
-              <a:t>16/06/2019</a:t>
+              <a:t>17/07/2019</a:t>
             </a:fld>
             <a:endParaRPr lang="fr-FR"/>
           </a:p>
@@ -4507,7 +4507,7 @@
           <a:p>
             <a:fld id="{AB24F10B-ECA2-4753-8694-8A0132243A1A}" type="datetime1">
               <a:rPr lang="fr-FR" altLang="zh-TW" smtClean="0"/>
-              <a:t>16/06/2019</a:t>
+              <a:t>17/07/2019</a:t>
             </a:fld>
             <a:endParaRPr lang="fr-FR"/>
           </a:p>
@@ -5036,7 +5036,7 @@
           <a:p>
             <a:fld id="{DF3763D6-108C-484F-A72E-357B7AC47626}" type="datetime1">
               <a:rPr lang="fr-FR" altLang="zh-TW" smtClean="0"/>
-              <a:t>16/06/2019</a:t>
+              <a:t>17/07/2019</a:t>
             </a:fld>
             <a:endParaRPr lang="fr-FR"/>
           </a:p>
@@ -5304,7 +5304,7 @@
           <a:p>
             <a:fld id="{70A2E91A-1B1C-4AA6-BE7D-BFAB22416A0A}" type="datetime1">
               <a:rPr lang="fr-FR" altLang="zh-TW" smtClean="0"/>
-              <a:t>16/06/2019</a:t>
+              <a:t>17/07/2019</a:t>
             </a:fld>
             <a:endParaRPr lang="fr-FR"/>
           </a:p>
@@ -5621,7 +5621,7 @@
           <a:p>
             <a:fld id="{CB63E6B3-FD71-4468-88B9-C0735253CCAA}" type="datetime1">
               <a:rPr lang="fr-FR" altLang="zh-TW" smtClean="0"/>
-              <a:t>16/06/2019</a:t>
+              <a:t>17/07/2019</a:t>
             </a:fld>
             <a:endParaRPr lang="fr-FR"/>
           </a:p>
@@ -5883,7 +5883,7 @@
           <a:p>
             <a:fld id="{E7037967-40FB-4E34-8FF3-6969956CCBF8}" type="datetime1">
               <a:rPr lang="fr-FR" altLang="zh-TW" smtClean="0"/>
-              <a:t>16/06/2019</a:t>
+              <a:t>17/07/2019</a:t>
             </a:fld>
             <a:endParaRPr lang="fr-FR"/>
           </a:p>
@@ -6601,7 +6601,7 @@
           <a:p>
             <a:fld id="{D3ACC2AA-C9BE-4B6D-A61B-7594931CB630}" type="datetime1">
               <a:rPr lang="fr-FR" altLang="zh-TW" smtClean="0"/>
-              <a:t>16/06/2019</a:t>
+              <a:t>17/07/2019</a:t>
             </a:fld>
             <a:endParaRPr lang="fr-FR"/>
           </a:p>
@@ -6958,7 +6958,7 @@
           <a:p>
             <a:fld id="{1D45520A-363C-425F-A28D-4D02521E9EC2}" type="datetime1">
               <a:rPr lang="fr-FR" altLang="zh-TW" smtClean="0"/>
-              <a:t>16/06/2019</a:t>
+              <a:t>17/07/2019</a:t>
             </a:fld>
             <a:endParaRPr lang="fr-FR"/>
           </a:p>
@@ -7258,7 +7258,7 @@
           <a:p>
             <a:fld id="{172E36E1-A9EF-44B8-BDC2-AD38F076111B}" type="datetime1">
               <a:rPr lang="fr-FR" altLang="zh-TW" smtClean="0"/>
-              <a:t>16/06/2019</a:t>
+              <a:t>17/07/2019</a:t>
             </a:fld>
             <a:endParaRPr lang="fr-FR"/>
           </a:p>
@@ -7445,7 +7445,7 @@
           <a:p>
             <a:fld id="{E6060845-F4F6-4A6C-87EC-25D40DD76F66}" type="datetime1">
               <a:rPr lang="fr-FR" altLang="zh-TW" smtClean="0"/>
-              <a:t>16/06/2019</a:t>
+              <a:t>17/07/2019</a:t>
             </a:fld>
             <a:endParaRPr lang="fr-FR"/>
           </a:p>
@@ -13844,7 +13844,7 @@
           <a:p>
             <a:fld id="{A0B758D6-ED01-4AE2-915C-7364812A8626}" type="datetime1">
               <a:rPr lang="fr-FR" altLang="zh-TW" smtClean="0"/>
-              <a:t>16/06/2019</a:t>
+              <a:t>17/07/2019</a:t>
             </a:fld>
             <a:endParaRPr lang="fr-FR"/>
           </a:p>
@@ -19095,7 +19095,7 @@
           <a:p>
             <a:fld id="{3878EA16-B830-4EFF-8CB0-DE8E57720CDD}" type="datetime1">
               <a:rPr lang="fr-FR" altLang="zh-TW" smtClean="0"/>
-              <a:t>16/06/2019</a:t>
+              <a:t>17/07/2019</a:t>
             </a:fld>
             <a:endParaRPr lang="fr-FR"/>
           </a:p>
@@ -19829,7 +19829,7 @@
           <a:p>
             <a:fld id="{2579C44F-DB87-47B9-975C-3AD181DD0144}" type="datetime1">
               <a:rPr lang="fr-FR" altLang="zh-TW" smtClean="0"/>
-              <a:t>16/06/2019</a:t>
+              <a:t>17/07/2019</a:t>
             </a:fld>
             <a:endParaRPr lang="fr-FR"/>
           </a:p>
@@ -21749,7 +21749,7 @@
           <a:p>
             <a:fld id="{17C8F73A-9A53-44D5-87A0-EF89FB35B76E}" type="datetime1">
               <a:rPr lang="fr-FR" altLang="zh-TW" smtClean="0"/>
-              <a:t>16/06/2019</a:t>
+              <a:t>17/07/2019</a:t>
             </a:fld>
             <a:endParaRPr lang="fr-FR"/>
           </a:p>
@@ -22415,7 +22415,7 @@
           <a:p>
             <a:fld id="{01D877FE-3F74-424B-86C7-10EA22D7ED24}" type="datetime1">
               <a:rPr lang="fr-FR" altLang="zh-TW" smtClean="0"/>
-              <a:t>16/06/2019</a:t>
+              <a:t>17/07/2019</a:t>
             </a:fld>
             <a:endParaRPr lang="fr-FR"/>
           </a:p>
@@ -23081,7 +23081,7 @@
           <a:p>
             <a:fld id="{B9087178-D13A-4930-A1A8-4200F7450DEF}" type="datetime1">
               <a:rPr lang="fr-FR" altLang="zh-TW" smtClean="0"/>
-              <a:t>16/06/2019</a:t>
+              <a:t>17/07/2019</a:t>
             </a:fld>
             <a:endParaRPr lang="fr-FR"/>
           </a:p>
@@ -24816,7 +24816,7 @@
           <a:p>
             <a:fld id="{0003247B-B3F7-41BB-A95F-B6B56C48E17E}" type="datetime1">
               <a:rPr lang="fr-FR" altLang="zh-TW" smtClean="0"/>
-              <a:t>16/06/2019</a:t>
+              <a:t>17/07/2019</a:t>
             </a:fld>
             <a:endParaRPr lang="fr-FR"/>
           </a:p>
@@ -25060,7 +25060,7 @@
           <a:p>
             <a:fld id="{7036140C-C5FE-4C35-B4E1-C65C06066FA9}" type="datetime1">
               <a:rPr lang="fr-FR" altLang="zh-TW" smtClean="0"/>
-              <a:t>16/06/2019</a:t>
+              <a:t>17/07/2019</a:t>
             </a:fld>
             <a:endParaRPr lang="fr-FR"/>
           </a:p>
@@ -25238,7 +25238,7 @@
           <a:p>
             <a:fld id="{887BFBD1-3D9B-4272-AD61-7503861467DB}" type="datetime1">
               <a:rPr lang="fr-FR" altLang="zh-TW" smtClean="0"/>
-              <a:t>16/06/2019</a:t>
+              <a:t>17/07/2019</a:t>
             </a:fld>
             <a:endParaRPr lang="fr-FR"/>
           </a:p>
@@ -27831,6 +27831,53 @@
           <a:chExt cx="0" cy="0"/>
         </a:xfrm>
       </p:grpSpPr>
+      <p:sp>
+        <p:nvSpPr>
+          <p:cNvPr id="2" name="投影片編號版面配置區 1"/>
+          <p:cNvSpPr>
+            <a:spLocks noGrp="1"/>
+          </p:cNvSpPr>
+          <p:nvPr>
+            <p:ph type="sldNum" sz="quarter" idx="4"/>
+          </p:nvPr>
+        </p:nvSpPr>
+        <p:spPr/>
+        <p:txBody>
+          <a:bodyPr/>
+          <a:lstStyle/>
+          <a:p>
+            <a:fld id="{6F0746BA-D1AA-4FF4-8D48-BDBC7FF48778}" type="slidenum">
+              <a:rPr lang="fr-FR" smtClean="0"/>
+              <a:t>2</a:t>
+            </a:fld>
+            <a:endParaRPr lang="fr-FR"/>
+          </a:p>
+        </p:txBody>
+      </p:sp>
+      <p:pic>
+        <p:nvPicPr>
+          <p:cNvPr id="5" name="圖片 4"/>
+          <p:cNvPicPr>
+            <a:picLocks noChangeAspect="1"/>
+          </p:cNvPicPr>
+          <p:nvPr/>
+        </p:nvPicPr>
+        <p:blipFill>
+          <a:blip r:embed="rId2"/>
+          <a:stretch>
+            <a:fillRect/>
+          </a:stretch>
+        </p:blipFill>
+        <p:spPr>
+          <a:xfrm>
+            <a:off x="1485397" y="1430370"/>
+            <a:ext cx="6095238" cy="4571429"/>
+          </a:xfrm>
+          <a:prstGeom prst="rect">
+            <a:avLst/>
+          </a:prstGeom>
+        </p:spPr>
+      </p:pic>
       <p:cxnSp>
         <p:nvCxnSpPr>
           <p:cNvPr id="12" name="直線接點 11"/>
@@ -27866,53 +27913,6 @@
           </a:fontRef>
         </p:style>
       </p:cxnSp>
-      <p:sp>
-        <p:nvSpPr>
-          <p:cNvPr id="2" name="投影片編號版面配置區 1"/>
-          <p:cNvSpPr>
-            <a:spLocks noGrp="1"/>
-          </p:cNvSpPr>
-          <p:nvPr>
-            <p:ph type="sldNum" sz="quarter" idx="4"/>
-          </p:nvPr>
-        </p:nvSpPr>
-        <p:spPr/>
-        <p:txBody>
-          <a:bodyPr/>
-          <a:lstStyle/>
-          <a:p>
-            <a:fld id="{6F0746BA-D1AA-4FF4-8D48-BDBC7FF48778}" type="slidenum">
-              <a:rPr lang="fr-FR" smtClean="0"/>
-              <a:t>2</a:t>
-            </a:fld>
-            <a:endParaRPr lang="fr-FR"/>
-          </a:p>
-        </p:txBody>
-      </p:sp>
-      <p:pic>
-        <p:nvPicPr>
-          <p:cNvPr id="4" name="圖片 3"/>
-          <p:cNvPicPr>
-            <a:picLocks noChangeAspect="1"/>
-          </p:cNvPicPr>
-          <p:nvPr/>
-        </p:nvPicPr>
-        <p:blipFill>
-          <a:blip r:embed="rId2"/>
-          <a:stretch>
-            <a:fillRect/>
-          </a:stretch>
-        </p:blipFill>
-        <p:spPr>
-          <a:xfrm>
-            <a:off x="1357804" y="1143285"/>
-            <a:ext cx="6095238" cy="4571429"/>
-          </a:xfrm>
-          <a:prstGeom prst="rect">
-            <a:avLst/>
-          </a:prstGeom>
-        </p:spPr>
-      </p:pic>
       <p:cxnSp>
         <p:nvCxnSpPr>
           <p:cNvPr id="6" name="直線接點 5"/>
@@ -28028,8 +28028,8 @@
         </p:nvSpPr>
         <p:spPr>
           <a:xfrm>
-            <a:off x="3668234" y="3537030"/>
-            <a:ext cx="443391" cy="293350"/>
+            <a:off x="3292344" y="3704971"/>
+            <a:ext cx="1081386" cy="293350"/>
           </a:xfrm>
           <a:prstGeom prst="rect">
             <a:avLst/>
@@ -28052,7 +28052,7 @@
                 <a:latin typeface="Segoe UI Light" panose="020B0502040204020203" pitchFamily="34" charset="0"/>
                 <a:cs typeface="Segoe UI Light" panose="020B0502040204020203" pitchFamily="34" charset="0"/>
               </a:rPr>
-              <a:t>76cm</a:t>
+              <a:t>76cm&lt;d=90cm</a:t>
             </a:r>
             <a:endParaRPr lang="zh-TW" altLang="en-US" sz="1200" dirty="0" smtClean="0">
               <a:latin typeface="Segoe UI Light" panose="020B0502040204020203" pitchFamily="34" charset="0"/>
@@ -31328,15 +31328,6 @@
 </file>
 
 <file path=customXml/item1.xml><?xml version="1.0" encoding="utf-8"?>
-<?mso-contentType ?>
-<FormTemplates xmlns="http://schemas.microsoft.com/sharepoint/v3/contenttype/forms">
-  <Display>DocumentLibraryForm</Display>
-  <Edit>DocumentLibraryForm</Edit>
-  <New>DocumentLibraryForm</New>
-</FormTemplates>
-</file>
-
-<file path=customXml/item2.xml><?xml version="1.0" encoding="utf-8"?>
 <ct:contentTypeSchema xmlns:ct="http://schemas.microsoft.com/office/2006/metadata/contentType" xmlns:ma="http://schemas.microsoft.com/office/2006/metadata/properties/metaAttributes" ct:_="" ma:_="" ma:contentTypeName="Document" ma:contentTypeID="0x01010005FA520563873D4EB8CBD5344A351BEB" ma:contentTypeVersion="0" ma:contentTypeDescription="Crée un document." ma:contentTypeScope="" ma:versionID="005ce72954985de94fc750614f2007cc">
   <xsd:schema xmlns:xsd="http://www.w3.org/2001/XMLSchema" xmlns:xs="http://www.w3.org/2001/XMLSchema" xmlns:p="http://schemas.microsoft.com/office/2006/metadata/properties" targetNamespace="http://schemas.microsoft.com/office/2006/metadata/properties" ma:root="true" ma:fieldsID="36883d0f3030e52908f9a4448a35c02a">
     <xsd:element name="properties">
@@ -31450,6 +31441,15 @@
 </ct:contentTypeSchema>
 </file>
 
+<file path=customXml/item2.xml><?xml version="1.0" encoding="utf-8"?>
+<?mso-contentType ?>
+<FormTemplates xmlns="http://schemas.microsoft.com/sharepoint/v3/contenttype/forms">
+  <Display>DocumentLibraryForm</Display>
+  <Edit>DocumentLibraryForm</Edit>
+  <New>DocumentLibraryForm</New>
+</FormTemplates>
+</file>
+
 <file path=customXml/item3.xml><?xml version="1.0" encoding="utf-8"?>
 <p:properties xmlns:p="http://schemas.microsoft.com/office/2006/metadata/properties" xmlns:xsi="http://www.w3.org/2001/XMLSchema-instance" xmlns:pc="http://schemas.microsoft.com/office/infopath/2007/PartnerControls">
   <documentManagement/>
@@ -31457,14 +31457,6 @@
 </file>
 
 <file path=customXml/itemProps1.xml><?xml version="1.0" encoding="utf-8"?>
-<ds:datastoreItem xmlns:ds="http://schemas.openxmlformats.org/officeDocument/2006/customXml" ds:itemID="{95457E87-E546-449E-A4D1-371201992E58}">
-  <ds:schemaRefs>
-    <ds:schemaRef ds:uri="http://schemas.microsoft.com/sharepoint/v3/contenttype/forms"/>
-  </ds:schemaRefs>
-</ds:datastoreItem>
-</file>
-
-<file path=customXml/itemProps2.xml><?xml version="1.0" encoding="utf-8"?>
 <ds:datastoreItem xmlns:ds="http://schemas.openxmlformats.org/officeDocument/2006/customXml" ds:itemID="{FF14EDAB-351E-4851-B148-260C81C296AA}">
   <ds:schemaRefs>
     <ds:schemaRef ds:uri="http://schemas.microsoft.com/office/2006/metadata/contentType"/>
@@ -31476,6 +31468,14 @@
     <ds:schemaRef ds:uri="http://purl.org/dc/terms/"/>
     <ds:schemaRef ds:uri="http://schemas.microsoft.com/internal/obd"/>
     <ds:schemaRef ds:uri="http://schemas.microsoft.com/office/infopath/2007/PartnerControls"/>
+  </ds:schemaRefs>
+</ds:datastoreItem>
+</file>
+
+<file path=customXml/itemProps2.xml><?xml version="1.0" encoding="utf-8"?>
+<ds:datastoreItem xmlns:ds="http://schemas.openxmlformats.org/officeDocument/2006/customXml" ds:itemID="{95457E87-E546-449E-A4D1-371201992E58}">
+  <ds:schemaRefs>
+    <ds:schemaRef ds:uri="http://schemas.microsoft.com/sharepoint/v3/contenttype/forms"/>
   </ds:schemaRefs>
 </ds:datastoreItem>
 </file>
